--- a/excel/class_notes/Excel Beg to Adv.pptx
+++ b/excel/class_notes/Excel Beg to Adv.pptx
@@ -24,14 +24,21 @@
     <p:sldId id="297" r:id="rId19"/>
     <p:sldId id="298" r:id="rId20"/>
     <p:sldId id="268" r:id="rId21"/>
-    <p:sldId id="269" r:id="rId22"/>
-    <p:sldId id="270" r:id="rId23"/>
-    <p:sldId id="271" r:id="rId24"/>
-    <p:sldId id="272" r:id="rId25"/>
-    <p:sldId id="273" r:id="rId26"/>
-    <p:sldId id="274" r:id="rId27"/>
-    <p:sldId id="275" r:id="rId28"/>
-    <p:sldId id="258" r:id="rId29"/>
+    <p:sldId id="309" r:id="rId22"/>
+    <p:sldId id="269" r:id="rId23"/>
+    <p:sldId id="310" r:id="rId24"/>
+    <p:sldId id="311" r:id="rId25"/>
+    <p:sldId id="270" r:id="rId26"/>
+    <p:sldId id="271" r:id="rId27"/>
+    <p:sldId id="314" r:id="rId28"/>
+    <p:sldId id="315" r:id="rId29"/>
+    <p:sldId id="316" r:id="rId30"/>
+    <p:sldId id="272" r:id="rId31"/>
+    <p:sldId id="317" r:id="rId32"/>
+    <p:sldId id="273" r:id="rId33"/>
+    <p:sldId id="274" r:id="rId34"/>
+    <p:sldId id="275" r:id="rId35"/>
+    <p:sldId id="258" r:id="rId36"/>
   </p:sldIdLst>
   <p:sldSz cx="12192000" cy="6858000"/>
   <p:notesSz cx="6858000" cy="9144000"/>
@@ -4812,6 +4819,43 @@
           </a:p>
         </p:txBody>
       </p:sp>
+      <p:sp>
+        <p:nvSpPr>
+          <p:cNvPr id="5" name="Text Box 4"/>
+          <p:cNvSpPr txBox="1"/>
+          <p:nvPr/>
+        </p:nvSpPr>
+        <p:spPr>
+          <a:xfrm>
+            <a:off x="541020" y="5985510"/>
+            <a:ext cx="10047605" cy="368300"/>
+          </a:xfrm>
+          <a:prstGeom prst="rect">
+            <a:avLst/>
+          </a:prstGeom>
+          <a:noFill/>
+        </p:spPr>
+        <p:txBody>
+          <a:bodyPr wrap="square" rtlCol="0" anchor="t">
+            <a:spAutoFit/>
+          </a:bodyPr>
+          <a:p>
+            <a:r>
+              <a:rPr lang="en-US">
+                <a:solidFill>
+                  <a:srgbClr val="00B0F0"/>
+                </a:solidFill>
+              </a:rPr>
+              <a:t>https://theexceladdict.com/tips/170302_Create_Your_Own_Custom_AutoFill_Lists.html</a:t>
+            </a:r>
+            <a:endParaRPr lang="en-US">
+              <a:solidFill>
+                <a:srgbClr val="00B0F0"/>
+              </a:solidFill>
+            </a:endParaRPr>
+          </a:p>
+        </p:txBody>
+      </p:sp>
     </p:spTree>
   </p:cSld>
   <p:clrMapOvr>
@@ -5604,8 +5648,8 @@
         </p:nvSpPr>
         <p:spPr>
           <a:xfrm>
-            <a:off x="3048000" y="-1464310"/>
-            <a:ext cx="6096000" cy="9786620"/>
+            <a:off x="120650" y="137160"/>
+            <a:ext cx="6379210" cy="6031230"/>
           </a:xfrm>
           <a:prstGeom prst="rect">
             <a:avLst/>
@@ -5618,417 +5662,153 @@
           </a:bodyPr>
           <a:p>
             <a:r>
-              <a:rPr lang="en-US"/>
-              <a:t>1. Conditional Formatting Overview</a:t>
-            </a:r>
-            <a:endParaRPr lang="en-US"/>
-          </a:p>
-          <a:p>
-            <a:r>
-              <a:rPr lang="en-US"/>
+              <a:rPr lang="en-US" b="1">
+                <a:solidFill>
+                  <a:srgbClr val="C00000"/>
+                </a:solidFill>
+                <a:highlight>
+                  <a:srgbClr val="FFFF00"/>
+                </a:highlight>
+              </a:rPr>
+              <a:t>Conditional Formatting Overview</a:t>
+            </a:r>
+            <a:endParaRPr lang="en-US" b="1">
+              <a:solidFill>
+                <a:srgbClr val="C00000"/>
+              </a:solidFill>
+              <a:highlight>
+                <a:srgbClr val="FFFF00"/>
+              </a:highlight>
+            </a:endParaRPr>
+          </a:p>
+          <a:p>
+            <a:r>
+              <a:rPr lang="en-US" sz="1600"/>
               <a:t>Conditional Formatting allows you to format cells based on specific criteria, making it easy to visualize trends, identify high/low values, or highlight important data.</a:t>
             </a:r>
-            <a:endParaRPr lang="en-US"/>
-          </a:p>
-          <a:p>
-            <a:r>
-              <a:rPr lang="en-US"/>
+            <a:endParaRPr lang="en-US" sz="1600"/>
+          </a:p>
+          <a:p>
+            <a:endParaRPr lang="en-US" sz="1600"/>
+          </a:p>
+          <a:p>
+            <a:r>
+              <a:rPr lang="en-US" sz="1600" b="1">
+                <a:solidFill>
+                  <a:srgbClr val="C00000"/>
+                </a:solidFill>
+              </a:rPr>
               <a:t>2. Highlight Cells Rules</a:t>
             </a:r>
-            <a:endParaRPr lang="en-US"/>
-          </a:p>
-          <a:p>
-            <a:r>
-              <a:rPr lang="en-US"/>
+            <a:endParaRPr lang="en-US" sz="1600" b="1">
+              <a:solidFill>
+                <a:srgbClr val="C00000"/>
+              </a:solidFill>
+            </a:endParaRPr>
+          </a:p>
+          <a:p>
+            <a:r>
+              <a:rPr lang="en-US" sz="1600"/>
               <a:t>This feature highlights cells based on predefined rules like values, text, dates, or duplicates.</a:t>
             </a:r>
-            <a:endParaRPr lang="en-US"/>
-          </a:p>
-          <a:p>
-            <a:r>
-              <a:rPr lang="en-US"/>
+            <a:endParaRPr lang="en-US" sz="1600"/>
+          </a:p>
+          <a:p>
+            <a:endParaRPr lang="en-US" sz="1600" b="1"/>
+          </a:p>
+          <a:p>
+            <a:r>
+              <a:rPr lang="en-US" sz="1600" b="1"/>
               <a:t>Steps:</a:t>
             </a:r>
-            <a:endParaRPr lang="en-US"/>
-          </a:p>
-          <a:p>
-            <a:r>
-              <a:rPr lang="en-US"/>
+            <a:endParaRPr lang="en-US" sz="1600" b="1"/>
+          </a:p>
+          <a:p>
+            <a:r>
+              <a:rPr lang="en-US" sz="1600"/>
               <a:t>Select the range of cells to apply the rule.</a:t>
             </a:r>
-            <a:endParaRPr lang="en-US"/>
-          </a:p>
-          <a:p>
-            <a:r>
-              <a:rPr lang="en-US"/>
+            <a:endParaRPr lang="en-US" sz="1600"/>
+          </a:p>
+          <a:p>
+            <a:r>
+              <a:rPr lang="en-US" sz="1600"/>
               <a:t>Go to the Home tab and click Conditional Formatting.</a:t>
             </a:r>
-            <a:endParaRPr lang="en-US"/>
-          </a:p>
-          <a:p>
-            <a:r>
-              <a:rPr lang="en-US"/>
+            <a:endParaRPr lang="en-US" sz="1600"/>
+          </a:p>
+          <a:p>
+            <a:r>
+              <a:rPr lang="en-US" sz="1600"/>
               <a:t>Choose Highlight Cells Rules from the dropdown.</a:t>
             </a:r>
-            <a:endParaRPr lang="en-US"/>
-          </a:p>
-          <a:p>
-            <a:r>
-              <a:rPr lang="en-US"/>
+            <a:endParaRPr lang="en-US" sz="1600"/>
+          </a:p>
+          <a:p>
+            <a:r>
+              <a:rPr lang="en-US" sz="1600"/>
               <a:t>Select the condition you want (e.g., Greater Than, Less Than, Text That Contains, etc.).</a:t>
             </a:r>
-            <a:endParaRPr lang="en-US"/>
-          </a:p>
-          <a:p>
-            <a:r>
-              <a:rPr lang="en-US"/>
+            <a:endParaRPr lang="en-US" sz="1600"/>
+          </a:p>
+          <a:p>
+            <a:r>
+              <a:rPr lang="en-US" sz="1600"/>
               <a:t>Define the value or text and set the formatting.</a:t>
             </a:r>
-            <a:endParaRPr lang="en-US"/>
-          </a:p>
-          <a:p>
-            <a:r>
-              <a:rPr lang="en-US"/>
-              <a:t>Examples:</a:t>
-            </a:r>
-            <a:endParaRPr lang="en-US"/>
-          </a:p>
-          <a:p>
-            <a:r>
-              <a:rPr lang="en-US"/>
+            <a:endParaRPr lang="en-US" sz="1600"/>
+          </a:p>
+          <a:p>
+            <a:endParaRPr lang="en-US" sz="1600" b="1"/>
+          </a:p>
+          <a:p>
+            <a:r>
+              <a:rPr lang="en-US" sz="1600" b="1"/>
+              <a:t>Examples</a:t>
+            </a:r>
+            <a:r>
+              <a:rPr lang="en-US" sz="1600"/>
+              <a:t>:</a:t>
+            </a:r>
+            <a:endParaRPr lang="en-US" sz="1600"/>
+          </a:p>
+          <a:p>
+            <a:r>
+              <a:rPr lang="en-US" sz="1600"/>
               <a:t>Greater Than: Highlight all sales greater than $5000 with a green fill.</a:t>
             </a:r>
-            <a:endParaRPr lang="en-US"/>
-          </a:p>
-          <a:p>
-            <a:r>
-              <a:rPr lang="en-US"/>
+            <a:endParaRPr lang="en-US" sz="1600"/>
+          </a:p>
+          <a:p>
+            <a:r>
+              <a:rPr lang="en-US" sz="1600"/>
               <a:t>Formula: =A1&gt;5000 (for numbers in range A1</a:t>
             </a:r>
-            <a:endParaRPr lang="en-US"/>
-          </a:p>
-          <a:p>
-            <a:r>
-              <a:rPr lang="en-US"/>
+            <a:endParaRPr lang="en-US" sz="1600"/>
+          </a:p>
+          <a:p>
+            <a:r>
+              <a:rPr lang="en-US" sz="1600"/>
               <a:t>).</a:t>
             </a:r>
-            <a:endParaRPr lang="en-US"/>
-          </a:p>
-          <a:p>
-            <a:r>
-              <a:rPr lang="en-US"/>
+            <a:endParaRPr lang="en-US" sz="1600"/>
+          </a:p>
+          <a:p>
+            <a:r>
+              <a:rPr lang="en-US" sz="1600"/>
               <a:t>Text That Contains: Highlight all cells containing the word "Refund".</a:t>
             </a:r>
-            <a:endParaRPr lang="en-US"/>
-          </a:p>
-          <a:p>
-            <a:r>
-              <a:rPr lang="en-US"/>
+            <a:endParaRPr lang="en-US" sz="1600"/>
+          </a:p>
+          <a:p>
+            <a:r>
+              <a:rPr lang="en-US" sz="1600"/>
               <a:t>Formula: =SEARCH("Refund", A1) (for cells in column A).</a:t>
             </a:r>
-            <a:endParaRPr lang="en-US"/>
-          </a:p>
-          <a:p>
-            <a:r>
-              <a:rPr lang="en-US"/>
-              <a:t>3. Top/Bottom Rules</a:t>
-            </a:r>
-            <a:endParaRPr lang="en-US"/>
-          </a:p>
-          <a:p>
-            <a:r>
-              <a:rPr lang="en-US"/>
-              <a:t>Highlights the top or bottom values in a selected range.</a:t>
-            </a:r>
-            <a:endParaRPr lang="en-US"/>
-          </a:p>
-          <a:p>
-            <a:r>
-              <a:rPr lang="en-US"/>
-              <a:t>Steps:</a:t>
-            </a:r>
-            <a:endParaRPr lang="en-US"/>
-          </a:p>
-          <a:p>
-            <a:r>
-              <a:rPr lang="en-US"/>
-              <a:t>Select the range.</a:t>
-            </a:r>
-            <a:endParaRPr lang="en-US"/>
-          </a:p>
-          <a:p>
-            <a:r>
-              <a:rPr lang="en-US"/>
-              <a:t>Go to Conditional Formatting &gt; Top/Bottom Rules.</a:t>
-            </a:r>
-            <a:endParaRPr lang="en-US"/>
-          </a:p>
-          <a:p>
-            <a:r>
-              <a:rPr lang="en-US"/>
-              <a:t>Choose options like Top 10 Items, Top 10%, Bottom 10%, or Above/Below Average.</a:t>
-            </a:r>
-            <a:endParaRPr lang="en-US"/>
-          </a:p>
-          <a:p>
-            <a:r>
-              <a:rPr lang="en-US"/>
-              <a:t>Set the formatting style for the selected rule.</a:t>
-            </a:r>
-            <a:endParaRPr lang="en-US"/>
-          </a:p>
-          <a:p>
-            <a:r>
-              <a:rPr lang="en-US"/>
-              <a:t>Examples:</a:t>
-            </a:r>
-            <a:endParaRPr lang="en-US"/>
-          </a:p>
-          <a:p>
-            <a:r>
-              <a:rPr lang="en-US"/>
-              <a:t>Top 10 Items: Highlight the top 10 sales values in your dataset.</a:t>
-            </a:r>
-            <a:endParaRPr lang="en-US"/>
-          </a:p>
-          <a:p>
-            <a:r>
-              <a:rPr lang="en-US"/>
-              <a:t>Bottom 10%: Highlight the bottom 10% of performance scores.</a:t>
-            </a:r>
-            <a:endParaRPr lang="en-US"/>
-          </a:p>
-        </p:txBody>
-      </p:sp>
-      <p:sp>
-        <p:nvSpPr>
-          <p:cNvPr id="6" name="Text Box 5"/>
-          <p:cNvSpPr txBox="1"/>
-          <p:nvPr/>
-        </p:nvSpPr>
-        <p:spPr>
-          <a:xfrm>
-            <a:off x="6096000" y="-2153920"/>
-            <a:ext cx="6096000" cy="10894695"/>
-          </a:xfrm>
-          <a:prstGeom prst="rect">
-            <a:avLst/>
-          </a:prstGeom>
-          <a:noFill/>
-        </p:spPr>
-        <p:txBody>
-          <a:bodyPr wrap="square" rtlCol="0">
-            <a:spAutoFit/>
-          </a:bodyPr>
-          <a:p>
-            <a:r>
-              <a:rPr lang="en-US"/>
-              <a:t>4. Data Bars</a:t>
-            </a:r>
-            <a:endParaRPr lang="en-US"/>
-          </a:p>
-          <a:p>
-            <a:r>
-              <a:rPr lang="en-US"/>
-              <a:t>Displays horizontal bars inside cells to visually represent the value relative to other cells.</a:t>
-            </a:r>
-            <a:endParaRPr lang="en-US"/>
-          </a:p>
-          <a:p>
-            <a:r>
-              <a:rPr lang="en-US"/>
-              <a:t>Steps:</a:t>
-            </a:r>
-            <a:endParaRPr lang="en-US"/>
-          </a:p>
-          <a:p>
-            <a:r>
-              <a:rPr lang="en-US"/>
-              <a:t>Select the range of numeric data.</a:t>
-            </a:r>
-            <a:endParaRPr lang="en-US"/>
-          </a:p>
-          <a:p>
-            <a:r>
-              <a:rPr lang="en-US"/>
-              <a:t>Go to Conditional Formatting &gt; Data Bars.</a:t>
-            </a:r>
-            <a:endParaRPr lang="en-US"/>
-          </a:p>
-          <a:p>
-            <a:r>
-              <a:rPr lang="en-US"/>
-              <a:t>Choose a Gradient Fill or Solid Fill style.</a:t>
-            </a:r>
-            <a:endParaRPr lang="en-US"/>
-          </a:p>
-          <a:p>
-            <a:r>
-              <a:rPr lang="en-US"/>
-              <a:t>Example:</a:t>
-            </a:r>
-            <a:endParaRPr lang="en-US"/>
-          </a:p>
-          <a:p>
-            <a:r>
-              <a:rPr lang="en-US"/>
-              <a:t>Apply data bars to sales numbers to show performance. Higher values will have longer bars.</a:t>
-            </a:r>
-            <a:endParaRPr lang="en-US"/>
-          </a:p>
-          <a:p>
-            <a:r>
-              <a:rPr lang="en-US"/>
-              <a:t>5. Color Scales &amp; Icons</a:t>
-            </a:r>
-            <a:endParaRPr lang="en-US"/>
-          </a:p>
-          <a:p>
-            <a:r>
-              <a:rPr lang="en-US"/>
-              <a:t>Color Scales: Shades cells with different colors based on their value relative to the others.</a:t>
-            </a:r>
-            <a:endParaRPr lang="en-US"/>
-          </a:p>
-          <a:p>
-            <a:r>
-              <a:rPr lang="en-US"/>
-              <a:t>Icons: Adds symbols (e.g., arrows, traffic lights) based on predefined rules for high, medium, and low values.</a:t>
-            </a:r>
-            <a:endParaRPr lang="en-US"/>
-          </a:p>
-          <a:p>
-            <a:r>
-              <a:rPr lang="en-US"/>
-              <a:t>Steps:</a:t>
-            </a:r>
-            <a:endParaRPr lang="en-US"/>
-          </a:p>
-          <a:p>
-            <a:r>
-              <a:rPr lang="en-US"/>
-              <a:t>Select the range.</a:t>
-            </a:r>
-            <a:endParaRPr lang="en-US"/>
-          </a:p>
-          <a:p>
-            <a:r>
-              <a:rPr lang="en-US"/>
-              <a:t>Go to Conditional Formatting &gt; Color Scales or Icon Sets.</a:t>
-            </a:r>
-            <a:endParaRPr lang="en-US"/>
-          </a:p>
-          <a:p>
-            <a:r>
-              <a:rPr lang="en-US"/>
-              <a:t>Choose a color scale or icon set.</a:t>
-            </a:r>
-            <a:endParaRPr lang="en-US"/>
-          </a:p>
-          <a:p>
-            <a:r>
-              <a:rPr lang="en-US"/>
-              <a:t>Examples:</a:t>
-            </a:r>
-            <a:endParaRPr lang="en-US"/>
-          </a:p>
-          <a:p>
-            <a:r>
-              <a:rPr lang="en-US"/>
-              <a:t>Color Scales: Apply a color scale to a column of numbers to shade low values in red and high values in green.</a:t>
-            </a:r>
-            <a:endParaRPr lang="en-US"/>
-          </a:p>
-          <a:p>
-            <a:r>
-              <a:rPr lang="en-US"/>
-              <a:t>Icon Sets: Use traffic lights to represent performance levels (green for high, yellow for average, red for low).</a:t>
-            </a:r>
-            <a:endParaRPr lang="en-US"/>
-          </a:p>
-          <a:p>
-            <a:r>
-              <a:rPr lang="en-US"/>
-              <a:t>6. Custom Formatting Rule</a:t>
-            </a:r>
-            <a:endParaRPr lang="en-US"/>
-          </a:p>
-          <a:p>
-            <a:r>
-              <a:rPr lang="en-US"/>
-              <a:t>You can create custom formulas for conditional formatting to highlight data based on complex conditions.</a:t>
-            </a:r>
-            <a:endParaRPr lang="en-US"/>
-          </a:p>
-          <a:p>
-            <a:r>
-              <a:rPr lang="en-US"/>
-              <a:t>Steps:</a:t>
-            </a:r>
-            <a:endParaRPr lang="en-US"/>
-          </a:p>
-          <a:p>
-            <a:r>
-              <a:rPr lang="en-US"/>
-              <a:t>Select the range.</a:t>
-            </a:r>
-            <a:endParaRPr lang="en-US"/>
-          </a:p>
-          <a:p>
-            <a:r>
-              <a:rPr lang="en-US"/>
-              <a:t>Go to Conditional Formatting &gt; New Rule.</a:t>
-            </a:r>
-            <a:endParaRPr lang="en-US"/>
-          </a:p>
-          <a:p>
-            <a:r>
-              <a:rPr lang="en-US"/>
-              <a:t>Select Use a formula to determine which cells to format.</a:t>
-            </a:r>
-            <a:endParaRPr lang="en-US"/>
-          </a:p>
-          <a:p>
-            <a:r>
-              <a:rPr lang="en-US"/>
-              <a:t>Enter the formula and set the formatting.</a:t>
-            </a:r>
-            <a:endParaRPr lang="en-US"/>
-          </a:p>
-          <a:p>
-            <a:r>
-              <a:rPr lang="en-US"/>
-              <a:t>Examples:</a:t>
-            </a:r>
-            <a:endParaRPr lang="en-US"/>
-          </a:p>
-          <a:p>
-            <a:r>
-              <a:rPr lang="en-US"/>
-              <a:t>Custom Formula for Dates: Highlight overdue tasks (dates earlier than today).</a:t>
-            </a:r>
-            <a:endParaRPr lang="en-US"/>
-          </a:p>
-          <a:p>
-            <a:r>
-              <a:rPr lang="en-US"/>
-              <a:t>Formula: =A1&lt;TODAY()</a:t>
-            </a:r>
-            <a:endParaRPr lang="en-US"/>
-          </a:p>
-          <a:p>
-            <a:r>
-              <a:rPr lang="en-US"/>
-              <a:t>Custom Formula for Multiple Conditions: Highlight cells where sales are greater than $5000 but less than $10,000.</a:t>
-            </a:r>
-            <a:endParaRPr lang="en-US"/>
-          </a:p>
-          <a:p>
-            <a:r>
-              <a:rPr lang="en-US"/>
-              <a:t>Formula: =AND(A1&gt;5000, A1&lt;10000)</a:t>
-            </a:r>
-            <a:endParaRPr lang="en-US"/>
+            <a:endParaRPr lang="en-US" sz="1600"/>
+          </a:p>
+          <a:p>
+            <a:endParaRPr lang="en-US" sz="1600"/>
           </a:p>
         </p:txBody>
       </p:sp>
@@ -6057,6 +5837,142 @@
           </a:p>
         </p:txBody>
       </p:sp>
+      <p:sp>
+        <p:nvSpPr>
+          <p:cNvPr id="2" name="Text Box 1"/>
+          <p:cNvSpPr txBox="1"/>
+          <p:nvPr/>
+        </p:nvSpPr>
+        <p:spPr>
+          <a:xfrm>
+            <a:off x="6758940" y="537210"/>
+            <a:ext cx="5433060" cy="4030980"/>
+          </a:xfrm>
+          <a:prstGeom prst="rect">
+            <a:avLst/>
+          </a:prstGeom>
+          <a:noFill/>
+        </p:spPr>
+        <p:txBody>
+          <a:bodyPr wrap="square" rtlCol="0" anchor="t">
+            <a:spAutoFit/>
+          </a:bodyPr>
+          <a:p>
+            <a:endParaRPr lang="en-US" sz="1600" b="1">
+              <a:solidFill>
+                <a:srgbClr val="C00000"/>
+              </a:solidFill>
+            </a:endParaRPr>
+          </a:p>
+          <a:p>
+            <a:r>
+              <a:rPr lang="en-US" sz="1600" b="1">
+                <a:solidFill>
+                  <a:srgbClr val="C00000"/>
+                </a:solidFill>
+                <a:sym typeface="+mn-ea"/>
+              </a:rPr>
+              <a:t>3. Top/Bottom Rules</a:t>
+            </a:r>
+            <a:endParaRPr lang="en-US" sz="1600" b="1">
+              <a:solidFill>
+                <a:srgbClr val="C00000"/>
+              </a:solidFill>
+            </a:endParaRPr>
+          </a:p>
+          <a:p>
+            <a:r>
+              <a:rPr lang="en-US" sz="1600">
+                <a:sym typeface="+mn-ea"/>
+              </a:rPr>
+              <a:t>Highlights the top or bottom values in a selected range.</a:t>
+            </a:r>
+            <a:endParaRPr lang="en-US" sz="1600"/>
+          </a:p>
+          <a:p>
+            <a:endParaRPr lang="en-US" sz="1600" b="1"/>
+          </a:p>
+          <a:p>
+            <a:r>
+              <a:rPr lang="en-US" sz="1600" b="1">
+                <a:sym typeface="+mn-ea"/>
+              </a:rPr>
+              <a:t>Steps:</a:t>
+            </a:r>
+            <a:endParaRPr lang="en-US" sz="1600" b="1"/>
+          </a:p>
+          <a:p>
+            <a:r>
+              <a:rPr lang="en-US" sz="1600">
+                <a:sym typeface="+mn-ea"/>
+              </a:rPr>
+              <a:t>Select the range.</a:t>
+            </a:r>
+            <a:endParaRPr lang="en-US" sz="1600"/>
+          </a:p>
+          <a:p>
+            <a:r>
+              <a:rPr lang="en-US" sz="1600">
+                <a:sym typeface="+mn-ea"/>
+              </a:rPr>
+              <a:t>Go to Conditional Formatting &gt; Top/Bottom Rules.</a:t>
+            </a:r>
+            <a:endParaRPr lang="en-US" sz="1600"/>
+          </a:p>
+          <a:p>
+            <a:r>
+              <a:rPr lang="en-US" sz="1600">
+                <a:sym typeface="+mn-ea"/>
+              </a:rPr>
+              <a:t>Choose options like Top 10 Items, Top 10%, Bottom 10%, or Above/Below Average.</a:t>
+            </a:r>
+            <a:endParaRPr lang="en-US" sz="1600"/>
+          </a:p>
+          <a:p>
+            <a:r>
+              <a:rPr lang="en-US" sz="1600">
+                <a:sym typeface="+mn-ea"/>
+              </a:rPr>
+              <a:t>Set the formatting style for the selected rule.</a:t>
+            </a:r>
+            <a:endParaRPr lang="en-US" sz="1600">
+              <a:sym typeface="+mn-ea"/>
+            </a:endParaRPr>
+          </a:p>
+          <a:p>
+            <a:endParaRPr lang="en-US" sz="1600"/>
+          </a:p>
+          <a:p>
+            <a:r>
+              <a:rPr lang="en-US" sz="1600" b="1">
+                <a:sym typeface="+mn-ea"/>
+              </a:rPr>
+              <a:t>Examples:</a:t>
+            </a:r>
+            <a:endParaRPr lang="en-US" sz="1600" b="1"/>
+          </a:p>
+          <a:p>
+            <a:r>
+              <a:rPr lang="en-US" sz="1600">
+                <a:sym typeface="+mn-ea"/>
+              </a:rPr>
+              <a:t>Top 10 Items: Highlight the top 10 sales values in your dataset.</a:t>
+            </a:r>
+            <a:endParaRPr lang="en-US" sz="1600"/>
+          </a:p>
+          <a:p>
+            <a:r>
+              <a:rPr lang="en-US" sz="1600">
+                <a:sym typeface="+mn-ea"/>
+              </a:rPr>
+              <a:t>Bottom 10%: Highlight the bottom 10% of performance scores.</a:t>
+            </a:r>
+            <a:endParaRPr lang="en-US" sz="1600">
+              <a:sym typeface="+mn-ea"/>
+            </a:endParaRPr>
+          </a:p>
+        </p:txBody>
+      </p:sp>
     </p:spTree>
   </p:cSld>
   <p:clrMapOvr>
@@ -6075,6 +5991,382 @@
         <p:nvPr/>
       </p:nvGrpSpPr>
       <p:grpSpPr/>
+      <p:sp>
+        <p:nvSpPr>
+          <p:cNvPr id="6" name="Text Box 5"/>
+          <p:cNvSpPr txBox="1"/>
+          <p:nvPr/>
+        </p:nvSpPr>
+        <p:spPr>
+          <a:xfrm>
+            <a:off x="156845" y="93980"/>
+            <a:ext cx="6252210" cy="6554470"/>
+          </a:xfrm>
+          <a:prstGeom prst="rect">
+            <a:avLst/>
+          </a:prstGeom>
+          <a:noFill/>
+        </p:spPr>
+        <p:txBody>
+          <a:bodyPr wrap="square" rtlCol="0">
+            <a:spAutoFit/>
+          </a:bodyPr>
+          <a:p>
+            <a:r>
+              <a:rPr lang="en-US" sz="1400" b="1">
+                <a:solidFill>
+                  <a:srgbClr val="C00000"/>
+                </a:solidFill>
+                <a:highlight>
+                  <a:srgbClr val="FFFF00"/>
+                </a:highlight>
+              </a:rPr>
+              <a:t>4. Data Bars</a:t>
+            </a:r>
+            <a:endParaRPr lang="en-US" sz="1400" b="1">
+              <a:solidFill>
+                <a:srgbClr val="C00000"/>
+              </a:solidFill>
+              <a:highlight>
+                <a:srgbClr val="FFFF00"/>
+              </a:highlight>
+            </a:endParaRPr>
+          </a:p>
+          <a:p>
+            <a:r>
+              <a:rPr lang="en-US" sz="1400"/>
+              <a:t>Displays horizontal bars inside cells to visually represent the value relative to other cells.</a:t>
+            </a:r>
+            <a:endParaRPr lang="en-US" sz="1400"/>
+          </a:p>
+          <a:p>
+            <a:endParaRPr lang="en-US" sz="1400"/>
+          </a:p>
+          <a:p>
+            <a:r>
+              <a:rPr lang="en-US" sz="1400" b="1"/>
+              <a:t>Steps:</a:t>
+            </a:r>
+            <a:endParaRPr lang="en-US" sz="1400" b="1"/>
+          </a:p>
+          <a:p>
+            <a:r>
+              <a:rPr lang="en-US" sz="1400"/>
+              <a:t>Select the range of numeric data.</a:t>
+            </a:r>
+            <a:endParaRPr lang="en-US" sz="1400"/>
+          </a:p>
+          <a:p>
+            <a:r>
+              <a:rPr lang="en-US" sz="1400"/>
+              <a:t>Go to Conditional Formatting &gt; Data Bars.</a:t>
+            </a:r>
+            <a:endParaRPr lang="en-US" sz="1400"/>
+          </a:p>
+          <a:p>
+            <a:r>
+              <a:rPr lang="en-US" sz="1400"/>
+              <a:t>Choose a Gradient Fill or Solid Fill style.</a:t>
+            </a:r>
+            <a:endParaRPr lang="en-US" sz="1400"/>
+          </a:p>
+          <a:p>
+            <a:endParaRPr lang="en-US" sz="1400"/>
+          </a:p>
+          <a:p>
+            <a:r>
+              <a:rPr lang="en-US" sz="1400" b="1"/>
+              <a:t>Example:</a:t>
+            </a:r>
+            <a:endParaRPr lang="en-US" sz="1400" b="1"/>
+          </a:p>
+          <a:p>
+            <a:r>
+              <a:rPr lang="en-US" sz="1400"/>
+              <a:t>Apply data bars to sales numbers to show performance. Higher values will have longer bars.</a:t>
+            </a:r>
+            <a:endParaRPr lang="en-US" sz="1400"/>
+          </a:p>
+          <a:p>
+            <a:endParaRPr lang="en-US" sz="1400"/>
+          </a:p>
+          <a:p>
+            <a:r>
+              <a:rPr lang="en-US" sz="1400" b="1">
+                <a:solidFill>
+                  <a:srgbClr val="C00000"/>
+                </a:solidFill>
+                <a:highlight>
+                  <a:srgbClr val="FFFF00"/>
+                </a:highlight>
+                <a:sym typeface="+mn-ea"/>
+              </a:rPr>
+              <a:t>5. Color Scales &amp; Icons</a:t>
+            </a:r>
+            <a:endParaRPr lang="en-US" sz="1400" b="1">
+              <a:solidFill>
+                <a:srgbClr val="C00000"/>
+              </a:solidFill>
+              <a:highlight>
+                <a:srgbClr val="FFFF00"/>
+              </a:highlight>
+            </a:endParaRPr>
+          </a:p>
+          <a:p>
+            <a:r>
+              <a:rPr lang="en-US" sz="1400">
+                <a:sym typeface="+mn-ea"/>
+              </a:rPr>
+              <a:t>Color Scales: Shades cells with different colors based on their value relative to the others.</a:t>
+            </a:r>
+            <a:endParaRPr lang="en-US" sz="1400"/>
+          </a:p>
+          <a:p>
+            <a:r>
+              <a:rPr lang="en-US" sz="1400">
+                <a:sym typeface="+mn-ea"/>
+              </a:rPr>
+              <a:t>Icons: Adds symbols (e.g., arrows, traffic lights) based on predefined rules for high, medium, and low values.</a:t>
+            </a:r>
+            <a:endParaRPr lang="en-US" sz="1400">
+              <a:sym typeface="+mn-ea"/>
+            </a:endParaRPr>
+          </a:p>
+          <a:p>
+            <a:endParaRPr lang="en-US" sz="1400"/>
+          </a:p>
+          <a:p>
+            <a:r>
+              <a:rPr lang="en-US" sz="1400" b="1">
+                <a:sym typeface="+mn-ea"/>
+              </a:rPr>
+              <a:t>Steps:</a:t>
+            </a:r>
+            <a:endParaRPr lang="en-US" sz="1400" b="1"/>
+          </a:p>
+          <a:p>
+            <a:r>
+              <a:rPr lang="en-US" sz="1400">
+                <a:sym typeface="+mn-ea"/>
+              </a:rPr>
+              <a:t>Select the range.</a:t>
+            </a:r>
+            <a:endParaRPr lang="en-US" sz="1400"/>
+          </a:p>
+          <a:p>
+            <a:r>
+              <a:rPr lang="en-US" sz="1400">
+                <a:sym typeface="+mn-ea"/>
+              </a:rPr>
+              <a:t>Go to Conditional Formatting &gt; Color Scales or Icon Sets.</a:t>
+            </a:r>
+            <a:endParaRPr lang="en-US" sz="1400"/>
+          </a:p>
+          <a:p>
+            <a:r>
+              <a:rPr lang="en-US" sz="1400">
+                <a:sym typeface="+mn-ea"/>
+              </a:rPr>
+              <a:t>Choose a color scale or icon set.</a:t>
+            </a:r>
+            <a:endParaRPr lang="en-US" sz="1400">
+              <a:sym typeface="+mn-ea"/>
+            </a:endParaRPr>
+          </a:p>
+          <a:p>
+            <a:endParaRPr lang="en-US" sz="1400"/>
+          </a:p>
+          <a:p>
+            <a:r>
+              <a:rPr lang="en-US" sz="1400" b="1">
+                <a:sym typeface="+mn-ea"/>
+              </a:rPr>
+              <a:t>Examples:</a:t>
+            </a:r>
+            <a:endParaRPr lang="en-US" sz="1400" b="1"/>
+          </a:p>
+          <a:p>
+            <a:r>
+              <a:rPr lang="en-US" sz="1400">
+                <a:sym typeface="+mn-ea"/>
+              </a:rPr>
+              <a:t>Color Scales: Apply a color scale to a column of numbers to shade low values in red and high values in green.</a:t>
+            </a:r>
+            <a:endParaRPr lang="en-US" sz="1400"/>
+          </a:p>
+          <a:p>
+            <a:r>
+              <a:rPr lang="en-US" sz="1400">
+                <a:sym typeface="+mn-ea"/>
+              </a:rPr>
+              <a:t>Icon Sets: Use traffic lights to represent performance levels (green for high, yellow for average, red for low).</a:t>
+            </a:r>
+            <a:endParaRPr lang="en-US" sz="1400"/>
+          </a:p>
+          <a:p>
+            <a:endParaRPr lang="en-US" sz="1400"/>
+          </a:p>
+        </p:txBody>
+      </p:sp>
+      <p:sp>
+        <p:nvSpPr>
+          <p:cNvPr id="2" name="Text Box 1"/>
+          <p:cNvSpPr txBox="1"/>
+          <p:nvPr/>
+        </p:nvSpPr>
+        <p:spPr>
+          <a:xfrm>
+            <a:off x="6289040" y="287655"/>
+            <a:ext cx="5834380" cy="4184650"/>
+          </a:xfrm>
+          <a:prstGeom prst="rect">
+            <a:avLst/>
+          </a:prstGeom>
+          <a:noFill/>
+        </p:spPr>
+        <p:txBody>
+          <a:bodyPr wrap="square" rtlCol="0" anchor="t">
+            <a:spAutoFit/>
+          </a:bodyPr>
+          <a:p>
+            <a:r>
+              <a:rPr lang="en-US" sz="1400" b="1">
+                <a:solidFill>
+                  <a:srgbClr val="C00000"/>
+                </a:solidFill>
+                <a:highlight>
+                  <a:srgbClr val="FFFF00"/>
+                </a:highlight>
+                <a:sym typeface="+mn-ea"/>
+              </a:rPr>
+              <a:t>6. Custom Formatting Rule</a:t>
+            </a:r>
+            <a:endParaRPr lang="en-US" sz="1400" b="1">
+              <a:solidFill>
+                <a:srgbClr val="C00000"/>
+              </a:solidFill>
+              <a:highlight>
+                <a:srgbClr val="FFFF00"/>
+              </a:highlight>
+            </a:endParaRPr>
+          </a:p>
+          <a:p>
+            <a:r>
+              <a:rPr lang="en-US" sz="1400">
+                <a:sym typeface="+mn-ea"/>
+              </a:rPr>
+              <a:t>You can create custom formulas for conditional formatting to highlight data based on complex conditions.</a:t>
+            </a:r>
+            <a:endParaRPr lang="en-US" sz="1400">
+              <a:sym typeface="+mn-ea"/>
+            </a:endParaRPr>
+          </a:p>
+          <a:p>
+            <a:endParaRPr lang="en-US" sz="1400"/>
+          </a:p>
+          <a:p>
+            <a:r>
+              <a:rPr lang="en-US" sz="1400" b="1">
+                <a:sym typeface="+mn-ea"/>
+              </a:rPr>
+              <a:t>Steps:</a:t>
+            </a:r>
+            <a:endParaRPr lang="en-US" sz="1400" b="1"/>
+          </a:p>
+          <a:p>
+            <a:r>
+              <a:rPr lang="en-US" sz="1400">
+                <a:sym typeface="+mn-ea"/>
+              </a:rPr>
+              <a:t>Select the range.</a:t>
+            </a:r>
+            <a:endParaRPr lang="en-US" sz="1400"/>
+          </a:p>
+          <a:p>
+            <a:r>
+              <a:rPr lang="en-US" sz="1400">
+                <a:sym typeface="+mn-ea"/>
+              </a:rPr>
+              <a:t>Go to Conditional Formatting &gt; New Rule.</a:t>
+            </a:r>
+            <a:endParaRPr lang="en-US" sz="1400"/>
+          </a:p>
+          <a:p>
+            <a:r>
+              <a:rPr lang="en-US" sz="1400">
+                <a:sym typeface="+mn-ea"/>
+              </a:rPr>
+              <a:t>Select Use a formula to determine which cells to format.</a:t>
+            </a:r>
+            <a:endParaRPr lang="en-US" sz="1400"/>
+          </a:p>
+          <a:p>
+            <a:r>
+              <a:rPr lang="en-US" sz="1400">
+                <a:sym typeface="+mn-ea"/>
+              </a:rPr>
+              <a:t>Enter the formula and set the formatting.</a:t>
+            </a:r>
+            <a:endParaRPr lang="en-US" sz="1400">
+              <a:sym typeface="+mn-ea"/>
+            </a:endParaRPr>
+          </a:p>
+          <a:p>
+            <a:endParaRPr lang="en-US" sz="1400"/>
+          </a:p>
+          <a:p>
+            <a:r>
+              <a:rPr lang="en-US" sz="1400" b="1">
+                <a:sym typeface="+mn-ea"/>
+              </a:rPr>
+              <a:t>Examples:</a:t>
+            </a:r>
+            <a:endParaRPr lang="en-US" sz="1400" b="1"/>
+          </a:p>
+          <a:p>
+            <a:r>
+              <a:rPr lang="en-US" sz="1400">
+                <a:sym typeface="+mn-ea"/>
+              </a:rPr>
+              <a:t>Custom Formula for Dates: Highlight overdue tasks (dates earlier than today).</a:t>
+            </a:r>
+            <a:endParaRPr lang="en-US" sz="1400"/>
+          </a:p>
+          <a:p>
+            <a:r>
+              <a:rPr lang="en-US" sz="1400">
+                <a:sym typeface="+mn-ea"/>
+              </a:rPr>
+              <a:t>Formula: =A1&lt;TODAY()</a:t>
+            </a:r>
+            <a:endParaRPr lang="en-US" sz="1400"/>
+          </a:p>
+          <a:p>
+            <a:r>
+              <a:rPr lang="en-US" sz="1400">
+                <a:sym typeface="+mn-ea"/>
+              </a:rPr>
+              <a:t>Custom Formula for Multiple Conditions: Highlight cells where sales are greater than $5000 but less than $10,000.</a:t>
+            </a:r>
+            <a:endParaRPr lang="en-US" sz="1400"/>
+          </a:p>
+          <a:p>
+            <a:r>
+              <a:rPr lang="en-US" sz="1400">
+                <a:sym typeface="+mn-ea"/>
+              </a:rPr>
+              <a:t>Formula: =AND(A1&gt;5000, A1&lt;10000)</a:t>
+            </a:r>
+            <a:endParaRPr lang="en-US" sz="1400"/>
+          </a:p>
+          <a:p>
+            <a:endParaRPr lang="en-US" sz="1400"/>
+          </a:p>
+          <a:p>
+            <a:endParaRPr lang="en-US" sz="1400"/>
+          </a:p>
+        </p:txBody>
+      </p:sp>
     </p:spTree>
   </p:cSld>
   <p:clrMapOvr>
@@ -6101,8 +6393,8 @@
         </p:nvSpPr>
         <p:spPr>
           <a:xfrm>
-            <a:off x="685800" y="-2598420"/>
-            <a:ext cx="10151745" cy="10340340"/>
+            <a:off x="194310" y="160655"/>
+            <a:ext cx="6054725" cy="5754370"/>
           </a:xfrm>
           <a:prstGeom prst="rect">
             <a:avLst/>
@@ -6115,278 +6407,330 @@
           </a:bodyPr>
           <a:p>
             <a:r>
-              <a:rPr lang="en-US">
+              <a:rPr lang="en-US" sz="1600" b="1">
                 <a:sym typeface="+mn-ea"/>
               </a:rPr>
               <a:t>Assignment: Applying Conditional Formatting in a Dataset</a:t>
             </a:r>
-            <a:endParaRPr lang="en-US"/>
-          </a:p>
-          <a:p>
-            <a:r>
-              <a:rPr lang="en-US">
+            <a:endParaRPr lang="en-US" sz="1600" b="1"/>
+          </a:p>
+          <a:p>
+            <a:r>
+              <a:rPr lang="en-US" sz="1600">
                 <a:sym typeface="+mn-ea"/>
               </a:rPr>
               <a:t>You have been given a Sales Dataset for a store. Your task is to apply various conditional formatting techniques to visualize important information:</a:t>
             </a:r>
-            <a:endParaRPr lang="en-US"/>
-          </a:p>
-          <a:p>
-            <a:endParaRPr lang="en-US"/>
-          </a:p>
-          <a:p>
-            <a:r>
-              <a:rPr lang="en-US">
+            <a:endParaRPr lang="en-US" sz="1600"/>
+          </a:p>
+          <a:p>
+            <a:endParaRPr lang="en-US" sz="1600"/>
+          </a:p>
+          <a:p>
+            <a:r>
+              <a:rPr lang="en-US" sz="1600" b="1">
                 <a:sym typeface="+mn-ea"/>
               </a:rPr>
               <a:t>Highlight Cells Rules:</a:t>
             </a:r>
-            <a:endParaRPr lang="en-US"/>
-          </a:p>
-          <a:p>
-            <a:endParaRPr lang="en-US"/>
-          </a:p>
-          <a:p>
-            <a:r>
-              <a:rPr lang="en-US">
+            <a:endParaRPr lang="en-US" sz="1600" b="1"/>
+          </a:p>
+          <a:p>
+            <a:endParaRPr lang="en-US" sz="1600"/>
+          </a:p>
+          <a:p>
+            <a:r>
+              <a:rPr lang="en-US" sz="1600">
                 <a:sym typeface="+mn-ea"/>
               </a:rPr>
               <a:t>Highlight all sales greater than $10,000 with a green fill color in column B (Sales Amount).</a:t>
             </a:r>
-            <a:endParaRPr lang="en-US"/>
-          </a:p>
-          <a:p>
-            <a:r>
-              <a:rPr lang="en-US">
+            <a:endParaRPr lang="en-US" sz="1600"/>
+          </a:p>
+          <a:p>
+            <a:r>
+              <a:rPr lang="en-US" sz="1600">
                 <a:sym typeface="+mn-ea"/>
               </a:rPr>
               <a:t>Highlight all sales that are less than $2,000 in red.</a:t>
             </a:r>
-            <a:endParaRPr lang="en-US"/>
-          </a:p>
-          <a:p>
-            <a:r>
-              <a:rPr lang="en-US">
+            <a:endParaRPr lang="en-US" sz="1600"/>
+          </a:p>
+          <a:p>
+            <a:r>
+              <a:rPr lang="en-US" sz="1600" b="1">
                 <a:sym typeface="+mn-ea"/>
               </a:rPr>
               <a:t>Top/Bottom Rules:</a:t>
             </a:r>
-            <a:endParaRPr lang="en-US"/>
-          </a:p>
-          <a:p>
-            <a:endParaRPr lang="en-US"/>
-          </a:p>
-          <a:p>
-            <a:r>
-              <a:rPr lang="en-US">
+            <a:endParaRPr lang="en-US" sz="1600" b="1"/>
+          </a:p>
+          <a:p>
+            <a:endParaRPr lang="en-US" sz="1600"/>
+          </a:p>
+          <a:p>
+            <a:r>
+              <a:rPr lang="en-US" sz="1600">
                 <a:sym typeface="+mn-ea"/>
               </a:rPr>
               <a:t>Highlight the top 5 sales values in column B with blue fill.</a:t>
             </a:r>
-            <a:endParaRPr lang="en-US"/>
-          </a:p>
-          <a:p>
-            <a:r>
-              <a:rPr lang="en-US">
+            <a:endParaRPr lang="en-US" sz="1600"/>
+          </a:p>
+          <a:p>
+            <a:r>
+              <a:rPr lang="en-US" sz="1600">
                 <a:sym typeface="+mn-ea"/>
               </a:rPr>
               <a:t>Highlight the bottom 10% of sales in column B with orange fill.</a:t>
             </a:r>
-            <a:endParaRPr lang="en-US"/>
-          </a:p>
-          <a:p>
-            <a:r>
-              <a:rPr lang="en-US">
+            <a:endParaRPr lang="en-US" sz="1600"/>
+          </a:p>
+          <a:p>
+            <a:r>
+              <a:rPr lang="en-US" sz="1600" b="1">
                 <a:sym typeface="+mn-ea"/>
               </a:rPr>
               <a:t>Data Bars:</a:t>
             </a:r>
-            <a:endParaRPr lang="en-US"/>
-          </a:p>
-          <a:p>
-            <a:endParaRPr lang="en-US"/>
-          </a:p>
-          <a:p>
-            <a:r>
-              <a:rPr lang="en-US">
+            <a:endParaRPr lang="en-US" sz="1600" b="1"/>
+          </a:p>
+          <a:p>
+            <a:endParaRPr lang="en-US" sz="1600"/>
+          </a:p>
+          <a:p>
+            <a:r>
+              <a:rPr lang="en-US" sz="1600">
                 <a:sym typeface="+mn-ea"/>
               </a:rPr>
               <a:t>Apply Data Bars to the sales numbers in column B to visually represent the size of each sale.</a:t>
             </a:r>
-            <a:endParaRPr lang="en-US"/>
-          </a:p>
-          <a:p>
-            <a:r>
-              <a:rPr lang="en-US">
+            <a:endParaRPr lang="en-US" sz="1600"/>
+          </a:p>
+          <a:p>
+            <a:r>
+              <a:rPr lang="en-US" sz="1600" b="1">
                 <a:sym typeface="+mn-ea"/>
               </a:rPr>
               <a:t>Color Scales:</a:t>
             </a:r>
-            <a:endParaRPr lang="en-US"/>
-          </a:p>
-          <a:p>
-            <a:endParaRPr lang="en-US"/>
-          </a:p>
-          <a:p>
-            <a:r>
-              <a:rPr lang="en-US">
+            <a:endParaRPr lang="en-US" sz="1600" b="1"/>
+          </a:p>
+          <a:p>
+            <a:endParaRPr lang="en-US" sz="1600"/>
+          </a:p>
+          <a:p>
+            <a:r>
+              <a:rPr lang="en-US" sz="1600">
                 <a:sym typeface="+mn-ea"/>
               </a:rPr>
               <a:t>Use a Color Scale to shade the sales figures in column B, with lower numbers shaded in red and higher numbers shaded in green.</a:t>
             </a:r>
-            <a:endParaRPr lang="en-US"/>
-          </a:p>
-          <a:p>
-            <a:r>
-              <a:rPr lang="en-US">
+            <a:endParaRPr lang="en-US" sz="1600"/>
+          </a:p>
+          <a:p>
+            <a:endParaRPr lang="en-US" sz="1600">
+              <a:sym typeface="+mn-ea"/>
+            </a:endParaRPr>
+          </a:p>
+        </p:txBody>
+      </p:sp>
+      <p:sp>
+        <p:nvSpPr>
+          <p:cNvPr id="3" name="Text Box 2"/>
+          <p:cNvSpPr txBox="1"/>
+          <p:nvPr/>
+        </p:nvSpPr>
+        <p:spPr>
+          <a:xfrm>
+            <a:off x="6330315" y="411480"/>
+            <a:ext cx="5709920" cy="4392930"/>
+          </a:xfrm>
+          <a:prstGeom prst="rect">
+            <a:avLst/>
+          </a:prstGeom>
+          <a:noFill/>
+        </p:spPr>
+        <p:txBody>
+          <a:bodyPr wrap="square" rtlCol="0" anchor="t">
+            <a:noAutofit/>
+          </a:bodyPr>
+          <a:p>
+            <a:r>
+              <a:rPr lang="en-US" sz="1600" b="1">
                 <a:sym typeface="+mn-ea"/>
               </a:rPr>
+              <a:t>Custom Formatting Rule:</a:t>
+            </a:r>
+            <a:endParaRPr lang="en-US" sz="1600" b="1"/>
+          </a:p>
+          <a:p>
+            <a:endParaRPr lang="en-US" sz="1600"/>
+          </a:p>
+          <a:p>
+            <a:r>
+              <a:rPr lang="en-US" sz="1600">
+                <a:sym typeface="+mn-ea"/>
+              </a:rPr>
+              <a:t>Create a custom rule to highlight all sales that occurred in the last 7 days (use column D for sale date).</a:t>
+            </a:r>
+            <a:endParaRPr lang="en-US" sz="1600"/>
+          </a:p>
+          <a:p>
+            <a:r>
+              <a:rPr lang="en-US" sz="1600">
+                <a:sym typeface="+mn-ea"/>
+              </a:rPr>
+              <a:t>Formula: =TODAY()-D1&lt;=7.</a:t>
+            </a:r>
+            <a:endParaRPr lang="en-US" sz="1600"/>
+          </a:p>
+          <a:p>
+            <a:r>
+              <a:rPr lang="en-US" sz="1600">
+                <a:sym typeface="+mn-ea"/>
+              </a:rPr>
+              <a:t>Extra: Custom Formula for Highlighting Rows:</a:t>
+            </a:r>
+            <a:endParaRPr lang="en-US" sz="1600"/>
+          </a:p>
+          <a:p>
+            <a:r>
+              <a:rPr lang="en-US" sz="1600">
+                <a:sym typeface="+mn-ea"/>
+              </a:rPr>
+              <a:t>If you want to highlight entire rows based on the value in a particular column:</a:t>
+            </a:r>
+            <a:endParaRPr lang="en-US" sz="1600"/>
+          </a:p>
+          <a:p>
+            <a:r>
+              <a:rPr lang="en-US" sz="1600">
+                <a:sym typeface="+mn-ea"/>
+              </a:rPr>
+              <a:t>Example: Highlight rows where the sales amount in column B is greater than $10,000.</a:t>
+            </a:r>
+            <a:endParaRPr lang="en-US" sz="1600"/>
+          </a:p>
+          <a:p>
+            <a:r>
+              <a:rPr lang="en-US" sz="1600">
+                <a:sym typeface="+mn-ea"/>
+              </a:rPr>
+              <a:t>Steps:</a:t>
+            </a:r>
+            <a:endParaRPr lang="en-US" sz="1600"/>
+          </a:p>
+          <a:p>
+            <a:r>
+              <a:rPr lang="en-US" sz="1600">
+                <a:sym typeface="+mn-ea"/>
+              </a:rPr>
+              <a:t>Select the entire table range.</a:t>
+            </a:r>
+            <a:endParaRPr lang="en-US" sz="1600"/>
+          </a:p>
+          <a:p>
+            <a:r>
+              <a:rPr lang="en-US" sz="1600">
+                <a:sym typeface="+mn-ea"/>
+              </a:rPr>
+              <a:t>Go to Conditional Formatting &gt; New Rule.</a:t>
+            </a:r>
+            <a:endParaRPr lang="en-US" sz="1600"/>
+          </a:p>
+          <a:p>
+            <a:r>
+              <a:rPr lang="en-US" sz="1600">
+                <a:sym typeface="+mn-ea"/>
+              </a:rPr>
+              <a:t>Choose Use a formula and enter: =$B1&gt;10000.</a:t>
+            </a:r>
+            <a:endParaRPr lang="en-US" sz="1600"/>
+          </a:p>
+          <a:p>
+            <a:r>
+              <a:rPr lang="en-US" sz="1600">
+                <a:sym typeface="+mn-ea"/>
+              </a:rPr>
+              <a:t>Apply a fill color to highlight the entire row.</a:t>
+            </a:r>
+            <a:endParaRPr lang="en-US" sz="1600">
+              <a:sym typeface="+mn-ea"/>
+            </a:endParaRPr>
+          </a:p>
+        </p:txBody>
+      </p:sp>
+      <p:sp>
+        <p:nvSpPr>
+          <p:cNvPr id="4" name="Text Box 3"/>
+          <p:cNvSpPr txBox="1"/>
+          <p:nvPr/>
+        </p:nvSpPr>
+        <p:spPr>
+          <a:xfrm>
+            <a:off x="6249035" y="4248785"/>
+            <a:ext cx="5942330" cy="2061210"/>
+          </a:xfrm>
+          <a:prstGeom prst="rect">
+            <a:avLst/>
+          </a:prstGeom>
+          <a:noFill/>
+        </p:spPr>
+        <p:txBody>
+          <a:bodyPr wrap="square" rtlCol="0" anchor="t">
+            <a:spAutoFit/>
+          </a:bodyPr>
+          <a:p>
+            <a:r>
+              <a:rPr lang="en-US" sz="1600" b="1">
+                <a:sym typeface="+mn-ea"/>
+              </a:rPr>
               <a:t>Icon Sets:</a:t>
             </a:r>
-            <a:endParaRPr lang="en-US"/>
-          </a:p>
-          <a:p>
-            <a:endParaRPr lang="en-US"/>
-          </a:p>
-          <a:p>
-            <a:r>
-              <a:rPr lang="en-US">
+            <a:endParaRPr lang="en-US" sz="1600" b="1"/>
+          </a:p>
+          <a:p>
+            <a:endParaRPr lang="en-US" sz="1600"/>
+          </a:p>
+          <a:p>
+            <a:r>
+              <a:rPr lang="en-US" sz="1600">
                 <a:sym typeface="+mn-ea"/>
               </a:rPr>
               <a:t>Apply Icon Sets (e.g., traffic lights) to the Sales Performance column (C). Use the following criteria:</a:t>
             </a:r>
-            <a:endParaRPr lang="en-US"/>
-          </a:p>
-          <a:p>
-            <a:r>
-              <a:rPr lang="en-US">
+            <a:endParaRPr lang="en-US" sz="1600"/>
+          </a:p>
+          <a:p>
+            <a:r>
+              <a:rPr lang="en-US" sz="1600">
                 <a:sym typeface="+mn-ea"/>
               </a:rPr>
               <a:t>Green light for values greater than 80.</a:t>
             </a:r>
-            <a:endParaRPr lang="en-US"/>
-          </a:p>
-          <a:p>
-            <a:r>
-              <a:rPr lang="en-US">
+            <a:endParaRPr lang="en-US" sz="1600"/>
+          </a:p>
+          <a:p>
+            <a:r>
+              <a:rPr lang="en-US" sz="1600">
                 <a:sym typeface="+mn-ea"/>
               </a:rPr>
               <a:t>Yellow light for values between 50 and 80.</a:t>
             </a:r>
-            <a:endParaRPr lang="en-US"/>
-          </a:p>
-          <a:p>
-            <a:r>
-              <a:rPr lang="en-US">
+            <a:endParaRPr lang="en-US" sz="1600"/>
+          </a:p>
+          <a:p>
+            <a:r>
+              <a:rPr lang="en-US" sz="1600">
                 <a:sym typeface="+mn-ea"/>
               </a:rPr>
               <a:t>Red light for values below 50.</a:t>
             </a:r>
-            <a:endParaRPr lang="en-US"/>
-          </a:p>
-          <a:p>
-            <a:r>
-              <a:rPr lang="en-US">
-                <a:sym typeface="+mn-ea"/>
-              </a:rPr>
-              <a:t>Custom Formatting Rule:</a:t>
-            </a:r>
-            <a:endParaRPr lang="en-US"/>
-          </a:p>
-          <a:p>
-            <a:endParaRPr lang="en-US"/>
-          </a:p>
-          <a:p>
-            <a:r>
-              <a:rPr lang="en-US">
-                <a:sym typeface="+mn-ea"/>
-              </a:rPr>
-              <a:t>Create a custom rule to highlight all sales that occurred in the last 7 days (use column D for sale date).</a:t>
-            </a:r>
-            <a:endParaRPr lang="en-US"/>
-          </a:p>
-          <a:p>
-            <a:r>
-              <a:rPr lang="en-US">
-                <a:sym typeface="+mn-ea"/>
-              </a:rPr>
-              <a:t>Formula: =TODAY()-D1&lt;=7.</a:t>
-            </a:r>
-            <a:endParaRPr lang="en-US"/>
-          </a:p>
-          <a:p>
-            <a:r>
-              <a:rPr lang="en-US">
-                <a:sym typeface="+mn-ea"/>
-              </a:rPr>
-              <a:t>Extra: Custom Formula for Highlighting Rows:</a:t>
-            </a:r>
-            <a:endParaRPr lang="en-US"/>
-          </a:p>
-          <a:p>
-            <a:r>
-              <a:rPr lang="en-US">
-                <a:sym typeface="+mn-ea"/>
-              </a:rPr>
-              <a:t>If you want to highlight entire rows based on the value in a particular column:</a:t>
-            </a:r>
-            <a:endParaRPr lang="en-US"/>
-          </a:p>
-          <a:p>
-            <a:r>
-              <a:rPr lang="en-US">
-                <a:sym typeface="+mn-ea"/>
-              </a:rPr>
-              <a:t>Example: Highlight rows where the sales amount in column B is greater than $10,000.</a:t>
-            </a:r>
-            <a:endParaRPr lang="en-US"/>
-          </a:p>
-          <a:p>
-            <a:r>
-              <a:rPr lang="en-US">
-                <a:sym typeface="+mn-ea"/>
-              </a:rPr>
-              <a:t>Steps:</a:t>
-            </a:r>
-            <a:endParaRPr lang="en-US"/>
-          </a:p>
-          <a:p>
-            <a:r>
-              <a:rPr lang="en-US">
-                <a:sym typeface="+mn-ea"/>
-              </a:rPr>
-              <a:t>Select the entire table range.</a:t>
-            </a:r>
-            <a:endParaRPr lang="en-US"/>
-          </a:p>
-          <a:p>
-            <a:r>
-              <a:rPr lang="en-US">
-                <a:sym typeface="+mn-ea"/>
-              </a:rPr>
-              <a:t>Go to Conditional Formatting &gt; New Rule.</a:t>
-            </a:r>
-            <a:endParaRPr lang="en-US"/>
-          </a:p>
-          <a:p>
-            <a:r>
-              <a:rPr lang="en-US">
-                <a:sym typeface="+mn-ea"/>
-              </a:rPr>
-              <a:t>Choose Use a formula and enter: =$B1&gt;10000.</a:t>
-            </a:r>
-            <a:endParaRPr lang="en-US"/>
-          </a:p>
-          <a:p>
-            <a:r>
-              <a:rPr lang="en-US">
-                <a:sym typeface="+mn-ea"/>
-              </a:rPr>
-              <a:t>Apply a fill color to highlight the entire row.</a:t>
-            </a:r>
-            <a:endParaRPr lang="en-US">
-              <a:sym typeface="+mn-ea"/>
-            </a:endParaRPr>
+            <a:endParaRPr lang="en-US" sz="1600"/>
+          </a:p>
+          <a:p>
+            <a:endParaRPr lang="en-US" sz="1600"/>
           </a:p>
         </p:txBody>
       </p:sp>
@@ -6723,6 +7067,276 @@
           </a:p>
         </p:txBody>
       </p:sp>
+      <p:sp>
+        <p:nvSpPr>
+          <p:cNvPr id="2" name="Text Box 1"/>
+          <p:cNvSpPr txBox="1"/>
+          <p:nvPr/>
+        </p:nvSpPr>
+        <p:spPr>
+          <a:xfrm>
+            <a:off x="570230" y="6010275"/>
+            <a:ext cx="11621770" cy="368300"/>
+          </a:xfrm>
+          <a:prstGeom prst="rect">
+            <a:avLst/>
+          </a:prstGeom>
+          <a:noFill/>
+        </p:spPr>
+        <p:txBody>
+          <a:bodyPr wrap="square" rtlCol="0" anchor="t">
+            <a:spAutoFit/>
+          </a:bodyPr>
+          <a:p>
+            <a:r>
+              <a:rPr lang="en-US"/>
+              <a:t>https://books-gyansetu.gitbook.io/advanced-excel/mathematical-functions-sum-sumif-sumifs-count-counta-countif</a:t>
+            </a:r>
+            <a:endParaRPr lang="en-US"/>
+          </a:p>
+        </p:txBody>
+      </p:sp>
+      <p:sp>
+        <p:nvSpPr>
+          <p:cNvPr id="4" name="Text Box 3"/>
+          <p:cNvSpPr txBox="1"/>
+          <p:nvPr/>
+        </p:nvSpPr>
+        <p:spPr>
+          <a:xfrm>
+            <a:off x="4815205" y="400685"/>
+            <a:ext cx="8165465" cy="5477510"/>
+          </a:xfrm>
+          <a:prstGeom prst="rect">
+            <a:avLst/>
+          </a:prstGeom>
+          <a:noFill/>
+        </p:spPr>
+        <p:txBody>
+          <a:bodyPr wrap="square" rtlCol="0">
+            <a:spAutoFit/>
+          </a:bodyPr>
+          <a:p>
+            <a:r>
+              <a:rPr lang="en-US" sz="1400" b="1">
+                <a:highlight>
+                  <a:srgbClr val="FFFF00"/>
+                </a:highlight>
+              </a:rPr>
+              <a:t>Logical Functions in Excel</a:t>
+            </a:r>
+            <a:endParaRPr lang="en-US" sz="1400" b="1">
+              <a:highlight>
+                <a:srgbClr val="FFFF00"/>
+              </a:highlight>
+            </a:endParaRPr>
+          </a:p>
+          <a:p>
+            <a:r>
+              <a:rPr lang="en-US" sz="1400" b="1">
+                <a:solidFill>
+                  <a:srgbClr val="C00000"/>
+                </a:solidFill>
+              </a:rPr>
+              <a:t>IF</a:t>
+            </a:r>
+            <a:endParaRPr lang="en-US" sz="1400" b="1">
+              <a:solidFill>
+                <a:srgbClr val="C00000"/>
+              </a:solidFill>
+            </a:endParaRPr>
+          </a:p>
+          <a:p>
+            <a:r>
+              <a:rPr lang="en-US" sz="1400"/>
+              <a:t>Syntax: =IF(condition, value_if_true, value_if_false)</a:t>
+            </a:r>
+            <a:endParaRPr lang="en-US" sz="1400"/>
+          </a:p>
+          <a:p>
+            <a:r>
+              <a:rPr lang="en-US" sz="1400"/>
+              <a:t>Checks if a condition is met and returns a value for true or false.</a:t>
+            </a:r>
+            <a:endParaRPr lang="en-US" sz="1400"/>
+          </a:p>
+          <a:p>
+            <a:endParaRPr lang="en-US" sz="1400" b="1">
+              <a:solidFill>
+                <a:srgbClr val="C00000"/>
+              </a:solidFill>
+            </a:endParaRPr>
+          </a:p>
+          <a:p>
+            <a:r>
+              <a:rPr lang="en-US" sz="1400" b="1">
+                <a:solidFill>
+                  <a:srgbClr val="C00000"/>
+                </a:solidFill>
+              </a:rPr>
+              <a:t>Nested IF</a:t>
+            </a:r>
+            <a:endParaRPr lang="en-US" sz="1400" b="1">
+              <a:solidFill>
+                <a:srgbClr val="C00000"/>
+              </a:solidFill>
+            </a:endParaRPr>
+          </a:p>
+          <a:p>
+            <a:r>
+              <a:rPr lang="en-US" sz="1400"/>
+              <a:t>Syntax: =IF(condition1, value_if_true1, IF(condition2, value_if_true2, value_if_false))</a:t>
+            </a:r>
+            <a:endParaRPr lang="en-US" sz="1400"/>
+          </a:p>
+          <a:p>
+            <a:r>
+              <a:rPr lang="en-US" sz="1400"/>
+              <a:t>Allows multiple conditions by nesting IF functions for layered logic.</a:t>
+            </a:r>
+            <a:endParaRPr lang="en-US" sz="1400"/>
+          </a:p>
+          <a:p>
+            <a:endParaRPr lang="en-US" sz="1400"/>
+          </a:p>
+          <a:p>
+            <a:r>
+              <a:rPr lang="en-US" sz="1400" b="1">
+                <a:solidFill>
+                  <a:srgbClr val="C00000"/>
+                </a:solidFill>
+              </a:rPr>
+              <a:t>AND</a:t>
+            </a:r>
+            <a:endParaRPr lang="en-US" sz="1400" b="1">
+              <a:solidFill>
+                <a:srgbClr val="C00000"/>
+              </a:solidFill>
+            </a:endParaRPr>
+          </a:p>
+          <a:p>
+            <a:r>
+              <a:rPr lang="en-US" sz="1400"/>
+              <a:t>Syntax: =AND(condition1, condition2, ...)</a:t>
+            </a:r>
+            <a:endParaRPr lang="en-US" sz="1400"/>
+          </a:p>
+          <a:p>
+            <a:r>
+              <a:rPr lang="en-US" sz="1400"/>
+              <a:t>Returns TRUE if all conditions are true; otherwise, returns FALSE.</a:t>
+            </a:r>
+            <a:endParaRPr lang="en-US" sz="1400"/>
+          </a:p>
+          <a:p>
+            <a:endParaRPr lang="en-US" sz="1400" b="1">
+              <a:solidFill>
+                <a:srgbClr val="C00000"/>
+              </a:solidFill>
+            </a:endParaRPr>
+          </a:p>
+          <a:p>
+            <a:r>
+              <a:rPr lang="en-US" sz="1400" b="1">
+                <a:solidFill>
+                  <a:srgbClr val="C00000"/>
+                </a:solidFill>
+              </a:rPr>
+              <a:t>OR</a:t>
+            </a:r>
+            <a:endParaRPr lang="en-US" sz="1400" b="1">
+              <a:solidFill>
+                <a:srgbClr val="C00000"/>
+              </a:solidFill>
+            </a:endParaRPr>
+          </a:p>
+          <a:p>
+            <a:r>
+              <a:rPr lang="en-US" sz="1400"/>
+              <a:t>Syntax: =OR(condition1, condition2, ...)</a:t>
+            </a:r>
+            <a:endParaRPr lang="en-US" sz="1400"/>
+          </a:p>
+          <a:p>
+            <a:r>
+              <a:rPr lang="en-US" sz="1400"/>
+              <a:t>Returns TRUE if any condition is true; otherwise, returns FALSE.</a:t>
+            </a:r>
+            <a:endParaRPr lang="en-US" sz="1400"/>
+          </a:p>
+          <a:p>
+            <a:endParaRPr lang="en-US" sz="1400"/>
+          </a:p>
+          <a:p>
+            <a:r>
+              <a:rPr lang="en-US" sz="1400" b="1">
+                <a:solidFill>
+                  <a:srgbClr val="C00000"/>
+                </a:solidFill>
+              </a:rPr>
+              <a:t>NOT</a:t>
+            </a:r>
+            <a:endParaRPr lang="en-US" sz="1400" b="1">
+              <a:solidFill>
+                <a:srgbClr val="C00000"/>
+              </a:solidFill>
+            </a:endParaRPr>
+          </a:p>
+          <a:p>
+            <a:r>
+              <a:rPr lang="en-US" sz="1400"/>
+              <a:t>Syntax: =NOT(condition)</a:t>
+            </a:r>
+            <a:endParaRPr lang="en-US" sz="1400"/>
+          </a:p>
+          <a:p>
+            <a:r>
+              <a:rPr lang="en-US" sz="1400"/>
+              <a:t>Reverses the logical value, turning TRUE to FALSE and vice versa.</a:t>
+            </a:r>
+            <a:endParaRPr lang="en-US" sz="1400"/>
+          </a:p>
+          <a:p>
+            <a:endParaRPr lang="en-US" sz="1400" b="1">
+              <a:solidFill>
+                <a:srgbClr val="C00000"/>
+              </a:solidFill>
+            </a:endParaRPr>
+          </a:p>
+          <a:p>
+            <a:r>
+              <a:rPr lang="en-US" sz="1400" b="1">
+                <a:solidFill>
+                  <a:srgbClr val="C00000"/>
+                </a:solidFill>
+              </a:rPr>
+              <a:t>IFERROR</a:t>
+            </a:r>
+            <a:endParaRPr lang="en-US" sz="1400" b="1">
+              <a:solidFill>
+                <a:srgbClr val="C00000"/>
+              </a:solidFill>
+            </a:endParaRPr>
+          </a:p>
+          <a:p>
+            <a:r>
+              <a:rPr lang="en-US" sz="1400"/>
+              <a:t>Syntax: =IFERROR(value, value_if_error)</a:t>
+            </a:r>
+            <a:endParaRPr lang="en-US" sz="1400"/>
+          </a:p>
+          <a:p>
+            <a:r>
+              <a:rPr lang="en-US" sz="1400"/>
+              <a:t>Returns a specified value if there’s an error; otherwise, returns the original result.</a:t>
+            </a:r>
+            <a:endParaRPr lang="en-US" sz="1400"/>
+          </a:p>
+          <a:p>
+            <a:endParaRPr lang="en-US" sz="1400"/>
+          </a:p>
+        </p:txBody>
+      </p:sp>
     </p:spTree>
   </p:cSld>
   <p:clrMapOvr>
@@ -6765,24 +7379,17 @@
         <p:cNvGrpSpPr/>
         <p:nvPr/>
       </p:nvGrpSpPr>
-      <p:grpSpPr>
-        <a:xfrm>
-          <a:off x="0" y="0"/>
-          <a:ext cx="0" cy="0"/>
-          <a:chOff x="0" y="0"/>
-          <a:chExt cx="0" cy="0"/>
-        </a:xfrm>
-      </p:grpSpPr>
+      <p:grpSpPr/>
       <p:sp>
         <p:nvSpPr>
-          <p:cNvPr id="3" name="TextBox 2"/>
+          <p:cNvPr id="2" name="Text Box 1"/>
           <p:cNvSpPr txBox="1"/>
           <p:nvPr/>
         </p:nvSpPr>
         <p:spPr>
           <a:xfrm>
-            <a:off x="3048828" y="2274838"/>
-            <a:ext cx="6097656" cy="2308324"/>
+            <a:off x="256540" y="171450"/>
+            <a:ext cx="9525000" cy="4799965"/>
           </a:xfrm>
           <a:prstGeom prst="rect">
             <a:avLst/>
@@ -6790,244 +7397,173 @@
           <a:noFill/>
         </p:spPr>
         <p:txBody>
-          <a:bodyPr wrap="square">
+          <a:bodyPr wrap="square" rtlCol="0" anchor="t">
             <a:spAutoFit/>
           </a:bodyPr>
-          <a:lstStyle/>
-          <a:p>
-            <a:pPr>
-              <a:spcBef>
-                <a:spcPts val="0"/>
-              </a:spcBef>
-              <a:spcAft>
-                <a:spcPts val="0"/>
-              </a:spcAft>
-            </a:pPr>
-            <a:r>
-              <a:rPr lang="en-US" sz="3600" b="0" u="sng" dirty="0">
-                <a:solidFill>
-                  <a:srgbClr val="1E88E5"/>
-                </a:solidFill>
-                <a:effectLst/>
-                <a:latin typeface="Arial" panose="020B0604020202020204" pitchFamily="34" charset="0"/>
-                <a:ea typeface="Times New Roman" panose="02020603050405020304" pitchFamily="18" charset="0"/>
-                <a:hlinkClick r:id="rId1"/>
-              </a:rPr>
-              <a:t>Reference Functions</a:t>
-            </a:r>
-            <a:endParaRPr lang="en-US" sz="3200" b="1" dirty="0">
-              <a:effectLst/>
-              <a:latin typeface="Times New Roman" panose="02020603050405020304" pitchFamily="18" charset="0"/>
-            </a:endParaRPr>
-          </a:p>
-          <a:p>
-            <a:pPr>
-              <a:spcBef>
-                <a:spcPts val="0"/>
-              </a:spcBef>
-              <a:spcAft>
-                <a:spcPts val="0"/>
-              </a:spcAft>
-            </a:pPr>
-            <a:r>
-              <a:rPr lang="en-US" sz="1800" dirty="0">
-                <a:solidFill>
-                  <a:srgbClr val="333333"/>
-                </a:solidFill>
-                <a:effectLst/>
-                <a:latin typeface="Arial" panose="020B0604020202020204" pitchFamily="34" charset="0"/>
-                <a:ea typeface="Times New Roman" panose="02020603050405020304" pitchFamily="18" charset="0"/>
-              </a:rPr>
-              <a:t> </a:t>
-            </a:r>
-            <a:r>
-              <a:rPr lang="en-US" sz="1800" u="sng" dirty="0">
-                <a:solidFill>
-                  <a:srgbClr val="1155CC"/>
-                </a:solidFill>
-                <a:effectLst/>
-                <a:latin typeface="Arial" panose="020B0604020202020204" pitchFamily="34" charset="0"/>
-                <a:ea typeface="Times New Roman" panose="02020603050405020304" pitchFamily="18" charset="0"/>
-                <a:hlinkClick r:id="rId2"/>
-              </a:rPr>
-              <a:t>VLOOKUP &amp; HLOOKUP</a:t>
-            </a:r>
-            <a:endParaRPr lang="en-US" sz="2800" dirty="0">
-              <a:effectLst/>
-              <a:latin typeface="Times New Roman" panose="02020603050405020304" pitchFamily="18" charset="0"/>
-            </a:endParaRPr>
-          </a:p>
-          <a:p>
-            <a:pPr>
-              <a:spcBef>
-                <a:spcPts val="0"/>
-              </a:spcBef>
-              <a:spcAft>
-                <a:spcPts val="0"/>
-              </a:spcAft>
-            </a:pPr>
-            <a:r>
-              <a:rPr lang="en-US" sz="1800" u="sng" dirty="0">
-                <a:solidFill>
-                  <a:srgbClr val="1155CC"/>
-                </a:solidFill>
-                <a:effectLst/>
-                <a:latin typeface="Arial" panose="020B0604020202020204" pitchFamily="34" charset="0"/>
-                <a:ea typeface="Times New Roman" panose="02020603050405020304" pitchFamily="18" charset="0"/>
-                <a:hlinkClick r:id="rId3"/>
-              </a:rPr>
-              <a:t>LOOKUP ,INDEX , MATCH,INDIRECT,OFFSET</a:t>
-            </a:r>
-            <a:r>
-              <a:rPr lang="en-US" sz="1800" dirty="0">
-                <a:solidFill>
-                  <a:srgbClr val="333333"/>
-                </a:solidFill>
-                <a:effectLst/>
-                <a:latin typeface="Arial" panose="020B0604020202020204" pitchFamily="34" charset="0"/>
-                <a:ea typeface="Times New Roman" panose="02020603050405020304" pitchFamily="18" charset="0"/>
-              </a:rPr>
-              <a:t> </a:t>
-            </a:r>
-            <a:endParaRPr lang="en-US" sz="2800" dirty="0">
-              <a:effectLst/>
-              <a:latin typeface="Times New Roman" panose="02020603050405020304" pitchFamily="18" charset="0"/>
-            </a:endParaRPr>
-          </a:p>
-          <a:p>
-            <a:pPr>
-              <a:spcBef>
-                <a:spcPts val="0"/>
-              </a:spcBef>
-              <a:spcAft>
-                <a:spcPts val="0"/>
-              </a:spcAft>
-            </a:pPr>
-            <a:r>
-              <a:rPr lang="en-US" sz="1800" u="sng" dirty="0">
-                <a:solidFill>
-                  <a:srgbClr val="1155CC"/>
-                </a:solidFill>
-                <a:effectLst/>
-                <a:latin typeface="Arial" panose="020B0604020202020204" pitchFamily="34" charset="0"/>
-                <a:ea typeface="Times New Roman" panose="02020603050405020304" pitchFamily="18" charset="0"/>
-                <a:hlinkClick r:id="rId4"/>
-              </a:rPr>
-              <a:t>ROW &amp; COLUMN</a:t>
-            </a:r>
-            <a:r>
-              <a:rPr lang="en-US" sz="1800" dirty="0">
-                <a:solidFill>
-                  <a:srgbClr val="333333"/>
-                </a:solidFill>
-                <a:effectLst/>
-                <a:latin typeface="Arial" panose="020B0604020202020204" pitchFamily="34" charset="0"/>
-                <a:ea typeface="Times New Roman" panose="02020603050405020304" pitchFamily="18" charset="0"/>
-              </a:rPr>
-              <a:t> </a:t>
-            </a:r>
-            <a:endParaRPr lang="en-US" sz="2800" dirty="0">
-              <a:effectLst/>
-              <a:latin typeface="Times New Roman" panose="02020603050405020304" pitchFamily="18" charset="0"/>
-            </a:endParaRPr>
-          </a:p>
-          <a:p>
-            <a:pPr>
-              <a:spcBef>
-                <a:spcPts val="0"/>
-              </a:spcBef>
-              <a:spcAft>
-                <a:spcPts val="0"/>
-              </a:spcAft>
-            </a:pPr>
-            <a:r>
-              <a:rPr lang="en-US" sz="1800" u="sng" dirty="0">
-                <a:solidFill>
-                  <a:srgbClr val="1155CC"/>
-                </a:solidFill>
-                <a:effectLst/>
-                <a:latin typeface="Arial" panose="020B0604020202020204" pitchFamily="34" charset="0"/>
-                <a:ea typeface="Times New Roman" panose="02020603050405020304" pitchFamily="18" charset="0"/>
-                <a:hlinkClick r:id="rId5"/>
-              </a:rPr>
-              <a:t>Array Formulas</a:t>
-            </a:r>
-            <a:r>
-              <a:rPr lang="en-US" sz="1800" dirty="0">
-                <a:solidFill>
-                  <a:srgbClr val="333333"/>
-                </a:solidFill>
-                <a:effectLst/>
-                <a:latin typeface="Arial" panose="020B0604020202020204" pitchFamily="34" charset="0"/>
-                <a:ea typeface="Times New Roman" panose="02020603050405020304" pitchFamily="18" charset="0"/>
-              </a:rPr>
-              <a:t> </a:t>
-            </a:r>
-            <a:endParaRPr lang="en-US" sz="2800" dirty="0">
-              <a:effectLst/>
-              <a:latin typeface="Times New Roman" panose="02020603050405020304" pitchFamily="18" charset="0"/>
-            </a:endParaRPr>
-          </a:p>
-          <a:p>
-            <a:pPr>
-              <a:spcBef>
-                <a:spcPts val="0"/>
-              </a:spcBef>
-              <a:spcAft>
-                <a:spcPts val="0"/>
-              </a:spcAft>
-            </a:pPr>
-            <a:r>
-              <a:rPr lang="en-US" sz="1800" u="sng" dirty="0">
-                <a:solidFill>
-                  <a:srgbClr val="1155CC"/>
-                </a:solidFill>
-                <a:effectLst/>
-                <a:latin typeface="Arial" panose="020B0604020202020204" pitchFamily="34" charset="0"/>
-                <a:ea typeface="Times New Roman" panose="02020603050405020304" pitchFamily="18" charset="0"/>
-                <a:hlinkClick r:id="rId6"/>
-              </a:rPr>
-              <a:t>Assignment</a:t>
-            </a:r>
-            <a:r>
-              <a:rPr lang="en-US" sz="1800" dirty="0">
-                <a:solidFill>
-                  <a:srgbClr val="333333"/>
-                </a:solidFill>
-                <a:effectLst/>
-                <a:latin typeface="Arial" panose="020B0604020202020204" pitchFamily="34" charset="0"/>
-                <a:ea typeface="Times New Roman" panose="02020603050405020304" pitchFamily="18" charset="0"/>
-              </a:rPr>
-              <a:t> </a:t>
-            </a:r>
-            <a:endParaRPr lang="en-US" sz="2800" dirty="0">
-              <a:effectLst/>
-              <a:latin typeface="Times New Roman" panose="02020603050405020304" pitchFamily="18" charset="0"/>
-            </a:endParaRPr>
-          </a:p>
-          <a:p>
-            <a:pPr>
-              <a:spcBef>
-                <a:spcPts val="0"/>
-              </a:spcBef>
-              <a:spcAft>
-                <a:spcPts val="0"/>
-              </a:spcAft>
-            </a:pPr>
-            <a:r>
-              <a:rPr lang="en-US" sz="1800" dirty="0">
-                <a:solidFill>
-                  <a:srgbClr val="333333"/>
-                </a:solidFill>
-                <a:effectLst/>
-                <a:latin typeface="Arial" panose="020B0604020202020204" pitchFamily="34" charset="0"/>
-                <a:ea typeface="Times New Roman" panose="02020603050405020304" pitchFamily="18" charset="0"/>
-              </a:rPr>
-              <a:t> </a:t>
-            </a:r>
-            <a:endParaRPr lang="en-US" sz="2800" dirty="0">
-              <a:effectLst/>
-              <a:latin typeface="Times New Roman" panose="02020603050405020304" pitchFamily="18" charset="0"/>
+          <a:p>
+            <a:endParaRPr lang="en-US"/>
+          </a:p>
+          <a:p>
+            <a:r>
+              <a:rPr lang="en-US" b="1">
+                <a:highlight>
+                  <a:srgbClr val="FFFF00"/>
+                </a:highlight>
+                <a:sym typeface="+mn-ea"/>
+              </a:rPr>
+              <a:t>Conditional Summing and Counting Functions</a:t>
+            </a:r>
+            <a:endParaRPr lang="en-US" b="1">
+              <a:highlight>
+                <a:srgbClr val="FFFF00"/>
+              </a:highlight>
+            </a:endParaRPr>
+          </a:p>
+          <a:p>
+            <a:r>
+              <a:rPr lang="en-US" b="1">
+                <a:solidFill>
+                  <a:srgbClr val="C00000"/>
+                </a:solidFill>
+                <a:sym typeface="+mn-ea"/>
+              </a:rPr>
+              <a:t>SUMIF</a:t>
+            </a:r>
+            <a:endParaRPr lang="en-US" b="1">
+              <a:solidFill>
+                <a:srgbClr val="C00000"/>
+              </a:solidFill>
+            </a:endParaRPr>
+          </a:p>
+          <a:p>
+            <a:r>
+              <a:rPr lang="en-US">
+                <a:sym typeface="+mn-ea"/>
+              </a:rPr>
+              <a:t>Syntax: =SUMIF(range, criteria, [sum_range])</a:t>
+            </a:r>
+            <a:endParaRPr lang="en-US"/>
+          </a:p>
+          <a:p>
+            <a:r>
+              <a:rPr lang="en-US">
+                <a:sym typeface="+mn-ea"/>
+              </a:rPr>
+              <a:t>Adds values in a range that meet a specific criterion.</a:t>
+            </a:r>
+            <a:endParaRPr lang="en-US"/>
+          </a:p>
+          <a:p>
+            <a:endParaRPr lang="en-US"/>
+          </a:p>
+          <a:p>
+            <a:r>
+              <a:rPr lang="en-US" b="1">
+                <a:solidFill>
+                  <a:srgbClr val="C00000"/>
+                </a:solidFill>
+                <a:sym typeface="+mn-ea"/>
+              </a:rPr>
+              <a:t>COUNTIF</a:t>
+            </a:r>
+            <a:endParaRPr lang="en-US" b="1">
+              <a:solidFill>
+                <a:srgbClr val="C00000"/>
+              </a:solidFill>
+            </a:endParaRPr>
+          </a:p>
+          <a:p>
+            <a:r>
+              <a:rPr lang="en-US">
+                <a:sym typeface="+mn-ea"/>
+              </a:rPr>
+              <a:t>Syntax: =COUNTIF(range, criteria)</a:t>
+            </a:r>
+            <a:endParaRPr lang="en-US"/>
+          </a:p>
+          <a:p>
+            <a:r>
+              <a:rPr lang="en-US">
+                <a:sym typeface="+mn-ea"/>
+              </a:rPr>
+              <a:t>Counts the number of cells in a range that meet a specific criterion.</a:t>
+            </a:r>
+            <a:endParaRPr lang="en-US"/>
+          </a:p>
+          <a:p>
+            <a:endParaRPr lang="en-US"/>
+          </a:p>
+          <a:p>
+            <a:r>
+              <a:rPr lang="en-US" b="1">
+                <a:solidFill>
+                  <a:srgbClr val="C00000"/>
+                </a:solidFill>
+                <a:sym typeface="+mn-ea"/>
+              </a:rPr>
+              <a:t>SUMIFS</a:t>
+            </a:r>
+            <a:endParaRPr lang="en-US" b="1">
+              <a:solidFill>
+                <a:srgbClr val="C00000"/>
+              </a:solidFill>
+            </a:endParaRPr>
+          </a:p>
+          <a:p>
+            <a:r>
+              <a:rPr lang="en-US">
+                <a:sym typeface="+mn-ea"/>
+              </a:rPr>
+              <a:t>Syntax: =SUMIFS(sum_range, criteria_range1, criteria1, [criteria_range2, criteria2], ...)</a:t>
+            </a:r>
+            <a:endParaRPr lang="en-US"/>
+          </a:p>
+          <a:p>
+            <a:r>
+              <a:rPr lang="en-US">
+                <a:sym typeface="+mn-ea"/>
+              </a:rPr>
+              <a:t>Adds values in a range based on multiple criteria.</a:t>
+            </a:r>
+            <a:endParaRPr lang="en-US"/>
+          </a:p>
+          <a:p>
+            <a:endParaRPr lang="en-US"/>
+          </a:p>
+          <a:p>
+            <a:r>
+              <a:rPr lang="en-US" b="1">
+                <a:solidFill>
+                  <a:srgbClr val="C00000"/>
+                </a:solidFill>
+                <a:sym typeface="+mn-ea"/>
+              </a:rPr>
+              <a:t>COUNTIFS</a:t>
+            </a:r>
+            <a:endParaRPr lang="en-US" b="1">
+              <a:solidFill>
+                <a:srgbClr val="C00000"/>
+              </a:solidFill>
+            </a:endParaRPr>
+          </a:p>
+          <a:p>
+            <a:r>
+              <a:rPr lang="en-US">
+                <a:sym typeface="+mn-ea"/>
+              </a:rPr>
+              <a:t>Syntax: =COUNTIFS(criteria_range1, criteria1, [criteria_range2, criteria2], ...)</a:t>
+            </a:r>
+            <a:endParaRPr lang="en-US"/>
+          </a:p>
+          <a:p>
+            <a:r>
+              <a:rPr lang="en-US">
+                <a:sym typeface="+mn-ea"/>
+              </a:rPr>
+              <a:t>Counts the number of cells across multiple ranges that meet multiple criteria.</a:t>
+            </a:r>
+            <a:endParaRPr lang="en-US">
+              <a:sym typeface="+mn-ea"/>
             </a:endParaRPr>
           </a:p>
         </p:txBody>
@@ -7065,8 +7601,8 @@
         </p:nvSpPr>
         <p:spPr>
           <a:xfrm>
-            <a:off x="3048828" y="2136339"/>
-            <a:ext cx="6097656" cy="2585323"/>
+            <a:off x="299278" y="298718"/>
+            <a:ext cx="6097656" cy="1753235"/>
           </a:xfrm>
           <a:prstGeom prst="rect">
             <a:avLst/>
@@ -7088,17 +7624,6 @@
               </a:spcAft>
             </a:pPr>
             <a:r>
-              <a:rPr lang="en-US" sz="3600" b="0" dirty="0">
-                <a:solidFill>
-                  <a:srgbClr val="333333"/>
-                </a:solidFill>
-                <a:effectLst/>
-                <a:latin typeface="Arial" panose="020B0604020202020204" pitchFamily="34" charset="0"/>
-                <a:ea typeface="Times New Roman" panose="02020603050405020304" pitchFamily="18" charset="0"/>
-              </a:rPr>
-              <a:t> </a:t>
-            </a:r>
-            <a:r>
               <a:rPr lang="en-US" sz="3600" b="0" u="sng" dirty="0">
                 <a:solidFill>
                   <a:srgbClr val="1E88E5"/>
@@ -7108,7 +7633,7 @@
                 <a:ea typeface="Times New Roman" panose="02020603050405020304" pitchFamily="18" charset="0"/>
                 <a:hlinkClick r:id="rId1"/>
               </a:rPr>
-              <a:t>Data Validation</a:t>
+              <a:t>Reference Functions</a:t>
             </a:r>
             <a:endParaRPr lang="en-US" sz="3200" b="1" dirty="0">
               <a:effectLst/>
@@ -7125,17 +7650,6 @@
               </a:spcAft>
             </a:pPr>
             <a:r>
-              <a:rPr lang="en-US" sz="1800" dirty="0">
-                <a:solidFill>
-                  <a:srgbClr val="333333"/>
-                </a:solidFill>
-                <a:effectLst/>
-                <a:latin typeface="Arial" panose="020B0604020202020204" pitchFamily="34" charset="0"/>
-                <a:ea typeface="Times New Roman" panose="02020603050405020304" pitchFamily="18" charset="0"/>
-              </a:rPr>
-              <a:t> </a:t>
-            </a:r>
-            <a:r>
               <a:rPr lang="en-US" sz="1800" u="sng" dirty="0">
                 <a:solidFill>
                   <a:srgbClr val="1155CC"/>
@@ -7145,7 +7659,7 @@
                 <a:ea typeface="Times New Roman" panose="02020603050405020304" pitchFamily="18" charset="0"/>
                 <a:hlinkClick r:id="rId2"/>
               </a:rPr>
-              <a:t>Define Data Validation Rules</a:t>
+              <a:t>VLOOKUP &amp; HLOOKUP</a:t>
             </a:r>
             <a:endParaRPr lang="en-US" sz="2800" dirty="0">
               <a:effectLst/>
@@ -7171,7 +7685,7 @@
                 <a:ea typeface="Times New Roman" panose="02020603050405020304" pitchFamily="18" charset="0"/>
                 <a:hlinkClick r:id="rId3"/>
               </a:rPr>
-              <a:t>Data Validation Options</a:t>
+              <a:t>LOOKUP ,INDEX , MATCH,INDIRECT,OFFSET</a:t>
             </a:r>
             <a:r>
               <a:rPr lang="en-US" sz="1800" dirty="0">
@@ -7208,7 +7722,7 @@
                 <a:ea typeface="Times New Roman" panose="02020603050405020304" pitchFamily="18" charset="0"/>
                 <a:hlinkClick r:id="rId4"/>
               </a:rPr>
-              <a:t>Drop-Down Lists</a:t>
+              <a:t>ROW &amp; COLUMN</a:t>
             </a:r>
             <a:r>
               <a:rPr lang="en-US" sz="1800" dirty="0">
@@ -7245,7 +7759,7 @@
                 <a:ea typeface="Times New Roman" panose="02020603050405020304" pitchFamily="18" charset="0"/>
                 <a:hlinkClick r:id="rId5"/>
               </a:rPr>
-              <a:t>Data Validation using Custom Formulas</a:t>
+              <a:t>Array Formulas</a:t>
             </a:r>
             <a:r>
               <a:rPr lang="en-US" sz="1800" dirty="0">
@@ -7256,110 +7770,125 @@
                 <a:latin typeface="Arial" panose="020B0604020202020204" pitchFamily="34" charset="0"/>
                 <a:ea typeface="Times New Roman" panose="02020603050405020304" pitchFamily="18" charset="0"/>
               </a:rPr>
-              <a:t> </a:t>
+              <a:t>  </a:t>
             </a:r>
             <a:endParaRPr lang="en-US" sz="2800" dirty="0">
               <a:effectLst/>
               <a:latin typeface="Times New Roman" panose="02020603050405020304" pitchFamily="18" charset="0"/>
             </a:endParaRPr>
           </a:p>
+        </p:txBody>
+      </p:sp>
+      <p:sp>
+        <p:nvSpPr>
+          <p:cNvPr id="2" name="Text Box 1"/>
+          <p:cNvSpPr txBox="1"/>
+          <p:nvPr/>
+        </p:nvSpPr>
+        <p:spPr>
+          <a:xfrm>
+            <a:off x="163195" y="5981700"/>
+            <a:ext cx="8688070" cy="368300"/>
+          </a:xfrm>
+          <a:prstGeom prst="rect">
+            <a:avLst/>
+          </a:prstGeom>
+          <a:noFill/>
+        </p:spPr>
+        <p:txBody>
+          <a:bodyPr wrap="square" rtlCol="0" anchor="t">
+            <a:spAutoFit/>
+          </a:bodyPr>
+          <a:p>
+            <a:r>
+              <a:rPr lang="en-US">
+                <a:solidFill>
+                  <a:srgbClr val="00B0F0"/>
+                </a:solidFill>
+              </a:rPr>
+              <a:t>https://excel-practice-online.com/functions/vlookup-function/</a:t>
+            </a:r>
+            <a:endParaRPr lang="en-US">
+              <a:solidFill>
+                <a:srgbClr val="00B0F0"/>
+              </a:solidFill>
+            </a:endParaRPr>
+          </a:p>
+        </p:txBody>
+      </p:sp>
+      <p:sp>
+        <p:nvSpPr>
+          <p:cNvPr id="4" name="Text Box 3"/>
+          <p:cNvSpPr txBox="1"/>
+          <p:nvPr/>
+        </p:nvSpPr>
+        <p:spPr>
+          <a:xfrm>
+            <a:off x="299085" y="2051685"/>
+            <a:ext cx="11174730" cy="906145"/>
+          </a:xfrm>
+          <a:prstGeom prst="rect">
+            <a:avLst/>
+          </a:prstGeom>
+        </p:spPr>
+        <p:txBody>
+          <a:bodyPr wrap="square">
+            <a:spAutoFit/>
+          </a:bodyPr>
           <a:p>
             <a:pPr>
-              <a:spcBef>
-                <a:spcPts val="0"/>
-              </a:spcBef>
               <a:spcAft>
-                <a:spcPts val="0"/>
+                <a:spcPct val="60000"/>
               </a:spcAft>
             </a:pPr>
             <a:r>
-              <a:rPr lang="en-US" sz="1800" u="sng" dirty="0">
-                <a:solidFill>
-                  <a:srgbClr val="1155CC"/>
-                </a:solidFill>
-                <a:effectLst/>
-                <a:latin typeface="Arial" panose="020B0604020202020204" pitchFamily="34" charset="0"/>
-                <a:ea typeface="Times New Roman" panose="02020603050405020304" pitchFamily="18" charset="0"/>
-                <a:hlinkClick r:id="rId6"/>
-              </a:rPr>
-              <a:t>Validate the Worksheet</a:t>
-            </a:r>
-            <a:r>
-              <a:rPr lang="en-US" sz="1800" dirty="0">
-                <a:solidFill>
-                  <a:srgbClr val="333333"/>
-                </a:solidFill>
-                <a:effectLst/>
-                <a:latin typeface="Arial" panose="020B0604020202020204" pitchFamily="34" charset="0"/>
-                <a:ea typeface="Times New Roman" panose="02020603050405020304" pitchFamily="18" charset="0"/>
-              </a:rPr>
-              <a:t> </a:t>
-            </a:r>
-            <a:endParaRPr lang="en-US" sz="2800" dirty="0">
-              <a:effectLst/>
-              <a:latin typeface="Times New Roman" panose="02020603050405020304" pitchFamily="18" charset="0"/>
-            </a:endParaRPr>
-          </a:p>
-          <a:p>
-            <a:pPr>
-              <a:spcBef>
-                <a:spcPts val="0"/>
-              </a:spcBef>
-              <a:spcAft>
-                <a:spcPts val="0"/>
-              </a:spcAft>
-            </a:pPr>
-            <a:r>
-              <a:rPr lang="en-US" sz="1800" u="sng" dirty="0">
-                <a:solidFill>
-                  <a:srgbClr val="1155CC"/>
-                </a:solidFill>
-                <a:effectLst/>
-                <a:latin typeface="Arial" panose="020B0604020202020204" pitchFamily="34" charset="0"/>
-                <a:ea typeface="Times New Roman" panose="02020603050405020304" pitchFamily="18" charset="0"/>
-                <a:hlinkClick r:id="rId7"/>
-              </a:rPr>
-              <a:t>Assignment</a:t>
-            </a:r>
-            <a:r>
-              <a:rPr lang="en-US" sz="1800" dirty="0">
-                <a:solidFill>
-                  <a:srgbClr val="333333"/>
-                </a:solidFill>
-                <a:effectLst/>
-                <a:latin typeface="Arial" panose="020B0604020202020204" pitchFamily="34" charset="0"/>
-                <a:ea typeface="Times New Roman" panose="02020603050405020304" pitchFamily="18" charset="0"/>
-              </a:rPr>
-              <a:t> </a:t>
-            </a:r>
-            <a:endParaRPr lang="en-US" sz="2800" dirty="0">
-              <a:effectLst/>
-              <a:latin typeface="Times New Roman" panose="02020603050405020304" pitchFamily="18" charset="0"/>
-            </a:endParaRPr>
-          </a:p>
-          <a:p>
-            <a:pPr>
-              <a:spcBef>
-                <a:spcPts val="0"/>
-              </a:spcBef>
-              <a:spcAft>
-                <a:spcPts val="0"/>
-              </a:spcAft>
-            </a:pPr>
-            <a:r>
-              <a:rPr lang="en-US" sz="1800" dirty="0">
-                <a:solidFill>
-                  <a:srgbClr val="333333"/>
-                </a:solidFill>
-                <a:effectLst/>
-                <a:latin typeface="Arial" panose="020B0604020202020204" pitchFamily="34" charset="0"/>
-                <a:ea typeface="Times New Roman" panose="02020603050405020304" pitchFamily="18" charset="0"/>
-              </a:rPr>
-              <a:t> </a:t>
-            </a:r>
-            <a:endParaRPr lang="en-US" sz="2800" dirty="0">
-              <a:effectLst/>
-              <a:latin typeface="Times New Roman" panose="02020603050405020304" pitchFamily="18" charset="0"/>
+              <a:rPr sz="2200" b="1"/>
+              <a:t>Reference Functions in Excel</a:t>
+            </a:r>
+            <a:endParaRPr sz="2200" b="1"/>
+          </a:p>
+          <a:p>
+            <a:r>
+              <a:rPr sz="1600"/>
+              <a:t>Objective: To understand and apply reference functions in Excel for dynamic data retrieval and analysis.</a:t>
+            </a:r>
+            <a:endParaRPr sz="1600"/>
+          </a:p>
+        </p:txBody>
+      </p:sp>
+      <p:sp>
+        <p:nvSpPr>
+          <p:cNvPr id="5" name="Text Box 4"/>
+          <p:cNvSpPr txBox="1"/>
+          <p:nvPr/>
+        </p:nvSpPr>
+        <p:spPr>
+          <a:xfrm>
+            <a:off x="299085" y="5155565"/>
+            <a:ext cx="10622915" cy="368300"/>
+          </a:xfrm>
+          <a:prstGeom prst="rect">
+            <a:avLst/>
+          </a:prstGeom>
+          <a:noFill/>
+        </p:spPr>
+        <p:txBody>
+          <a:bodyPr wrap="square" rtlCol="0" anchor="t">
+            <a:spAutoFit/>
+          </a:bodyPr>
+          <a:p>
+            <a:r>
+              <a:rPr lang="en-US">
+                <a:solidFill>
+                  <a:srgbClr val="C00000"/>
+                </a:solidFill>
+              </a:rPr>
+              <a:t>https://chandoo.org/wp/vlookup-match-and-offset-explained-in-plain-english-spreadcheats/</a:t>
+            </a:r>
+            <a:endParaRPr lang="en-US">
+              <a:solidFill>
+                <a:srgbClr val="C00000"/>
+              </a:solidFill>
             </a:endParaRPr>
           </a:p>
         </p:txBody>
@@ -7381,24 +7910,17 @@
         <p:cNvGrpSpPr/>
         <p:nvPr/>
       </p:nvGrpSpPr>
-      <p:grpSpPr>
-        <a:xfrm>
-          <a:off x="0" y="0"/>
-          <a:ext cx="0" cy="0"/>
-          <a:chOff x="0" y="0"/>
-          <a:chExt cx="0" cy="0"/>
-        </a:xfrm>
-      </p:grpSpPr>
+      <p:grpSpPr/>
       <p:sp>
         <p:nvSpPr>
-          <p:cNvPr id="3" name="TextBox 2"/>
+          <p:cNvPr id="3" name="Text Box 2"/>
           <p:cNvSpPr txBox="1"/>
           <p:nvPr/>
         </p:nvSpPr>
         <p:spPr>
           <a:xfrm>
-            <a:off x="3048828" y="2274838"/>
-            <a:ext cx="6097656" cy="2308324"/>
+            <a:off x="350520" y="193040"/>
+            <a:ext cx="10674985" cy="5354320"/>
           </a:xfrm>
           <a:prstGeom prst="rect">
             <a:avLst/>
@@ -7406,268 +7928,133 @@
           <a:noFill/>
         </p:spPr>
         <p:txBody>
-          <a:bodyPr wrap="square">
+          <a:bodyPr wrap="square" rtlCol="0">
             <a:spAutoFit/>
           </a:bodyPr>
-          <a:lstStyle/>
-          <a:p>
-            <a:pPr>
-              <a:spcBef>
-                <a:spcPts val="0"/>
-              </a:spcBef>
-              <a:spcAft>
-                <a:spcPts val="0"/>
-              </a:spcAft>
-            </a:pPr>
-            <a:r>
-              <a:rPr lang="en-IN" sz="3600" b="0" dirty="0">
-                <a:solidFill>
-                  <a:srgbClr val="333333"/>
-                </a:solidFill>
-                <a:effectLst/>
-                <a:latin typeface="Arial" panose="020B0604020202020204" pitchFamily="34" charset="0"/>
-                <a:ea typeface="Times New Roman" panose="02020603050405020304" pitchFamily="18" charset="0"/>
-              </a:rPr>
-              <a:t> </a:t>
-            </a:r>
-            <a:r>
-              <a:rPr lang="en-IN" sz="3600" b="0" u="sng" dirty="0">
-                <a:solidFill>
-                  <a:srgbClr val="1E88E5"/>
-                </a:solidFill>
-                <a:effectLst/>
-                <a:latin typeface="Arial" panose="020B0604020202020204" pitchFamily="34" charset="0"/>
-                <a:ea typeface="Times New Roman" panose="02020603050405020304" pitchFamily="18" charset="0"/>
-                <a:hlinkClick r:id="rId1"/>
-              </a:rPr>
-              <a:t>Pivot Table</a:t>
-            </a:r>
-            <a:endParaRPr lang="en-IN" sz="3200" b="1" dirty="0">
-              <a:effectLst/>
-              <a:latin typeface="Times New Roman" panose="02020603050405020304" pitchFamily="18" charset="0"/>
-            </a:endParaRPr>
-          </a:p>
-          <a:p>
-            <a:pPr>
-              <a:spcBef>
-                <a:spcPts val="0"/>
-              </a:spcBef>
-              <a:spcAft>
-                <a:spcPts val="0"/>
-              </a:spcAft>
-            </a:pPr>
-            <a:r>
-              <a:rPr lang="en-IN" sz="1800" dirty="0">
-                <a:solidFill>
-                  <a:srgbClr val="333333"/>
-                </a:solidFill>
-                <a:effectLst/>
-                <a:latin typeface="Arial" panose="020B0604020202020204" pitchFamily="34" charset="0"/>
-                <a:ea typeface="Times New Roman" panose="02020603050405020304" pitchFamily="18" charset="0"/>
-              </a:rPr>
-              <a:t> </a:t>
-            </a:r>
-            <a:r>
-              <a:rPr lang="en-IN" sz="1800" u="sng" dirty="0">
-                <a:solidFill>
-                  <a:srgbClr val="1155CC"/>
-                </a:solidFill>
-                <a:effectLst/>
-                <a:latin typeface="Arial" panose="020B0604020202020204" pitchFamily="34" charset="0"/>
-                <a:ea typeface="Times New Roman" panose="02020603050405020304" pitchFamily="18" charset="0"/>
-                <a:hlinkClick r:id="rId2"/>
-              </a:rPr>
-              <a:t>Create PivotTables</a:t>
-            </a:r>
-            <a:endParaRPr lang="en-IN" sz="2800" dirty="0">
-              <a:effectLst/>
-              <a:latin typeface="Times New Roman" panose="02020603050405020304" pitchFamily="18" charset="0"/>
-            </a:endParaRPr>
-          </a:p>
-          <a:p>
-            <a:pPr>
-              <a:spcBef>
-                <a:spcPts val="0"/>
-              </a:spcBef>
-              <a:spcAft>
-                <a:spcPts val="0"/>
-              </a:spcAft>
-            </a:pPr>
-            <a:r>
-              <a:rPr lang="en-IN" sz="1800" u="sng" dirty="0">
-                <a:solidFill>
-                  <a:srgbClr val="1155CC"/>
-                </a:solidFill>
-                <a:effectLst/>
-                <a:latin typeface="Arial" panose="020B0604020202020204" pitchFamily="34" charset="0"/>
-                <a:ea typeface="Times New Roman" panose="02020603050405020304" pitchFamily="18" charset="0"/>
-                <a:hlinkClick r:id="rId3"/>
-              </a:rPr>
-              <a:t>Choosing Fields</a:t>
-            </a:r>
-            <a:r>
-              <a:rPr lang="en-IN" sz="1800" dirty="0">
-                <a:solidFill>
-                  <a:srgbClr val="333333"/>
-                </a:solidFill>
-                <a:effectLst/>
-                <a:latin typeface="Arial" panose="020B0604020202020204" pitchFamily="34" charset="0"/>
-                <a:ea typeface="Times New Roman" panose="02020603050405020304" pitchFamily="18" charset="0"/>
-              </a:rPr>
-              <a:t> </a:t>
-            </a:r>
-            <a:endParaRPr lang="en-IN" sz="2800" dirty="0">
-              <a:effectLst/>
-              <a:latin typeface="Times New Roman" panose="02020603050405020304" pitchFamily="18" charset="0"/>
-            </a:endParaRPr>
-          </a:p>
-          <a:p>
-            <a:pPr>
-              <a:spcBef>
-                <a:spcPts val="0"/>
-              </a:spcBef>
-              <a:spcAft>
-                <a:spcPts val="0"/>
-              </a:spcAft>
-            </a:pPr>
-            <a:r>
-              <a:rPr lang="en-IN" sz="1800" u="sng" dirty="0">
-                <a:solidFill>
-                  <a:srgbClr val="1155CC"/>
-                </a:solidFill>
-                <a:effectLst/>
-                <a:latin typeface="Arial" panose="020B0604020202020204" pitchFamily="34" charset="0"/>
-                <a:ea typeface="Times New Roman" panose="02020603050405020304" pitchFamily="18" charset="0"/>
-                <a:hlinkClick r:id="rId4"/>
-              </a:rPr>
-              <a:t>Customizing PivotTables Reports</a:t>
-            </a:r>
-            <a:r>
-              <a:rPr lang="en-IN" sz="1800" dirty="0">
-                <a:solidFill>
-                  <a:srgbClr val="333333"/>
-                </a:solidFill>
-                <a:effectLst/>
-                <a:latin typeface="Arial" panose="020B0604020202020204" pitchFamily="34" charset="0"/>
-                <a:ea typeface="Times New Roman" panose="02020603050405020304" pitchFamily="18" charset="0"/>
-              </a:rPr>
-              <a:t> </a:t>
-            </a:r>
-            <a:endParaRPr lang="en-IN" sz="2800" dirty="0">
-              <a:effectLst/>
-              <a:latin typeface="Times New Roman" panose="02020603050405020304" pitchFamily="18" charset="0"/>
-            </a:endParaRPr>
-          </a:p>
-          <a:p>
-            <a:pPr>
-              <a:spcBef>
-                <a:spcPts val="0"/>
-              </a:spcBef>
-              <a:spcAft>
-                <a:spcPts val="0"/>
-              </a:spcAft>
-            </a:pPr>
-            <a:r>
-              <a:rPr lang="en-IN" sz="1800" u="sng" dirty="0">
-                <a:solidFill>
-                  <a:srgbClr val="1155CC"/>
-                </a:solidFill>
-                <a:effectLst/>
-                <a:latin typeface="Arial" panose="020B0604020202020204" pitchFamily="34" charset="0"/>
-                <a:ea typeface="Times New Roman" panose="02020603050405020304" pitchFamily="18" charset="0"/>
-                <a:hlinkClick r:id="rId5"/>
-              </a:rPr>
-              <a:t>Filtering PivotTables</a:t>
-            </a:r>
-            <a:r>
-              <a:rPr lang="en-IN" sz="1800" dirty="0">
-                <a:solidFill>
-                  <a:srgbClr val="333333"/>
-                </a:solidFill>
-                <a:effectLst/>
-                <a:latin typeface="Arial" panose="020B0604020202020204" pitchFamily="34" charset="0"/>
-                <a:ea typeface="Times New Roman" panose="02020603050405020304" pitchFamily="18" charset="0"/>
-              </a:rPr>
-              <a:t> </a:t>
-            </a:r>
-            <a:endParaRPr lang="en-IN" sz="2800" dirty="0">
-              <a:effectLst/>
-              <a:latin typeface="Times New Roman" panose="02020603050405020304" pitchFamily="18" charset="0"/>
-            </a:endParaRPr>
-          </a:p>
-          <a:p>
-            <a:pPr>
-              <a:spcBef>
-                <a:spcPts val="0"/>
-              </a:spcBef>
-              <a:spcAft>
-                <a:spcPts val="0"/>
-              </a:spcAft>
-            </a:pPr>
-            <a:r>
-              <a:rPr lang="en-IN" sz="1800" u="sng" dirty="0" err="1">
-                <a:solidFill>
-                  <a:srgbClr val="1155CC"/>
-                </a:solidFill>
-                <a:effectLst/>
-                <a:latin typeface="Arial" panose="020B0604020202020204" pitchFamily="34" charset="0"/>
-                <a:ea typeface="Times New Roman" panose="02020603050405020304" pitchFamily="18" charset="0"/>
-                <a:hlinkClick r:id="rId6"/>
-              </a:rPr>
-              <a:t>PivotCharts</a:t>
-            </a:r>
-            <a:r>
-              <a:rPr lang="en-IN" sz="1800" dirty="0">
-                <a:solidFill>
-                  <a:srgbClr val="333333"/>
-                </a:solidFill>
-                <a:effectLst/>
-                <a:latin typeface="Arial" panose="020B0604020202020204" pitchFamily="34" charset="0"/>
-                <a:ea typeface="Times New Roman" panose="02020603050405020304" pitchFamily="18" charset="0"/>
-              </a:rPr>
-              <a:t> </a:t>
-            </a:r>
-            <a:endParaRPr lang="en-IN" sz="2800" dirty="0">
-              <a:effectLst/>
-              <a:latin typeface="Times New Roman" panose="02020603050405020304" pitchFamily="18" charset="0"/>
-            </a:endParaRPr>
-          </a:p>
-          <a:p>
-            <a:pPr>
-              <a:spcBef>
-                <a:spcPts val="0"/>
-              </a:spcBef>
-              <a:spcAft>
-                <a:spcPts val="0"/>
-              </a:spcAft>
-            </a:pPr>
-            <a:r>
-              <a:rPr lang="en-IN" sz="1800" u="sng" dirty="0">
-                <a:solidFill>
-                  <a:srgbClr val="1155CC"/>
-                </a:solidFill>
-                <a:effectLst/>
-                <a:latin typeface="Arial" panose="020B0604020202020204" pitchFamily="34" charset="0"/>
-                <a:ea typeface="Times New Roman" panose="02020603050405020304" pitchFamily="18" charset="0"/>
-                <a:hlinkClick r:id="rId7"/>
-              </a:rPr>
-              <a:t>Assignment</a:t>
-            </a:r>
-            <a:r>
-              <a:rPr lang="en-IN" sz="1800" dirty="0">
-                <a:solidFill>
-                  <a:srgbClr val="333333"/>
-                </a:solidFill>
-                <a:effectLst/>
-                <a:latin typeface="Arial" panose="020B0604020202020204" pitchFamily="34" charset="0"/>
-                <a:ea typeface="Times New Roman" panose="02020603050405020304" pitchFamily="18" charset="0"/>
-              </a:rPr>
-              <a:t> </a:t>
-            </a:r>
-            <a:endParaRPr lang="en-IN" sz="2800" dirty="0">
-              <a:effectLst/>
-              <a:latin typeface="Times New Roman" panose="02020603050405020304" pitchFamily="18" charset="0"/>
-            </a:endParaRPr>
+          <a:p>
+            <a:r>
+              <a:rPr lang="en-US" b="1">
+                <a:solidFill>
+                  <a:srgbClr val="C00000"/>
+                </a:solidFill>
+                <a:highlight>
+                  <a:srgbClr val="FFFF00"/>
+                </a:highlight>
+              </a:rPr>
+              <a:t>Part 1: Lookup Functions</a:t>
+            </a:r>
+            <a:endParaRPr lang="en-US" b="1">
+              <a:solidFill>
+                <a:srgbClr val="C00000"/>
+              </a:solidFill>
+              <a:highlight>
+                <a:srgbClr val="FFFF00"/>
+              </a:highlight>
+            </a:endParaRPr>
+          </a:p>
+          <a:p>
+            <a:r>
+              <a:rPr lang="en-US" b="1">
+                <a:solidFill>
+                  <a:srgbClr val="C00000"/>
+                </a:solidFill>
+              </a:rPr>
+              <a:t>VLOOKUP</a:t>
+            </a:r>
+            <a:endParaRPr lang="en-US" b="1">
+              <a:solidFill>
+                <a:srgbClr val="C00000"/>
+              </a:solidFill>
+            </a:endParaRPr>
+          </a:p>
+          <a:p>
+            <a:endParaRPr lang="en-US"/>
+          </a:p>
+          <a:p>
+            <a:r>
+              <a:rPr lang="en-US" b="1"/>
+              <a:t>Syntax: =VLOOKUP(lookup_value, table_array, col_index_num, [range_lookup])</a:t>
+            </a:r>
+            <a:endParaRPr lang="en-US" b="1"/>
+          </a:p>
+          <a:p>
+            <a:endParaRPr lang="en-US"/>
+          </a:p>
+          <a:p>
+            <a:r>
+              <a:rPr lang="en-US"/>
+              <a:t>Use VLOOKUP to find the price of a specific product in a list. Given a table with "Product" in column A and "Price" in column B, retrieve the price of a product from a specified cell.</a:t>
+            </a:r>
+            <a:endParaRPr lang="en-US"/>
+          </a:p>
+          <a:p>
+            <a:endParaRPr lang="en-US" b="1">
+              <a:solidFill>
+                <a:srgbClr val="C00000"/>
+              </a:solidFill>
+            </a:endParaRPr>
+          </a:p>
+          <a:p>
+            <a:r>
+              <a:rPr lang="en-US" b="1">
+                <a:solidFill>
+                  <a:srgbClr val="C00000"/>
+                </a:solidFill>
+              </a:rPr>
+              <a:t>HLOOKUP</a:t>
+            </a:r>
+            <a:endParaRPr lang="en-US" b="1">
+              <a:solidFill>
+                <a:srgbClr val="C00000"/>
+              </a:solidFill>
+            </a:endParaRPr>
+          </a:p>
+          <a:p>
+            <a:endParaRPr lang="en-US"/>
+          </a:p>
+          <a:p>
+            <a:r>
+              <a:rPr lang="en-US" b="1"/>
+              <a:t>Syntax: =HLOOKUP(lookup_value, table_array, row_index_num, [range_lookup])</a:t>
+            </a:r>
+            <a:endParaRPr lang="en-US" b="1"/>
+          </a:p>
+          <a:p>
+            <a:endParaRPr lang="en-US"/>
+          </a:p>
+          <a:p>
+            <a:r>
+              <a:rPr lang="en-US"/>
+              <a:t>Given a horizontal table with regions in row 1 and sales figures in row 2, use HLOOKUP to retrieve the sales for a specific region.</a:t>
+            </a:r>
+            <a:endParaRPr lang="en-US"/>
+          </a:p>
+          <a:p>
+            <a:r>
+              <a:rPr lang="en-US"/>
+              <a:t>LOOKUP</a:t>
+            </a:r>
+            <a:endParaRPr lang="en-US"/>
+          </a:p>
+          <a:p>
+            <a:endParaRPr lang="en-US"/>
+          </a:p>
+          <a:p>
+            <a:r>
+              <a:rPr lang="en-US" b="1"/>
+              <a:t>Syntax: =xLOOKUP(lookup_value, lookup_vector, [result_vector])</a:t>
+            </a:r>
+            <a:endParaRPr lang="en-US" b="1"/>
+          </a:p>
+          <a:p>
+            <a:endParaRPr lang="en-US" b="1"/>
+          </a:p>
+          <a:p>
+            <a:r>
+              <a:rPr lang="en-US"/>
+              <a:t>Using a list of employee IDs and their names, use LOOKUP to return an employee's name based on a given ID.</a:t>
+            </a:r>
+            <a:endParaRPr lang="en-US"/>
           </a:p>
         </p:txBody>
       </p:sp>
@@ -7688,24 +8075,17 @@
         <p:cNvGrpSpPr/>
         <p:nvPr/>
       </p:nvGrpSpPr>
-      <p:grpSpPr>
-        <a:xfrm>
-          <a:off x="0" y="0"/>
-          <a:ext cx="0" cy="0"/>
-          <a:chOff x="0" y="0"/>
-          <a:chExt cx="0" cy="0"/>
-        </a:xfrm>
-      </p:grpSpPr>
+      <p:grpSpPr/>
       <p:sp>
         <p:nvSpPr>
-          <p:cNvPr id="3" name="TextBox 2"/>
+          <p:cNvPr id="3" name="Text Box 2"/>
           <p:cNvSpPr txBox="1"/>
           <p:nvPr/>
         </p:nvSpPr>
         <p:spPr>
           <a:xfrm>
-            <a:off x="3048828" y="1720840"/>
-            <a:ext cx="6097656" cy="3416320"/>
+            <a:off x="372110" y="59055"/>
+            <a:ext cx="11155680" cy="4799965"/>
           </a:xfrm>
           <a:prstGeom prst="rect">
             <a:avLst/>
@@ -7713,404 +8093,248 @@
           <a:noFill/>
         </p:spPr>
         <p:txBody>
-          <a:bodyPr wrap="square">
+          <a:bodyPr wrap="square" rtlCol="0">
             <a:spAutoFit/>
           </a:bodyPr>
-          <a:lstStyle/>
-          <a:p>
-            <a:pPr>
-              <a:spcBef>
-                <a:spcPts val="0"/>
-              </a:spcBef>
-              <a:spcAft>
-                <a:spcPts val="0"/>
-              </a:spcAft>
-            </a:pPr>
-            <a:r>
-              <a:rPr lang="en-US" sz="3600" b="0" dirty="0">
-                <a:solidFill>
-                  <a:srgbClr val="333333"/>
-                </a:solidFill>
-                <a:effectLst/>
-                <a:latin typeface="Arial" panose="020B0604020202020204" pitchFamily="34" charset="0"/>
-                <a:ea typeface="Times New Roman" panose="02020603050405020304" pitchFamily="18" charset="0"/>
-              </a:rPr>
-              <a:t> </a:t>
-            </a:r>
-            <a:r>
-              <a:rPr lang="en-US" sz="3600" b="0" u="sng" dirty="0">
-                <a:solidFill>
-                  <a:srgbClr val="1E88E5"/>
-                </a:solidFill>
-                <a:effectLst/>
-                <a:latin typeface="Arial" panose="020B0604020202020204" pitchFamily="34" charset="0"/>
-                <a:ea typeface="Times New Roman" panose="02020603050405020304" pitchFamily="18" charset="0"/>
-                <a:hlinkClick r:id="rId1"/>
-              </a:rPr>
-              <a:t>Data Visualization</a:t>
-            </a:r>
-            <a:endParaRPr lang="en-US" sz="3200" b="1" dirty="0">
-              <a:effectLst/>
-              <a:latin typeface="Times New Roman" panose="02020603050405020304" pitchFamily="18" charset="0"/>
-            </a:endParaRPr>
-          </a:p>
-          <a:p>
-            <a:pPr>
-              <a:spcBef>
-                <a:spcPts val="0"/>
-              </a:spcBef>
-              <a:spcAft>
-                <a:spcPts val="0"/>
-              </a:spcAft>
-            </a:pPr>
-            <a:r>
-              <a:rPr lang="en-US" sz="1800" dirty="0">
-                <a:solidFill>
-                  <a:srgbClr val="333333"/>
-                </a:solidFill>
-                <a:effectLst/>
-                <a:latin typeface="Arial" panose="020B0604020202020204" pitchFamily="34" charset="0"/>
-                <a:ea typeface="Times New Roman" panose="02020603050405020304" pitchFamily="18" charset="0"/>
-              </a:rPr>
-              <a:t> </a:t>
-            </a:r>
-            <a:r>
-              <a:rPr lang="en-US" sz="1800" u="sng" dirty="0">
-                <a:solidFill>
-                  <a:srgbClr val="1155CC"/>
-                </a:solidFill>
-                <a:effectLst/>
-                <a:latin typeface="Arial" panose="020B0604020202020204" pitchFamily="34" charset="0"/>
-                <a:ea typeface="Times New Roman" panose="02020603050405020304" pitchFamily="18" charset="0"/>
-                <a:hlinkClick r:id="rId2"/>
-              </a:rPr>
-              <a:t>Creating Graphs</a:t>
-            </a:r>
-            <a:endParaRPr lang="en-US" sz="2800" dirty="0">
-              <a:effectLst/>
-              <a:latin typeface="Times New Roman" panose="02020603050405020304" pitchFamily="18" charset="0"/>
-            </a:endParaRPr>
-          </a:p>
-          <a:p>
-            <a:pPr>
-              <a:spcBef>
-                <a:spcPts val="0"/>
-              </a:spcBef>
-              <a:spcAft>
-                <a:spcPts val="0"/>
-              </a:spcAft>
-            </a:pPr>
-            <a:r>
-              <a:rPr lang="en-US" sz="1800" u="sng" dirty="0">
-                <a:solidFill>
-                  <a:srgbClr val="1155CC"/>
-                </a:solidFill>
-                <a:effectLst/>
-                <a:latin typeface="Arial" panose="020B0604020202020204" pitchFamily="34" charset="0"/>
-                <a:ea typeface="Times New Roman" panose="02020603050405020304" pitchFamily="18" charset="0"/>
-                <a:hlinkClick r:id="rId3"/>
-              </a:rPr>
-              <a:t>Chart Types</a:t>
-            </a:r>
-            <a:r>
-              <a:rPr lang="en-US" sz="1800" dirty="0">
-                <a:solidFill>
-                  <a:srgbClr val="333333"/>
-                </a:solidFill>
-                <a:effectLst/>
-                <a:latin typeface="Arial" panose="020B0604020202020204" pitchFamily="34" charset="0"/>
-                <a:ea typeface="Times New Roman" panose="02020603050405020304" pitchFamily="18" charset="0"/>
-              </a:rPr>
-              <a:t> </a:t>
-            </a:r>
-            <a:endParaRPr lang="en-US" sz="2800" dirty="0">
-              <a:effectLst/>
-              <a:latin typeface="Times New Roman" panose="02020603050405020304" pitchFamily="18" charset="0"/>
-            </a:endParaRPr>
-          </a:p>
-          <a:p>
-            <a:pPr>
-              <a:spcBef>
-                <a:spcPts val="0"/>
-              </a:spcBef>
-              <a:spcAft>
-                <a:spcPts val="0"/>
-              </a:spcAft>
-            </a:pPr>
-            <a:r>
-              <a:rPr lang="en-US" sz="1800" u="sng" dirty="0">
-                <a:solidFill>
-                  <a:srgbClr val="1155CC"/>
-                </a:solidFill>
-                <a:effectLst/>
-                <a:latin typeface="Arial" panose="020B0604020202020204" pitchFamily="34" charset="0"/>
-                <a:ea typeface="Times New Roman" panose="02020603050405020304" pitchFamily="18" charset="0"/>
-                <a:hlinkClick r:id="rId4"/>
-              </a:rPr>
-              <a:t>Identifying Chart Components</a:t>
-            </a:r>
-            <a:r>
-              <a:rPr lang="en-US" sz="1800" dirty="0">
-                <a:solidFill>
-                  <a:srgbClr val="333333"/>
-                </a:solidFill>
-                <a:effectLst/>
-                <a:latin typeface="Arial" panose="020B0604020202020204" pitchFamily="34" charset="0"/>
-                <a:ea typeface="Times New Roman" panose="02020603050405020304" pitchFamily="18" charset="0"/>
-              </a:rPr>
-              <a:t> </a:t>
-            </a:r>
-            <a:endParaRPr lang="en-US" sz="2800" dirty="0">
-              <a:effectLst/>
-              <a:latin typeface="Times New Roman" panose="02020603050405020304" pitchFamily="18" charset="0"/>
-            </a:endParaRPr>
-          </a:p>
-          <a:p>
-            <a:pPr>
-              <a:spcBef>
-                <a:spcPts val="0"/>
-              </a:spcBef>
-              <a:spcAft>
-                <a:spcPts val="0"/>
-              </a:spcAft>
-            </a:pPr>
-            <a:r>
-              <a:rPr lang="en-US" sz="1800" u="sng" dirty="0">
-                <a:solidFill>
-                  <a:srgbClr val="1155CC"/>
-                </a:solidFill>
-                <a:effectLst/>
-                <a:latin typeface="Arial" panose="020B0604020202020204" pitchFamily="34" charset="0"/>
-                <a:ea typeface="Times New Roman" panose="02020603050405020304" pitchFamily="18" charset="0"/>
-                <a:hlinkClick r:id="rId5"/>
-              </a:rPr>
-              <a:t>Inserting a Chart in a Worksheet?</a:t>
-            </a:r>
-            <a:r>
-              <a:rPr lang="en-US" sz="1800" dirty="0">
-                <a:solidFill>
-                  <a:srgbClr val="333333"/>
-                </a:solidFill>
-                <a:effectLst/>
-                <a:latin typeface="Arial" panose="020B0604020202020204" pitchFamily="34" charset="0"/>
-                <a:ea typeface="Times New Roman" panose="02020603050405020304" pitchFamily="18" charset="0"/>
-              </a:rPr>
-              <a:t> </a:t>
-            </a:r>
-            <a:endParaRPr lang="en-US" sz="2800" dirty="0">
-              <a:effectLst/>
-              <a:latin typeface="Times New Roman" panose="02020603050405020304" pitchFamily="18" charset="0"/>
-            </a:endParaRPr>
-          </a:p>
-          <a:p>
-            <a:pPr>
-              <a:spcBef>
-                <a:spcPts val="0"/>
-              </a:spcBef>
-              <a:spcAft>
-                <a:spcPts val="0"/>
-              </a:spcAft>
-            </a:pPr>
-            <a:r>
-              <a:rPr lang="en-US" sz="1800" u="sng" dirty="0">
-                <a:solidFill>
-                  <a:srgbClr val="1155CC"/>
-                </a:solidFill>
-                <a:effectLst/>
-                <a:latin typeface="Arial" panose="020B0604020202020204" pitchFamily="34" charset="0"/>
-                <a:ea typeface="Times New Roman" panose="02020603050405020304" pitchFamily="18" charset="0"/>
-                <a:hlinkClick r:id="rId6"/>
-              </a:rPr>
-              <a:t>Customizing Graphs?</a:t>
-            </a:r>
-            <a:r>
-              <a:rPr lang="en-US" sz="1800" dirty="0">
-                <a:solidFill>
-                  <a:srgbClr val="333333"/>
-                </a:solidFill>
-                <a:effectLst/>
-                <a:latin typeface="Arial" panose="020B0604020202020204" pitchFamily="34" charset="0"/>
-                <a:ea typeface="Times New Roman" panose="02020603050405020304" pitchFamily="18" charset="0"/>
-              </a:rPr>
-              <a:t> </a:t>
-            </a:r>
-            <a:endParaRPr lang="en-US" sz="2800" dirty="0">
-              <a:effectLst/>
-              <a:latin typeface="Times New Roman" panose="02020603050405020304" pitchFamily="18" charset="0"/>
-            </a:endParaRPr>
-          </a:p>
-          <a:p>
-            <a:pPr>
-              <a:spcBef>
-                <a:spcPts val="0"/>
-              </a:spcBef>
-              <a:spcAft>
-                <a:spcPts val="0"/>
-              </a:spcAft>
-            </a:pPr>
-            <a:r>
-              <a:rPr lang="en-US" sz="1800" u="sng" dirty="0">
-                <a:solidFill>
-                  <a:srgbClr val="1155CC"/>
-                </a:solidFill>
-                <a:effectLst/>
-                <a:latin typeface="Arial" panose="020B0604020202020204" pitchFamily="34" charset="0"/>
-                <a:ea typeface="Times New Roman" panose="02020603050405020304" pitchFamily="18" charset="0"/>
-                <a:hlinkClick r:id="rId7"/>
-              </a:rPr>
-              <a:t>Using the Graph Templates</a:t>
-            </a:r>
-            <a:r>
-              <a:rPr lang="en-US" sz="1800" dirty="0">
-                <a:solidFill>
-                  <a:srgbClr val="333333"/>
-                </a:solidFill>
-                <a:effectLst/>
-                <a:latin typeface="Arial" panose="020B0604020202020204" pitchFamily="34" charset="0"/>
-                <a:ea typeface="Times New Roman" panose="02020603050405020304" pitchFamily="18" charset="0"/>
-              </a:rPr>
-              <a:t> </a:t>
-            </a:r>
-            <a:endParaRPr lang="en-US" sz="2800" dirty="0">
-              <a:effectLst/>
-              <a:latin typeface="Times New Roman" panose="02020603050405020304" pitchFamily="18" charset="0"/>
-            </a:endParaRPr>
-          </a:p>
-          <a:p>
-            <a:pPr>
-              <a:spcBef>
-                <a:spcPts val="0"/>
-              </a:spcBef>
-              <a:spcAft>
-                <a:spcPts val="0"/>
-              </a:spcAft>
-            </a:pPr>
-            <a:r>
-              <a:rPr lang="en-US" sz="1800" u="sng" dirty="0">
-                <a:solidFill>
-                  <a:srgbClr val="1155CC"/>
-                </a:solidFill>
-                <a:effectLst/>
-                <a:latin typeface="Arial" panose="020B0604020202020204" pitchFamily="34" charset="0"/>
-                <a:ea typeface="Times New Roman" panose="02020603050405020304" pitchFamily="18" charset="0"/>
-                <a:hlinkClick r:id="rId8"/>
-              </a:rPr>
-              <a:t>Sparklines</a:t>
-            </a:r>
-            <a:r>
-              <a:rPr lang="en-US" sz="1800" dirty="0">
-                <a:solidFill>
-                  <a:srgbClr val="333333"/>
-                </a:solidFill>
-                <a:effectLst/>
-                <a:latin typeface="Arial" panose="020B0604020202020204" pitchFamily="34" charset="0"/>
-                <a:ea typeface="Times New Roman" panose="02020603050405020304" pitchFamily="18" charset="0"/>
-              </a:rPr>
-              <a:t> </a:t>
-            </a:r>
-            <a:endParaRPr lang="en-US" sz="2800" dirty="0">
-              <a:effectLst/>
-              <a:latin typeface="Times New Roman" panose="02020603050405020304" pitchFamily="18" charset="0"/>
-            </a:endParaRPr>
-          </a:p>
-          <a:p>
-            <a:pPr>
-              <a:spcBef>
-                <a:spcPts val="0"/>
-              </a:spcBef>
-              <a:spcAft>
-                <a:spcPts val="0"/>
-              </a:spcAft>
-            </a:pPr>
-            <a:r>
-              <a:rPr lang="en-US" sz="1800" u="sng" dirty="0">
-                <a:solidFill>
-                  <a:srgbClr val="1155CC"/>
-                </a:solidFill>
-                <a:effectLst/>
-                <a:latin typeface="Arial" panose="020B0604020202020204" pitchFamily="34" charset="0"/>
-                <a:ea typeface="Times New Roman" panose="02020603050405020304" pitchFamily="18" charset="0"/>
-                <a:hlinkClick r:id="rId9"/>
-              </a:rPr>
-              <a:t>Trendlines and Forecast Sheet</a:t>
-            </a:r>
-            <a:r>
-              <a:rPr lang="en-US" sz="1800" dirty="0">
-                <a:solidFill>
-                  <a:srgbClr val="333333"/>
-                </a:solidFill>
-                <a:effectLst/>
-                <a:latin typeface="Arial" panose="020B0604020202020204" pitchFamily="34" charset="0"/>
-                <a:ea typeface="Times New Roman" panose="02020603050405020304" pitchFamily="18" charset="0"/>
-              </a:rPr>
-              <a:t> </a:t>
-            </a:r>
-            <a:endParaRPr lang="en-US" sz="2800" dirty="0">
-              <a:effectLst/>
-              <a:latin typeface="Times New Roman" panose="02020603050405020304" pitchFamily="18" charset="0"/>
-            </a:endParaRPr>
-          </a:p>
-          <a:p>
-            <a:pPr>
-              <a:spcBef>
-                <a:spcPts val="0"/>
-              </a:spcBef>
-              <a:spcAft>
-                <a:spcPts val="0"/>
-              </a:spcAft>
-            </a:pPr>
-            <a:r>
-              <a:rPr lang="en-US" sz="1800" u="sng" dirty="0">
-                <a:solidFill>
-                  <a:srgbClr val="1155CC"/>
-                </a:solidFill>
-                <a:effectLst/>
-                <a:latin typeface="Arial" panose="020B0604020202020204" pitchFamily="34" charset="0"/>
-                <a:ea typeface="Times New Roman" panose="02020603050405020304" pitchFamily="18" charset="0"/>
-                <a:hlinkClick r:id="rId10"/>
-              </a:rPr>
-              <a:t>Assignment</a:t>
-            </a:r>
-            <a:r>
-              <a:rPr lang="en-US" sz="1800" dirty="0">
-                <a:solidFill>
-                  <a:srgbClr val="333333"/>
-                </a:solidFill>
-                <a:effectLst/>
-                <a:latin typeface="Arial" panose="020B0604020202020204" pitchFamily="34" charset="0"/>
-                <a:ea typeface="Times New Roman" panose="02020603050405020304" pitchFamily="18" charset="0"/>
-              </a:rPr>
-              <a:t> \</a:t>
-            </a:r>
-            <a:endParaRPr lang="en-US" sz="2800" dirty="0">
-              <a:effectLst/>
-              <a:latin typeface="Times New Roman" panose="02020603050405020304" pitchFamily="18" charset="0"/>
-            </a:endParaRPr>
-          </a:p>
-          <a:p>
-            <a:pPr>
-              <a:spcBef>
-                <a:spcPts val="0"/>
-              </a:spcBef>
-              <a:spcAft>
-                <a:spcPts val="0"/>
-              </a:spcAft>
-            </a:pPr>
-            <a:r>
-              <a:rPr lang="en-US" sz="1800" dirty="0">
-                <a:solidFill>
-                  <a:srgbClr val="333333"/>
-                </a:solidFill>
-                <a:effectLst/>
-                <a:latin typeface="Arial" panose="020B0604020202020204" pitchFamily="34" charset="0"/>
-                <a:ea typeface="Times New Roman" panose="02020603050405020304" pitchFamily="18" charset="0"/>
-              </a:rPr>
-              <a:t> </a:t>
-            </a:r>
-            <a:endParaRPr lang="en-US" sz="2800" dirty="0">
-              <a:effectLst/>
-              <a:latin typeface="Times New Roman" panose="02020603050405020304" pitchFamily="18" charset="0"/>
-            </a:endParaRPr>
+          <a:p>
+            <a:r>
+              <a:rPr lang="en-US" b="1">
+                <a:solidFill>
+                  <a:srgbClr val="C00000"/>
+                </a:solidFill>
+                <a:highlight>
+                  <a:srgbClr val="FFFF00"/>
+                </a:highlight>
+              </a:rPr>
+              <a:t>Part 2: Reference and Offset Functions</a:t>
+            </a:r>
+            <a:endParaRPr lang="en-US" b="1">
+              <a:solidFill>
+                <a:srgbClr val="C00000"/>
+              </a:solidFill>
+              <a:highlight>
+                <a:srgbClr val="FFFF00"/>
+              </a:highlight>
+            </a:endParaRPr>
+          </a:p>
+          <a:p>
+            <a:endParaRPr lang="en-US" sz="1600" b="1">
+              <a:solidFill>
+                <a:srgbClr val="C00000"/>
+              </a:solidFill>
+              <a:highlight>
+                <a:srgbClr val="FFFF00"/>
+              </a:highlight>
+            </a:endParaRPr>
+          </a:p>
+          <a:p>
+            <a:r>
+              <a:rPr lang="en-US" sz="1600" b="1">
+                <a:solidFill>
+                  <a:srgbClr val="C00000"/>
+                </a:solidFill>
+              </a:rPr>
+              <a:t>INDEX &amp; MATCH</a:t>
+            </a:r>
+            <a:endParaRPr lang="en-US" sz="1600"/>
+          </a:p>
+          <a:p>
+            <a:r>
+              <a:rPr lang="en-US" sz="1600" b="1"/>
+              <a:t>INDEX Syntax: =INDEX(array, row_num, [column_num])</a:t>
+            </a:r>
+            <a:endParaRPr lang="en-US" sz="1600" b="1"/>
+          </a:p>
+          <a:p>
+            <a:r>
+              <a:rPr lang="en-US" sz="1600" b="1"/>
+              <a:t>MATCH Syntax: =MATCH(lookup_value, lookup_array, [match_type])</a:t>
+            </a:r>
+            <a:endParaRPr lang="en-US" sz="1600" b="1"/>
+          </a:p>
+          <a:p>
+            <a:r>
+              <a:rPr lang="en-US" sz="1600"/>
+              <a:t>Use INDEX and MATCH together to retrieve a student's grade based on their name from a list of student names and grades.</a:t>
+            </a:r>
+            <a:endParaRPr lang="en-US" sz="1600"/>
+          </a:p>
+          <a:p>
+            <a:endParaRPr lang="en-US" sz="1600" b="1">
+              <a:solidFill>
+                <a:srgbClr val="C00000"/>
+              </a:solidFill>
+            </a:endParaRPr>
+          </a:p>
+          <a:p>
+            <a:r>
+              <a:rPr lang="en-US" sz="1600" b="1">
+                <a:solidFill>
+                  <a:srgbClr val="C00000"/>
+                </a:solidFill>
+              </a:rPr>
+              <a:t>INDIRECT</a:t>
+            </a:r>
+            <a:endParaRPr lang="en-US" sz="1600" b="1"/>
+          </a:p>
+          <a:p>
+            <a:r>
+              <a:rPr lang="en-US" sz="1600" b="1"/>
+              <a:t>Syntax: =INDIRECT(ref_text, [a1])</a:t>
+            </a:r>
+            <a:endParaRPr lang="en-US" sz="1600" b="1"/>
+          </a:p>
+          <a:p>
+            <a:r>
+              <a:rPr lang="en-US" sz="1600"/>
+              <a:t>Write a formula that uses INDIRECT to reference a range in a separate sheet based on a cell containing the sheet name.</a:t>
+            </a:r>
+            <a:endParaRPr lang="en-US" sz="1600"/>
+          </a:p>
+          <a:p>
+            <a:endParaRPr lang="en-US" sz="1600"/>
+          </a:p>
+          <a:p>
+            <a:r>
+              <a:rPr lang="en-US" sz="1600" b="1">
+                <a:solidFill>
+                  <a:srgbClr val="C00000"/>
+                </a:solidFill>
+              </a:rPr>
+              <a:t>OFFSET</a:t>
+            </a:r>
+            <a:endParaRPr lang="en-US" sz="1600" b="1">
+              <a:solidFill>
+                <a:srgbClr val="C00000"/>
+              </a:solidFill>
+            </a:endParaRPr>
+          </a:p>
+          <a:p>
+            <a:r>
+              <a:rPr lang="en-US" sz="1600" b="1"/>
+              <a:t>Syntax: =OFFSET(reference, rows, cols, [height], [width])</a:t>
+            </a:r>
+            <a:endParaRPr lang="en-US" sz="1600" b="1"/>
+          </a:p>
+          <a:p>
+            <a:r>
+              <a:rPr lang="en-US" sz="1600"/>
+              <a:t>Use OFFSET to return the value in a cell 2 rows below and 1 column to the right of a specified starting cell.</a:t>
+            </a:r>
+            <a:endParaRPr lang="en-US" sz="1600"/>
+          </a:p>
+          <a:p>
+            <a:endParaRPr lang="en-US" sz="1600"/>
+          </a:p>
+          <a:p>
+            <a:r>
+              <a:rPr lang="en-US" sz="1600" b="1"/>
+              <a:t>ROW &amp; COLUMN</a:t>
+            </a:r>
+            <a:endParaRPr lang="en-US" sz="1600" b="1"/>
+          </a:p>
+          <a:p>
+            <a:r>
+              <a:rPr lang="en-US" sz="1600" b="1"/>
+              <a:t>ROW Syntax: =ROW([reference])</a:t>
+            </a:r>
+            <a:endParaRPr lang="en-US" sz="1600" b="1"/>
+          </a:p>
+          <a:p>
+            <a:r>
+              <a:rPr lang="en-US" sz="1600" b="1"/>
+              <a:t>COLUMN Syntax: =COLUMN([reference])</a:t>
+            </a:r>
+            <a:endParaRPr lang="en-US" sz="1600" b="1"/>
+          </a:p>
+          <a:p>
+            <a:r>
+              <a:rPr lang="en-US" sz="1600"/>
+              <a:t>Use ROW and COLUMN to return the row and column numbers of a specified cell.</a:t>
+            </a:r>
+            <a:endParaRPr lang="en-US" sz="1600"/>
+          </a:p>
+        </p:txBody>
+      </p:sp>
+      <p:sp>
+        <p:nvSpPr>
+          <p:cNvPr id="5" name="Text Box 4"/>
+          <p:cNvSpPr txBox="1"/>
+          <p:nvPr/>
+        </p:nvSpPr>
+        <p:spPr>
+          <a:xfrm>
+            <a:off x="372110" y="4859020"/>
+            <a:ext cx="11626215" cy="1630045"/>
+          </a:xfrm>
+          <a:prstGeom prst="rect">
+            <a:avLst/>
+          </a:prstGeom>
+          <a:noFill/>
+        </p:spPr>
+        <p:txBody>
+          <a:bodyPr wrap="square" rtlCol="0">
+            <a:spAutoFit/>
+          </a:bodyPr>
+          <a:p>
+            <a:r>
+              <a:rPr lang="en-US" b="1">
+                <a:solidFill>
+                  <a:srgbClr val="C00000"/>
+                </a:solidFill>
+                <a:highlight>
+                  <a:srgbClr val="FFFF00"/>
+                </a:highlight>
+              </a:rPr>
+              <a:t>Part 3: Array Formulas</a:t>
+            </a:r>
+            <a:endParaRPr lang="en-US" b="1">
+              <a:solidFill>
+                <a:srgbClr val="C00000"/>
+              </a:solidFill>
+              <a:highlight>
+                <a:srgbClr val="FFFF00"/>
+              </a:highlight>
+            </a:endParaRPr>
+          </a:p>
+          <a:p>
+            <a:endParaRPr lang="en-US" b="1">
+              <a:solidFill>
+                <a:srgbClr val="C00000"/>
+              </a:solidFill>
+              <a:highlight>
+                <a:srgbClr val="FFFF00"/>
+              </a:highlight>
+            </a:endParaRPr>
+          </a:p>
+          <a:p>
+            <a:r>
+              <a:rPr lang="en-US" sz="1600" b="1">
+                <a:solidFill>
+                  <a:srgbClr val="C00000"/>
+                </a:solidFill>
+              </a:rPr>
+              <a:t>Array Formula</a:t>
+            </a:r>
+            <a:endParaRPr lang="en-US" sz="1600" b="1">
+              <a:solidFill>
+                <a:srgbClr val="C00000"/>
+              </a:solidFill>
+            </a:endParaRPr>
+          </a:p>
+          <a:p>
+            <a:r>
+              <a:rPr lang="en-US" sz="1600" b="1"/>
+              <a:t>Syntax: {=array_formula} (press Ctrl+Shift+Enter for array formula)</a:t>
+            </a:r>
+            <a:endParaRPr lang="en-US" sz="1600" b="1"/>
+          </a:p>
+          <a:p>
+            <a:r>
+              <a:rPr lang="en-US" sz="1600"/>
+              <a:t>Create an array formula to calculate the total sales of items in a list where the quantity is greater than 10 and price is greater than $50.</a:t>
+            </a:r>
+            <a:endParaRPr lang="en-US" sz="1600"/>
           </a:p>
         </p:txBody>
       </p:sp>
@@ -8147,8 +8371,8 @@
         </p:nvSpPr>
         <p:spPr>
           <a:xfrm>
-            <a:off x="3048828" y="2413338"/>
-            <a:ext cx="6097656" cy="2031325"/>
+            <a:off x="237048" y="199"/>
+            <a:ext cx="6097656" cy="2306955"/>
           </a:xfrm>
           <a:prstGeom prst="rect">
             <a:avLst/>
@@ -8179,7 +8403,7 @@
                 <a:ea typeface="Times New Roman" panose="02020603050405020304" pitchFamily="18" charset="0"/>
                 <a:hlinkClick r:id="rId1"/>
               </a:rPr>
-              <a:t>What-if Analysis</a:t>
+              <a:t>Data Validation</a:t>
             </a:r>
             <a:endParaRPr lang="en-US" sz="3200" b="1" dirty="0">
               <a:effectLst/>
@@ -8196,17 +8420,6 @@
               </a:spcAft>
             </a:pPr>
             <a:r>
-              <a:rPr lang="en-US" sz="1800" dirty="0">
-                <a:solidFill>
-                  <a:srgbClr val="333333"/>
-                </a:solidFill>
-                <a:effectLst/>
-                <a:latin typeface="Arial" panose="020B0604020202020204" pitchFamily="34" charset="0"/>
-                <a:ea typeface="Times New Roman" panose="02020603050405020304" pitchFamily="18" charset="0"/>
-              </a:rPr>
-              <a:t> </a:t>
-            </a:r>
-            <a:r>
               <a:rPr lang="en-US" sz="1800" u="sng" dirty="0">
                 <a:solidFill>
                   <a:srgbClr val="1155CC"/>
@@ -8216,7 +8429,7 @@
                 <a:ea typeface="Times New Roman" panose="02020603050405020304" pitchFamily="18" charset="0"/>
                 <a:hlinkClick r:id="rId2"/>
               </a:rPr>
-              <a:t>Scenario Manager</a:t>
+              <a:t>Define Data Validation Rules</a:t>
             </a:r>
             <a:endParaRPr lang="en-US" sz="2800" dirty="0">
               <a:effectLst/>
@@ -8242,7 +8455,7 @@
                 <a:ea typeface="Times New Roman" panose="02020603050405020304" pitchFamily="18" charset="0"/>
                 <a:hlinkClick r:id="rId3"/>
               </a:rPr>
-              <a:t>Goal Seek</a:t>
+              <a:t>Data Validation Options</a:t>
             </a:r>
             <a:r>
               <a:rPr lang="en-US" sz="1800" dirty="0">
@@ -8279,7 +8492,7 @@
                 <a:ea typeface="Times New Roman" panose="02020603050405020304" pitchFamily="18" charset="0"/>
                 <a:hlinkClick r:id="rId4"/>
               </a:rPr>
-              <a:t>Data Table</a:t>
+              <a:t>Drop-Down Lists</a:t>
             </a:r>
             <a:r>
               <a:rPr lang="en-US" sz="1800" dirty="0">
@@ -8316,7 +8529,7 @@
                 <a:ea typeface="Times New Roman" panose="02020603050405020304" pitchFamily="18" charset="0"/>
                 <a:hlinkClick r:id="rId5"/>
               </a:rPr>
-              <a:t>Solver Too</a:t>
+              <a:t>Data Validation using Custom Formulas</a:t>
             </a:r>
             <a:r>
               <a:rPr lang="en-US" sz="1800" dirty="0">
@@ -8353,7 +8566,7 @@
                 <a:ea typeface="Times New Roman" panose="02020603050405020304" pitchFamily="18" charset="0"/>
                 <a:hlinkClick r:id="rId6"/>
               </a:rPr>
-              <a:t>Assignment</a:t>
+              <a:t>Validate the Worksheet</a:t>
             </a:r>
             <a:r>
               <a:rPr lang="en-US" sz="1800" dirty="0">
@@ -8369,6 +8582,760 @@
             <a:endParaRPr lang="en-US" sz="2800" dirty="0">
               <a:effectLst/>
               <a:latin typeface="Times New Roman" panose="02020603050405020304" pitchFamily="18" charset="0"/>
+            </a:endParaRPr>
+          </a:p>
+          <a:p>
+            <a:pPr>
+              <a:spcBef>
+                <a:spcPts val="0"/>
+              </a:spcBef>
+              <a:spcAft>
+                <a:spcPts val="0"/>
+              </a:spcAft>
+            </a:pPr>
+            <a:r>
+              <a:rPr lang="en-US" sz="1800" dirty="0">
+                <a:solidFill>
+                  <a:srgbClr val="333333"/>
+                </a:solidFill>
+                <a:effectLst/>
+                <a:latin typeface="Arial" panose="020B0604020202020204" pitchFamily="34" charset="0"/>
+                <a:ea typeface="Times New Roman" panose="02020603050405020304" pitchFamily="18" charset="0"/>
+              </a:rPr>
+              <a:t> </a:t>
+            </a:r>
+            <a:endParaRPr lang="en-US" sz="2800" dirty="0">
+              <a:effectLst/>
+              <a:latin typeface="Times New Roman" panose="02020603050405020304" pitchFamily="18" charset="0"/>
+            </a:endParaRPr>
+          </a:p>
+        </p:txBody>
+      </p:sp>
+      <p:sp>
+        <p:nvSpPr>
+          <p:cNvPr id="2" name="Text Box 1"/>
+          <p:cNvSpPr txBox="1"/>
+          <p:nvPr/>
+        </p:nvSpPr>
+        <p:spPr>
+          <a:xfrm>
+            <a:off x="347345" y="2036445"/>
+            <a:ext cx="10870565" cy="4238625"/>
+          </a:xfrm>
+          <a:prstGeom prst="rect">
+            <a:avLst/>
+          </a:prstGeom>
+        </p:spPr>
+        <p:txBody>
+          <a:bodyPr wrap="square">
+            <a:spAutoFit/>
+          </a:bodyPr>
+          <a:p>
+            <a:pPr marL="0" indent="0">
+              <a:spcBef>
+                <a:spcPct val="0"/>
+              </a:spcBef>
+              <a:spcAft>
+                <a:spcPts val="1000"/>
+              </a:spcAft>
+            </a:pPr>
+            <a:r>
+              <a:rPr sz="1400" b="0" i="0">
+                <a:solidFill>
+                  <a:srgbClr val="001D35"/>
+                </a:solidFill>
+                <a:latin typeface="Arial" panose="020B0604020202020204" pitchFamily="34" charset="0"/>
+                <a:ea typeface="Google Sans"/>
+                <a:cs typeface="Arial" panose="020B0604020202020204" pitchFamily="34" charset="0"/>
+              </a:rPr>
+              <a:t>Data validation is a feature that controls the values that can be entered into a cell in a worksheet. It can be used to ensure that data is accurate, consistent, and conforms to company standards. Data validation can be used in Microsoft Excel and Google Sheets. </a:t>
+            </a:r>
+            <a:endParaRPr sz="1400" b="0" i="0">
+              <a:solidFill>
+                <a:srgbClr val="001D35"/>
+              </a:solidFill>
+              <a:latin typeface="Arial" panose="020B0604020202020204" pitchFamily="34" charset="0"/>
+              <a:ea typeface="Google Sans"/>
+              <a:cs typeface="Arial" panose="020B0604020202020204" pitchFamily="34" charset="0"/>
+            </a:endParaRPr>
+          </a:p>
+          <a:p>
+            <a:pPr marL="0" indent="0">
+              <a:lnSpc>
+                <a:spcPts val="1300"/>
+              </a:lnSpc>
+              <a:spcBef>
+                <a:spcPts val="1000"/>
+              </a:spcBef>
+              <a:spcAft>
+                <a:spcPts val="500"/>
+              </a:spcAft>
+            </a:pPr>
+            <a:r>
+              <a:rPr sz="1400" b="1" i="0">
+                <a:solidFill>
+                  <a:srgbClr val="C00000"/>
+                </a:solidFill>
+                <a:highlight>
+                  <a:srgbClr val="FFFF00"/>
+                </a:highlight>
+                <a:latin typeface="Arial" panose="020B0604020202020204" pitchFamily="34" charset="0"/>
+                <a:ea typeface="Google Sans"/>
+                <a:cs typeface="Arial" panose="020B0604020202020204" pitchFamily="34" charset="0"/>
+              </a:rPr>
+              <a:t>Here are some data validation options: </a:t>
+            </a:r>
+            <a:endParaRPr sz="1400" b="1" i="0">
+              <a:solidFill>
+                <a:srgbClr val="C00000"/>
+              </a:solidFill>
+              <a:highlight>
+                <a:srgbClr val="FFFF00"/>
+              </a:highlight>
+              <a:latin typeface="Arial" panose="020B0604020202020204" pitchFamily="34" charset="0"/>
+              <a:ea typeface="Google Sans"/>
+              <a:cs typeface="Arial" panose="020B0604020202020204" pitchFamily="34" charset="0"/>
+            </a:endParaRPr>
+          </a:p>
+          <a:p>
+            <a:pPr marL="457200" lvl="1" indent="0">
+              <a:lnSpc>
+                <a:spcPts val="1100"/>
+              </a:lnSpc>
+              <a:spcBef>
+                <a:spcPct val="0"/>
+              </a:spcBef>
+              <a:spcAft>
+                <a:spcPts val="400"/>
+              </a:spcAft>
+              <a:buFont typeface="Arial" panose="020B0604020202020204"/>
+              <a:buChar char="•"/>
+            </a:pPr>
+            <a:r>
+              <a:rPr sz="1400" b="0" i="0">
+                <a:solidFill>
+                  <a:srgbClr val="001D35"/>
+                </a:solidFill>
+                <a:latin typeface="Arial" panose="020B0604020202020204" pitchFamily="34" charset="0"/>
+                <a:ea typeface="Google Sans"/>
+                <a:cs typeface="Arial" panose="020B0604020202020204" pitchFamily="34" charset="0"/>
+              </a:rPr>
+              <a:t>Drop-down list: Allows users to select data from a drop-down list </a:t>
+            </a:r>
+            <a:endParaRPr sz="1400" b="0" i="0">
+              <a:solidFill>
+                <a:srgbClr val="001D35"/>
+              </a:solidFill>
+              <a:latin typeface="Arial" panose="020B0604020202020204" pitchFamily="34" charset="0"/>
+              <a:ea typeface="Google Sans"/>
+              <a:cs typeface="Arial" panose="020B0604020202020204" pitchFamily="34" charset="0"/>
+            </a:endParaRPr>
+          </a:p>
+          <a:p>
+            <a:pPr marL="457200" lvl="1" indent="0">
+              <a:lnSpc>
+                <a:spcPts val="1100"/>
+              </a:lnSpc>
+              <a:spcBef>
+                <a:spcPct val="0"/>
+              </a:spcBef>
+              <a:spcAft>
+                <a:spcPts val="400"/>
+              </a:spcAft>
+              <a:buFont typeface="Arial" panose="020B0604020202020204"/>
+              <a:buChar char="•"/>
+            </a:pPr>
+            <a:r>
+              <a:rPr sz="1400" b="0" i="0">
+                <a:solidFill>
+                  <a:srgbClr val="001D35"/>
+                </a:solidFill>
+                <a:latin typeface="Arial" panose="020B0604020202020204" pitchFamily="34" charset="0"/>
+                <a:ea typeface="Google Sans"/>
+                <a:cs typeface="Arial" panose="020B0604020202020204" pitchFamily="34" charset="0"/>
+              </a:rPr>
+              <a:t>Whole number: Restricts the cell to accept only whole numbers </a:t>
+            </a:r>
+            <a:endParaRPr sz="1400" b="0" i="0">
+              <a:solidFill>
+                <a:srgbClr val="001D35"/>
+              </a:solidFill>
+              <a:latin typeface="Arial" panose="020B0604020202020204" pitchFamily="34" charset="0"/>
+              <a:ea typeface="Google Sans"/>
+              <a:cs typeface="Arial" panose="020B0604020202020204" pitchFamily="34" charset="0"/>
+            </a:endParaRPr>
+          </a:p>
+          <a:p>
+            <a:pPr marL="457200" lvl="1" indent="0">
+              <a:lnSpc>
+                <a:spcPts val="1100"/>
+              </a:lnSpc>
+              <a:spcBef>
+                <a:spcPct val="0"/>
+              </a:spcBef>
+              <a:spcAft>
+                <a:spcPts val="400"/>
+              </a:spcAft>
+              <a:buFont typeface="Arial" panose="020B0604020202020204"/>
+              <a:buChar char="•"/>
+            </a:pPr>
+            <a:r>
+              <a:rPr sz="1400" b="0" i="0">
+                <a:solidFill>
+                  <a:srgbClr val="001D35"/>
+                </a:solidFill>
+                <a:latin typeface="Arial" panose="020B0604020202020204" pitchFamily="34" charset="0"/>
+                <a:ea typeface="Google Sans"/>
+                <a:cs typeface="Arial" panose="020B0604020202020204" pitchFamily="34" charset="0"/>
+              </a:rPr>
+              <a:t>Decimal: Restricts the cell to accept only decimal numbers </a:t>
+            </a:r>
+            <a:endParaRPr sz="1400" b="0" i="0">
+              <a:solidFill>
+                <a:srgbClr val="001D35"/>
+              </a:solidFill>
+              <a:latin typeface="Arial" panose="020B0604020202020204" pitchFamily="34" charset="0"/>
+              <a:ea typeface="Google Sans"/>
+              <a:cs typeface="Arial" panose="020B0604020202020204" pitchFamily="34" charset="0"/>
+            </a:endParaRPr>
+          </a:p>
+          <a:p>
+            <a:pPr marL="457200" lvl="1" indent="0">
+              <a:lnSpc>
+                <a:spcPts val="1100"/>
+              </a:lnSpc>
+              <a:spcBef>
+                <a:spcPct val="0"/>
+              </a:spcBef>
+              <a:spcAft>
+                <a:spcPts val="400"/>
+              </a:spcAft>
+              <a:buFont typeface="Arial" panose="020B0604020202020204"/>
+              <a:buChar char="•"/>
+            </a:pPr>
+            <a:r>
+              <a:rPr sz="1400" b="0" i="0">
+                <a:solidFill>
+                  <a:srgbClr val="001D35"/>
+                </a:solidFill>
+                <a:latin typeface="Arial" panose="020B0604020202020204" pitchFamily="34" charset="0"/>
+                <a:ea typeface="Google Sans"/>
+                <a:cs typeface="Arial" panose="020B0604020202020204" pitchFamily="34" charset="0"/>
+              </a:rPr>
+              <a:t>Date: Restricts the cell to accept only dates from a specified range </a:t>
+            </a:r>
+            <a:endParaRPr sz="1400" b="0" i="0">
+              <a:solidFill>
+                <a:srgbClr val="001D35"/>
+              </a:solidFill>
+              <a:latin typeface="Arial" panose="020B0604020202020204" pitchFamily="34" charset="0"/>
+              <a:ea typeface="Google Sans"/>
+              <a:cs typeface="Arial" panose="020B0604020202020204" pitchFamily="34" charset="0"/>
+            </a:endParaRPr>
+          </a:p>
+          <a:p>
+            <a:pPr marL="457200" lvl="1" indent="0">
+              <a:lnSpc>
+                <a:spcPts val="1100"/>
+              </a:lnSpc>
+              <a:spcBef>
+                <a:spcPct val="0"/>
+              </a:spcBef>
+              <a:spcAft>
+                <a:spcPts val="400"/>
+              </a:spcAft>
+              <a:buFont typeface="Arial" panose="020B0604020202020204"/>
+              <a:buChar char="•"/>
+            </a:pPr>
+            <a:r>
+              <a:rPr sz="1400" b="0" i="0">
+                <a:solidFill>
+                  <a:srgbClr val="001D35"/>
+                </a:solidFill>
+                <a:latin typeface="Arial" panose="020B0604020202020204" pitchFamily="34" charset="0"/>
+                <a:ea typeface="Google Sans"/>
+                <a:cs typeface="Arial" panose="020B0604020202020204" pitchFamily="34" charset="0"/>
+              </a:rPr>
+              <a:t>Time: Restricts the cell to accept only times from a specified range </a:t>
+            </a:r>
+            <a:endParaRPr sz="1400" b="0" i="0">
+              <a:solidFill>
+                <a:srgbClr val="001D35"/>
+              </a:solidFill>
+              <a:latin typeface="Arial" panose="020B0604020202020204" pitchFamily="34" charset="0"/>
+              <a:ea typeface="Google Sans"/>
+              <a:cs typeface="Arial" panose="020B0604020202020204" pitchFamily="34" charset="0"/>
+            </a:endParaRPr>
+          </a:p>
+          <a:p>
+            <a:pPr marL="457200" lvl="1" indent="0">
+              <a:lnSpc>
+                <a:spcPts val="1100"/>
+              </a:lnSpc>
+              <a:spcBef>
+                <a:spcPct val="0"/>
+              </a:spcBef>
+              <a:spcAft>
+                <a:spcPts val="400"/>
+              </a:spcAft>
+              <a:buFont typeface="Arial" panose="020B0604020202020204"/>
+              <a:buChar char="•"/>
+            </a:pPr>
+            <a:r>
+              <a:rPr sz="1400" b="0" i="0">
+                <a:solidFill>
+                  <a:srgbClr val="001D35"/>
+                </a:solidFill>
+                <a:latin typeface="Arial" panose="020B0604020202020204" pitchFamily="34" charset="0"/>
+                <a:ea typeface="Google Sans"/>
+                <a:cs typeface="Arial" panose="020B0604020202020204" pitchFamily="34" charset="0"/>
+              </a:rPr>
+              <a:t>Text length: Restricts the length of the text </a:t>
+            </a:r>
+            <a:endParaRPr sz="1400" b="0" i="0">
+              <a:solidFill>
+                <a:srgbClr val="001D35"/>
+              </a:solidFill>
+              <a:latin typeface="Arial" panose="020B0604020202020204" pitchFamily="34" charset="0"/>
+              <a:ea typeface="Google Sans"/>
+              <a:cs typeface="Arial" panose="020B0604020202020204" pitchFamily="34" charset="0"/>
+            </a:endParaRPr>
+          </a:p>
+          <a:p>
+            <a:pPr marL="457200" lvl="1" indent="0">
+              <a:lnSpc>
+                <a:spcPts val="1100"/>
+              </a:lnSpc>
+              <a:spcBef>
+                <a:spcPct val="0"/>
+              </a:spcBef>
+              <a:spcAft>
+                <a:spcPct val="0"/>
+              </a:spcAft>
+              <a:buFont typeface="Arial" panose="020B0604020202020204"/>
+              <a:buChar char="•"/>
+            </a:pPr>
+            <a:r>
+              <a:rPr sz="1400" b="0" i="0">
+                <a:solidFill>
+                  <a:srgbClr val="001D35"/>
+                </a:solidFill>
+                <a:latin typeface="Arial" panose="020B0604020202020204" pitchFamily="34" charset="0"/>
+                <a:ea typeface="Google Sans"/>
+                <a:cs typeface="Arial" panose="020B0604020202020204" pitchFamily="34" charset="0"/>
+              </a:rPr>
+              <a:t>Custom: Allows users to create their own formula for data validation </a:t>
+            </a:r>
+            <a:endParaRPr sz="1400" b="0" i="0">
+              <a:solidFill>
+                <a:srgbClr val="001D35"/>
+              </a:solidFill>
+              <a:latin typeface="Arial" panose="020B0604020202020204" pitchFamily="34" charset="0"/>
+              <a:ea typeface="Google Sans"/>
+              <a:cs typeface="Arial" panose="020B0604020202020204" pitchFamily="34" charset="0"/>
+            </a:endParaRPr>
+          </a:p>
+          <a:p>
+            <a:pPr marL="0" indent="0">
+              <a:lnSpc>
+                <a:spcPts val="1300"/>
+              </a:lnSpc>
+              <a:spcBef>
+                <a:spcPts val="1000"/>
+              </a:spcBef>
+              <a:spcAft>
+                <a:spcPts val="500"/>
+              </a:spcAft>
+            </a:pPr>
+            <a:r>
+              <a:rPr sz="1400" b="1" i="0">
+                <a:solidFill>
+                  <a:srgbClr val="C00000"/>
+                </a:solidFill>
+                <a:latin typeface="Arial" panose="020B0604020202020204" pitchFamily="34" charset="0"/>
+                <a:ea typeface="Google Sans"/>
+                <a:cs typeface="Arial" panose="020B0604020202020204" pitchFamily="34" charset="0"/>
+              </a:rPr>
+              <a:t>To apply data validation in Excel:</a:t>
+            </a:r>
+            <a:endParaRPr sz="1400" b="1" i="0">
+              <a:solidFill>
+                <a:srgbClr val="C00000"/>
+              </a:solidFill>
+              <a:latin typeface="Arial" panose="020B0604020202020204" pitchFamily="34" charset="0"/>
+              <a:ea typeface="Google Sans"/>
+              <a:cs typeface="Arial" panose="020B0604020202020204" pitchFamily="34" charset="0"/>
+            </a:endParaRPr>
+          </a:p>
+          <a:p>
+            <a:pPr marL="457200" lvl="1" indent="0">
+              <a:lnSpc>
+                <a:spcPts val="1100"/>
+              </a:lnSpc>
+              <a:spcBef>
+                <a:spcPct val="0"/>
+              </a:spcBef>
+              <a:spcAft>
+                <a:spcPts val="400"/>
+              </a:spcAft>
+              <a:buAutoNum type="arabicPeriod"/>
+            </a:pPr>
+            <a:r>
+              <a:rPr sz="1400" b="0" i="0">
+                <a:solidFill>
+                  <a:srgbClr val="001D35"/>
+                </a:solidFill>
+                <a:latin typeface="Arial" panose="020B0604020202020204" pitchFamily="34" charset="0"/>
+                <a:ea typeface="Google Sans"/>
+                <a:cs typeface="Arial" panose="020B0604020202020204" pitchFamily="34" charset="0"/>
+              </a:rPr>
+              <a:t>Select the cells to create a rule for</a:t>
+            </a:r>
+            <a:endParaRPr sz="1400" b="0" i="0">
+              <a:solidFill>
+                <a:srgbClr val="001D35"/>
+              </a:solidFill>
+              <a:latin typeface="Arial" panose="020B0604020202020204" pitchFamily="34" charset="0"/>
+              <a:ea typeface="Google Sans"/>
+              <a:cs typeface="Arial" panose="020B0604020202020204" pitchFamily="34" charset="0"/>
+            </a:endParaRPr>
+          </a:p>
+          <a:p>
+            <a:pPr marL="457200" lvl="1" indent="0">
+              <a:lnSpc>
+                <a:spcPts val="1100"/>
+              </a:lnSpc>
+              <a:spcBef>
+                <a:spcPct val="0"/>
+              </a:spcBef>
+              <a:spcAft>
+                <a:spcPts val="400"/>
+              </a:spcAft>
+              <a:buAutoNum type="arabicPeriod"/>
+            </a:pPr>
+            <a:r>
+              <a:rPr sz="1400" b="0" i="0">
+                <a:solidFill>
+                  <a:srgbClr val="001D35"/>
+                </a:solidFill>
+                <a:latin typeface="Arial" panose="020B0604020202020204" pitchFamily="34" charset="0"/>
+                <a:ea typeface="Google Sans"/>
+                <a:cs typeface="Arial" panose="020B0604020202020204" pitchFamily="34" charset="0"/>
+              </a:rPr>
+              <a:t>Select Data &gt; Data Validation</a:t>
+            </a:r>
+            <a:endParaRPr sz="1400" b="0" i="0">
+              <a:solidFill>
+                <a:srgbClr val="001D35"/>
+              </a:solidFill>
+              <a:latin typeface="Arial" panose="020B0604020202020204" pitchFamily="34" charset="0"/>
+              <a:ea typeface="Google Sans"/>
+              <a:cs typeface="Arial" panose="020B0604020202020204" pitchFamily="34" charset="0"/>
+            </a:endParaRPr>
+          </a:p>
+          <a:p>
+            <a:pPr marL="457200" lvl="1" indent="0">
+              <a:lnSpc>
+                <a:spcPts val="1100"/>
+              </a:lnSpc>
+              <a:spcBef>
+                <a:spcPct val="0"/>
+              </a:spcBef>
+              <a:spcAft>
+                <a:spcPts val="400"/>
+              </a:spcAft>
+              <a:buAutoNum type="arabicPeriod"/>
+            </a:pPr>
+            <a:r>
+              <a:rPr sz="1400" b="0" i="0">
+                <a:solidFill>
+                  <a:srgbClr val="001D35"/>
+                </a:solidFill>
+                <a:latin typeface="Arial" panose="020B0604020202020204" pitchFamily="34" charset="0"/>
+                <a:ea typeface="Google Sans"/>
+                <a:cs typeface="Arial" panose="020B0604020202020204" pitchFamily="34" charset="0"/>
+              </a:rPr>
+              <a:t>Under Allow, select an option</a:t>
+            </a:r>
+            <a:endParaRPr sz="1400" b="0" i="0">
+              <a:solidFill>
+                <a:srgbClr val="001D35"/>
+              </a:solidFill>
+              <a:latin typeface="Arial" panose="020B0604020202020204" pitchFamily="34" charset="0"/>
+              <a:ea typeface="Google Sans"/>
+              <a:cs typeface="Arial" panose="020B0604020202020204" pitchFamily="34" charset="0"/>
+            </a:endParaRPr>
+          </a:p>
+          <a:p>
+            <a:pPr marL="457200" lvl="1" indent="0">
+              <a:lnSpc>
+                <a:spcPts val="1100"/>
+              </a:lnSpc>
+              <a:spcBef>
+                <a:spcPct val="0"/>
+              </a:spcBef>
+              <a:spcAft>
+                <a:spcPts val="400"/>
+              </a:spcAft>
+              <a:buAutoNum type="arabicPeriod"/>
+            </a:pPr>
+            <a:r>
+              <a:rPr sz="1400" b="0" i="0">
+                <a:solidFill>
+                  <a:srgbClr val="001D35"/>
+                </a:solidFill>
+                <a:latin typeface="Arial" panose="020B0604020202020204" pitchFamily="34" charset="0"/>
+                <a:ea typeface="Google Sans"/>
+                <a:cs typeface="Arial" panose="020B0604020202020204" pitchFamily="34" charset="0"/>
+              </a:rPr>
+              <a:t>Under Data, select a condition</a:t>
+            </a:r>
+            <a:endParaRPr sz="1400" b="0" i="0">
+              <a:solidFill>
+                <a:srgbClr val="001D35"/>
+              </a:solidFill>
+              <a:latin typeface="Arial" panose="020B0604020202020204" pitchFamily="34" charset="0"/>
+              <a:ea typeface="Google Sans"/>
+              <a:cs typeface="Arial" panose="020B0604020202020204" pitchFamily="34" charset="0"/>
+            </a:endParaRPr>
+          </a:p>
+          <a:p>
+            <a:pPr marL="457200" lvl="1" indent="0">
+              <a:lnSpc>
+                <a:spcPts val="1100"/>
+              </a:lnSpc>
+              <a:spcBef>
+                <a:spcPct val="0"/>
+              </a:spcBef>
+              <a:spcAft>
+                <a:spcPts val="400"/>
+              </a:spcAft>
+              <a:buAutoNum type="arabicPeriod"/>
+            </a:pPr>
+            <a:r>
+              <a:rPr sz="1400" b="0" i="0">
+                <a:solidFill>
+                  <a:srgbClr val="001D35"/>
+                </a:solidFill>
+                <a:latin typeface="Arial" panose="020B0604020202020204" pitchFamily="34" charset="0"/>
+                <a:ea typeface="Google Sans"/>
+                <a:cs typeface="Arial" panose="020B0604020202020204" pitchFamily="34" charset="0"/>
+              </a:rPr>
+              <a:t>Set the other required values</a:t>
+            </a:r>
+            <a:endParaRPr sz="1400" b="0" i="0">
+              <a:solidFill>
+                <a:srgbClr val="001D35"/>
+              </a:solidFill>
+              <a:latin typeface="Arial" panose="020B0604020202020204" pitchFamily="34" charset="0"/>
+              <a:ea typeface="Google Sans"/>
+              <a:cs typeface="Arial" panose="020B0604020202020204" pitchFamily="34" charset="0"/>
+            </a:endParaRPr>
+          </a:p>
+          <a:p>
+            <a:pPr marL="457200" lvl="1" indent="0">
+              <a:lnSpc>
+                <a:spcPts val="1100"/>
+              </a:lnSpc>
+              <a:spcBef>
+                <a:spcPct val="0"/>
+              </a:spcBef>
+              <a:spcAft>
+                <a:spcPts val="400"/>
+              </a:spcAft>
+              <a:buAutoNum type="arabicPeriod"/>
+            </a:pPr>
+            <a:r>
+              <a:rPr sz="1400" b="0" i="0">
+                <a:solidFill>
+                  <a:srgbClr val="001D35"/>
+                </a:solidFill>
+                <a:latin typeface="Arial" panose="020B0604020202020204" pitchFamily="34" charset="0"/>
+                <a:ea typeface="Google Sans"/>
+                <a:cs typeface="Arial" panose="020B0604020202020204" pitchFamily="34" charset="0"/>
+              </a:rPr>
+              <a:t>Customize the input message and error alert</a:t>
+            </a:r>
+            <a:endParaRPr sz="1400" b="0" i="0">
+              <a:solidFill>
+                <a:srgbClr val="001D35"/>
+              </a:solidFill>
+              <a:latin typeface="Arial" panose="020B0604020202020204" pitchFamily="34" charset="0"/>
+              <a:ea typeface="Google Sans"/>
+              <a:cs typeface="Arial" panose="020B0604020202020204" pitchFamily="34" charset="0"/>
+            </a:endParaRPr>
+          </a:p>
+          <a:p>
+            <a:pPr marL="457200" lvl="1" indent="0">
+              <a:lnSpc>
+                <a:spcPts val="1100"/>
+              </a:lnSpc>
+              <a:spcBef>
+                <a:spcPct val="0"/>
+              </a:spcBef>
+              <a:spcAft>
+                <a:spcPct val="0"/>
+              </a:spcAft>
+              <a:buAutoNum type="arabicPeriod"/>
+            </a:pPr>
+            <a:r>
+              <a:rPr sz="1400" b="0" i="0">
+                <a:solidFill>
+                  <a:srgbClr val="001D35"/>
+                </a:solidFill>
+                <a:latin typeface="Arial" panose="020B0604020202020204" pitchFamily="34" charset="0"/>
+                <a:ea typeface="Google Sans"/>
+                <a:cs typeface="Arial" panose="020B0604020202020204" pitchFamily="34" charset="0"/>
+              </a:rPr>
+              <a:t>Select OK </a:t>
+            </a:r>
+            <a:endParaRPr sz="1400" b="0" i="0">
+              <a:solidFill>
+                <a:srgbClr val="001D35"/>
+              </a:solidFill>
+              <a:latin typeface="Arial" panose="020B0604020202020204" pitchFamily="34" charset="0"/>
+              <a:ea typeface="Google Sans"/>
+              <a:cs typeface="Arial" panose="020B0604020202020204" pitchFamily="34" charset="0"/>
+            </a:endParaRPr>
+          </a:p>
+          <a:p>
+            <a:pPr marL="0" indent="0">
+              <a:spcBef>
+                <a:spcPts val="500"/>
+              </a:spcBef>
+              <a:spcAft>
+                <a:spcPts val="1000"/>
+              </a:spcAft>
+            </a:pPr>
+            <a:r>
+              <a:rPr sz="1400" b="0" i="0">
+                <a:solidFill>
+                  <a:srgbClr val="001D35"/>
+                </a:solidFill>
+                <a:latin typeface="Arial" panose="020B0604020202020204" pitchFamily="34" charset="0"/>
+                <a:ea typeface="Google Sans"/>
+                <a:cs typeface="Arial" panose="020B0604020202020204" pitchFamily="34" charset="0"/>
+              </a:rPr>
+              <a:t>To remove data validation for a cell, select the cell, then go to Data &gt; Data Tools &gt; Data Validation &gt; Settings &gt; Clear All. </a:t>
+            </a:r>
+            <a:endParaRPr sz="1400" b="0" i="0">
+              <a:solidFill>
+                <a:srgbClr val="001D35"/>
+              </a:solidFill>
+              <a:latin typeface="Arial" panose="020B0604020202020204" pitchFamily="34" charset="0"/>
+              <a:ea typeface="Google Sans"/>
+              <a:cs typeface="Arial" panose="020B0604020202020204" pitchFamily="34" charset="0"/>
+            </a:endParaRPr>
+          </a:p>
+        </p:txBody>
+      </p:sp>
+      <p:sp>
+        <p:nvSpPr>
+          <p:cNvPr id="4" name="Text Box 3"/>
+          <p:cNvSpPr txBox="1"/>
+          <p:nvPr/>
+        </p:nvSpPr>
+        <p:spPr>
+          <a:xfrm>
+            <a:off x="4218305" y="85090"/>
+            <a:ext cx="7726680" cy="368300"/>
+          </a:xfrm>
+          <a:prstGeom prst="rect">
+            <a:avLst/>
+          </a:prstGeom>
+          <a:noFill/>
+        </p:spPr>
+        <p:txBody>
+          <a:bodyPr wrap="square" rtlCol="0" anchor="t">
+            <a:spAutoFit/>
+          </a:bodyPr>
+          <a:p>
+            <a:r>
+              <a:rPr lang="en-US">
+                <a:solidFill>
+                  <a:srgbClr val="00B0F0"/>
+                </a:solidFill>
+              </a:rPr>
+              <a:t>https://www.ablebits.com/office-addins-blog/data-validation-excel/</a:t>
+            </a:r>
+            <a:endParaRPr lang="en-US">
+              <a:solidFill>
+                <a:srgbClr val="00B0F0"/>
+              </a:solidFill>
+            </a:endParaRPr>
+          </a:p>
+        </p:txBody>
+      </p:sp>
+      <p:sp>
+        <p:nvSpPr>
+          <p:cNvPr id="5" name="Text Box 4"/>
+          <p:cNvSpPr txBox="1"/>
+          <p:nvPr/>
+        </p:nvSpPr>
+        <p:spPr>
+          <a:xfrm>
+            <a:off x="4218305" y="377825"/>
+            <a:ext cx="7475855" cy="368300"/>
+          </a:xfrm>
+          <a:prstGeom prst="rect">
+            <a:avLst/>
+          </a:prstGeom>
+          <a:noFill/>
+        </p:spPr>
+        <p:txBody>
+          <a:bodyPr wrap="square" rtlCol="0" anchor="t">
+            <a:spAutoFit/>
+          </a:bodyPr>
+          <a:p>
+            <a:r>
+              <a:rPr lang="en-US">
+                <a:solidFill>
+                  <a:srgbClr val="00B0F0"/>
+                </a:solidFill>
+              </a:rPr>
+              <a:t>https://www.geeksforgeeks.org/what-is-data-validation-in-excel/</a:t>
+            </a:r>
+            <a:endParaRPr lang="en-US">
+              <a:solidFill>
+                <a:srgbClr val="00B0F0"/>
+              </a:solidFill>
+            </a:endParaRPr>
+          </a:p>
+        </p:txBody>
+      </p:sp>
+      <p:sp>
+        <p:nvSpPr>
+          <p:cNvPr id="6" name="Text Box 5"/>
+          <p:cNvSpPr txBox="1"/>
+          <p:nvPr/>
+        </p:nvSpPr>
+        <p:spPr>
+          <a:xfrm>
+            <a:off x="4218305" y="662305"/>
+            <a:ext cx="6096000" cy="368300"/>
+          </a:xfrm>
+          <a:prstGeom prst="rect">
+            <a:avLst/>
+          </a:prstGeom>
+          <a:noFill/>
+        </p:spPr>
+        <p:txBody>
+          <a:bodyPr wrap="square" rtlCol="0" anchor="t">
+            <a:spAutoFit/>
+          </a:bodyPr>
+          <a:p>
+            <a:r>
+              <a:rPr lang="en-US">
+                <a:solidFill>
+                  <a:srgbClr val="00B0F0"/>
+                </a:solidFill>
+              </a:rPr>
+              <a:t>https://www.datacamp.com/tutorial/data-validation-in-excel</a:t>
+            </a:r>
+            <a:endParaRPr lang="en-US">
+              <a:solidFill>
+                <a:srgbClr val="00B0F0"/>
+              </a:solidFill>
             </a:endParaRPr>
           </a:p>
         </p:txBody>
@@ -8406,8 +9373,8 @@
         </p:nvSpPr>
         <p:spPr>
           <a:xfrm>
-            <a:off x="3048828" y="1859340"/>
-            <a:ext cx="6097656" cy="2862322"/>
+            <a:off x="331028" y="257443"/>
+            <a:ext cx="6097656" cy="2030095"/>
           </a:xfrm>
           <a:prstGeom prst="rect">
             <a:avLst/>
@@ -8429,18 +9396,7 @@
               </a:spcAft>
             </a:pPr>
             <a:r>
-              <a:rPr lang="en-US" sz="3600" b="0" dirty="0">
-                <a:solidFill>
-                  <a:srgbClr val="333333"/>
-                </a:solidFill>
-                <a:effectLst/>
-                <a:latin typeface="Arial" panose="020B0604020202020204" pitchFamily="34" charset="0"/>
-                <a:ea typeface="Times New Roman" panose="02020603050405020304" pitchFamily="18" charset="0"/>
-              </a:rPr>
-              <a:t> </a:t>
-            </a:r>
-            <a:r>
-              <a:rPr lang="en-US" sz="3600" b="0" u="sng" dirty="0">
+              <a:rPr lang="en-IN" sz="3600" b="0" u="sng" dirty="0">
                 <a:solidFill>
                   <a:srgbClr val="1E88E5"/>
                 </a:solidFill>
@@ -8449,35 +9405,26 @@
                 <a:ea typeface="Times New Roman" panose="02020603050405020304" pitchFamily="18" charset="0"/>
                 <a:hlinkClick r:id="rId1"/>
               </a:rPr>
-              <a:t>Macros &amp; VBA</a:t>
-            </a:r>
-            <a:endParaRPr lang="en-US" sz="3200" b="1" dirty="0">
+              <a:t>Pivot Table</a:t>
+            </a:r>
+            <a:endParaRPr lang="en-IN" sz="3200" b="1" dirty="0">
               <a:effectLst/>
               <a:latin typeface="Times New Roman" panose="02020603050405020304" pitchFamily="18" charset="0"/>
             </a:endParaRPr>
           </a:p>
           <a:p>
-            <a:pPr>
+            <a:pPr marL="285750" indent="-285750">
               <a:spcBef>
                 <a:spcPts val="0"/>
               </a:spcBef>
               <a:spcAft>
                 <a:spcPts val="0"/>
               </a:spcAft>
-            </a:pPr>
-            <a:r>
-              <a:rPr lang="en-US" sz="1800" dirty="0">
-                <a:solidFill>
-                  <a:srgbClr val="333333"/>
-                </a:solidFill>
-                <a:effectLst/>
-                <a:latin typeface="Arial" panose="020B0604020202020204" pitchFamily="34" charset="0"/>
-                <a:ea typeface="Times New Roman" panose="02020603050405020304" pitchFamily="18" charset="0"/>
-              </a:rPr>
-              <a:t> </a:t>
-            </a:r>
-            <a:r>
-              <a:rPr lang="en-US" sz="1800" u="sng" dirty="0">
+              <a:buFont typeface="Arial" panose="020B0604020202020204" pitchFamily="34" charset="0"/>
+              <a:buChar char="•"/>
+            </a:pPr>
+            <a:r>
+              <a:rPr lang="en-IN" sz="1800" u="sng" dirty="0">
                 <a:solidFill>
                   <a:srgbClr val="1155CC"/>
                 </a:solidFill>
@@ -8486,24 +9433,26 @@
                 <a:ea typeface="Times New Roman" panose="02020603050405020304" pitchFamily="18" charset="0"/>
                 <a:hlinkClick r:id="rId2"/>
               </a:rPr>
-              <a:t>Enabling the Developer Tab</a:t>
-            </a:r>
-            <a:endParaRPr lang="en-US" sz="2800" dirty="0">
+              <a:t>Create PivotTables</a:t>
+            </a:r>
+            <a:endParaRPr lang="en-IN" sz="2800" dirty="0">
               <a:effectLst/>
               <a:latin typeface="Times New Roman" panose="02020603050405020304" pitchFamily="18" charset="0"/>
             </a:endParaRPr>
           </a:p>
           <a:p>
-            <a:pPr>
+            <a:pPr marL="285750" indent="-285750">
               <a:spcBef>
                 <a:spcPts val="0"/>
               </a:spcBef>
               <a:spcAft>
                 <a:spcPts val="0"/>
               </a:spcAft>
-            </a:pPr>
-            <a:r>
-              <a:rPr lang="en-US" sz="1800" u="sng" dirty="0">
+              <a:buFont typeface="Arial" panose="020B0604020202020204" pitchFamily="34" charset="0"/>
+              <a:buChar char="•"/>
+            </a:pPr>
+            <a:r>
+              <a:rPr lang="en-IN" sz="1800" u="sng" dirty="0">
                 <a:solidFill>
                   <a:srgbClr val="1155CC"/>
                 </a:solidFill>
@@ -8512,10 +9461,10 @@
                 <a:ea typeface="Times New Roman" panose="02020603050405020304" pitchFamily="18" charset="0"/>
                 <a:hlinkClick r:id="rId3"/>
               </a:rPr>
-              <a:t>Recording a Task</a:t>
-            </a:r>
-            <a:r>
-              <a:rPr lang="en-US" sz="1800" dirty="0">
+              <a:t>Choosing Fields</a:t>
+            </a:r>
+            <a:r>
+              <a:rPr lang="en-IN" sz="1800" dirty="0">
                 <a:solidFill>
                   <a:srgbClr val="333333"/>
                 </a:solidFill>
@@ -8525,22 +9474,24 @@
               </a:rPr>
               <a:t> </a:t>
             </a:r>
-            <a:endParaRPr lang="en-US" sz="2800" dirty="0">
+            <a:endParaRPr lang="en-IN" sz="2800" dirty="0">
               <a:effectLst/>
               <a:latin typeface="Times New Roman" panose="02020603050405020304" pitchFamily="18" charset="0"/>
             </a:endParaRPr>
           </a:p>
           <a:p>
-            <a:pPr>
+            <a:pPr marL="285750" indent="-285750">
               <a:spcBef>
                 <a:spcPts val="0"/>
               </a:spcBef>
               <a:spcAft>
                 <a:spcPts val="0"/>
               </a:spcAft>
-            </a:pPr>
-            <a:r>
-              <a:rPr lang="en-US" sz="1800" u="sng" dirty="0">
+              <a:buFont typeface="Arial" panose="020B0604020202020204" pitchFamily="34" charset="0"/>
+              <a:buChar char="•"/>
+            </a:pPr>
+            <a:r>
+              <a:rPr lang="en-IN" sz="1800" u="sng" dirty="0">
                 <a:solidFill>
                   <a:srgbClr val="1155CC"/>
                 </a:solidFill>
@@ -8549,10 +9500,10 @@
                 <a:ea typeface="Times New Roman" panose="02020603050405020304" pitchFamily="18" charset="0"/>
                 <a:hlinkClick r:id="rId4"/>
               </a:rPr>
-              <a:t>Executing and Deleting a Recorded Task</a:t>
-            </a:r>
-            <a:r>
-              <a:rPr lang="en-US" sz="1800" dirty="0">
+              <a:t>Customizing PivotTables Reports</a:t>
+            </a:r>
+            <a:r>
+              <a:rPr lang="en-IN" sz="1800" dirty="0">
                 <a:solidFill>
                   <a:srgbClr val="333333"/>
                 </a:solidFill>
@@ -8562,22 +9513,24 @@
               </a:rPr>
               <a:t> </a:t>
             </a:r>
-            <a:endParaRPr lang="en-US" sz="2800" dirty="0">
+            <a:endParaRPr lang="en-IN" sz="2800" dirty="0">
               <a:effectLst/>
               <a:latin typeface="Times New Roman" panose="02020603050405020304" pitchFamily="18" charset="0"/>
             </a:endParaRPr>
           </a:p>
           <a:p>
-            <a:pPr>
+            <a:pPr marL="285750" indent="-285750">
               <a:spcBef>
                 <a:spcPts val="0"/>
               </a:spcBef>
               <a:spcAft>
                 <a:spcPts val="0"/>
               </a:spcAft>
-            </a:pPr>
-            <a:r>
-              <a:rPr lang="en-US" sz="1800" u="sng" dirty="0">
+              <a:buFont typeface="Arial" panose="020B0604020202020204" pitchFamily="34" charset="0"/>
+              <a:buChar char="•"/>
+            </a:pPr>
+            <a:r>
+              <a:rPr lang="en-IN" sz="1800" u="sng" dirty="0">
                 <a:solidFill>
                   <a:srgbClr val="1155CC"/>
                 </a:solidFill>
@@ -8586,10 +9539,10 @@
                 <a:ea typeface="Times New Roman" panose="02020603050405020304" pitchFamily="18" charset="0"/>
                 <a:hlinkClick r:id="rId5"/>
               </a:rPr>
-              <a:t>Customizing the Automated Tasks</a:t>
-            </a:r>
-            <a:r>
-              <a:rPr lang="en-US" sz="1800" dirty="0">
+              <a:t>Filtering PivotTables</a:t>
+            </a:r>
+            <a:r>
+              <a:rPr lang="en-IN" sz="1800" dirty="0">
                 <a:solidFill>
                   <a:srgbClr val="333333"/>
                 </a:solidFill>
@@ -8599,22 +9552,24 @@
               </a:rPr>
               <a:t> </a:t>
             </a:r>
-            <a:endParaRPr lang="en-US" sz="2800" dirty="0">
+            <a:endParaRPr lang="en-IN" sz="2800" dirty="0">
               <a:effectLst/>
               <a:latin typeface="Times New Roman" panose="02020603050405020304" pitchFamily="18" charset="0"/>
             </a:endParaRPr>
           </a:p>
           <a:p>
-            <a:pPr>
+            <a:pPr marL="285750" indent="-285750">
               <a:spcBef>
                 <a:spcPts val="0"/>
               </a:spcBef>
               <a:spcAft>
                 <a:spcPts val="0"/>
               </a:spcAft>
-            </a:pPr>
-            <a:r>
-              <a:rPr lang="en-US" sz="1800" u="sng" dirty="0">
+              <a:buFont typeface="Arial" panose="020B0604020202020204" pitchFamily="34" charset="0"/>
+              <a:buChar char="•"/>
+            </a:pPr>
+            <a:r>
+              <a:rPr lang="en-IN" sz="1800" u="sng" dirty="0" err="1">
                 <a:solidFill>
                   <a:srgbClr val="1155CC"/>
                 </a:solidFill>
@@ -8623,10 +9578,10 @@
                 <a:ea typeface="Times New Roman" panose="02020603050405020304" pitchFamily="18" charset="0"/>
                 <a:hlinkClick r:id="rId6"/>
               </a:rPr>
-              <a:t>Assignment</a:t>
-            </a:r>
-            <a:r>
-              <a:rPr lang="en-US" sz="1800" dirty="0">
+              <a:t>PivotCharts</a:t>
+            </a:r>
+            <a:r>
+              <a:rPr lang="en-IN" sz="1800" dirty="0">
                 <a:solidFill>
                   <a:srgbClr val="333333"/>
                 </a:solidFill>
@@ -8636,60 +9591,194 @@
               </a:rPr>
               <a:t> </a:t>
             </a:r>
-            <a:endParaRPr lang="en-US" sz="2800" dirty="0">
+            <a:endParaRPr lang="en-IN" sz="2800" dirty="0">
               <a:effectLst/>
               <a:latin typeface="Times New Roman" panose="02020603050405020304" pitchFamily="18" charset="0"/>
             </a:endParaRPr>
           </a:p>
-          <a:p>
-            <a:pPr>
-              <a:spcBef>
-                <a:spcPts val="0"/>
-              </a:spcBef>
-              <a:spcAft>
-                <a:spcPts val="0"/>
-              </a:spcAft>
-            </a:pPr>
-            <a:r>
-              <a:rPr lang="en-US" sz="1800" dirty="0">
-                <a:solidFill>
-                  <a:srgbClr val="333333"/>
-                </a:solidFill>
-                <a:effectLst/>
-                <a:latin typeface="Arial" panose="020B0604020202020204" pitchFamily="34" charset="0"/>
-                <a:ea typeface="Times New Roman" panose="02020603050405020304" pitchFamily="18" charset="0"/>
-              </a:rPr>
-              <a:t> </a:t>
-            </a:r>
-            <a:endParaRPr lang="en-US" sz="2800" dirty="0">
-              <a:effectLst/>
-              <a:latin typeface="Times New Roman" panose="02020603050405020304" pitchFamily="18" charset="0"/>
-            </a:endParaRPr>
-          </a:p>
-          <a:p>
-            <a:pPr>
-              <a:spcBef>
-                <a:spcPts val="0"/>
-              </a:spcBef>
-              <a:spcAft>
-                <a:spcPts val="0"/>
-              </a:spcAft>
-            </a:pPr>
-            <a:r>
-              <a:rPr lang="en-US" sz="3600" b="0" dirty="0">
-                <a:solidFill>
-                  <a:srgbClr val="333333"/>
-                </a:solidFill>
-                <a:effectLst/>
-                <a:latin typeface="Arial" panose="020B0604020202020204" pitchFamily="34" charset="0"/>
-                <a:ea typeface="Times New Roman" panose="02020603050405020304" pitchFamily="18" charset="0"/>
-              </a:rPr>
-              <a:t> </a:t>
-            </a:r>
-            <a:endParaRPr lang="en-US" sz="2800" dirty="0">
-              <a:effectLst/>
-              <a:latin typeface="Times New Roman" panose="02020603050405020304" pitchFamily="18" charset="0"/>
-            </a:endParaRPr>
+        </p:txBody>
+      </p:sp>
+      <p:sp>
+        <p:nvSpPr>
+          <p:cNvPr id="2" name="Text Box 1"/>
+          <p:cNvSpPr txBox="1"/>
+          <p:nvPr/>
+        </p:nvSpPr>
+        <p:spPr>
+          <a:xfrm>
+            <a:off x="680720" y="2506980"/>
+            <a:ext cx="9869170" cy="922020"/>
+          </a:xfrm>
+          <a:prstGeom prst="rect">
+            <a:avLst/>
+          </a:prstGeom>
+          <a:noFill/>
+        </p:spPr>
+        <p:txBody>
+          <a:bodyPr wrap="square" rtlCol="0" anchor="t">
+            <a:spAutoFit/>
+          </a:bodyPr>
+          <a:p>
+            <a:r>
+              <a:rPr lang="en-US"/>
+              <a:t>https://www.ablebits.com/office-addins-blog/pivot-charts-excel/</a:t>
+            </a:r>
+            <a:endParaRPr lang="en-US"/>
+          </a:p>
+          <a:p>
+            <a:r>
+              <a:rPr lang="en-US"/>
+              <a:t>https://blog.hubspot.com/marketing/how-to-create-pivot-table-tutorial-ht</a:t>
+            </a:r>
+            <a:endParaRPr lang="en-US"/>
+          </a:p>
+          <a:p>
+            <a:endParaRPr lang="en-US"/>
+          </a:p>
+        </p:txBody>
+      </p:sp>
+      <p:sp>
+        <p:nvSpPr>
+          <p:cNvPr id="4" name="Text Box 3"/>
+          <p:cNvSpPr txBox="1"/>
+          <p:nvPr/>
+        </p:nvSpPr>
+        <p:spPr>
+          <a:xfrm>
+            <a:off x="330835" y="5401945"/>
+            <a:ext cx="11270615" cy="645160"/>
+          </a:xfrm>
+          <a:prstGeom prst="rect">
+            <a:avLst/>
+          </a:prstGeom>
+          <a:noFill/>
+        </p:spPr>
+        <p:txBody>
+          <a:bodyPr wrap="square" rtlCol="0" anchor="t">
+            <a:spAutoFit/>
+          </a:bodyPr>
+          <a:p>
+            <a:r>
+              <a:rPr lang="en-US"/>
+              <a:t>https://support.microsoft.com/en-us/office/use-multiple-tables-to-create-a-pivottable-b5e3ff48-2921-4e29-be15-511e09b5cf2d</a:t>
+            </a:r>
+            <a:endParaRPr lang="en-US"/>
+          </a:p>
+        </p:txBody>
+      </p:sp>
+      <p:sp>
+        <p:nvSpPr>
+          <p:cNvPr id="5" name="Text Box 4"/>
+          <p:cNvSpPr txBox="1"/>
+          <p:nvPr/>
+        </p:nvSpPr>
+        <p:spPr>
+          <a:xfrm>
+            <a:off x="330835" y="5033645"/>
+            <a:ext cx="8249285" cy="368300"/>
+          </a:xfrm>
+          <a:prstGeom prst="rect">
+            <a:avLst/>
+          </a:prstGeom>
+          <a:noFill/>
+        </p:spPr>
+        <p:txBody>
+          <a:bodyPr wrap="square" rtlCol="0" anchor="t">
+            <a:spAutoFit/>
+          </a:bodyPr>
+          <a:p>
+            <a:r>
+              <a:rPr lang="en-US"/>
+              <a:t>https://www.ablebits.com/office-addins-blog/excel-slicer-pivot-table-chart/</a:t>
+            </a:r>
+            <a:endParaRPr lang="en-US"/>
+          </a:p>
+        </p:txBody>
+      </p:sp>
+      <p:sp>
+        <p:nvSpPr>
+          <p:cNvPr id="6" name="Text Box 5"/>
+          <p:cNvSpPr txBox="1"/>
+          <p:nvPr/>
+        </p:nvSpPr>
+        <p:spPr>
+          <a:xfrm>
+            <a:off x="680720" y="3244850"/>
+            <a:ext cx="10257155" cy="368300"/>
+          </a:xfrm>
+          <a:prstGeom prst="rect">
+            <a:avLst/>
+          </a:prstGeom>
+          <a:noFill/>
+        </p:spPr>
+        <p:txBody>
+          <a:bodyPr wrap="square" rtlCol="0" anchor="t">
+            <a:spAutoFit/>
+          </a:bodyPr>
+          <a:p>
+            <a:r>
+              <a:rPr lang="en-US" b="1"/>
+              <a:t>https://www.academyoflearning.com/blog/slicers-in-excel-what-they-are-and-how-to-use-them/</a:t>
+            </a:r>
+            <a:endParaRPr lang="en-US" b="1"/>
+          </a:p>
+        </p:txBody>
+      </p:sp>
+      <p:sp>
+        <p:nvSpPr>
+          <p:cNvPr id="7" name="Text Box 6"/>
+          <p:cNvSpPr txBox="1"/>
+          <p:nvPr/>
+        </p:nvSpPr>
+        <p:spPr>
+          <a:xfrm>
+            <a:off x="330835" y="4388485"/>
+            <a:ext cx="10768965" cy="368300"/>
+          </a:xfrm>
+          <a:prstGeom prst="rect">
+            <a:avLst/>
+          </a:prstGeom>
+          <a:noFill/>
+        </p:spPr>
+        <p:txBody>
+          <a:bodyPr wrap="square" rtlCol="0" anchor="t">
+            <a:spAutoFit/>
+          </a:bodyPr>
+          <a:p>
+            <a:r>
+              <a:rPr lang="en-US"/>
+              <a:t>https://www.simplilearn.com/tutorials/excel-tutorial/how-to-create-pivot-table-from-multiple-sheets</a:t>
+            </a:r>
+            <a:endParaRPr lang="en-US"/>
+          </a:p>
+        </p:txBody>
+      </p:sp>
+      <p:sp>
+        <p:nvSpPr>
+          <p:cNvPr id="8" name="Text Box 7"/>
+          <p:cNvSpPr txBox="1"/>
+          <p:nvPr/>
+        </p:nvSpPr>
+        <p:spPr>
+          <a:xfrm>
+            <a:off x="330835" y="5949950"/>
+            <a:ext cx="9316085" cy="368300"/>
+          </a:xfrm>
+          <a:prstGeom prst="rect">
+            <a:avLst/>
+          </a:prstGeom>
+          <a:noFill/>
+        </p:spPr>
+        <p:txBody>
+          <a:bodyPr wrap="square" rtlCol="0" anchor="t">
+            <a:spAutoFit/>
+          </a:bodyPr>
+          <a:p>
+            <a:r>
+              <a:rPr lang="en-US"/>
+              <a:t>https://www.geeksforgeeks.org/creating-a-data-model-in-excel/</a:t>
+            </a:r>
+            <a:endParaRPr lang="en-US"/>
           </a:p>
         </p:txBody>
       </p:sp>
@@ -8702,6 +9791,1145 @@
 </file>
 
 <file path=ppt/slides/slide26.xml><?xml version="1.0" encoding="utf-8"?>
+<p:sld xmlns:a="http://schemas.openxmlformats.org/drawingml/2006/main" xmlns:r="http://schemas.openxmlformats.org/officeDocument/2006/relationships" xmlns:p="http://schemas.openxmlformats.org/presentationml/2006/main">
+  <p:cSld>
+    <p:spTree>
+      <p:nvGrpSpPr>
+        <p:cNvPr id="1" name=""/>
+        <p:cNvGrpSpPr/>
+        <p:nvPr/>
+      </p:nvGrpSpPr>
+      <p:grpSpPr/>
+      <p:sp>
+        <p:nvSpPr>
+          <p:cNvPr id="2" name="Text Box 1"/>
+          <p:cNvSpPr txBox="1"/>
+          <p:nvPr/>
+        </p:nvSpPr>
+        <p:spPr>
+          <a:xfrm>
+            <a:off x="492760" y="160020"/>
+            <a:ext cx="11236960" cy="1445260"/>
+          </a:xfrm>
+          <a:prstGeom prst="rect">
+            <a:avLst/>
+          </a:prstGeom>
+        </p:spPr>
+        <p:txBody>
+          <a:bodyPr wrap="square">
+            <a:spAutoFit/>
+          </a:bodyPr>
+          <a:p>
+            <a:r>
+              <a:rPr sz="2400" b="1">
+                <a:solidFill>
+                  <a:srgbClr val="C00000"/>
+                </a:solidFill>
+                <a:highlight>
+                  <a:srgbClr val="FFFF00"/>
+                </a:highlight>
+              </a:rPr>
+              <a:t> A PivotTable</a:t>
+            </a:r>
+            <a:endParaRPr sz="2400" b="1">
+              <a:solidFill>
+                <a:srgbClr val="C00000"/>
+              </a:solidFill>
+              <a:highlight>
+                <a:srgbClr val="FFFF00"/>
+              </a:highlight>
+            </a:endParaRPr>
+          </a:p>
+          <a:p>
+            <a:r>
+              <a:rPr sz="1600" b="1">
+                <a:solidFill>
+                  <a:srgbClr val="C00000"/>
+                </a:solidFill>
+                <a:highlight>
+                  <a:srgbClr val="FFFF00"/>
+                </a:highlight>
+              </a:rPr>
+              <a:t> </a:t>
+            </a:r>
+            <a:r>
+              <a:rPr sz="1600"/>
+              <a:t>is an Excel tool used to summarize, analyze, and explore large datasets by automatically grouping and organizing data in a dynamic table.</a:t>
+            </a:r>
+            <a:endParaRPr sz="1600"/>
+          </a:p>
+          <a:p>
+            <a:endParaRPr sz="1600"/>
+          </a:p>
+          <a:p>
+            <a:r>
+              <a:rPr sz="1600"/>
+              <a:t>Purpose: PivotTables make it easy to view data from different perspectives, answer specific questions, and extract insights quickly.</a:t>
+            </a:r>
+            <a:endParaRPr sz="1600"/>
+          </a:p>
+        </p:txBody>
+      </p:sp>
+      <p:sp>
+        <p:nvSpPr>
+          <p:cNvPr id="4" name="Text Box 3"/>
+          <p:cNvSpPr txBox="1"/>
+          <p:nvPr/>
+        </p:nvSpPr>
+        <p:spPr>
+          <a:xfrm>
+            <a:off x="492760" y="1605280"/>
+            <a:ext cx="3933190" cy="4246245"/>
+          </a:xfrm>
+          <a:prstGeom prst="rect">
+            <a:avLst/>
+          </a:prstGeom>
+          <a:noFill/>
+        </p:spPr>
+        <p:txBody>
+          <a:bodyPr wrap="square" rtlCol="0">
+            <a:spAutoFit/>
+          </a:bodyPr>
+          <a:p>
+            <a:r>
+              <a:rPr lang="en-US" b="1">
+                <a:solidFill>
+                  <a:srgbClr val="C00000"/>
+                </a:solidFill>
+                <a:latin typeface="Arial" panose="020B0604020202020204" pitchFamily="34" charset="0"/>
+                <a:cs typeface="Arial" panose="020B0604020202020204" pitchFamily="34" charset="0"/>
+              </a:rPr>
+              <a:t>2. Creating a PivotTable</a:t>
+            </a:r>
+            <a:endParaRPr lang="en-US" b="1">
+              <a:solidFill>
+                <a:srgbClr val="C00000"/>
+              </a:solidFill>
+              <a:latin typeface="Arial" panose="020B0604020202020204" pitchFamily="34" charset="0"/>
+              <a:cs typeface="Arial" panose="020B0604020202020204" pitchFamily="34" charset="0"/>
+            </a:endParaRPr>
+          </a:p>
+          <a:p>
+            <a:r>
+              <a:rPr lang="en-US" sz="1400" b="1">
+                <a:latin typeface="Arial" panose="020B0604020202020204" pitchFamily="34" charset="0"/>
+                <a:cs typeface="Arial" panose="020B0604020202020204" pitchFamily="34" charset="0"/>
+              </a:rPr>
+              <a:t>Step-by-Step Process:</a:t>
+            </a:r>
+            <a:endParaRPr lang="en-US" sz="1400" b="1">
+              <a:latin typeface="Arial" panose="020B0604020202020204" pitchFamily="34" charset="0"/>
+              <a:cs typeface="Arial" panose="020B0604020202020204" pitchFamily="34" charset="0"/>
+            </a:endParaRPr>
+          </a:p>
+          <a:p>
+            <a:endParaRPr lang="en-US" sz="1400">
+              <a:latin typeface="Arial" panose="020B0604020202020204" pitchFamily="34" charset="0"/>
+              <a:cs typeface="Arial" panose="020B0604020202020204" pitchFamily="34" charset="0"/>
+            </a:endParaRPr>
+          </a:p>
+          <a:p>
+            <a:r>
+              <a:rPr lang="en-US" sz="1400">
+                <a:latin typeface="Arial" panose="020B0604020202020204" pitchFamily="34" charset="0"/>
+                <a:cs typeface="Arial" panose="020B0604020202020204" pitchFamily="34" charset="0"/>
+              </a:rPr>
+              <a:t>Select Your Data: Choose the dataset you want to summarize (ideally in a tabular format with headers).</a:t>
+            </a:r>
+            <a:endParaRPr lang="en-US" sz="1400">
+              <a:latin typeface="Arial" panose="020B0604020202020204" pitchFamily="34" charset="0"/>
+              <a:cs typeface="Arial" panose="020B0604020202020204" pitchFamily="34" charset="0"/>
+            </a:endParaRPr>
+          </a:p>
+          <a:p>
+            <a:pPr marL="742950" lvl="1" indent="-285750">
+              <a:buFont typeface="Wingdings" panose="05000000000000000000" charset="0"/>
+              <a:buChar char="Ø"/>
+            </a:pPr>
+            <a:r>
+              <a:rPr lang="en-US" sz="1400">
+                <a:latin typeface="Arial" panose="020B0604020202020204" pitchFamily="34" charset="0"/>
+                <a:cs typeface="Arial" panose="020B0604020202020204" pitchFamily="34" charset="0"/>
+              </a:rPr>
+              <a:t>Insert a PivotTable:</a:t>
+            </a:r>
+            <a:endParaRPr lang="en-US" sz="1400">
+              <a:latin typeface="Arial" panose="020B0604020202020204" pitchFamily="34" charset="0"/>
+              <a:cs typeface="Arial" panose="020B0604020202020204" pitchFamily="34" charset="0"/>
+            </a:endParaRPr>
+          </a:p>
+          <a:p>
+            <a:pPr marL="742950" lvl="1" indent="-285750">
+              <a:buFont typeface="Wingdings" panose="05000000000000000000" charset="0"/>
+              <a:buChar char="Ø"/>
+            </a:pPr>
+            <a:r>
+              <a:rPr lang="en-US" sz="1400">
+                <a:latin typeface="Arial" panose="020B0604020202020204" pitchFamily="34" charset="0"/>
+                <a:cs typeface="Arial" panose="020B0604020202020204" pitchFamily="34" charset="0"/>
+              </a:rPr>
+              <a:t>Go to Insert &gt; PivotTable.</a:t>
+            </a:r>
+            <a:endParaRPr lang="en-US" sz="1400">
+              <a:latin typeface="Arial" panose="020B0604020202020204" pitchFamily="34" charset="0"/>
+              <a:cs typeface="Arial" panose="020B0604020202020204" pitchFamily="34" charset="0"/>
+            </a:endParaRPr>
+          </a:p>
+          <a:p>
+            <a:pPr marL="742950" lvl="1" indent="-285750">
+              <a:buFont typeface="Wingdings" panose="05000000000000000000" charset="0"/>
+              <a:buChar char="Ø"/>
+            </a:pPr>
+            <a:r>
+              <a:rPr lang="en-US" sz="1400">
+                <a:latin typeface="Arial" panose="020B0604020202020204" pitchFamily="34" charset="0"/>
+                <a:cs typeface="Arial" panose="020B0604020202020204" pitchFamily="34" charset="0"/>
+              </a:rPr>
+              <a:t>Select the data range and choose where to place the PivotTable (new worksheet or existing worksheet).</a:t>
+            </a:r>
+            <a:endParaRPr lang="en-US" sz="1400">
+              <a:latin typeface="Arial" panose="020B0604020202020204" pitchFamily="34" charset="0"/>
+              <a:cs typeface="Arial" panose="020B0604020202020204" pitchFamily="34" charset="0"/>
+            </a:endParaRPr>
+          </a:p>
+          <a:p>
+            <a:pPr marL="742950" lvl="1" indent="-285750">
+              <a:buFont typeface="Wingdings" panose="05000000000000000000" charset="0"/>
+              <a:buChar char="Ø"/>
+            </a:pPr>
+            <a:r>
+              <a:rPr lang="en-US" sz="1400">
+                <a:latin typeface="Arial" panose="020B0604020202020204" pitchFamily="34" charset="0"/>
+                <a:cs typeface="Arial" panose="020B0604020202020204" pitchFamily="34" charset="0"/>
+              </a:rPr>
+              <a:t>Set Up the PivotTable: After creating it, the PivotTable Field List will appear on the right.</a:t>
+            </a:r>
+            <a:endParaRPr lang="en-US" sz="1400">
+              <a:latin typeface="Arial" panose="020B0604020202020204" pitchFamily="34" charset="0"/>
+              <a:cs typeface="Arial" panose="020B0604020202020204" pitchFamily="34" charset="0"/>
+            </a:endParaRPr>
+          </a:p>
+          <a:p>
+            <a:pPr marL="742950" lvl="1" indent="-285750">
+              <a:buFont typeface="Wingdings" panose="05000000000000000000" charset="0"/>
+              <a:buChar char="Ø"/>
+            </a:pPr>
+            <a:r>
+              <a:rPr lang="en-US" sz="1400">
+                <a:latin typeface="Arial" panose="020B0604020202020204" pitchFamily="34" charset="0"/>
+                <a:cs typeface="Arial" panose="020B0604020202020204" pitchFamily="34" charset="0"/>
+              </a:rPr>
+              <a:t>Practice Activity: Have students create a simple PivotTable from a sample dataset, such as sales data or employee data.</a:t>
+            </a:r>
+            <a:endParaRPr lang="en-US" sz="1400">
+              <a:latin typeface="Arial" panose="020B0604020202020204" pitchFamily="34" charset="0"/>
+              <a:cs typeface="Arial" panose="020B0604020202020204" pitchFamily="34" charset="0"/>
+            </a:endParaRPr>
+          </a:p>
+          <a:p>
+            <a:endParaRPr lang="en-US" sz="1400">
+              <a:latin typeface="Arial" panose="020B0604020202020204" pitchFamily="34" charset="0"/>
+              <a:cs typeface="Arial" panose="020B0604020202020204" pitchFamily="34" charset="0"/>
+            </a:endParaRPr>
+          </a:p>
+        </p:txBody>
+      </p:sp>
+      <p:sp>
+        <p:nvSpPr>
+          <p:cNvPr id="6" name="Text Box 5"/>
+          <p:cNvSpPr txBox="1"/>
+          <p:nvPr/>
+        </p:nvSpPr>
+        <p:spPr>
+          <a:xfrm>
+            <a:off x="5039360" y="1952625"/>
+            <a:ext cx="7152640" cy="2953385"/>
+          </a:xfrm>
+          <a:prstGeom prst="rect">
+            <a:avLst/>
+          </a:prstGeom>
+          <a:noFill/>
+        </p:spPr>
+        <p:txBody>
+          <a:bodyPr wrap="square" rtlCol="0">
+            <a:spAutoFit/>
+          </a:bodyPr>
+          <a:p>
+            <a:r>
+              <a:rPr lang="en-US" b="1">
+                <a:solidFill>
+                  <a:srgbClr val="C00000"/>
+                </a:solidFill>
+                <a:latin typeface="Arial" panose="020B0604020202020204" pitchFamily="34" charset="0"/>
+                <a:cs typeface="Arial" panose="020B0604020202020204" pitchFamily="34" charset="0"/>
+              </a:rPr>
+              <a:t>3. Choosing Fields in a PivotTable</a:t>
+            </a:r>
+            <a:endParaRPr lang="en-US" b="1">
+              <a:solidFill>
+                <a:srgbClr val="C00000"/>
+              </a:solidFill>
+              <a:latin typeface="Arial" panose="020B0604020202020204" pitchFamily="34" charset="0"/>
+              <a:cs typeface="Arial" panose="020B0604020202020204" pitchFamily="34" charset="0"/>
+            </a:endParaRPr>
+          </a:p>
+          <a:p>
+            <a:r>
+              <a:rPr lang="en-US" sz="1400" b="1">
+                <a:latin typeface="Arial" panose="020B0604020202020204" pitchFamily="34" charset="0"/>
+                <a:cs typeface="Arial" panose="020B0604020202020204" pitchFamily="34" charset="0"/>
+              </a:rPr>
+              <a:t>Fields and Areas:</a:t>
+            </a:r>
+            <a:endParaRPr lang="en-US" sz="1400" b="1">
+              <a:latin typeface="Arial" panose="020B0604020202020204" pitchFamily="34" charset="0"/>
+              <a:cs typeface="Arial" panose="020B0604020202020204" pitchFamily="34" charset="0"/>
+            </a:endParaRPr>
+          </a:p>
+          <a:p>
+            <a:endParaRPr lang="en-US" sz="1400">
+              <a:latin typeface="Arial" panose="020B0604020202020204" pitchFamily="34" charset="0"/>
+              <a:cs typeface="Arial" panose="020B0604020202020204" pitchFamily="34" charset="0"/>
+            </a:endParaRPr>
+          </a:p>
+          <a:p>
+            <a:r>
+              <a:rPr lang="en-US" sz="1400">
+                <a:latin typeface="Arial" panose="020B0604020202020204" pitchFamily="34" charset="0"/>
+                <a:cs typeface="Arial" panose="020B0604020202020204" pitchFamily="34" charset="0"/>
+              </a:rPr>
+              <a:t>The PivotTable Field List shows all the columns (fields) in the dataset.</a:t>
+            </a:r>
+            <a:endParaRPr lang="en-US" sz="1400">
+              <a:latin typeface="Arial" panose="020B0604020202020204" pitchFamily="34" charset="0"/>
+              <a:cs typeface="Arial" panose="020B0604020202020204" pitchFamily="34" charset="0"/>
+            </a:endParaRPr>
+          </a:p>
+          <a:p>
+            <a:r>
+              <a:rPr lang="en-US" sz="1400">
+                <a:latin typeface="Arial" panose="020B0604020202020204" pitchFamily="34" charset="0"/>
+                <a:cs typeface="Arial" panose="020B0604020202020204" pitchFamily="34" charset="0"/>
+              </a:rPr>
+              <a:t>Fields are dragged into four areas:</a:t>
+            </a:r>
+            <a:endParaRPr lang="en-US" sz="1400">
+              <a:latin typeface="Arial" panose="020B0604020202020204" pitchFamily="34" charset="0"/>
+              <a:cs typeface="Arial" panose="020B0604020202020204" pitchFamily="34" charset="0"/>
+            </a:endParaRPr>
+          </a:p>
+          <a:p>
+            <a:r>
+              <a:rPr lang="en-US" sz="1400">
+                <a:latin typeface="Arial" panose="020B0604020202020204" pitchFamily="34" charset="0"/>
+                <a:cs typeface="Arial" panose="020B0604020202020204" pitchFamily="34" charset="0"/>
+              </a:rPr>
+              <a:t>Rows: Adds rows to the PivotTable, grouping data vertically.</a:t>
+            </a:r>
+            <a:endParaRPr lang="en-US" sz="1400">
+              <a:latin typeface="Arial" panose="020B0604020202020204" pitchFamily="34" charset="0"/>
+              <a:cs typeface="Arial" panose="020B0604020202020204" pitchFamily="34" charset="0"/>
+            </a:endParaRPr>
+          </a:p>
+          <a:p>
+            <a:r>
+              <a:rPr lang="en-US" sz="1400">
+                <a:latin typeface="Arial" panose="020B0604020202020204" pitchFamily="34" charset="0"/>
+                <a:cs typeface="Arial" panose="020B0604020202020204" pitchFamily="34" charset="0"/>
+              </a:rPr>
+              <a:t>Columns: Adds columns to the PivotTable, grouping data horizontally.</a:t>
+            </a:r>
+            <a:endParaRPr lang="en-US" sz="1400">
+              <a:latin typeface="Arial" panose="020B0604020202020204" pitchFamily="34" charset="0"/>
+              <a:cs typeface="Arial" panose="020B0604020202020204" pitchFamily="34" charset="0"/>
+            </a:endParaRPr>
+          </a:p>
+          <a:p>
+            <a:r>
+              <a:rPr lang="en-US" sz="1400">
+                <a:latin typeface="Arial" panose="020B0604020202020204" pitchFamily="34" charset="0"/>
+                <a:cs typeface="Arial" panose="020B0604020202020204" pitchFamily="34" charset="0"/>
+              </a:rPr>
+              <a:t>Values: Contains the data you want to summarize (usually with counts, sums, averages).</a:t>
+            </a:r>
+            <a:endParaRPr lang="en-US" sz="1400">
+              <a:latin typeface="Arial" panose="020B0604020202020204" pitchFamily="34" charset="0"/>
+              <a:cs typeface="Arial" panose="020B0604020202020204" pitchFamily="34" charset="0"/>
+            </a:endParaRPr>
+          </a:p>
+          <a:p>
+            <a:r>
+              <a:rPr lang="en-US" sz="1400">
+                <a:latin typeface="Arial" panose="020B0604020202020204" pitchFamily="34" charset="0"/>
+                <a:cs typeface="Arial" panose="020B0604020202020204" pitchFamily="34" charset="0"/>
+              </a:rPr>
+              <a:t>Filters: Allows for filtering the entire table by specific values in a chosen field.</a:t>
+            </a:r>
+            <a:endParaRPr lang="en-US" sz="1400">
+              <a:latin typeface="Arial" panose="020B0604020202020204" pitchFamily="34" charset="0"/>
+              <a:cs typeface="Arial" panose="020B0604020202020204" pitchFamily="34" charset="0"/>
+            </a:endParaRPr>
+          </a:p>
+          <a:p>
+            <a:r>
+              <a:rPr lang="en-US" sz="1400">
+                <a:latin typeface="Arial" panose="020B0604020202020204" pitchFamily="34" charset="0"/>
+                <a:cs typeface="Arial" panose="020B0604020202020204" pitchFamily="34" charset="0"/>
+              </a:rPr>
+              <a:t>Example:</a:t>
+            </a:r>
+            <a:endParaRPr lang="en-US" sz="1400">
+              <a:latin typeface="Arial" panose="020B0604020202020204" pitchFamily="34" charset="0"/>
+              <a:cs typeface="Arial" panose="020B0604020202020204" pitchFamily="34" charset="0"/>
+            </a:endParaRPr>
+          </a:p>
+          <a:p>
+            <a:endParaRPr lang="en-US" sz="1400">
+              <a:latin typeface="Arial" panose="020B0604020202020204" pitchFamily="34" charset="0"/>
+              <a:cs typeface="Arial" panose="020B0604020202020204" pitchFamily="34" charset="0"/>
+            </a:endParaRPr>
+          </a:p>
+          <a:p>
+            <a:r>
+              <a:rPr lang="en-US" sz="1400">
+                <a:latin typeface="Arial" panose="020B0604020202020204" pitchFamily="34" charset="0"/>
+                <a:cs typeface="Arial" panose="020B0604020202020204" pitchFamily="34" charset="0"/>
+              </a:rPr>
+              <a:t>Add "Product" to Rows, "Region" to Columns, and "Sales" to Values.</a:t>
+            </a:r>
+            <a:endParaRPr lang="en-US" sz="1400">
+              <a:latin typeface="Arial" panose="020B0604020202020204" pitchFamily="34" charset="0"/>
+              <a:cs typeface="Arial" panose="020B0604020202020204" pitchFamily="34" charset="0"/>
+            </a:endParaRPr>
+          </a:p>
+          <a:p>
+            <a:r>
+              <a:rPr lang="en-US" sz="1400">
+                <a:latin typeface="Arial" panose="020B0604020202020204" pitchFamily="34" charset="0"/>
+                <a:cs typeface="Arial" panose="020B0604020202020204" pitchFamily="34" charset="0"/>
+              </a:rPr>
+              <a:t>This setup shows sales by product and region in a summarized grid format.</a:t>
+            </a:r>
+            <a:endParaRPr lang="en-US" sz="1400">
+              <a:latin typeface="Arial" panose="020B0604020202020204" pitchFamily="34" charset="0"/>
+              <a:cs typeface="Arial" panose="020B0604020202020204" pitchFamily="34" charset="0"/>
+            </a:endParaRPr>
+          </a:p>
+        </p:txBody>
+      </p:sp>
+    </p:spTree>
+  </p:cSld>
+  <p:clrMapOvr>
+    <a:masterClrMapping/>
+  </p:clrMapOvr>
+</p:sld>
+</file>
+
+<file path=ppt/slides/slide27.xml><?xml version="1.0" encoding="utf-8"?>
+<p:sld xmlns:a="http://schemas.openxmlformats.org/drawingml/2006/main" xmlns:r="http://schemas.openxmlformats.org/officeDocument/2006/relationships" xmlns:p="http://schemas.openxmlformats.org/presentationml/2006/main">
+  <p:cSld>
+    <p:spTree>
+      <p:nvGrpSpPr>
+        <p:cNvPr id="1" name=""/>
+        <p:cNvGrpSpPr/>
+        <p:nvPr/>
+      </p:nvGrpSpPr>
+      <p:grpSpPr/>
+      <p:sp>
+        <p:nvSpPr>
+          <p:cNvPr id="3" name="Text Box 2"/>
+          <p:cNvSpPr txBox="1"/>
+          <p:nvPr/>
+        </p:nvSpPr>
+        <p:spPr>
+          <a:xfrm>
+            <a:off x="445135" y="179070"/>
+            <a:ext cx="7967345" cy="3169285"/>
+          </a:xfrm>
+          <a:prstGeom prst="rect">
+            <a:avLst/>
+          </a:prstGeom>
+          <a:noFill/>
+        </p:spPr>
+        <p:txBody>
+          <a:bodyPr wrap="square" rtlCol="0">
+            <a:spAutoFit/>
+          </a:bodyPr>
+          <a:p>
+            <a:r>
+              <a:rPr lang="en-US" b="1">
+                <a:solidFill>
+                  <a:srgbClr val="C00000"/>
+                </a:solidFill>
+              </a:rPr>
+              <a:t>4. Customizing PivotTable Reports</a:t>
+            </a:r>
+            <a:endParaRPr lang="en-US" b="1">
+              <a:solidFill>
+                <a:srgbClr val="C00000"/>
+              </a:solidFill>
+            </a:endParaRPr>
+          </a:p>
+          <a:p>
+            <a:pPr marL="285750" indent="-285750">
+              <a:buFont typeface="Arial" panose="020B0604020202020204" pitchFamily="34" charset="0"/>
+              <a:buChar char="•"/>
+            </a:pPr>
+            <a:r>
+              <a:rPr lang="en-US" sz="1400"/>
+              <a:t>Value Field Settings: Customize how data in the Values area is calculated:</a:t>
+            </a:r>
+            <a:endParaRPr lang="en-US" sz="1400"/>
+          </a:p>
+          <a:p>
+            <a:pPr marL="285750" indent="-285750">
+              <a:buFont typeface="Arial" panose="020B0604020202020204" pitchFamily="34" charset="0"/>
+              <a:buChar char="•"/>
+            </a:pPr>
+            <a:endParaRPr lang="en-US" sz="1400"/>
+          </a:p>
+          <a:p>
+            <a:pPr marL="742950" lvl="1" indent="-285750">
+              <a:buFont typeface="Arial" panose="020B0604020202020204" pitchFamily="34" charset="0"/>
+              <a:buChar char="•"/>
+            </a:pPr>
+            <a:r>
+              <a:rPr lang="en-US" sz="1400"/>
+              <a:t>Right-click on a value field &gt; Value Field Settings.</a:t>
+            </a:r>
+            <a:endParaRPr lang="en-US" sz="1400"/>
+          </a:p>
+          <a:p>
+            <a:pPr marL="742950" lvl="1" indent="-285750">
+              <a:buFont typeface="Arial" panose="020B0604020202020204" pitchFamily="34" charset="0"/>
+              <a:buChar char="•"/>
+            </a:pPr>
+            <a:r>
+              <a:rPr lang="en-US" sz="1400"/>
+              <a:t>Options include Sum, Count, Average, Max, Min, etc.</a:t>
+            </a:r>
+            <a:endParaRPr lang="en-US" sz="1400"/>
+          </a:p>
+          <a:p>
+            <a:pPr marL="285750" indent="-285750">
+              <a:buFont typeface="Arial" panose="020B0604020202020204" pitchFamily="34" charset="0"/>
+              <a:buChar char="•"/>
+            </a:pPr>
+            <a:r>
+              <a:rPr lang="en-US" sz="1400"/>
+              <a:t>Formatting: Use the Design tab under PivotTable Tools to change styles and formats.</a:t>
+            </a:r>
+            <a:endParaRPr lang="en-US" sz="1400"/>
+          </a:p>
+          <a:p>
+            <a:pPr marL="285750" indent="-285750">
+              <a:buFont typeface="Arial" panose="020B0604020202020204" pitchFamily="34" charset="0"/>
+              <a:buChar char="•"/>
+            </a:pPr>
+            <a:endParaRPr lang="en-US" sz="1400"/>
+          </a:p>
+          <a:p>
+            <a:pPr marL="285750" indent="-285750">
+              <a:buFont typeface="Arial" panose="020B0604020202020204" pitchFamily="34" charset="0"/>
+              <a:buChar char="•"/>
+            </a:pPr>
+            <a:r>
+              <a:rPr lang="en-US" sz="1400"/>
+              <a:t>Grouping Data: Group dates by month, quarter, or year, or group numerical data by ranges.</a:t>
+            </a:r>
+            <a:endParaRPr lang="en-US" sz="1400"/>
+          </a:p>
+          <a:p>
+            <a:pPr marL="285750" indent="-285750">
+              <a:buFont typeface="Arial" panose="020B0604020202020204" pitchFamily="34" charset="0"/>
+              <a:buChar char="•"/>
+            </a:pPr>
+            <a:endParaRPr lang="en-US" sz="1400"/>
+          </a:p>
+          <a:p>
+            <a:pPr marL="285750" indent="-285750">
+              <a:buFont typeface="Arial" panose="020B0604020202020204" pitchFamily="34" charset="0"/>
+              <a:buChar char="•"/>
+            </a:pPr>
+            <a:r>
+              <a:rPr lang="en-US" sz="1400"/>
+              <a:t>Sorting and Arranging: Sort data by ascending/descending order or by value (e.g., show highest sales first).</a:t>
+            </a:r>
+            <a:endParaRPr lang="en-US" sz="1400"/>
+          </a:p>
+          <a:p>
+            <a:pPr indent="0">
+              <a:buFont typeface="Arial" panose="020B0604020202020204" pitchFamily="34" charset="0"/>
+              <a:buNone/>
+            </a:pPr>
+            <a:endParaRPr lang="en-US" sz="1400"/>
+          </a:p>
+          <a:p>
+            <a:pPr marL="285750" indent="-285750">
+              <a:buFont typeface="Arial" panose="020B0604020202020204" pitchFamily="34" charset="0"/>
+              <a:buChar char="•"/>
+            </a:pPr>
+            <a:r>
+              <a:rPr lang="en-US" sz="1400"/>
+              <a:t>Practice Activity: Customize a PivotTable to show total and average sales by product and region.</a:t>
+            </a:r>
+            <a:endParaRPr lang="en-US" sz="1400"/>
+          </a:p>
+          <a:p>
+            <a:endParaRPr lang="en-US" sz="1400"/>
+          </a:p>
+        </p:txBody>
+      </p:sp>
+      <p:sp>
+        <p:nvSpPr>
+          <p:cNvPr id="4" name="Text Box 3"/>
+          <p:cNvSpPr txBox="1"/>
+          <p:nvPr/>
+        </p:nvSpPr>
+        <p:spPr>
+          <a:xfrm>
+            <a:off x="361315" y="3169920"/>
+            <a:ext cx="8594725" cy="3353435"/>
+          </a:xfrm>
+          <a:prstGeom prst="rect">
+            <a:avLst/>
+          </a:prstGeom>
+          <a:noFill/>
+        </p:spPr>
+        <p:txBody>
+          <a:bodyPr wrap="square" rtlCol="0">
+            <a:spAutoFit/>
+          </a:bodyPr>
+          <a:p>
+            <a:r>
+              <a:rPr lang="en-US" sz="1600" b="1">
+                <a:solidFill>
+                  <a:srgbClr val="C00000"/>
+                </a:solidFill>
+                <a:latin typeface="Arial" panose="020B0604020202020204" pitchFamily="34" charset="0"/>
+                <a:cs typeface="Arial" panose="020B0604020202020204" pitchFamily="34" charset="0"/>
+              </a:rPr>
+              <a:t>5. Filtering PivotTables</a:t>
+            </a:r>
+            <a:endParaRPr lang="en-US" sz="1600" b="1">
+              <a:solidFill>
+                <a:srgbClr val="C00000"/>
+              </a:solidFill>
+              <a:latin typeface="Arial" panose="020B0604020202020204" pitchFamily="34" charset="0"/>
+              <a:cs typeface="Arial" panose="020B0604020202020204" pitchFamily="34" charset="0"/>
+            </a:endParaRPr>
+          </a:p>
+          <a:p>
+            <a:r>
+              <a:rPr lang="en-US" sz="1400">
+                <a:latin typeface="Arial" panose="020B0604020202020204" pitchFamily="34" charset="0"/>
+                <a:cs typeface="Arial" panose="020B0604020202020204" pitchFamily="34" charset="0"/>
+              </a:rPr>
+              <a:t>Filter Area: Use the Filters area in the PivotTable Field List to add fields that filter the entire report.</a:t>
+            </a:r>
+            <a:endParaRPr lang="en-US" sz="1400">
+              <a:latin typeface="Arial" panose="020B0604020202020204" pitchFamily="34" charset="0"/>
+              <a:cs typeface="Arial" panose="020B0604020202020204" pitchFamily="34" charset="0"/>
+            </a:endParaRPr>
+          </a:p>
+          <a:p>
+            <a:r>
+              <a:rPr lang="en-US" sz="1400" b="1">
+                <a:latin typeface="Arial" panose="020B0604020202020204" pitchFamily="34" charset="0"/>
+                <a:cs typeface="Arial" panose="020B0604020202020204" pitchFamily="34" charset="0"/>
+              </a:rPr>
+              <a:t>Label and Value Filters:</a:t>
+            </a:r>
+            <a:endParaRPr lang="en-US" sz="1400" b="1">
+              <a:latin typeface="Arial" panose="020B0604020202020204" pitchFamily="34" charset="0"/>
+              <a:cs typeface="Arial" panose="020B0604020202020204" pitchFamily="34" charset="0"/>
+            </a:endParaRPr>
+          </a:p>
+          <a:p>
+            <a:endParaRPr lang="en-US" sz="1400">
+              <a:latin typeface="Arial" panose="020B0604020202020204" pitchFamily="34" charset="0"/>
+              <a:cs typeface="Arial" panose="020B0604020202020204" pitchFamily="34" charset="0"/>
+            </a:endParaRPr>
+          </a:p>
+          <a:p>
+            <a:pPr marL="285750" indent="-285750">
+              <a:buFont typeface="Arial" panose="020B0604020202020204" pitchFamily="34" charset="0"/>
+              <a:buChar char="•"/>
+            </a:pPr>
+            <a:r>
+              <a:rPr lang="en-US" sz="1400" b="1">
+                <a:latin typeface="Arial" panose="020B0604020202020204" pitchFamily="34" charset="0"/>
+                <a:cs typeface="Arial" panose="020B0604020202020204" pitchFamily="34" charset="0"/>
+              </a:rPr>
+              <a:t>Label Filters: </a:t>
+            </a:r>
+            <a:r>
+              <a:rPr lang="en-US" sz="1400">
+                <a:latin typeface="Arial" panose="020B0604020202020204" pitchFamily="34" charset="0"/>
+                <a:cs typeface="Arial" panose="020B0604020202020204" pitchFamily="34" charset="0"/>
+              </a:rPr>
+              <a:t>Filter by criteria based on labels (e.g., show only products that start with "A").</a:t>
+            </a:r>
+            <a:endParaRPr lang="en-US" sz="1400">
+              <a:latin typeface="Arial" panose="020B0604020202020204" pitchFamily="34" charset="0"/>
+              <a:cs typeface="Arial" panose="020B0604020202020204" pitchFamily="34" charset="0"/>
+            </a:endParaRPr>
+          </a:p>
+          <a:p>
+            <a:pPr marL="285750" indent="-285750">
+              <a:buFont typeface="Arial" panose="020B0604020202020204" pitchFamily="34" charset="0"/>
+              <a:buChar char="•"/>
+            </a:pPr>
+            <a:r>
+              <a:rPr lang="en-US" sz="1400" b="1">
+                <a:latin typeface="Arial" panose="020B0604020202020204" pitchFamily="34" charset="0"/>
+                <a:cs typeface="Arial" panose="020B0604020202020204" pitchFamily="34" charset="0"/>
+              </a:rPr>
+              <a:t>Value Filters: </a:t>
+            </a:r>
+            <a:r>
+              <a:rPr lang="en-US" sz="1400">
+                <a:latin typeface="Arial" panose="020B0604020202020204" pitchFamily="34" charset="0"/>
+                <a:cs typeface="Arial" panose="020B0604020202020204" pitchFamily="34" charset="0"/>
+              </a:rPr>
+              <a:t>Filter data by numerical criteria (e.g., show only items with sales &gt; $5000).</a:t>
+            </a:r>
+            <a:endParaRPr lang="en-US" sz="1400">
+              <a:latin typeface="Arial" panose="020B0604020202020204" pitchFamily="34" charset="0"/>
+              <a:cs typeface="Arial" panose="020B0604020202020204" pitchFamily="34" charset="0"/>
+            </a:endParaRPr>
+          </a:p>
+          <a:p>
+            <a:pPr marL="285750" indent="-285750">
+              <a:buFont typeface="Arial" panose="020B0604020202020204" pitchFamily="34" charset="0"/>
+              <a:buChar char="•"/>
+            </a:pPr>
+            <a:r>
+              <a:rPr lang="en-US" sz="1400" b="1">
+                <a:latin typeface="Arial" panose="020B0604020202020204" pitchFamily="34" charset="0"/>
+                <a:cs typeface="Arial" panose="020B0604020202020204" pitchFamily="34" charset="0"/>
+              </a:rPr>
+              <a:t>Slicers:</a:t>
+            </a:r>
+            <a:endParaRPr lang="en-US" sz="1400" b="1">
+              <a:latin typeface="Arial" panose="020B0604020202020204" pitchFamily="34" charset="0"/>
+              <a:cs typeface="Arial" panose="020B0604020202020204" pitchFamily="34" charset="0"/>
+            </a:endParaRPr>
+          </a:p>
+          <a:p>
+            <a:endParaRPr lang="en-US" sz="1400">
+              <a:latin typeface="Arial" panose="020B0604020202020204" pitchFamily="34" charset="0"/>
+              <a:cs typeface="Arial" panose="020B0604020202020204" pitchFamily="34" charset="0"/>
+            </a:endParaRPr>
+          </a:p>
+          <a:p>
+            <a:r>
+              <a:rPr lang="en-US" sz="1400">
+                <a:latin typeface="Arial" panose="020B0604020202020204" pitchFamily="34" charset="0"/>
+                <a:cs typeface="Arial" panose="020B0604020202020204" pitchFamily="34" charset="0"/>
+              </a:rPr>
+              <a:t>Definition: Slicers are visual, clickable buttons used to filter PivotTables.</a:t>
+            </a:r>
+            <a:endParaRPr lang="en-US" sz="1400">
+              <a:latin typeface="Arial" panose="020B0604020202020204" pitchFamily="34" charset="0"/>
+              <a:cs typeface="Arial" panose="020B0604020202020204" pitchFamily="34" charset="0"/>
+            </a:endParaRPr>
+          </a:p>
+          <a:p>
+            <a:r>
+              <a:rPr lang="en-US" sz="1400">
+                <a:latin typeface="Arial" panose="020B0604020202020204" pitchFamily="34" charset="0"/>
+                <a:cs typeface="Arial" panose="020B0604020202020204" pitchFamily="34" charset="0"/>
+              </a:rPr>
+              <a:t>Adding Slicers: Go to PivotTable Analyze &gt; Insert Slicer and select fields.</a:t>
+            </a:r>
+            <a:endParaRPr lang="en-US" sz="1400">
+              <a:latin typeface="Arial" panose="020B0604020202020204" pitchFamily="34" charset="0"/>
+              <a:cs typeface="Arial" panose="020B0604020202020204" pitchFamily="34" charset="0"/>
+            </a:endParaRPr>
+          </a:p>
+          <a:p>
+            <a:r>
+              <a:rPr lang="en-US" sz="1400">
+                <a:latin typeface="Arial" panose="020B0604020202020204" pitchFamily="34" charset="0"/>
+                <a:cs typeface="Arial" panose="020B0604020202020204" pitchFamily="34" charset="0"/>
+              </a:rPr>
+              <a:t>Timeline: Use for date-based filtering in PivotTables. Useful for filtering data by time ranges (months, quarters, years).</a:t>
+            </a:r>
+            <a:endParaRPr lang="en-US" sz="1400">
+              <a:latin typeface="Arial" panose="020B0604020202020204" pitchFamily="34" charset="0"/>
+              <a:cs typeface="Arial" panose="020B0604020202020204" pitchFamily="34" charset="0"/>
+            </a:endParaRPr>
+          </a:p>
+          <a:p>
+            <a:endParaRPr lang="en-US" sz="1400">
+              <a:latin typeface="Arial" panose="020B0604020202020204" pitchFamily="34" charset="0"/>
+              <a:cs typeface="Arial" panose="020B0604020202020204" pitchFamily="34" charset="0"/>
+            </a:endParaRPr>
+          </a:p>
+          <a:p>
+            <a:r>
+              <a:rPr lang="en-US" sz="1400">
+                <a:latin typeface="Arial" panose="020B0604020202020204" pitchFamily="34" charset="0"/>
+                <a:cs typeface="Arial" panose="020B0604020202020204" pitchFamily="34" charset="0"/>
+              </a:rPr>
+              <a:t>Practice Activity: Add a filter for "Region" and use slicers for "Product" in a sales data PivotTable.</a:t>
+            </a:r>
+            <a:endParaRPr lang="en-US" sz="1400">
+              <a:latin typeface="Arial" panose="020B0604020202020204" pitchFamily="34" charset="0"/>
+              <a:cs typeface="Arial" panose="020B0604020202020204" pitchFamily="34" charset="0"/>
+            </a:endParaRPr>
+          </a:p>
+          <a:p>
+            <a:endParaRPr lang="en-US" sz="1400">
+              <a:latin typeface="Arial" panose="020B0604020202020204" pitchFamily="34" charset="0"/>
+              <a:cs typeface="Arial" panose="020B0604020202020204" pitchFamily="34" charset="0"/>
+            </a:endParaRPr>
+          </a:p>
+        </p:txBody>
+      </p:sp>
+    </p:spTree>
+  </p:cSld>
+  <p:clrMapOvr>
+    <a:masterClrMapping/>
+  </p:clrMapOvr>
+</p:sld>
+</file>
+
+<file path=ppt/slides/slide28.xml><?xml version="1.0" encoding="utf-8"?>
+<p:sld xmlns:a="http://schemas.openxmlformats.org/drawingml/2006/main" xmlns:r="http://schemas.openxmlformats.org/officeDocument/2006/relationships" xmlns:p="http://schemas.openxmlformats.org/presentationml/2006/main">
+  <p:cSld>
+    <p:spTree>
+      <p:nvGrpSpPr>
+        <p:cNvPr id="1" name=""/>
+        <p:cNvGrpSpPr/>
+        <p:nvPr/>
+      </p:nvGrpSpPr>
+      <p:grpSpPr/>
+      <p:sp>
+        <p:nvSpPr>
+          <p:cNvPr id="5" name="Text Box 4"/>
+          <p:cNvSpPr txBox="1"/>
+          <p:nvPr/>
+        </p:nvSpPr>
+        <p:spPr>
+          <a:xfrm>
+            <a:off x="320040" y="250190"/>
+            <a:ext cx="8688070" cy="3384550"/>
+          </a:xfrm>
+          <a:prstGeom prst="rect">
+            <a:avLst/>
+          </a:prstGeom>
+          <a:noFill/>
+        </p:spPr>
+        <p:txBody>
+          <a:bodyPr wrap="square" rtlCol="0">
+            <a:spAutoFit/>
+          </a:bodyPr>
+          <a:p>
+            <a:r>
+              <a:rPr lang="en-US" b="1">
+                <a:solidFill>
+                  <a:srgbClr val="C00000"/>
+                </a:solidFill>
+                <a:latin typeface="Arial" panose="020B0604020202020204" pitchFamily="34" charset="0"/>
+                <a:cs typeface="Arial" panose="020B0604020202020204" pitchFamily="34" charset="0"/>
+              </a:rPr>
+              <a:t>6. Creating PivotCharts</a:t>
+            </a:r>
+            <a:endParaRPr lang="en-US" b="1">
+              <a:solidFill>
+                <a:srgbClr val="C00000"/>
+              </a:solidFill>
+              <a:latin typeface="Arial" panose="020B0604020202020204" pitchFamily="34" charset="0"/>
+              <a:cs typeface="Arial" panose="020B0604020202020204" pitchFamily="34" charset="0"/>
+            </a:endParaRPr>
+          </a:p>
+          <a:p>
+            <a:r>
+              <a:rPr lang="en-US" sz="1400">
+                <a:latin typeface="Arial" panose="020B0604020202020204" pitchFamily="34" charset="0"/>
+                <a:cs typeface="Arial" panose="020B0604020202020204" pitchFamily="34" charset="0"/>
+              </a:rPr>
+              <a:t>Definition: A PivotChart is a dynamic chart based on PivotTable data, allowing visual analysis and data exploration.</a:t>
+            </a:r>
+            <a:endParaRPr lang="en-US" sz="1400">
+              <a:latin typeface="Arial" panose="020B0604020202020204" pitchFamily="34" charset="0"/>
+              <a:cs typeface="Arial" panose="020B0604020202020204" pitchFamily="34" charset="0"/>
+            </a:endParaRPr>
+          </a:p>
+          <a:p>
+            <a:endParaRPr lang="en-US" sz="1400">
+              <a:latin typeface="Arial" panose="020B0604020202020204" pitchFamily="34" charset="0"/>
+              <a:cs typeface="Arial" panose="020B0604020202020204" pitchFamily="34" charset="0"/>
+            </a:endParaRPr>
+          </a:p>
+          <a:p>
+            <a:r>
+              <a:rPr lang="en-US" sz="1400" b="1">
+                <a:latin typeface="Arial" panose="020B0604020202020204" pitchFamily="34" charset="0"/>
+                <a:cs typeface="Arial" panose="020B0604020202020204" pitchFamily="34" charset="0"/>
+              </a:rPr>
+              <a:t>Steps to Create:</a:t>
+            </a:r>
+            <a:endParaRPr lang="en-US" sz="1400" b="1">
+              <a:latin typeface="Arial" panose="020B0604020202020204" pitchFamily="34" charset="0"/>
+              <a:cs typeface="Arial" panose="020B0604020202020204" pitchFamily="34" charset="0"/>
+            </a:endParaRPr>
+          </a:p>
+          <a:p>
+            <a:endParaRPr lang="en-US" sz="1400">
+              <a:latin typeface="Arial" panose="020B0604020202020204" pitchFamily="34" charset="0"/>
+              <a:cs typeface="Arial" panose="020B0604020202020204" pitchFamily="34" charset="0"/>
+            </a:endParaRPr>
+          </a:p>
+          <a:p>
+            <a:pPr marL="285750" indent="-285750">
+              <a:buFont typeface="Arial" panose="020B0604020202020204" pitchFamily="34" charset="0"/>
+              <a:buChar char="•"/>
+            </a:pPr>
+            <a:r>
+              <a:rPr lang="en-US" sz="1400">
+                <a:latin typeface="Arial" panose="020B0604020202020204" pitchFamily="34" charset="0"/>
+                <a:cs typeface="Arial" panose="020B0604020202020204" pitchFamily="34" charset="0"/>
+              </a:rPr>
+              <a:t>Select a PivotTable, then go to PivotTable Analyze &gt; PivotChart.</a:t>
+            </a:r>
+            <a:endParaRPr lang="en-US" sz="1400">
+              <a:latin typeface="Arial" panose="020B0604020202020204" pitchFamily="34" charset="0"/>
+              <a:cs typeface="Arial" panose="020B0604020202020204" pitchFamily="34" charset="0"/>
+            </a:endParaRPr>
+          </a:p>
+          <a:p>
+            <a:pPr marL="285750" indent="-285750">
+              <a:buFont typeface="Arial" panose="020B0604020202020204" pitchFamily="34" charset="0"/>
+              <a:buChar char="•"/>
+            </a:pPr>
+            <a:r>
+              <a:rPr lang="en-US" sz="1400">
+                <a:latin typeface="Arial" panose="020B0604020202020204" pitchFamily="34" charset="0"/>
+                <a:cs typeface="Arial" panose="020B0604020202020204" pitchFamily="34" charset="0"/>
+              </a:rPr>
+              <a:t>Choose a chart type (e.g., bar, column, line) that best represents the data.</a:t>
+            </a:r>
+            <a:endParaRPr lang="en-US" sz="1400">
+              <a:latin typeface="Arial" panose="020B0604020202020204" pitchFamily="34" charset="0"/>
+              <a:cs typeface="Arial" panose="020B0604020202020204" pitchFamily="34" charset="0"/>
+            </a:endParaRPr>
+          </a:p>
+          <a:p>
+            <a:pPr marL="285750" indent="-285750">
+              <a:buFont typeface="Arial" panose="020B0604020202020204" pitchFamily="34" charset="0"/>
+              <a:buChar char="•"/>
+            </a:pPr>
+            <a:r>
+              <a:rPr lang="en-US" sz="1400">
+                <a:latin typeface="Arial" panose="020B0604020202020204" pitchFamily="34" charset="0"/>
+                <a:cs typeface="Arial" panose="020B0604020202020204" pitchFamily="34" charset="0"/>
+              </a:rPr>
+              <a:t>Linking with PivotTables: PivotCharts are linked to PivotTables, so any change in the PivotTable (filtering, field adjustments) updates the PivotChart.</a:t>
+            </a:r>
+            <a:endParaRPr lang="en-US" sz="1400">
+              <a:latin typeface="Arial" panose="020B0604020202020204" pitchFamily="34" charset="0"/>
+              <a:cs typeface="Arial" panose="020B0604020202020204" pitchFamily="34" charset="0"/>
+            </a:endParaRPr>
+          </a:p>
+          <a:p>
+            <a:pPr marL="285750" indent="-285750">
+              <a:buFont typeface="Arial" panose="020B0604020202020204" pitchFamily="34" charset="0"/>
+              <a:buChar char="•"/>
+            </a:pPr>
+            <a:endParaRPr lang="en-US" sz="1400">
+              <a:latin typeface="Arial" panose="020B0604020202020204" pitchFamily="34" charset="0"/>
+              <a:cs typeface="Arial" panose="020B0604020202020204" pitchFamily="34" charset="0"/>
+            </a:endParaRPr>
+          </a:p>
+          <a:p>
+            <a:pPr marL="285750" indent="-285750">
+              <a:buFont typeface="Arial" panose="020B0604020202020204" pitchFamily="34" charset="0"/>
+              <a:buChar char="•"/>
+            </a:pPr>
+            <a:r>
+              <a:rPr lang="en-US" sz="1400">
+                <a:latin typeface="Arial" panose="020B0604020202020204" pitchFamily="34" charset="0"/>
+                <a:cs typeface="Arial" panose="020B0604020202020204" pitchFamily="34" charset="0"/>
+              </a:rPr>
+              <a:t>Customization Options: Use the Chart Design tab to change the chart style, layout, and formatting.</a:t>
+            </a:r>
+            <a:endParaRPr lang="en-US" sz="1400">
+              <a:latin typeface="Arial" panose="020B0604020202020204" pitchFamily="34" charset="0"/>
+              <a:cs typeface="Arial" panose="020B0604020202020204" pitchFamily="34" charset="0"/>
+            </a:endParaRPr>
+          </a:p>
+          <a:p>
+            <a:endParaRPr lang="en-US" sz="1400">
+              <a:latin typeface="Arial" panose="020B0604020202020204" pitchFamily="34" charset="0"/>
+              <a:cs typeface="Arial" panose="020B0604020202020204" pitchFamily="34" charset="0"/>
+            </a:endParaRPr>
+          </a:p>
+          <a:p>
+            <a:r>
+              <a:rPr lang="en-US" sz="1400">
+                <a:latin typeface="Arial" panose="020B0604020202020204" pitchFamily="34" charset="0"/>
+                <a:cs typeface="Arial" panose="020B0604020202020204" pitchFamily="34" charset="0"/>
+              </a:rPr>
+              <a:t>Practice Activity: Create a PivotChart based on the sales PivotTable, showing sales by product in a bar chart.</a:t>
+            </a:r>
+            <a:endParaRPr lang="en-US" sz="1400">
+              <a:latin typeface="Arial" panose="020B0604020202020204" pitchFamily="34" charset="0"/>
+              <a:cs typeface="Arial" panose="020B0604020202020204" pitchFamily="34" charset="0"/>
+            </a:endParaRPr>
+          </a:p>
+        </p:txBody>
+      </p:sp>
+      <p:sp>
+        <p:nvSpPr>
+          <p:cNvPr id="3" name="Text Box 2"/>
+          <p:cNvSpPr txBox="1"/>
+          <p:nvPr/>
+        </p:nvSpPr>
+        <p:spPr>
+          <a:xfrm>
+            <a:off x="392430" y="3634740"/>
+            <a:ext cx="9273540" cy="2522855"/>
+          </a:xfrm>
+          <a:prstGeom prst="rect">
+            <a:avLst/>
+          </a:prstGeom>
+          <a:noFill/>
+        </p:spPr>
+        <p:txBody>
+          <a:bodyPr wrap="square" rtlCol="0">
+            <a:spAutoFit/>
+          </a:bodyPr>
+          <a:p>
+            <a:r>
+              <a:rPr lang="en-US" b="1">
+                <a:solidFill>
+                  <a:srgbClr val="C00000"/>
+                </a:solidFill>
+              </a:rPr>
+              <a:t>7. Summary and Best Practices</a:t>
+            </a:r>
+            <a:endParaRPr lang="en-US" b="1">
+              <a:solidFill>
+                <a:srgbClr val="C00000"/>
+              </a:solidFill>
+            </a:endParaRPr>
+          </a:p>
+          <a:p>
+            <a:r>
+              <a:rPr lang="en-US" sz="1400" b="1"/>
+              <a:t>Best Practices:</a:t>
+            </a:r>
+            <a:endParaRPr lang="en-US" sz="1400" b="1"/>
+          </a:p>
+          <a:p>
+            <a:pPr marL="285750" indent="-285750">
+              <a:buFont typeface="Arial" panose="020B0604020202020204" pitchFamily="34" charset="0"/>
+              <a:buChar char="•"/>
+            </a:pPr>
+            <a:r>
+              <a:rPr lang="en-US" sz="1400"/>
+              <a:t>Ensure data is in a clean, tabular format before creating a PivotTable.</a:t>
+            </a:r>
+            <a:endParaRPr lang="en-US" sz="1400"/>
+          </a:p>
+          <a:p>
+            <a:pPr marL="285750" indent="-285750">
+              <a:buFont typeface="Arial" panose="020B0604020202020204" pitchFamily="34" charset="0"/>
+              <a:buChar char="•"/>
+            </a:pPr>
+            <a:r>
+              <a:rPr lang="en-US" sz="1400"/>
+              <a:t>Use meaningful field names and avoid merged cells in your dataset.</a:t>
+            </a:r>
+            <a:endParaRPr lang="en-US" sz="1400"/>
+          </a:p>
+          <a:p>
+            <a:pPr marL="285750" indent="-285750">
+              <a:buFont typeface="Arial" panose="020B0604020202020204" pitchFamily="34" charset="0"/>
+              <a:buChar char="•"/>
+            </a:pPr>
+            <a:r>
+              <a:rPr lang="en-US" sz="1400"/>
+              <a:t>Use filters and slicers for quick and interactive analysis.</a:t>
+            </a:r>
+            <a:endParaRPr lang="en-US" sz="1400"/>
+          </a:p>
+          <a:p>
+            <a:pPr marL="285750" indent="-285750">
+              <a:buFont typeface="Arial" panose="020B0604020202020204" pitchFamily="34" charset="0"/>
+              <a:buChar char="•"/>
+            </a:pPr>
+            <a:r>
+              <a:rPr lang="en-US" sz="1400"/>
+              <a:t>Regularly update the data source if the dataset grows.</a:t>
+            </a:r>
+            <a:endParaRPr lang="en-US" sz="1400"/>
+          </a:p>
+          <a:p>
+            <a:pPr marL="285750" indent="-285750">
+              <a:buFont typeface="Arial" panose="020B0604020202020204" pitchFamily="34" charset="0"/>
+              <a:buChar char="•"/>
+            </a:pPr>
+            <a:endParaRPr lang="en-US" sz="1400"/>
+          </a:p>
+          <a:p>
+            <a:pPr indent="0">
+              <a:buFont typeface="Arial" panose="020B0604020202020204" pitchFamily="34" charset="0"/>
+              <a:buNone/>
+            </a:pPr>
+            <a:r>
+              <a:rPr lang="en-US" sz="1400" b="1"/>
+              <a:t>Summary:</a:t>
+            </a:r>
+            <a:endParaRPr lang="en-US" sz="1400"/>
+          </a:p>
+          <a:p>
+            <a:pPr marL="285750" indent="-285750">
+              <a:buFont typeface="Arial" panose="020B0604020202020204" pitchFamily="34" charset="0"/>
+              <a:buChar char="•"/>
+            </a:pPr>
+            <a:r>
+              <a:rPr lang="en-US" sz="1400"/>
+              <a:t>PivotTables and PivotCharts help users quickly summarize, filter, and visualize data.</a:t>
+            </a:r>
+            <a:endParaRPr lang="en-US" sz="1400"/>
+          </a:p>
+          <a:p>
+            <a:pPr marL="285750" indent="-285750">
+              <a:buFont typeface="Arial" panose="020B0604020202020204" pitchFamily="34" charset="0"/>
+              <a:buChar char="•"/>
+            </a:pPr>
+            <a:r>
+              <a:rPr lang="en-US" sz="1400"/>
+              <a:t>Customization options provide flexibility for different data analysis needs.</a:t>
+            </a:r>
+            <a:endParaRPr lang="en-US" sz="1400"/>
+          </a:p>
+          <a:p>
+            <a:pPr marL="285750" indent="-285750">
+              <a:buFont typeface="Arial" panose="020B0604020202020204" pitchFamily="34" charset="0"/>
+              <a:buChar char="•"/>
+            </a:pPr>
+            <a:r>
+              <a:rPr lang="en-US" sz="1400"/>
+              <a:t>PivotTables are a powerful tool for data-driven decision-making in Excel.</a:t>
+            </a:r>
+            <a:endParaRPr lang="en-US" sz="1400"/>
+          </a:p>
+        </p:txBody>
+      </p:sp>
+    </p:spTree>
+  </p:cSld>
+  <p:clrMapOvr>
+    <a:masterClrMapping/>
+  </p:clrMapOvr>
+</p:sld>
+</file>
+
+<file path=ppt/slides/slide29.xml><?xml version="1.0" encoding="utf-8"?>
 <p:sld xmlns:a="http://schemas.openxmlformats.org/drawingml/2006/main" xmlns:r="http://schemas.openxmlformats.org/officeDocument/2006/relationships" xmlns:p="http://schemas.openxmlformats.org/presentationml/2006/main">
   <p:cSld>
     <p:spTree>
@@ -8726,7 +10954,2742 @@
         </p:nvSpPr>
         <p:spPr>
           <a:xfrm>
-            <a:off x="3048828" y="2967335"/>
+            <a:off x="320040" y="226060"/>
+            <a:ext cx="4123055" cy="2861310"/>
+          </a:xfrm>
+          <a:prstGeom prst="rect">
+            <a:avLst/>
+          </a:prstGeom>
+          <a:noFill/>
+        </p:spPr>
+        <p:txBody>
+          <a:bodyPr wrap="square">
+            <a:spAutoFit/>
+          </a:bodyPr>
+          <a:lstStyle/>
+          <a:p>
+            <a:pPr>
+              <a:spcBef>
+                <a:spcPts val="0"/>
+              </a:spcBef>
+              <a:spcAft>
+                <a:spcPts val="0"/>
+              </a:spcAft>
+            </a:pPr>
+            <a:r>
+              <a:rPr lang="en-US" sz="3600" b="0" u="sng" dirty="0">
+                <a:solidFill>
+                  <a:srgbClr val="1E88E5"/>
+                </a:solidFill>
+                <a:effectLst/>
+                <a:latin typeface="Arial" panose="020B0604020202020204" pitchFamily="34" charset="0"/>
+                <a:ea typeface="Times New Roman" panose="02020603050405020304" pitchFamily="18" charset="0"/>
+                <a:hlinkClick r:id="rId1"/>
+              </a:rPr>
+              <a:t>Data Visualization</a:t>
+            </a:r>
+            <a:endParaRPr lang="en-US" sz="3200" b="1" dirty="0">
+              <a:effectLst/>
+              <a:latin typeface="Times New Roman" panose="02020603050405020304" pitchFamily="18" charset="0"/>
+            </a:endParaRPr>
+          </a:p>
+          <a:p>
+            <a:pPr>
+              <a:spcBef>
+                <a:spcPts val="0"/>
+              </a:spcBef>
+              <a:spcAft>
+                <a:spcPts val="0"/>
+              </a:spcAft>
+            </a:pPr>
+            <a:r>
+              <a:rPr lang="en-US" sz="1800" dirty="0">
+                <a:solidFill>
+                  <a:srgbClr val="1155CC"/>
+                </a:solidFill>
+                <a:effectLst/>
+                <a:latin typeface="Arial" panose="020B0604020202020204" pitchFamily="34" charset="0"/>
+                <a:ea typeface="Times New Roman" panose="02020603050405020304" pitchFamily="18" charset="0"/>
+              </a:rPr>
+              <a:t>Creating Graphs</a:t>
+            </a:r>
+            <a:endParaRPr lang="en-US" sz="2800" dirty="0">
+              <a:effectLst/>
+              <a:latin typeface="Times New Roman" panose="02020603050405020304" pitchFamily="18" charset="0"/>
+            </a:endParaRPr>
+          </a:p>
+          <a:p>
+            <a:pPr>
+              <a:spcBef>
+                <a:spcPts val="0"/>
+              </a:spcBef>
+              <a:spcAft>
+                <a:spcPts val="0"/>
+              </a:spcAft>
+            </a:pPr>
+            <a:r>
+              <a:rPr lang="en-US" sz="1800" dirty="0">
+                <a:solidFill>
+                  <a:srgbClr val="1155CC"/>
+                </a:solidFill>
+                <a:effectLst/>
+                <a:latin typeface="Arial" panose="020B0604020202020204" pitchFamily="34" charset="0"/>
+                <a:ea typeface="Times New Roman" panose="02020603050405020304" pitchFamily="18" charset="0"/>
+              </a:rPr>
+              <a:t>Chart Types</a:t>
+            </a:r>
+            <a:r>
+              <a:rPr lang="en-US" sz="1800" dirty="0">
+                <a:solidFill>
+                  <a:srgbClr val="333333"/>
+                </a:solidFill>
+                <a:effectLst/>
+                <a:latin typeface="Arial" panose="020B0604020202020204" pitchFamily="34" charset="0"/>
+                <a:ea typeface="Times New Roman" panose="02020603050405020304" pitchFamily="18" charset="0"/>
+              </a:rPr>
+              <a:t> </a:t>
+            </a:r>
+            <a:endParaRPr lang="en-US" sz="2800" dirty="0">
+              <a:effectLst/>
+              <a:latin typeface="Times New Roman" panose="02020603050405020304" pitchFamily="18" charset="0"/>
+            </a:endParaRPr>
+          </a:p>
+          <a:p>
+            <a:pPr>
+              <a:spcBef>
+                <a:spcPts val="0"/>
+              </a:spcBef>
+              <a:spcAft>
+                <a:spcPts val="0"/>
+              </a:spcAft>
+            </a:pPr>
+            <a:r>
+              <a:rPr lang="en-US" sz="1800" dirty="0">
+                <a:solidFill>
+                  <a:srgbClr val="1155CC"/>
+                </a:solidFill>
+                <a:effectLst/>
+                <a:latin typeface="Arial" panose="020B0604020202020204" pitchFamily="34" charset="0"/>
+                <a:ea typeface="Times New Roman" panose="02020603050405020304" pitchFamily="18" charset="0"/>
+              </a:rPr>
+              <a:t>Identifying Chart Components</a:t>
+            </a:r>
+            <a:r>
+              <a:rPr lang="en-US" sz="1800" dirty="0">
+                <a:solidFill>
+                  <a:srgbClr val="333333"/>
+                </a:solidFill>
+                <a:effectLst/>
+                <a:latin typeface="Arial" panose="020B0604020202020204" pitchFamily="34" charset="0"/>
+                <a:ea typeface="Times New Roman" panose="02020603050405020304" pitchFamily="18" charset="0"/>
+              </a:rPr>
+              <a:t> </a:t>
+            </a:r>
+            <a:endParaRPr lang="en-US" sz="2800" dirty="0">
+              <a:effectLst/>
+              <a:latin typeface="Times New Roman" panose="02020603050405020304" pitchFamily="18" charset="0"/>
+            </a:endParaRPr>
+          </a:p>
+          <a:p>
+            <a:pPr>
+              <a:spcBef>
+                <a:spcPts val="0"/>
+              </a:spcBef>
+              <a:spcAft>
+                <a:spcPts val="0"/>
+              </a:spcAft>
+            </a:pPr>
+            <a:r>
+              <a:rPr lang="en-US" sz="1800" dirty="0">
+                <a:solidFill>
+                  <a:srgbClr val="1155CC"/>
+                </a:solidFill>
+                <a:effectLst/>
+                <a:latin typeface="Arial" panose="020B0604020202020204" pitchFamily="34" charset="0"/>
+                <a:ea typeface="Times New Roman" panose="02020603050405020304" pitchFamily="18" charset="0"/>
+              </a:rPr>
+              <a:t>Inserting a Chart in a Worksheet?</a:t>
+            </a:r>
+            <a:r>
+              <a:rPr lang="en-US" sz="1800" dirty="0">
+                <a:solidFill>
+                  <a:srgbClr val="333333"/>
+                </a:solidFill>
+                <a:effectLst/>
+                <a:latin typeface="Arial" panose="020B0604020202020204" pitchFamily="34" charset="0"/>
+                <a:ea typeface="Times New Roman" panose="02020603050405020304" pitchFamily="18" charset="0"/>
+              </a:rPr>
+              <a:t> </a:t>
+            </a:r>
+            <a:endParaRPr lang="en-US" sz="2800" dirty="0">
+              <a:effectLst/>
+              <a:latin typeface="Times New Roman" panose="02020603050405020304" pitchFamily="18" charset="0"/>
+            </a:endParaRPr>
+          </a:p>
+          <a:p>
+            <a:pPr>
+              <a:spcBef>
+                <a:spcPts val="0"/>
+              </a:spcBef>
+              <a:spcAft>
+                <a:spcPts val="0"/>
+              </a:spcAft>
+            </a:pPr>
+            <a:r>
+              <a:rPr lang="en-US" sz="1800" dirty="0">
+                <a:solidFill>
+                  <a:srgbClr val="1155CC"/>
+                </a:solidFill>
+                <a:effectLst/>
+                <a:latin typeface="Arial" panose="020B0604020202020204" pitchFamily="34" charset="0"/>
+                <a:ea typeface="Times New Roman" panose="02020603050405020304" pitchFamily="18" charset="0"/>
+              </a:rPr>
+              <a:t>Customizing Graphs?</a:t>
+            </a:r>
+            <a:r>
+              <a:rPr lang="en-US" sz="1800" dirty="0">
+                <a:solidFill>
+                  <a:srgbClr val="333333"/>
+                </a:solidFill>
+                <a:effectLst/>
+                <a:latin typeface="Arial" panose="020B0604020202020204" pitchFamily="34" charset="0"/>
+                <a:ea typeface="Times New Roman" panose="02020603050405020304" pitchFamily="18" charset="0"/>
+              </a:rPr>
+              <a:t> </a:t>
+            </a:r>
+            <a:endParaRPr lang="en-US" sz="2800" dirty="0">
+              <a:effectLst/>
+              <a:latin typeface="Times New Roman" panose="02020603050405020304" pitchFamily="18" charset="0"/>
+            </a:endParaRPr>
+          </a:p>
+          <a:p>
+            <a:pPr>
+              <a:spcBef>
+                <a:spcPts val="0"/>
+              </a:spcBef>
+              <a:spcAft>
+                <a:spcPts val="0"/>
+              </a:spcAft>
+            </a:pPr>
+            <a:r>
+              <a:rPr lang="en-US" sz="1800" dirty="0">
+                <a:solidFill>
+                  <a:srgbClr val="1155CC"/>
+                </a:solidFill>
+                <a:effectLst/>
+                <a:latin typeface="Arial" panose="020B0604020202020204" pitchFamily="34" charset="0"/>
+                <a:ea typeface="Times New Roman" panose="02020603050405020304" pitchFamily="18" charset="0"/>
+              </a:rPr>
+              <a:t>Using the Graph Templates</a:t>
+            </a:r>
+            <a:r>
+              <a:rPr lang="en-US" sz="1800" dirty="0">
+                <a:solidFill>
+                  <a:srgbClr val="333333"/>
+                </a:solidFill>
+                <a:effectLst/>
+                <a:latin typeface="Arial" panose="020B0604020202020204" pitchFamily="34" charset="0"/>
+                <a:ea typeface="Times New Roman" panose="02020603050405020304" pitchFamily="18" charset="0"/>
+              </a:rPr>
+              <a:t> </a:t>
+            </a:r>
+            <a:endParaRPr lang="en-US" sz="2800" dirty="0">
+              <a:effectLst/>
+              <a:latin typeface="Times New Roman" panose="02020603050405020304" pitchFamily="18" charset="0"/>
+            </a:endParaRPr>
+          </a:p>
+          <a:p>
+            <a:pPr>
+              <a:spcBef>
+                <a:spcPts val="0"/>
+              </a:spcBef>
+              <a:spcAft>
+                <a:spcPts val="0"/>
+              </a:spcAft>
+            </a:pPr>
+            <a:r>
+              <a:rPr lang="en-US" sz="1800" dirty="0">
+                <a:solidFill>
+                  <a:srgbClr val="1155CC"/>
+                </a:solidFill>
+                <a:effectLst/>
+                <a:latin typeface="Arial" panose="020B0604020202020204" pitchFamily="34" charset="0"/>
+                <a:ea typeface="Times New Roman" panose="02020603050405020304" pitchFamily="18" charset="0"/>
+              </a:rPr>
+              <a:t>Sparklines</a:t>
+            </a:r>
+            <a:r>
+              <a:rPr lang="en-US" sz="1800" dirty="0">
+                <a:solidFill>
+                  <a:srgbClr val="333333"/>
+                </a:solidFill>
+                <a:effectLst/>
+                <a:latin typeface="Arial" panose="020B0604020202020204" pitchFamily="34" charset="0"/>
+                <a:ea typeface="Times New Roman" panose="02020603050405020304" pitchFamily="18" charset="0"/>
+              </a:rPr>
+              <a:t> </a:t>
+            </a:r>
+            <a:endParaRPr lang="en-US" sz="2800" dirty="0">
+              <a:effectLst/>
+              <a:latin typeface="Times New Roman" panose="02020603050405020304" pitchFamily="18" charset="0"/>
+            </a:endParaRPr>
+          </a:p>
+          <a:p>
+            <a:pPr>
+              <a:spcBef>
+                <a:spcPts val="0"/>
+              </a:spcBef>
+              <a:spcAft>
+                <a:spcPts val="0"/>
+              </a:spcAft>
+            </a:pPr>
+            <a:r>
+              <a:rPr lang="en-US" sz="1800" dirty="0">
+                <a:solidFill>
+                  <a:srgbClr val="1155CC"/>
+                </a:solidFill>
+                <a:effectLst/>
+                <a:latin typeface="Arial" panose="020B0604020202020204" pitchFamily="34" charset="0"/>
+                <a:ea typeface="Times New Roman" panose="02020603050405020304" pitchFamily="18" charset="0"/>
+              </a:rPr>
+              <a:t>Trendlines and Forecast Sheet</a:t>
+            </a:r>
+            <a:r>
+              <a:rPr lang="en-US" sz="1800" dirty="0">
+                <a:solidFill>
+                  <a:srgbClr val="333333"/>
+                </a:solidFill>
+                <a:effectLst/>
+                <a:latin typeface="Arial" panose="020B0604020202020204" pitchFamily="34" charset="0"/>
+                <a:ea typeface="Times New Roman" panose="02020603050405020304" pitchFamily="18" charset="0"/>
+              </a:rPr>
+              <a:t> </a:t>
+            </a:r>
+            <a:endParaRPr lang="en-US" sz="2800" dirty="0">
+              <a:effectLst/>
+              <a:latin typeface="Times New Roman" panose="02020603050405020304" pitchFamily="18" charset="0"/>
+            </a:endParaRPr>
+          </a:p>
+        </p:txBody>
+      </p:sp>
+      <p:sp>
+        <p:nvSpPr>
+          <p:cNvPr id="2" name="Text Box 1"/>
+          <p:cNvSpPr txBox="1"/>
+          <p:nvPr/>
+        </p:nvSpPr>
+        <p:spPr>
+          <a:xfrm>
+            <a:off x="64135" y="5626100"/>
+            <a:ext cx="4378960" cy="645160"/>
+          </a:xfrm>
+          <a:prstGeom prst="rect">
+            <a:avLst/>
+          </a:prstGeom>
+          <a:noFill/>
+        </p:spPr>
+        <p:txBody>
+          <a:bodyPr wrap="square" rtlCol="0" anchor="t">
+            <a:spAutoFit/>
+          </a:bodyPr>
+          <a:p>
+            <a:r>
+              <a:rPr lang="en-US">
+                <a:solidFill>
+                  <a:srgbClr val="00B0F0"/>
+                </a:solidFill>
+              </a:rPr>
+              <a:t>https://blog.hubspot.com/marketing/how-to-build-excel-graph</a:t>
+            </a:r>
+            <a:endParaRPr lang="en-US">
+              <a:solidFill>
+                <a:srgbClr val="00B0F0"/>
+              </a:solidFill>
+            </a:endParaRPr>
+          </a:p>
+        </p:txBody>
+      </p:sp>
+      <p:sp>
+        <p:nvSpPr>
+          <p:cNvPr id="5" name="Text Box 4"/>
+          <p:cNvSpPr txBox="1"/>
+          <p:nvPr/>
+        </p:nvSpPr>
+        <p:spPr>
+          <a:xfrm>
+            <a:off x="4553585" y="502920"/>
+            <a:ext cx="6524625" cy="1814830"/>
+          </a:xfrm>
+          <a:prstGeom prst="rect">
+            <a:avLst/>
+          </a:prstGeom>
+          <a:noFill/>
+        </p:spPr>
+        <p:txBody>
+          <a:bodyPr wrap="square" rtlCol="0">
+            <a:spAutoFit/>
+          </a:bodyPr>
+          <a:p>
+            <a:r>
+              <a:rPr lang="en-US" sz="1400" b="1">
+                <a:solidFill>
+                  <a:srgbClr val="C00000"/>
+                </a:solidFill>
+                <a:latin typeface="Arial" panose="020B0604020202020204" pitchFamily="34" charset="0"/>
+                <a:cs typeface="Arial" panose="020B0604020202020204" pitchFamily="34" charset="0"/>
+              </a:rPr>
+              <a:t>1. Creating Graphs</a:t>
+            </a:r>
+            <a:endParaRPr lang="en-US" sz="1400" b="1">
+              <a:solidFill>
+                <a:srgbClr val="C00000"/>
+              </a:solidFill>
+              <a:latin typeface="Arial" panose="020B0604020202020204" pitchFamily="34" charset="0"/>
+              <a:cs typeface="Arial" panose="020B0604020202020204" pitchFamily="34" charset="0"/>
+            </a:endParaRPr>
+          </a:p>
+          <a:p>
+            <a:r>
+              <a:rPr lang="en-US" sz="1400">
+                <a:latin typeface="Arial" panose="020B0604020202020204" pitchFamily="34" charset="0"/>
+                <a:cs typeface="Arial" panose="020B0604020202020204" pitchFamily="34" charset="0"/>
+              </a:rPr>
+              <a:t>Definition: Graphs in Excel represent data visually, helping to convey insights more effectively.</a:t>
+            </a:r>
+            <a:endParaRPr lang="en-US" sz="1400">
+              <a:latin typeface="Arial" panose="020B0604020202020204" pitchFamily="34" charset="0"/>
+              <a:cs typeface="Arial" panose="020B0604020202020204" pitchFamily="34" charset="0"/>
+            </a:endParaRPr>
+          </a:p>
+          <a:p>
+            <a:r>
+              <a:rPr lang="en-US" sz="1400" b="1">
+                <a:latin typeface="Arial" panose="020B0604020202020204" pitchFamily="34" charset="0"/>
+                <a:cs typeface="Arial" panose="020B0604020202020204" pitchFamily="34" charset="0"/>
+              </a:rPr>
+              <a:t>Steps to Create a Graph:</a:t>
+            </a:r>
+            <a:endParaRPr lang="en-US" sz="1400" b="1">
+              <a:latin typeface="Arial" panose="020B0604020202020204" pitchFamily="34" charset="0"/>
+              <a:cs typeface="Arial" panose="020B0604020202020204" pitchFamily="34" charset="0"/>
+            </a:endParaRPr>
+          </a:p>
+          <a:p>
+            <a:pPr marL="742950" lvl="1" indent="-285750">
+              <a:buFont typeface="Arial" panose="020B0604020202020204" pitchFamily="34" charset="0"/>
+              <a:buChar char="•"/>
+            </a:pPr>
+            <a:r>
+              <a:rPr lang="en-US" sz="1400" b="1">
+                <a:latin typeface="Arial" panose="020B0604020202020204" pitchFamily="34" charset="0"/>
+                <a:cs typeface="Arial" panose="020B0604020202020204" pitchFamily="34" charset="0"/>
+              </a:rPr>
+              <a:t>Select Data:</a:t>
+            </a:r>
+            <a:r>
+              <a:rPr lang="en-US" sz="1400">
+                <a:latin typeface="Arial" panose="020B0604020202020204" pitchFamily="34" charset="0"/>
+                <a:cs typeface="Arial" panose="020B0604020202020204" pitchFamily="34" charset="0"/>
+              </a:rPr>
+              <a:t> Highlight the dataset to visualize.</a:t>
+            </a:r>
+            <a:endParaRPr lang="en-US" sz="1400">
+              <a:latin typeface="Arial" panose="020B0604020202020204" pitchFamily="34" charset="0"/>
+              <a:cs typeface="Arial" panose="020B0604020202020204" pitchFamily="34" charset="0"/>
+            </a:endParaRPr>
+          </a:p>
+          <a:p>
+            <a:pPr marL="742950" lvl="1" indent="-285750">
+              <a:buFont typeface="Arial" panose="020B0604020202020204" pitchFamily="34" charset="0"/>
+              <a:buChar char="•"/>
+            </a:pPr>
+            <a:r>
+              <a:rPr lang="en-US" sz="1400" b="1">
+                <a:latin typeface="Arial" panose="020B0604020202020204" pitchFamily="34" charset="0"/>
+                <a:cs typeface="Arial" panose="020B0604020202020204" pitchFamily="34" charset="0"/>
+              </a:rPr>
+              <a:t>Insert Chart:</a:t>
+            </a:r>
+            <a:r>
+              <a:rPr lang="en-US" sz="1400">
+                <a:latin typeface="Arial" panose="020B0604020202020204" pitchFamily="34" charset="0"/>
+                <a:cs typeface="Arial" panose="020B0604020202020204" pitchFamily="34" charset="0"/>
+              </a:rPr>
+              <a:t> Go to Insert &gt; Charts and select a chart type.</a:t>
+            </a:r>
+            <a:endParaRPr lang="en-US" sz="1400">
+              <a:latin typeface="Arial" panose="020B0604020202020204" pitchFamily="34" charset="0"/>
+              <a:cs typeface="Arial" panose="020B0604020202020204" pitchFamily="34" charset="0"/>
+            </a:endParaRPr>
+          </a:p>
+          <a:p>
+            <a:pPr marL="742950" lvl="1" indent="-285750">
+              <a:buFont typeface="Arial" panose="020B0604020202020204" pitchFamily="34" charset="0"/>
+              <a:buChar char="•"/>
+            </a:pPr>
+            <a:r>
+              <a:rPr lang="en-US" sz="1400" b="1">
+                <a:latin typeface="Arial" panose="020B0604020202020204" pitchFamily="34" charset="0"/>
+                <a:cs typeface="Arial" panose="020B0604020202020204" pitchFamily="34" charset="0"/>
+              </a:rPr>
+              <a:t>Activity:</a:t>
+            </a:r>
+            <a:r>
+              <a:rPr lang="en-US" sz="1400">
+                <a:latin typeface="Arial" panose="020B0604020202020204" pitchFamily="34" charset="0"/>
+                <a:cs typeface="Arial" panose="020B0604020202020204" pitchFamily="34" charset="0"/>
+              </a:rPr>
+              <a:t> Have students create a basic chart from a sample dataset, like monthly sales or budget data.</a:t>
+            </a:r>
+            <a:endParaRPr lang="en-US" sz="1400">
+              <a:latin typeface="Arial" panose="020B0604020202020204" pitchFamily="34" charset="0"/>
+              <a:cs typeface="Arial" panose="020B0604020202020204" pitchFamily="34" charset="0"/>
+            </a:endParaRPr>
+          </a:p>
+        </p:txBody>
+      </p:sp>
+      <p:sp>
+        <p:nvSpPr>
+          <p:cNvPr id="6" name="Text Box 5"/>
+          <p:cNvSpPr txBox="1"/>
+          <p:nvPr/>
+        </p:nvSpPr>
+        <p:spPr>
+          <a:xfrm>
+            <a:off x="4553585" y="2382520"/>
+            <a:ext cx="6995160" cy="2061210"/>
+          </a:xfrm>
+          <a:prstGeom prst="rect">
+            <a:avLst/>
+          </a:prstGeom>
+          <a:noFill/>
+        </p:spPr>
+        <p:txBody>
+          <a:bodyPr wrap="square" rtlCol="0">
+            <a:spAutoFit/>
+          </a:bodyPr>
+          <a:p>
+            <a:r>
+              <a:rPr lang="en-US" sz="1600" b="1">
+                <a:solidFill>
+                  <a:srgbClr val="C00000"/>
+                </a:solidFill>
+              </a:rPr>
+              <a:t>2. Chart Types</a:t>
+            </a:r>
+            <a:endParaRPr lang="en-US" sz="1600" b="1">
+              <a:solidFill>
+                <a:srgbClr val="C00000"/>
+              </a:solidFill>
+            </a:endParaRPr>
+          </a:p>
+          <a:p>
+            <a:pPr marL="285750" indent="-285750">
+              <a:buFont typeface="Arial" panose="020B0604020202020204" pitchFamily="34" charset="0"/>
+              <a:buChar char="•"/>
+            </a:pPr>
+            <a:r>
+              <a:rPr lang="en-US" sz="1400"/>
+              <a:t>Column Chart: Compares data across categories.</a:t>
+            </a:r>
+            <a:endParaRPr lang="en-US" sz="1400"/>
+          </a:p>
+          <a:p>
+            <a:pPr marL="285750" indent="-285750">
+              <a:buFont typeface="Arial" panose="020B0604020202020204" pitchFamily="34" charset="0"/>
+              <a:buChar char="•"/>
+            </a:pPr>
+            <a:r>
+              <a:rPr lang="en-US" sz="1400"/>
+              <a:t>Bar Chart: Similar to a column chart but horizontal.</a:t>
+            </a:r>
+            <a:endParaRPr lang="en-US" sz="1400"/>
+          </a:p>
+          <a:p>
+            <a:pPr marL="285750" indent="-285750">
+              <a:buFont typeface="Arial" panose="020B0604020202020204" pitchFamily="34" charset="0"/>
+              <a:buChar char="•"/>
+            </a:pPr>
+            <a:r>
+              <a:rPr lang="en-US" sz="1400"/>
+              <a:t>Line Chart: Ideal for showing trends over time.</a:t>
+            </a:r>
+            <a:endParaRPr lang="en-US" sz="1400"/>
+          </a:p>
+          <a:p>
+            <a:pPr marL="285750" indent="-285750">
+              <a:buFont typeface="Arial" panose="020B0604020202020204" pitchFamily="34" charset="0"/>
+              <a:buChar char="•"/>
+            </a:pPr>
+            <a:r>
+              <a:rPr lang="en-US" sz="1400"/>
+              <a:t>Pie Chart: Shows parts of a whole, useful for percentages.</a:t>
+            </a:r>
+            <a:endParaRPr lang="en-US" sz="1400"/>
+          </a:p>
+          <a:p>
+            <a:pPr marL="285750" indent="-285750">
+              <a:buFont typeface="Arial" panose="020B0604020202020204" pitchFamily="34" charset="0"/>
+              <a:buChar char="•"/>
+            </a:pPr>
+            <a:r>
+              <a:rPr lang="en-US" sz="1400"/>
+              <a:t>Scatter Plot: Displays relationships between two variables.</a:t>
+            </a:r>
+            <a:endParaRPr lang="en-US" sz="1400"/>
+          </a:p>
+          <a:p>
+            <a:pPr marL="285750" indent="-285750">
+              <a:buFont typeface="Arial" panose="020B0604020202020204" pitchFamily="34" charset="0"/>
+              <a:buChar char="•"/>
+            </a:pPr>
+            <a:r>
+              <a:rPr lang="en-US" sz="1400"/>
+              <a:t>Area Chart: Highlights changes over time.</a:t>
+            </a:r>
+            <a:endParaRPr lang="en-US" sz="1400"/>
+          </a:p>
+          <a:p>
+            <a:pPr marL="285750" indent="-285750">
+              <a:buFont typeface="Arial" panose="020B0604020202020204" pitchFamily="34" charset="0"/>
+              <a:buChar char="•"/>
+            </a:pPr>
+            <a:r>
+              <a:rPr lang="en-US" sz="1400"/>
+              <a:t>Activity: Select an appropriate chart type for a given dataset and explain why it’s a good fit.</a:t>
+            </a:r>
+            <a:endParaRPr lang="en-US" sz="1400"/>
+          </a:p>
+        </p:txBody>
+      </p:sp>
+      <p:sp>
+        <p:nvSpPr>
+          <p:cNvPr id="7" name="Text Box 6"/>
+          <p:cNvSpPr txBox="1"/>
+          <p:nvPr/>
+        </p:nvSpPr>
+        <p:spPr>
+          <a:xfrm>
+            <a:off x="4616450" y="4443730"/>
+            <a:ext cx="6096000" cy="2030095"/>
+          </a:xfrm>
+          <a:prstGeom prst="rect">
+            <a:avLst/>
+          </a:prstGeom>
+          <a:noFill/>
+        </p:spPr>
+        <p:txBody>
+          <a:bodyPr wrap="square" rtlCol="0">
+            <a:spAutoFit/>
+          </a:bodyPr>
+          <a:p>
+            <a:r>
+              <a:rPr lang="en-US" sz="1400" b="1">
+                <a:solidFill>
+                  <a:srgbClr val="C00000"/>
+                </a:solidFill>
+                <a:latin typeface="Arial" panose="020B0604020202020204" pitchFamily="34" charset="0"/>
+                <a:cs typeface="Arial" panose="020B0604020202020204" pitchFamily="34" charset="0"/>
+              </a:rPr>
+              <a:t>3. Identifying Chart Components</a:t>
+            </a:r>
+            <a:endParaRPr lang="en-US" sz="1400" b="1">
+              <a:solidFill>
+                <a:srgbClr val="C00000"/>
+              </a:solidFill>
+              <a:latin typeface="Arial" panose="020B0604020202020204" pitchFamily="34" charset="0"/>
+              <a:cs typeface="Arial" panose="020B0604020202020204" pitchFamily="34" charset="0"/>
+            </a:endParaRPr>
+          </a:p>
+          <a:p>
+            <a:pPr marL="285750" indent="-285750">
+              <a:buFont typeface="Arial" panose="020B0604020202020204" pitchFamily="34" charset="0"/>
+              <a:buChar char="•"/>
+            </a:pPr>
+            <a:r>
+              <a:rPr lang="en-US" sz="1400">
+                <a:latin typeface="Arial" panose="020B0604020202020204" pitchFamily="34" charset="0"/>
+                <a:cs typeface="Arial" panose="020B0604020202020204" pitchFamily="34" charset="0"/>
+              </a:rPr>
+              <a:t>Title: Explains what the chart represents.</a:t>
+            </a:r>
+            <a:endParaRPr lang="en-US" sz="1400">
+              <a:latin typeface="Arial" panose="020B0604020202020204" pitchFamily="34" charset="0"/>
+              <a:cs typeface="Arial" panose="020B0604020202020204" pitchFamily="34" charset="0"/>
+            </a:endParaRPr>
+          </a:p>
+          <a:p>
+            <a:pPr marL="285750" indent="-285750">
+              <a:buFont typeface="Arial" panose="020B0604020202020204" pitchFamily="34" charset="0"/>
+              <a:buChar char="•"/>
+            </a:pPr>
+            <a:r>
+              <a:rPr lang="en-US" sz="1400">
+                <a:latin typeface="Arial" panose="020B0604020202020204" pitchFamily="34" charset="0"/>
+                <a:cs typeface="Arial" panose="020B0604020202020204" pitchFamily="34" charset="0"/>
+              </a:rPr>
+              <a:t>Axes: Horizontal (X-axis) and vertical (Y-axis) lines showing data scales.</a:t>
+            </a:r>
+            <a:endParaRPr lang="en-US" sz="1400">
+              <a:latin typeface="Arial" panose="020B0604020202020204" pitchFamily="34" charset="0"/>
+              <a:cs typeface="Arial" panose="020B0604020202020204" pitchFamily="34" charset="0"/>
+            </a:endParaRPr>
+          </a:p>
+          <a:p>
+            <a:pPr marL="285750" indent="-285750">
+              <a:buFont typeface="Arial" panose="020B0604020202020204" pitchFamily="34" charset="0"/>
+              <a:buChar char="•"/>
+            </a:pPr>
+            <a:r>
+              <a:rPr lang="en-US" sz="1400">
+                <a:latin typeface="Arial" panose="020B0604020202020204" pitchFamily="34" charset="0"/>
+                <a:cs typeface="Arial" panose="020B0604020202020204" pitchFamily="34" charset="0"/>
+              </a:rPr>
+              <a:t>Legend: Describes colors/patterns used in the chart.</a:t>
+            </a:r>
+            <a:endParaRPr lang="en-US" sz="1400">
+              <a:latin typeface="Arial" panose="020B0604020202020204" pitchFamily="34" charset="0"/>
+              <a:cs typeface="Arial" panose="020B0604020202020204" pitchFamily="34" charset="0"/>
+            </a:endParaRPr>
+          </a:p>
+          <a:p>
+            <a:pPr marL="285750" indent="-285750">
+              <a:buFont typeface="Arial" panose="020B0604020202020204" pitchFamily="34" charset="0"/>
+              <a:buChar char="•"/>
+            </a:pPr>
+            <a:r>
+              <a:rPr lang="en-US" sz="1400">
+                <a:latin typeface="Arial" panose="020B0604020202020204" pitchFamily="34" charset="0"/>
+                <a:cs typeface="Arial" panose="020B0604020202020204" pitchFamily="34" charset="0"/>
+              </a:rPr>
+              <a:t>Data Labels: Displays specific values directly on the chart.</a:t>
+            </a:r>
+            <a:endParaRPr lang="en-US" sz="1400">
+              <a:latin typeface="Arial" panose="020B0604020202020204" pitchFamily="34" charset="0"/>
+              <a:cs typeface="Arial" panose="020B0604020202020204" pitchFamily="34" charset="0"/>
+            </a:endParaRPr>
+          </a:p>
+          <a:p>
+            <a:pPr marL="285750" indent="-285750">
+              <a:buFont typeface="Arial" panose="020B0604020202020204" pitchFamily="34" charset="0"/>
+              <a:buChar char="•"/>
+            </a:pPr>
+            <a:r>
+              <a:rPr lang="en-US" sz="1400">
+                <a:latin typeface="Arial" panose="020B0604020202020204" pitchFamily="34" charset="0"/>
+                <a:cs typeface="Arial" panose="020B0604020202020204" pitchFamily="34" charset="0"/>
+              </a:rPr>
+              <a:t>Gridlines: Provides reference lines for data points.</a:t>
+            </a:r>
+            <a:endParaRPr lang="en-US" sz="1400">
+              <a:latin typeface="Arial" panose="020B0604020202020204" pitchFamily="34" charset="0"/>
+              <a:cs typeface="Arial" panose="020B0604020202020204" pitchFamily="34" charset="0"/>
+            </a:endParaRPr>
+          </a:p>
+          <a:p>
+            <a:pPr marL="285750" indent="-285750">
+              <a:buFont typeface="Arial" panose="020B0604020202020204" pitchFamily="34" charset="0"/>
+              <a:buChar char="•"/>
+            </a:pPr>
+            <a:r>
+              <a:rPr lang="en-US" sz="1400">
+                <a:latin typeface="Arial" panose="020B0604020202020204" pitchFamily="34" charset="0"/>
+                <a:cs typeface="Arial" panose="020B0604020202020204" pitchFamily="34" charset="0"/>
+              </a:rPr>
+              <a:t>Activity: Label components of an existing chart to reinforce understanding.</a:t>
+            </a:r>
+            <a:endParaRPr lang="en-US" sz="1400">
+              <a:latin typeface="Arial" panose="020B0604020202020204" pitchFamily="34" charset="0"/>
+              <a:cs typeface="Arial" panose="020B0604020202020204" pitchFamily="34" charset="0"/>
+            </a:endParaRPr>
+          </a:p>
+        </p:txBody>
+      </p:sp>
+    </p:spTree>
+  </p:cSld>
+  <p:clrMapOvr>
+    <a:masterClrMapping/>
+  </p:clrMapOvr>
+</p:sld>
+</file>
+
+<file path=ppt/slides/slide3.xml><?xml version="1.0" encoding="utf-8"?>
+<p:sld xmlns:a="http://schemas.openxmlformats.org/drawingml/2006/main" xmlns:r="http://schemas.openxmlformats.org/officeDocument/2006/relationships" xmlns:p="http://schemas.openxmlformats.org/presentationml/2006/main">
+  <p:cSld>
+    <p:spTree>
+      <p:nvGrpSpPr>
+        <p:cNvPr id="1" name=""/>
+        <p:cNvGrpSpPr/>
+        <p:nvPr/>
+      </p:nvGrpSpPr>
+      <p:grpSpPr>
+        <a:xfrm>
+          <a:off x="0" y="0"/>
+          <a:ext cx="0" cy="0"/>
+          <a:chOff x="0" y="0"/>
+          <a:chExt cx="0" cy="0"/>
+        </a:xfrm>
+      </p:grpSpPr>
+      <p:sp>
+        <p:nvSpPr>
+          <p:cNvPr id="3" name="TextBox 2"/>
+          <p:cNvSpPr txBox="1"/>
+          <p:nvPr/>
+        </p:nvSpPr>
+        <p:spPr>
+          <a:xfrm>
+            <a:off x="208722" y="288234"/>
+            <a:ext cx="9750286" cy="5816977"/>
+          </a:xfrm>
+          <a:prstGeom prst="rect">
+            <a:avLst/>
+          </a:prstGeom>
+          <a:noFill/>
+        </p:spPr>
+        <p:txBody>
+          <a:bodyPr wrap="square">
+            <a:spAutoFit/>
+          </a:bodyPr>
+          <a:lstStyle/>
+          <a:p>
+            <a:pPr>
+              <a:spcBef>
+                <a:spcPts val="1500"/>
+              </a:spcBef>
+              <a:spcAft>
+                <a:spcPts val="0"/>
+              </a:spcAft>
+            </a:pPr>
+            <a:r>
+              <a:rPr lang="en-US" sz="2800" dirty="0">
+                <a:solidFill>
+                  <a:srgbClr val="333333"/>
+                </a:solidFill>
+                <a:effectLst/>
+                <a:latin typeface="Arial" panose="020B0604020202020204" pitchFamily="34" charset="0"/>
+                <a:ea typeface="Times New Roman" panose="02020603050405020304" pitchFamily="18" charset="0"/>
+              </a:rPr>
+              <a:t> </a:t>
+            </a:r>
+            <a:r>
+              <a:rPr lang="en-US" sz="2800" u="sng" dirty="0">
+                <a:solidFill>
+                  <a:srgbClr val="1E88E5"/>
+                </a:solidFill>
+                <a:effectLst/>
+                <a:latin typeface="Arial" panose="020B0604020202020204" pitchFamily="34" charset="0"/>
+                <a:ea typeface="Times New Roman" panose="02020603050405020304" pitchFamily="18" charset="0"/>
+                <a:hlinkClick r:id="rId1"/>
+              </a:rPr>
+              <a:t>Introduction To Excel</a:t>
+            </a:r>
+            <a:endParaRPr lang="en-US" sz="2000" dirty="0">
+              <a:effectLst/>
+              <a:latin typeface="Times New Roman" panose="02020603050405020304" pitchFamily="18" charset="0"/>
+            </a:endParaRPr>
+          </a:p>
+          <a:p>
+            <a:pPr marL="342900" lvl="0" indent="-342900" algn="l">
+              <a:spcBef>
+                <a:spcPts val="905"/>
+              </a:spcBef>
+              <a:spcAft>
+                <a:spcPts val="0"/>
+              </a:spcAft>
+              <a:buFont typeface="Wingdings" panose="05000000000000000000" pitchFamily="2" charset="2"/>
+              <a:buChar char=""/>
+            </a:pPr>
+            <a:r>
+              <a:rPr lang="en-US" sz="1400" u="sng" dirty="0">
+                <a:solidFill>
+                  <a:srgbClr val="1155CC"/>
+                </a:solidFill>
+                <a:effectLst/>
+                <a:latin typeface="Arial" panose="020B0604020202020204" pitchFamily="34" charset="0"/>
+                <a:ea typeface="Times New Roman" panose="02020603050405020304" pitchFamily="18" charset="0"/>
+                <a:hlinkClick r:id="rId2"/>
+              </a:rPr>
+              <a:t>Introduction</a:t>
+            </a:r>
+            <a:endParaRPr lang="en-US" sz="2000" dirty="0">
+              <a:effectLst/>
+              <a:latin typeface="Times New Roman" panose="02020603050405020304" pitchFamily="18" charset="0"/>
+            </a:endParaRPr>
+          </a:p>
+          <a:p>
+            <a:pPr marL="342900" lvl="0" indent="-342900" algn="l">
+              <a:spcBef>
+                <a:spcPts val="905"/>
+              </a:spcBef>
+              <a:spcAft>
+                <a:spcPts val="0"/>
+              </a:spcAft>
+              <a:buFont typeface="Wingdings" panose="05000000000000000000" pitchFamily="2" charset="2"/>
+              <a:buChar char=""/>
+            </a:pPr>
+            <a:r>
+              <a:rPr lang="en-US" sz="1400" u="sng" dirty="0">
+                <a:solidFill>
+                  <a:srgbClr val="1155CC"/>
+                </a:solidFill>
+                <a:effectLst/>
+                <a:latin typeface="Arial" panose="020B0604020202020204" pitchFamily="34" charset="0"/>
+                <a:ea typeface="Times New Roman" panose="02020603050405020304" pitchFamily="18" charset="0"/>
+                <a:hlinkClick r:id="rId3"/>
+              </a:rPr>
+              <a:t>Interface</a:t>
+            </a:r>
+            <a:endParaRPr lang="en-US" sz="2000" dirty="0">
+              <a:effectLst/>
+              <a:latin typeface="Times New Roman" panose="02020603050405020304" pitchFamily="18" charset="0"/>
+            </a:endParaRPr>
+          </a:p>
+          <a:p>
+            <a:pPr marL="342900" lvl="0" indent="-342900" algn="l">
+              <a:spcBef>
+                <a:spcPts val="905"/>
+              </a:spcBef>
+              <a:spcAft>
+                <a:spcPts val="0"/>
+              </a:spcAft>
+              <a:buFont typeface="Wingdings" panose="05000000000000000000" pitchFamily="2" charset="2"/>
+              <a:buChar char=""/>
+            </a:pPr>
+            <a:r>
+              <a:rPr lang="en-US" sz="1400" u="sng" dirty="0">
+                <a:solidFill>
+                  <a:srgbClr val="1155CC"/>
+                </a:solidFill>
+                <a:effectLst/>
+                <a:latin typeface="Arial" panose="020B0604020202020204" pitchFamily="34" charset="0"/>
+                <a:ea typeface="Times New Roman" panose="02020603050405020304" pitchFamily="18" charset="0"/>
+                <a:hlinkClick r:id="rId4"/>
+              </a:rPr>
+              <a:t>Tabs and Ribbons</a:t>
+            </a:r>
+            <a:endParaRPr lang="en-US" sz="2000" dirty="0">
+              <a:effectLst/>
+              <a:latin typeface="Times New Roman" panose="02020603050405020304" pitchFamily="18" charset="0"/>
+            </a:endParaRPr>
+          </a:p>
+          <a:p>
+            <a:pPr marL="342900" lvl="0" indent="-342900" algn="l">
+              <a:spcBef>
+                <a:spcPts val="905"/>
+              </a:spcBef>
+              <a:spcAft>
+                <a:spcPts val="0"/>
+              </a:spcAft>
+              <a:buFont typeface="Wingdings" panose="05000000000000000000" pitchFamily="2" charset="2"/>
+              <a:buChar char=""/>
+            </a:pPr>
+            <a:r>
+              <a:rPr lang="en-US" sz="1400" u="sng" dirty="0">
+                <a:solidFill>
+                  <a:srgbClr val="1155CC"/>
+                </a:solidFill>
+                <a:effectLst/>
+                <a:latin typeface="Arial" panose="020B0604020202020204" pitchFamily="34" charset="0"/>
+                <a:ea typeface="Times New Roman" panose="02020603050405020304" pitchFamily="18" charset="0"/>
+                <a:hlinkClick r:id="rId5"/>
+              </a:rPr>
+              <a:t>Document Windows</a:t>
+            </a:r>
+            <a:endParaRPr lang="en-US" sz="2000" dirty="0">
+              <a:effectLst/>
+              <a:latin typeface="Times New Roman" panose="02020603050405020304" pitchFamily="18" charset="0"/>
+            </a:endParaRPr>
+          </a:p>
+          <a:p>
+            <a:pPr marL="342900" lvl="0" indent="-342900" algn="l">
+              <a:spcBef>
+                <a:spcPts val="905"/>
+              </a:spcBef>
+              <a:spcAft>
+                <a:spcPts val="0"/>
+              </a:spcAft>
+              <a:buFont typeface="Wingdings" panose="05000000000000000000" pitchFamily="2" charset="2"/>
+              <a:buChar char=""/>
+            </a:pPr>
+            <a:r>
+              <a:rPr lang="en-US" sz="1400" u="sng" dirty="0">
+                <a:solidFill>
+                  <a:srgbClr val="1155CC"/>
+                </a:solidFill>
+                <a:effectLst/>
+                <a:latin typeface="Arial" panose="020B0604020202020204" pitchFamily="34" charset="0"/>
+                <a:ea typeface="Times New Roman" panose="02020603050405020304" pitchFamily="18" charset="0"/>
+                <a:hlinkClick r:id="rId6"/>
+              </a:rPr>
+              <a:t>Navigation Tips</a:t>
+            </a:r>
+            <a:endParaRPr lang="en-US" sz="2000" dirty="0">
+              <a:effectLst/>
+              <a:latin typeface="Times New Roman" panose="02020603050405020304" pitchFamily="18" charset="0"/>
+            </a:endParaRPr>
+          </a:p>
+          <a:p>
+            <a:pPr marL="342900" lvl="0" indent="-342900" algn="l">
+              <a:spcBef>
+                <a:spcPts val="905"/>
+              </a:spcBef>
+              <a:spcAft>
+                <a:spcPts val="0"/>
+              </a:spcAft>
+              <a:buFont typeface="Wingdings" panose="05000000000000000000" pitchFamily="2" charset="2"/>
+              <a:buChar char=""/>
+            </a:pPr>
+            <a:r>
+              <a:rPr lang="en-US" sz="1400" u="sng" dirty="0">
+                <a:solidFill>
+                  <a:srgbClr val="1155CC"/>
+                </a:solidFill>
+                <a:effectLst/>
+                <a:latin typeface="Arial" panose="020B0604020202020204" pitchFamily="34" charset="0"/>
+                <a:ea typeface="Times New Roman" panose="02020603050405020304" pitchFamily="18" charset="0"/>
+                <a:hlinkClick r:id="rId7"/>
+              </a:rPr>
+              <a:t>File Menu and Save</a:t>
+            </a:r>
+            <a:endParaRPr lang="en-US" sz="2000" dirty="0">
+              <a:effectLst/>
+              <a:latin typeface="Times New Roman" panose="02020603050405020304" pitchFamily="18" charset="0"/>
+            </a:endParaRPr>
+          </a:p>
+          <a:p>
+            <a:pPr marL="342900" lvl="0" indent="-342900" algn="l">
+              <a:spcBef>
+                <a:spcPts val="905"/>
+              </a:spcBef>
+              <a:spcAft>
+                <a:spcPts val="0"/>
+              </a:spcAft>
+              <a:buFont typeface="Wingdings" panose="05000000000000000000" pitchFamily="2" charset="2"/>
+              <a:buChar char=""/>
+            </a:pPr>
+            <a:r>
+              <a:rPr lang="en-US" sz="1400" u="sng" dirty="0">
+                <a:solidFill>
+                  <a:srgbClr val="1155CC"/>
+                </a:solidFill>
+                <a:effectLst/>
+                <a:latin typeface="Arial" panose="020B0604020202020204" pitchFamily="34" charset="0"/>
+                <a:ea typeface="Times New Roman" panose="02020603050405020304" pitchFamily="18" charset="0"/>
+                <a:hlinkClick r:id="rId8"/>
+              </a:rPr>
+              <a:t>Entering Data and Importing Data</a:t>
+            </a:r>
+            <a:endParaRPr lang="en-US" sz="2000" dirty="0">
+              <a:effectLst/>
+              <a:latin typeface="Times New Roman" panose="02020603050405020304" pitchFamily="18" charset="0"/>
+            </a:endParaRPr>
+          </a:p>
+          <a:p>
+            <a:pPr marL="342900" lvl="0" indent="-342900" algn="l">
+              <a:spcBef>
+                <a:spcPts val="905"/>
+              </a:spcBef>
+              <a:spcAft>
+                <a:spcPts val="0"/>
+              </a:spcAft>
+              <a:buFont typeface="Wingdings" panose="05000000000000000000" pitchFamily="2" charset="2"/>
+              <a:buChar char=""/>
+            </a:pPr>
+            <a:r>
+              <a:rPr lang="en-US" sz="1400" u="sng" dirty="0">
+                <a:solidFill>
+                  <a:srgbClr val="1155CC"/>
+                </a:solidFill>
+                <a:effectLst/>
+                <a:latin typeface="Arial" panose="020B0604020202020204" pitchFamily="34" charset="0"/>
+                <a:ea typeface="Times New Roman" panose="02020603050405020304" pitchFamily="18" charset="0"/>
+                <a:hlinkClick r:id="rId9"/>
+              </a:rPr>
+              <a:t>Fonts and Alignment</a:t>
+            </a:r>
+            <a:endParaRPr lang="en-US" sz="2000" dirty="0">
+              <a:effectLst/>
+              <a:latin typeface="Times New Roman" panose="02020603050405020304" pitchFamily="18" charset="0"/>
+            </a:endParaRPr>
+          </a:p>
+          <a:p>
+            <a:pPr marL="342900" lvl="0" indent="-342900" algn="l">
+              <a:spcBef>
+                <a:spcPts val="905"/>
+              </a:spcBef>
+              <a:spcAft>
+                <a:spcPts val="0"/>
+              </a:spcAft>
+              <a:buFont typeface="Wingdings" panose="05000000000000000000" pitchFamily="2" charset="2"/>
+              <a:buChar char=""/>
+            </a:pPr>
+            <a:r>
+              <a:rPr lang="en-US" sz="1400" u="sng" dirty="0">
+                <a:solidFill>
+                  <a:srgbClr val="1155CC"/>
+                </a:solidFill>
+                <a:effectLst/>
+                <a:latin typeface="Arial" panose="020B0604020202020204" pitchFamily="34" charset="0"/>
+                <a:ea typeface="Times New Roman" panose="02020603050405020304" pitchFamily="18" charset="0"/>
+                <a:hlinkClick r:id="rId10"/>
+              </a:rPr>
+              <a:t>Cut, Copy and Paste</a:t>
+            </a:r>
+            <a:endParaRPr lang="en-US" sz="2000" dirty="0">
+              <a:effectLst/>
+              <a:latin typeface="Times New Roman" panose="02020603050405020304" pitchFamily="18" charset="0"/>
+            </a:endParaRPr>
+          </a:p>
+          <a:p>
+            <a:pPr marL="342900" lvl="0" indent="-342900" algn="l">
+              <a:spcBef>
+                <a:spcPts val="905"/>
+              </a:spcBef>
+              <a:spcAft>
+                <a:spcPts val="0"/>
+              </a:spcAft>
+              <a:buFont typeface="Wingdings" panose="05000000000000000000" pitchFamily="2" charset="2"/>
+              <a:buChar char=""/>
+            </a:pPr>
+            <a:r>
+              <a:rPr lang="en-US" sz="1400" u="sng" dirty="0">
+                <a:solidFill>
+                  <a:srgbClr val="1155CC"/>
+                </a:solidFill>
+                <a:effectLst/>
+                <a:latin typeface="Arial" panose="020B0604020202020204" pitchFamily="34" charset="0"/>
+                <a:ea typeface="Times New Roman" panose="02020603050405020304" pitchFamily="18" charset="0"/>
+                <a:hlinkClick r:id="rId11"/>
+              </a:rPr>
+              <a:t>Paste Special</a:t>
+            </a:r>
+            <a:endParaRPr lang="en-US" sz="2000" dirty="0">
+              <a:effectLst/>
+              <a:latin typeface="Times New Roman" panose="02020603050405020304" pitchFamily="18" charset="0"/>
+            </a:endParaRPr>
+          </a:p>
+          <a:p>
+            <a:pPr marL="342900" lvl="0" indent="-342900" algn="l">
+              <a:spcBef>
+                <a:spcPts val="905"/>
+              </a:spcBef>
+              <a:spcAft>
+                <a:spcPts val="0"/>
+              </a:spcAft>
+              <a:buFont typeface="Wingdings" panose="05000000000000000000" pitchFamily="2" charset="2"/>
+              <a:buChar char=""/>
+            </a:pPr>
+            <a:r>
+              <a:rPr lang="en-US" sz="1400" u="sng" dirty="0">
+                <a:solidFill>
+                  <a:srgbClr val="1155CC"/>
+                </a:solidFill>
+                <a:effectLst/>
+                <a:latin typeface="Arial" panose="020B0604020202020204" pitchFamily="34" charset="0"/>
+                <a:ea typeface="Times New Roman" panose="02020603050405020304" pitchFamily="18" charset="0"/>
+                <a:hlinkClick r:id="rId12"/>
+              </a:rPr>
+              <a:t>Undo and Redo</a:t>
+            </a:r>
+            <a:endParaRPr lang="en-US" sz="2000" dirty="0">
+              <a:effectLst/>
+              <a:latin typeface="Times New Roman" panose="02020603050405020304" pitchFamily="18" charset="0"/>
+            </a:endParaRPr>
+          </a:p>
+          <a:p>
+            <a:pPr marL="342900" lvl="0" indent="-342900" algn="l">
+              <a:spcBef>
+                <a:spcPts val="905"/>
+              </a:spcBef>
+              <a:spcAft>
+                <a:spcPts val="0"/>
+              </a:spcAft>
+              <a:buFont typeface="Wingdings" panose="05000000000000000000" pitchFamily="2" charset="2"/>
+              <a:buChar char=""/>
+            </a:pPr>
+            <a:r>
+              <a:rPr lang="en-US" sz="1400" u="sng" dirty="0">
+                <a:solidFill>
+                  <a:srgbClr val="1155CC"/>
+                </a:solidFill>
+                <a:effectLst/>
+                <a:latin typeface="Arial" panose="020B0604020202020204" pitchFamily="34" charset="0"/>
+                <a:ea typeface="Times New Roman" panose="02020603050405020304" pitchFamily="18" charset="0"/>
+                <a:hlinkClick r:id="rId13"/>
+              </a:rPr>
+              <a:t>Finding and Replacing a Value</a:t>
+            </a:r>
+            <a:endParaRPr lang="en-US" sz="2000" dirty="0">
+              <a:effectLst/>
+              <a:latin typeface="Times New Roman" panose="02020603050405020304" pitchFamily="18" charset="0"/>
+            </a:endParaRPr>
+          </a:p>
+          <a:p>
+            <a:pPr marL="342900" lvl="0" indent="-342900" algn="l">
+              <a:spcBef>
+                <a:spcPts val="905"/>
+              </a:spcBef>
+              <a:spcAft>
+                <a:spcPts val="0"/>
+              </a:spcAft>
+              <a:buFont typeface="Wingdings" panose="05000000000000000000" pitchFamily="2" charset="2"/>
+              <a:buChar char=""/>
+            </a:pPr>
+            <a:r>
+              <a:rPr lang="en-US" sz="1400" u="sng" dirty="0">
+                <a:solidFill>
+                  <a:srgbClr val="1155CC"/>
+                </a:solidFill>
+                <a:effectLst/>
+                <a:latin typeface="Arial" panose="020B0604020202020204" pitchFamily="34" charset="0"/>
+                <a:ea typeface="Times New Roman" panose="02020603050405020304" pitchFamily="18" charset="0"/>
+                <a:hlinkClick r:id="rId14"/>
+              </a:rPr>
+              <a:t>Cell Styles</a:t>
+            </a:r>
+            <a:endParaRPr lang="en-US" sz="2000" dirty="0">
+              <a:effectLst/>
+              <a:latin typeface="Times New Roman" panose="02020603050405020304" pitchFamily="18" charset="0"/>
+            </a:endParaRPr>
+          </a:p>
+          <a:p>
+            <a:pPr marL="342900" lvl="0" indent="-342900" algn="l">
+              <a:spcBef>
+                <a:spcPts val="905"/>
+              </a:spcBef>
+              <a:spcAft>
+                <a:spcPts val="0"/>
+              </a:spcAft>
+              <a:buFont typeface="Wingdings" panose="05000000000000000000" pitchFamily="2" charset="2"/>
+              <a:buChar char=""/>
+            </a:pPr>
+            <a:r>
+              <a:rPr lang="en-US" sz="1400" u="sng" dirty="0">
+                <a:solidFill>
+                  <a:srgbClr val="1155CC"/>
+                </a:solidFill>
+                <a:effectLst/>
+                <a:latin typeface="Arial" panose="020B0604020202020204" pitchFamily="34" charset="0"/>
+                <a:ea typeface="Times New Roman" panose="02020603050405020304" pitchFamily="18" charset="0"/>
+                <a:hlinkClick r:id="rId15"/>
+              </a:rPr>
+              <a:t>Formatting Numbers and Dates</a:t>
+            </a:r>
+            <a:endParaRPr lang="en-US" sz="2000" dirty="0">
+              <a:effectLst/>
+              <a:latin typeface="Times New Roman" panose="02020603050405020304" pitchFamily="18" charset="0"/>
+            </a:endParaRPr>
+          </a:p>
+          <a:p>
+            <a:pPr marL="342900" lvl="0" indent="-342900" algn="l">
+              <a:spcBef>
+                <a:spcPts val="905"/>
+              </a:spcBef>
+              <a:spcAft>
+                <a:spcPts val="0"/>
+              </a:spcAft>
+              <a:buFont typeface="Wingdings" panose="05000000000000000000" pitchFamily="2" charset="2"/>
+              <a:buChar char=""/>
+            </a:pPr>
+            <a:r>
+              <a:rPr lang="en-US" sz="1400" u="sng" dirty="0">
+                <a:solidFill>
+                  <a:srgbClr val="1155CC"/>
+                </a:solidFill>
+                <a:effectLst/>
+                <a:latin typeface="Arial" panose="020B0604020202020204" pitchFamily="34" charset="0"/>
+                <a:ea typeface="Times New Roman" panose="02020603050405020304" pitchFamily="18" charset="0"/>
+                <a:hlinkClick r:id="rId16"/>
+              </a:rPr>
+              <a:t>Comments</a:t>
+            </a:r>
+            <a:r>
+              <a:rPr lang="en-US" sz="1400" dirty="0">
+                <a:solidFill>
+                  <a:srgbClr val="333333"/>
+                </a:solidFill>
+                <a:effectLst/>
+                <a:latin typeface="Arial" panose="020B0604020202020204" pitchFamily="34" charset="0"/>
+                <a:ea typeface="Times New Roman" panose="02020603050405020304" pitchFamily="18" charset="0"/>
+              </a:rPr>
+              <a:t>  </a:t>
+            </a:r>
+            <a:endParaRPr lang="en-US" sz="1400" dirty="0">
+              <a:solidFill>
+                <a:srgbClr val="333333"/>
+              </a:solidFill>
+              <a:effectLst/>
+              <a:latin typeface="Arial" panose="020B0604020202020204" pitchFamily="34" charset="0"/>
+              <a:ea typeface="Times New Roman" panose="02020603050405020304" pitchFamily="18" charset="0"/>
+            </a:endParaRPr>
+          </a:p>
+          <a:p>
+            <a:pPr marL="342900" lvl="0" indent="-342900" algn="l">
+              <a:spcBef>
+                <a:spcPts val="905"/>
+              </a:spcBef>
+              <a:spcAft>
+                <a:spcPts val="0"/>
+              </a:spcAft>
+              <a:buFont typeface="Wingdings" panose="05000000000000000000" pitchFamily="2" charset="2"/>
+              <a:buChar char=""/>
+            </a:pPr>
+            <a:r>
+              <a:rPr lang="en-US" sz="1400" u="sng" dirty="0">
+                <a:solidFill>
+                  <a:srgbClr val="1155CC"/>
+                </a:solidFill>
+                <a:effectLst/>
+                <a:latin typeface="Arial" panose="020B0604020202020204" pitchFamily="34" charset="0"/>
+                <a:ea typeface="Times New Roman" panose="02020603050405020304" pitchFamily="18" charset="0"/>
+                <a:hlinkClick r:id="rId17"/>
+              </a:rPr>
+              <a:t>Assignment</a:t>
+            </a:r>
+            <a:endParaRPr lang="en-US" sz="2000" dirty="0">
+              <a:effectLst/>
+              <a:latin typeface="Times New Roman" panose="02020603050405020304" pitchFamily="18" charset="0"/>
+            </a:endParaRPr>
+          </a:p>
+        </p:txBody>
+      </p:sp>
+    </p:spTree>
+  </p:cSld>
+  <p:clrMapOvr>
+    <a:masterClrMapping/>
+  </p:clrMapOvr>
+</p:sld>
+</file>
+
+<file path=ppt/slides/slide30.xml><?xml version="1.0" encoding="utf-8"?>
+<p:sld xmlns:a="http://schemas.openxmlformats.org/drawingml/2006/main" xmlns:r="http://schemas.openxmlformats.org/officeDocument/2006/relationships" xmlns:p="http://schemas.openxmlformats.org/presentationml/2006/main">
+  <p:cSld>
+    <p:spTree>
+      <p:nvGrpSpPr>
+        <p:cNvPr id="1" name=""/>
+        <p:cNvGrpSpPr/>
+        <p:nvPr/>
+      </p:nvGrpSpPr>
+      <p:grpSpPr/>
+      <p:sp>
+        <p:nvSpPr>
+          <p:cNvPr id="2" name="Text Box 1"/>
+          <p:cNvSpPr txBox="1"/>
+          <p:nvPr/>
+        </p:nvSpPr>
+        <p:spPr>
+          <a:xfrm>
+            <a:off x="319405" y="270510"/>
+            <a:ext cx="6096000" cy="1414780"/>
+          </a:xfrm>
+          <a:prstGeom prst="rect">
+            <a:avLst/>
+          </a:prstGeom>
+          <a:noFill/>
+        </p:spPr>
+        <p:txBody>
+          <a:bodyPr wrap="square" rtlCol="0">
+            <a:spAutoFit/>
+          </a:bodyPr>
+          <a:p>
+            <a:r>
+              <a:rPr lang="en-US" sz="1600" b="1">
+                <a:solidFill>
+                  <a:srgbClr val="C00000"/>
+                </a:solidFill>
+                <a:latin typeface="Arial" panose="020B0604020202020204" pitchFamily="34" charset="0"/>
+                <a:cs typeface="Arial" panose="020B0604020202020204" pitchFamily="34" charset="0"/>
+              </a:rPr>
+              <a:t>4. Inserting a Chart in a Worksheet</a:t>
+            </a:r>
+            <a:endParaRPr lang="en-US" sz="1600" b="1">
+              <a:solidFill>
+                <a:srgbClr val="C00000"/>
+              </a:solidFill>
+              <a:latin typeface="Arial" panose="020B0604020202020204" pitchFamily="34" charset="0"/>
+              <a:cs typeface="Arial" panose="020B0604020202020204" pitchFamily="34" charset="0"/>
+            </a:endParaRPr>
+          </a:p>
+          <a:p>
+            <a:r>
+              <a:rPr lang="en-US" sz="1400"/>
+              <a:t>Steps to Insert:</a:t>
+            </a:r>
+            <a:endParaRPr lang="en-US" sz="1400"/>
+          </a:p>
+          <a:p>
+            <a:pPr marL="742950" lvl="1" indent="-285750">
+              <a:buFont typeface="Wingdings" panose="05000000000000000000" charset="0"/>
+              <a:buChar char="Ø"/>
+            </a:pPr>
+            <a:r>
+              <a:rPr lang="en-US" sz="1400"/>
+              <a:t>Select Data: Highlight your data range.</a:t>
+            </a:r>
+            <a:endParaRPr lang="en-US" sz="1400"/>
+          </a:p>
+          <a:p>
+            <a:pPr marL="742950" lvl="1" indent="-285750">
+              <a:buFont typeface="Wingdings" panose="05000000000000000000" charset="0"/>
+              <a:buChar char="Ø"/>
+            </a:pPr>
+            <a:r>
+              <a:rPr lang="en-US" sz="1400"/>
+              <a:t>Go to Insert &gt; Charts: Choose the desired chart.</a:t>
+            </a:r>
+            <a:endParaRPr lang="en-US" sz="1400"/>
+          </a:p>
+          <a:p>
+            <a:pPr marL="742950" lvl="1" indent="-285750">
+              <a:buFont typeface="Wingdings" panose="05000000000000000000" charset="0"/>
+              <a:buChar char="Ø"/>
+            </a:pPr>
+            <a:r>
+              <a:rPr lang="en-US" sz="1400"/>
+              <a:t>Position Chart: Drag the chart to place it within the worksheet.</a:t>
+            </a:r>
+            <a:endParaRPr lang="en-US" sz="1400"/>
+          </a:p>
+          <a:p>
+            <a:pPr marL="0" lvl="0"/>
+            <a:r>
+              <a:rPr lang="en-US" sz="1400"/>
+              <a:t>Activity: Insert and position a chart in the worksheet.</a:t>
+            </a:r>
+            <a:endParaRPr lang="en-US" sz="1400"/>
+          </a:p>
+        </p:txBody>
+      </p:sp>
+      <p:sp>
+        <p:nvSpPr>
+          <p:cNvPr id="3" name="Text Box 2"/>
+          <p:cNvSpPr txBox="1"/>
+          <p:nvPr/>
+        </p:nvSpPr>
+        <p:spPr>
+          <a:xfrm>
+            <a:off x="319405" y="1685290"/>
+            <a:ext cx="5699125" cy="1845310"/>
+          </a:xfrm>
+          <a:prstGeom prst="rect">
+            <a:avLst/>
+          </a:prstGeom>
+          <a:noFill/>
+        </p:spPr>
+        <p:txBody>
+          <a:bodyPr wrap="square" rtlCol="0">
+            <a:spAutoFit/>
+          </a:bodyPr>
+          <a:p>
+            <a:r>
+              <a:rPr lang="en-US" b="1">
+                <a:solidFill>
+                  <a:srgbClr val="C00000"/>
+                </a:solidFill>
+              </a:rPr>
+              <a:t>5. Customizing Graphs</a:t>
+            </a:r>
+            <a:endParaRPr lang="en-US" b="1">
+              <a:solidFill>
+                <a:srgbClr val="C00000"/>
+              </a:solidFill>
+            </a:endParaRPr>
+          </a:p>
+          <a:p>
+            <a:r>
+              <a:rPr lang="en-US" sz="1600"/>
+              <a:t>Customization Options:</a:t>
+            </a:r>
+            <a:endParaRPr lang="en-US" sz="1600"/>
+          </a:p>
+          <a:p>
+            <a:pPr marL="742950" lvl="1" indent="-285750">
+              <a:buFont typeface="Arial" panose="020B0604020202020204" pitchFamily="34" charset="0"/>
+              <a:buChar char="•"/>
+            </a:pPr>
+            <a:r>
+              <a:rPr lang="en-US" sz="1600"/>
+              <a:t>Chart Design Tab: Modify colors, styles, and layout.</a:t>
+            </a:r>
+            <a:endParaRPr lang="en-US" sz="1600"/>
+          </a:p>
+          <a:p>
+            <a:pPr marL="742950" lvl="1" indent="-285750">
+              <a:buFont typeface="Arial" panose="020B0604020202020204" pitchFamily="34" charset="0"/>
+              <a:buChar char="•"/>
+            </a:pPr>
+            <a:r>
+              <a:rPr lang="en-US" sz="1600"/>
+              <a:t>Format Axis: Adjust scales and label formats.</a:t>
+            </a:r>
+            <a:endParaRPr lang="en-US" sz="1600"/>
+          </a:p>
+          <a:p>
+            <a:pPr marL="742950" lvl="1" indent="-285750">
+              <a:buFont typeface="Arial" panose="020B0604020202020204" pitchFamily="34" charset="0"/>
+              <a:buChar char="•"/>
+            </a:pPr>
+            <a:r>
+              <a:rPr lang="en-US" sz="1600"/>
+              <a:t>Legend and Data Labels: Add or reposition for clarity.</a:t>
+            </a:r>
+            <a:endParaRPr lang="en-US" sz="1600"/>
+          </a:p>
+          <a:p>
+            <a:pPr marL="742950" lvl="1" indent="-285750">
+              <a:buFont typeface="Arial" panose="020B0604020202020204" pitchFamily="34" charset="0"/>
+              <a:buChar char="•"/>
+            </a:pPr>
+            <a:r>
+              <a:rPr lang="en-US" sz="1600"/>
+              <a:t>Themes: Apply Excel themes for a consistent look.</a:t>
+            </a:r>
+            <a:endParaRPr lang="en-US" sz="1600"/>
+          </a:p>
+          <a:p>
+            <a:r>
+              <a:rPr lang="en-US" sz="1600"/>
+              <a:t>Activity: Customize a chart’s appearance to improve readability.</a:t>
+            </a:r>
+            <a:endParaRPr lang="en-US" sz="1600"/>
+          </a:p>
+        </p:txBody>
+      </p:sp>
+      <p:sp>
+        <p:nvSpPr>
+          <p:cNvPr id="4" name="Text Box 3"/>
+          <p:cNvSpPr txBox="1"/>
+          <p:nvPr/>
+        </p:nvSpPr>
+        <p:spPr>
+          <a:xfrm>
+            <a:off x="387985" y="4072890"/>
+            <a:ext cx="5708015" cy="1363980"/>
+          </a:xfrm>
+          <a:prstGeom prst="rect">
+            <a:avLst/>
+          </a:prstGeom>
+        </p:spPr>
+        <p:txBody>
+          <a:bodyPr wrap="square">
+            <a:spAutoFit/>
+          </a:bodyPr>
+          <a:p>
+            <a:pPr>
+              <a:spcAft>
+                <a:spcPct val="60000"/>
+              </a:spcAft>
+            </a:pPr>
+            <a:r>
+              <a:rPr sz="1600" b="1">
+                <a:solidFill>
+                  <a:srgbClr val="C00000"/>
+                </a:solidFill>
+                <a:latin typeface="Arial" panose="020B0604020202020204" pitchFamily="34" charset="0"/>
+                <a:cs typeface="Arial" panose="020B0604020202020204" pitchFamily="34" charset="0"/>
+              </a:rPr>
+              <a:t>6. Using Graph Templates</a:t>
+            </a:r>
+            <a:endParaRPr sz="1600" b="1">
+              <a:solidFill>
+                <a:srgbClr val="C00000"/>
+              </a:solidFill>
+              <a:latin typeface="Arial" panose="020B0604020202020204" pitchFamily="34" charset="0"/>
+              <a:cs typeface="Arial" panose="020B0604020202020204" pitchFamily="34" charset="0"/>
+            </a:endParaRPr>
+          </a:p>
+          <a:p>
+            <a:pPr>
+              <a:buFont typeface="Arial" panose="020B0604020202020204"/>
+              <a:buChar char="•"/>
+            </a:pPr>
+            <a:r>
+              <a:rPr sz="1400">
+                <a:latin typeface="Arial" panose="020B0604020202020204" pitchFamily="34" charset="0"/>
+                <a:cs typeface="Arial" panose="020B0604020202020204" pitchFamily="34" charset="0"/>
+              </a:rPr>
+              <a:t>Purpose: Graph templates allow saving and reusing custom chart designs.</a:t>
+            </a:r>
+            <a:endParaRPr sz="1400">
+              <a:latin typeface="Arial" panose="020B0604020202020204" pitchFamily="34" charset="0"/>
+              <a:cs typeface="Arial" panose="020B0604020202020204" pitchFamily="34" charset="0"/>
+            </a:endParaRPr>
+          </a:p>
+          <a:p>
+            <a:pPr>
+              <a:buFont typeface="Arial" panose="020B0604020202020204"/>
+              <a:buChar char="•"/>
+            </a:pPr>
+            <a:r>
+              <a:rPr sz="1400">
+                <a:latin typeface="Arial" panose="020B0604020202020204" pitchFamily="34" charset="0"/>
+                <a:cs typeface="Arial" panose="020B0604020202020204" pitchFamily="34" charset="0"/>
+              </a:rPr>
+              <a:t>How to Create a Template:</a:t>
+            </a:r>
+            <a:endParaRPr sz="1400">
+              <a:latin typeface="Arial" panose="020B0604020202020204" pitchFamily="34" charset="0"/>
+              <a:cs typeface="Arial" panose="020B0604020202020204" pitchFamily="34" charset="0"/>
+            </a:endParaRPr>
+          </a:p>
+          <a:p>
+            <a:pPr>
+              <a:buFont typeface="Arial" panose="020B0604020202020204"/>
+              <a:buChar char="•"/>
+            </a:pPr>
+            <a:r>
+              <a:rPr sz="1400">
+                <a:latin typeface="Arial" panose="020B0604020202020204" pitchFamily="34" charset="0"/>
+                <a:cs typeface="Arial" panose="020B0604020202020204" pitchFamily="34" charset="0"/>
+              </a:rPr>
+              <a:t>Activity: Create a custom chart template and apply it to a new chart.</a:t>
+            </a:r>
+            <a:endParaRPr sz="1400">
+              <a:latin typeface="Arial" panose="020B0604020202020204" pitchFamily="34" charset="0"/>
+              <a:cs typeface="Arial" panose="020B0604020202020204" pitchFamily="34" charset="0"/>
+            </a:endParaRPr>
+          </a:p>
+        </p:txBody>
+      </p:sp>
+      <p:sp>
+        <p:nvSpPr>
+          <p:cNvPr id="5" name="Text Box 4"/>
+          <p:cNvSpPr txBox="1"/>
+          <p:nvPr/>
+        </p:nvSpPr>
+        <p:spPr>
+          <a:xfrm>
+            <a:off x="6096000" y="103505"/>
+            <a:ext cx="6096000" cy="2738120"/>
+          </a:xfrm>
+          <a:prstGeom prst="rect">
+            <a:avLst/>
+          </a:prstGeom>
+          <a:noFill/>
+        </p:spPr>
+        <p:txBody>
+          <a:bodyPr wrap="square" rtlCol="0">
+            <a:spAutoFit/>
+          </a:bodyPr>
+          <a:p>
+            <a:r>
+              <a:rPr lang="en-US" b="1">
+                <a:solidFill>
+                  <a:srgbClr val="C00000"/>
+                </a:solidFill>
+                <a:latin typeface="Arial" panose="020B0604020202020204" pitchFamily="34" charset="0"/>
+                <a:cs typeface="Arial" panose="020B0604020202020204" pitchFamily="34" charset="0"/>
+              </a:rPr>
+              <a:t>7. Sparklines</a:t>
+            </a:r>
+            <a:endParaRPr lang="en-US" b="1">
+              <a:solidFill>
+                <a:srgbClr val="C00000"/>
+              </a:solidFill>
+              <a:latin typeface="Arial" panose="020B0604020202020204" pitchFamily="34" charset="0"/>
+              <a:cs typeface="Arial" panose="020B0604020202020204" pitchFamily="34" charset="0"/>
+            </a:endParaRPr>
+          </a:p>
+          <a:p>
+            <a:r>
+              <a:rPr lang="en-US" sz="1400">
+                <a:latin typeface="Arial" panose="020B0604020202020204" pitchFamily="34" charset="0"/>
+                <a:cs typeface="Arial" panose="020B0604020202020204" pitchFamily="34" charset="0"/>
+              </a:rPr>
+              <a:t>Definition: Sparklines are small, in-cell charts that show trends in a row of data.</a:t>
+            </a:r>
+            <a:endParaRPr lang="en-US" sz="1400">
+              <a:latin typeface="Arial" panose="020B0604020202020204" pitchFamily="34" charset="0"/>
+              <a:cs typeface="Arial" panose="020B0604020202020204" pitchFamily="34" charset="0"/>
+            </a:endParaRPr>
+          </a:p>
+          <a:p>
+            <a:endParaRPr lang="en-US" sz="1400" b="1">
+              <a:latin typeface="Arial" panose="020B0604020202020204" pitchFamily="34" charset="0"/>
+              <a:cs typeface="Arial" panose="020B0604020202020204" pitchFamily="34" charset="0"/>
+            </a:endParaRPr>
+          </a:p>
+          <a:p>
+            <a:r>
+              <a:rPr lang="en-US" sz="1400" b="1">
+                <a:latin typeface="Arial" panose="020B0604020202020204" pitchFamily="34" charset="0"/>
+                <a:cs typeface="Arial" panose="020B0604020202020204" pitchFamily="34" charset="0"/>
+              </a:rPr>
+              <a:t>Types:</a:t>
+            </a:r>
+            <a:endParaRPr lang="en-US" sz="1400">
+              <a:latin typeface="Arial" panose="020B0604020202020204" pitchFamily="34" charset="0"/>
+              <a:cs typeface="Arial" panose="020B0604020202020204" pitchFamily="34" charset="0"/>
+            </a:endParaRPr>
+          </a:p>
+          <a:p>
+            <a:r>
+              <a:rPr lang="en-US" sz="1400">
+                <a:latin typeface="Arial" panose="020B0604020202020204" pitchFamily="34" charset="0"/>
+                <a:cs typeface="Arial" panose="020B0604020202020204" pitchFamily="34" charset="0"/>
+              </a:rPr>
+              <a:t>Line: Shows trends over time.</a:t>
+            </a:r>
+            <a:endParaRPr lang="en-US" sz="1400">
+              <a:latin typeface="Arial" panose="020B0604020202020204" pitchFamily="34" charset="0"/>
+              <a:cs typeface="Arial" panose="020B0604020202020204" pitchFamily="34" charset="0"/>
+            </a:endParaRPr>
+          </a:p>
+          <a:p>
+            <a:r>
+              <a:rPr lang="en-US" sz="1400">
+                <a:latin typeface="Arial" panose="020B0604020202020204" pitchFamily="34" charset="0"/>
+                <a:cs typeface="Arial" panose="020B0604020202020204" pitchFamily="34" charset="0"/>
+              </a:rPr>
+              <a:t>Column: Visualizes values as bars.</a:t>
+            </a:r>
+            <a:endParaRPr lang="en-US" sz="1400">
+              <a:latin typeface="Arial" panose="020B0604020202020204" pitchFamily="34" charset="0"/>
+              <a:cs typeface="Arial" panose="020B0604020202020204" pitchFamily="34" charset="0"/>
+            </a:endParaRPr>
+          </a:p>
+          <a:p>
+            <a:r>
+              <a:rPr lang="en-US" sz="1400">
+                <a:latin typeface="Arial" panose="020B0604020202020204" pitchFamily="34" charset="0"/>
+                <a:cs typeface="Arial" panose="020B0604020202020204" pitchFamily="34" charset="0"/>
+              </a:rPr>
+              <a:t>Win/Loss: Highlights positive and negative values.</a:t>
+            </a:r>
+            <a:endParaRPr lang="en-US" sz="1400">
+              <a:latin typeface="Arial" panose="020B0604020202020204" pitchFamily="34" charset="0"/>
+              <a:cs typeface="Arial" panose="020B0604020202020204" pitchFamily="34" charset="0"/>
+            </a:endParaRPr>
+          </a:p>
+          <a:p>
+            <a:r>
+              <a:rPr lang="en-US" sz="1400">
+                <a:latin typeface="Arial" panose="020B0604020202020204" pitchFamily="34" charset="0"/>
+                <a:cs typeface="Arial" panose="020B0604020202020204" pitchFamily="34" charset="0"/>
+              </a:rPr>
+              <a:t>Steps to Insert:</a:t>
+            </a:r>
+            <a:endParaRPr lang="en-US" sz="1400">
+              <a:latin typeface="Arial" panose="020B0604020202020204" pitchFamily="34" charset="0"/>
+              <a:cs typeface="Arial" panose="020B0604020202020204" pitchFamily="34" charset="0"/>
+            </a:endParaRPr>
+          </a:p>
+          <a:p>
+            <a:endParaRPr lang="en-US" sz="1400">
+              <a:latin typeface="Arial" panose="020B0604020202020204" pitchFamily="34" charset="0"/>
+              <a:cs typeface="Arial" panose="020B0604020202020204" pitchFamily="34" charset="0"/>
+            </a:endParaRPr>
+          </a:p>
+          <a:p>
+            <a:r>
+              <a:rPr lang="en-US" sz="1400">
+                <a:latin typeface="Arial" panose="020B0604020202020204" pitchFamily="34" charset="0"/>
+                <a:cs typeface="Arial" panose="020B0604020202020204" pitchFamily="34" charset="0"/>
+              </a:rPr>
+              <a:t>Go to Insert &gt; Sparklines and select the data range.</a:t>
+            </a:r>
+            <a:endParaRPr lang="en-US" sz="1400">
+              <a:latin typeface="Arial" panose="020B0604020202020204" pitchFamily="34" charset="0"/>
+              <a:cs typeface="Arial" panose="020B0604020202020204" pitchFamily="34" charset="0"/>
+            </a:endParaRPr>
+          </a:p>
+          <a:p>
+            <a:r>
+              <a:rPr lang="en-US" sz="1400">
+                <a:latin typeface="Arial" panose="020B0604020202020204" pitchFamily="34" charset="0"/>
+                <a:cs typeface="Arial" panose="020B0604020202020204" pitchFamily="34" charset="0"/>
+              </a:rPr>
+              <a:t>Activity: Insert sparklines in a table to show monthly sales trends.</a:t>
+            </a:r>
+            <a:endParaRPr lang="en-US" sz="1400">
+              <a:latin typeface="Arial" panose="020B0604020202020204" pitchFamily="34" charset="0"/>
+              <a:cs typeface="Arial" panose="020B0604020202020204" pitchFamily="34" charset="0"/>
+            </a:endParaRPr>
+          </a:p>
+        </p:txBody>
+      </p:sp>
+      <p:sp>
+        <p:nvSpPr>
+          <p:cNvPr id="6" name="Text Box 5"/>
+          <p:cNvSpPr txBox="1"/>
+          <p:nvPr/>
+        </p:nvSpPr>
+        <p:spPr>
+          <a:xfrm>
+            <a:off x="6018530" y="2973070"/>
+            <a:ext cx="6002020" cy="2953385"/>
+          </a:xfrm>
+          <a:prstGeom prst="rect">
+            <a:avLst/>
+          </a:prstGeom>
+          <a:noFill/>
+        </p:spPr>
+        <p:txBody>
+          <a:bodyPr wrap="square" rtlCol="0">
+            <a:spAutoFit/>
+          </a:bodyPr>
+          <a:p>
+            <a:r>
+              <a:rPr lang="en-US" sz="1600" b="1">
+                <a:solidFill>
+                  <a:srgbClr val="C00000"/>
+                </a:solidFill>
+                <a:latin typeface="Arial" panose="020B0604020202020204" pitchFamily="34" charset="0"/>
+                <a:cs typeface="Arial" panose="020B0604020202020204" pitchFamily="34" charset="0"/>
+              </a:rPr>
+              <a:t>8. Trendlines and Forecast Sheet</a:t>
+            </a:r>
+            <a:endParaRPr lang="en-US" sz="1600" b="1">
+              <a:solidFill>
+                <a:srgbClr val="C00000"/>
+              </a:solidFill>
+              <a:latin typeface="Arial" panose="020B0604020202020204" pitchFamily="34" charset="0"/>
+              <a:cs typeface="Arial" panose="020B0604020202020204" pitchFamily="34" charset="0"/>
+            </a:endParaRPr>
+          </a:p>
+          <a:p>
+            <a:r>
+              <a:rPr lang="en-US" sz="1600" b="1">
+                <a:solidFill>
+                  <a:srgbClr val="C00000"/>
+                </a:solidFill>
+                <a:latin typeface="Arial" panose="020B0604020202020204" pitchFamily="34" charset="0"/>
+                <a:cs typeface="Arial" panose="020B0604020202020204" pitchFamily="34" charset="0"/>
+              </a:rPr>
+              <a:t>Trendlines:</a:t>
+            </a:r>
+            <a:endParaRPr lang="en-US" sz="1600" b="1">
+              <a:solidFill>
+                <a:srgbClr val="C00000"/>
+              </a:solidFill>
+              <a:latin typeface="Arial" panose="020B0604020202020204" pitchFamily="34" charset="0"/>
+              <a:cs typeface="Arial" panose="020B0604020202020204" pitchFamily="34" charset="0"/>
+            </a:endParaRPr>
+          </a:p>
+          <a:p>
+            <a:endParaRPr lang="en-US" sz="1400">
+              <a:latin typeface="Arial" panose="020B0604020202020204" pitchFamily="34" charset="0"/>
+              <a:cs typeface="Arial" panose="020B0604020202020204" pitchFamily="34" charset="0"/>
+            </a:endParaRPr>
+          </a:p>
+          <a:p>
+            <a:r>
+              <a:rPr lang="en-US" sz="1400">
+                <a:latin typeface="Arial" panose="020B0604020202020204" pitchFamily="34" charset="0"/>
+                <a:cs typeface="Arial" panose="020B0604020202020204" pitchFamily="34" charset="0"/>
+              </a:rPr>
+              <a:t>Purpose: Show data trends over time.</a:t>
+            </a:r>
+            <a:endParaRPr lang="en-US" sz="1400">
+              <a:latin typeface="Arial" panose="020B0604020202020204" pitchFamily="34" charset="0"/>
+              <a:cs typeface="Arial" panose="020B0604020202020204" pitchFamily="34" charset="0"/>
+            </a:endParaRPr>
+          </a:p>
+          <a:p>
+            <a:r>
+              <a:rPr lang="en-US" sz="1400">
+                <a:latin typeface="Arial" panose="020B0604020202020204" pitchFamily="34" charset="0"/>
+                <a:cs typeface="Arial" panose="020B0604020202020204" pitchFamily="34" charset="0"/>
+              </a:rPr>
+              <a:t>How to Add: Select the chart &gt; Chart Elements &gt; Trendline.</a:t>
+            </a:r>
+            <a:endParaRPr lang="en-US" sz="1400">
+              <a:latin typeface="Arial" panose="020B0604020202020204" pitchFamily="34" charset="0"/>
+              <a:cs typeface="Arial" panose="020B0604020202020204" pitchFamily="34" charset="0"/>
+            </a:endParaRPr>
+          </a:p>
+          <a:p>
+            <a:r>
+              <a:rPr lang="en-US" sz="1400">
+                <a:latin typeface="Arial" panose="020B0604020202020204" pitchFamily="34" charset="0"/>
+                <a:cs typeface="Arial" panose="020B0604020202020204" pitchFamily="34" charset="0"/>
+              </a:rPr>
+              <a:t>Types: Linear, exponential, moving average.</a:t>
+            </a:r>
+            <a:endParaRPr lang="en-US" sz="1400">
+              <a:latin typeface="Arial" panose="020B0604020202020204" pitchFamily="34" charset="0"/>
+              <a:cs typeface="Arial" panose="020B0604020202020204" pitchFamily="34" charset="0"/>
+            </a:endParaRPr>
+          </a:p>
+          <a:p>
+            <a:r>
+              <a:rPr lang="en-US" sz="1400">
+                <a:latin typeface="Arial" panose="020B0604020202020204" pitchFamily="34" charset="0"/>
+                <a:cs typeface="Arial" panose="020B0604020202020204" pitchFamily="34" charset="0"/>
+              </a:rPr>
+              <a:t>Forecast Sheets:</a:t>
+            </a:r>
+            <a:endParaRPr lang="en-US" sz="1400">
+              <a:latin typeface="Arial" panose="020B0604020202020204" pitchFamily="34" charset="0"/>
+              <a:cs typeface="Arial" panose="020B0604020202020204" pitchFamily="34" charset="0"/>
+            </a:endParaRPr>
+          </a:p>
+          <a:p>
+            <a:endParaRPr lang="en-US" sz="1400">
+              <a:latin typeface="Arial" panose="020B0604020202020204" pitchFamily="34" charset="0"/>
+              <a:cs typeface="Arial" panose="020B0604020202020204" pitchFamily="34" charset="0"/>
+            </a:endParaRPr>
+          </a:p>
+          <a:p>
+            <a:r>
+              <a:rPr lang="en-US" sz="1400">
+                <a:latin typeface="Arial" panose="020B0604020202020204" pitchFamily="34" charset="0"/>
+                <a:cs typeface="Arial" panose="020B0604020202020204" pitchFamily="34" charset="0"/>
+              </a:rPr>
+              <a:t>Purpose: Projects future data based on historical trends.</a:t>
+            </a:r>
+            <a:endParaRPr lang="en-US" sz="1400">
+              <a:latin typeface="Arial" panose="020B0604020202020204" pitchFamily="34" charset="0"/>
+              <a:cs typeface="Arial" panose="020B0604020202020204" pitchFamily="34" charset="0"/>
+            </a:endParaRPr>
+          </a:p>
+          <a:p>
+            <a:r>
+              <a:rPr lang="en-US" sz="1400">
+                <a:latin typeface="Arial" panose="020B0604020202020204" pitchFamily="34" charset="0"/>
+                <a:cs typeface="Arial" panose="020B0604020202020204" pitchFamily="34" charset="0"/>
+              </a:rPr>
+              <a:t>How to Create:</a:t>
+            </a:r>
+            <a:endParaRPr lang="en-US" sz="1400">
+              <a:latin typeface="Arial" panose="020B0604020202020204" pitchFamily="34" charset="0"/>
+              <a:cs typeface="Arial" panose="020B0604020202020204" pitchFamily="34" charset="0"/>
+            </a:endParaRPr>
+          </a:p>
+          <a:p>
+            <a:r>
+              <a:rPr lang="en-US" sz="1400">
+                <a:latin typeface="Arial" panose="020B0604020202020204" pitchFamily="34" charset="0"/>
+                <a:cs typeface="Arial" panose="020B0604020202020204" pitchFamily="34" charset="0"/>
+              </a:rPr>
+              <a:t>Go to Data &gt; Forecast Sheet and select forecast settings.</a:t>
+            </a:r>
+            <a:endParaRPr lang="en-US" sz="1400">
+              <a:latin typeface="Arial" panose="020B0604020202020204" pitchFamily="34" charset="0"/>
+              <a:cs typeface="Arial" panose="020B0604020202020204" pitchFamily="34" charset="0"/>
+            </a:endParaRPr>
+          </a:p>
+          <a:p>
+            <a:r>
+              <a:rPr lang="en-US" sz="1400">
+                <a:latin typeface="Arial" panose="020B0604020202020204" pitchFamily="34" charset="0"/>
+                <a:cs typeface="Arial" panose="020B0604020202020204" pitchFamily="34" charset="0"/>
+              </a:rPr>
+              <a:t>Activity: Add a trendline to a chart and create a forecast sheet for the next 12 months.</a:t>
+            </a:r>
+            <a:endParaRPr lang="en-US" sz="1400">
+              <a:latin typeface="Arial" panose="020B0604020202020204" pitchFamily="34" charset="0"/>
+              <a:cs typeface="Arial" panose="020B0604020202020204" pitchFamily="34" charset="0"/>
+            </a:endParaRPr>
+          </a:p>
+        </p:txBody>
+      </p:sp>
+    </p:spTree>
+  </p:cSld>
+  <p:clrMapOvr>
+    <a:masterClrMapping/>
+  </p:clrMapOvr>
+</p:sld>
+</file>
+
+<file path=ppt/slides/slide31.xml><?xml version="1.0" encoding="utf-8"?>
+<p:sld xmlns:a="http://schemas.openxmlformats.org/drawingml/2006/main" xmlns:r="http://schemas.openxmlformats.org/officeDocument/2006/relationships" xmlns:p="http://schemas.openxmlformats.org/presentationml/2006/main">
+  <p:cSld>
+    <p:spTree>
+      <p:nvGrpSpPr>
+        <p:cNvPr id="1" name=""/>
+        <p:cNvGrpSpPr/>
+        <p:nvPr/>
+      </p:nvGrpSpPr>
+      <p:grpSpPr>
+        <a:xfrm>
+          <a:off x="0" y="0"/>
+          <a:ext cx="0" cy="0"/>
+          <a:chOff x="0" y="0"/>
+          <a:chExt cx="0" cy="0"/>
+        </a:xfrm>
+      </p:grpSpPr>
+      <p:sp>
+        <p:nvSpPr>
+          <p:cNvPr id="3" name="TextBox 2"/>
+          <p:cNvSpPr txBox="1"/>
+          <p:nvPr/>
+        </p:nvSpPr>
+        <p:spPr>
+          <a:xfrm>
+            <a:off x="194503" y="123528"/>
+            <a:ext cx="6097656" cy="1753235"/>
+          </a:xfrm>
+          <a:prstGeom prst="rect">
+            <a:avLst/>
+          </a:prstGeom>
+          <a:noFill/>
+        </p:spPr>
+        <p:txBody>
+          <a:bodyPr wrap="square">
+            <a:spAutoFit/>
+          </a:bodyPr>
+          <a:lstStyle/>
+          <a:p>
+            <a:pPr>
+              <a:spcBef>
+                <a:spcPts val="0"/>
+              </a:spcBef>
+              <a:spcAft>
+                <a:spcPts val="0"/>
+              </a:spcAft>
+            </a:pPr>
+            <a:r>
+              <a:rPr lang="en-US" sz="3600" b="0" u="sng" dirty="0">
+                <a:solidFill>
+                  <a:srgbClr val="1E88E5"/>
+                </a:solidFill>
+                <a:effectLst/>
+                <a:latin typeface="Arial" panose="020B0604020202020204" pitchFamily="34" charset="0"/>
+                <a:ea typeface="Times New Roman" panose="02020603050405020304" pitchFamily="18" charset="0"/>
+                <a:hlinkClick r:id="rId1"/>
+              </a:rPr>
+              <a:t>What-if Analysis</a:t>
+            </a:r>
+            <a:endParaRPr lang="en-US" sz="3200" b="1" dirty="0">
+              <a:effectLst/>
+              <a:latin typeface="Times New Roman" panose="02020603050405020304" pitchFamily="18" charset="0"/>
+            </a:endParaRPr>
+          </a:p>
+          <a:p>
+            <a:pPr>
+              <a:spcBef>
+                <a:spcPts val="0"/>
+              </a:spcBef>
+              <a:spcAft>
+                <a:spcPts val="0"/>
+              </a:spcAft>
+            </a:pPr>
+            <a:r>
+              <a:rPr lang="en-US" sz="1800" dirty="0">
+                <a:solidFill>
+                  <a:srgbClr val="333333"/>
+                </a:solidFill>
+                <a:effectLst/>
+                <a:latin typeface="Arial" panose="020B0604020202020204" pitchFamily="34" charset="0"/>
+                <a:ea typeface="Times New Roman" panose="02020603050405020304" pitchFamily="18" charset="0"/>
+              </a:rPr>
+              <a:t> </a:t>
+            </a:r>
+            <a:r>
+              <a:rPr lang="en-US" sz="1800" u="sng" dirty="0">
+                <a:solidFill>
+                  <a:srgbClr val="1155CC"/>
+                </a:solidFill>
+                <a:effectLst/>
+                <a:latin typeface="Arial" panose="020B0604020202020204" pitchFamily="34" charset="0"/>
+                <a:ea typeface="Times New Roman" panose="02020603050405020304" pitchFamily="18" charset="0"/>
+                <a:hlinkClick r:id="rId2"/>
+              </a:rPr>
+              <a:t>Scenario Manager</a:t>
+            </a:r>
+            <a:endParaRPr lang="en-US" sz="2800" dirty="0">
+              <a:effectLst/>
+              <a:latin typeface="Times New Roman" panose="02020603050405020304" pitchFamily="18" charset="0"/>
+            </a:endParaRPr>
+          </a:p>
+          <a:p>
+            <a:pPr>
+              <a:spcBef>
+                <a:spcPts val="0"/>
+              </a:spcBef>
+              <a:spcAft>
+                <a:spcPts val="0"/>
+              </a:spcAft>
+            </a:pPr>
+            <a:r>
+              <a:rPr lang="en-US" sz="1800" u="sng" dirty="0">
+                <a:solidFill>
+                  <a:srgbClr val="1155CC"/>
+                </a:solidFill>
+                <a:effectLst/>
+                <a:latin typeface="Arial" panose="020B0604020202020204" pitchFamily="34" charset="0"/>
+                <a:ea typeface="Times New Roman" panose="02020603050405020304" pitchFamily="18" charset="0"/>
+                <a:hlinkClick r:id="rId3"/>
+              </a:rPr>
+              <a:t>Goal Seek</a:t>
+            </a:r>
+            <a:r>
+              <a:rPr lang="en-US" sz="1800" dirty="0">
+                <a:solidFill>
+                  <a:srgbClr val="333333"/>
+                </a:solidFill>
+                <a:effectLst/>
+                <a:latin typeface="Arial" panose="020B0604020202020204" pitchFamily="34" charset="0"/>
+                <a:ea typeface="Times New Roman" panose="02020603050405020304" pitchFamily="18" charset="0"/>
+              </a:rPr>
+              <a:t> </a:t>
+            </a:r>
+            <a:endParaRPr lang="en-US" sz="2800" dirty="0">
+              <a:effectLst/>
+              <a:latin typeface="Times New Roman" panose="02020603050405020304" pitchFamily="18" charset="0"/>
+            </a:endParaRPr>
+          </a:p>
+          <a:p>
+            <a:pPr>
+              <a:spcBef>
+                <a:spcPts val="0"/>
+              </a:spcBef>
+              <a:spcAft>
+                <a:spcPts val="0"/>
+              </a:spcAft>
+            </a:pPr>
+            <a:r>
+              <a:rPr lang="en-US" sz="1800" u="sng" dirty="0">
+                <a:solidFill>
+                  <a:srgbClr val="1155CC"/>
+                </a:solidFill>
+                <a:effectLst/>
+                <a:latin typeface="Arial" panose="020B0604020202020204" pitchFamily="34" charset="0"/>
+                <a:ea typeface="Times New Roman" panose="02020603050405020304" pitchFamily="18" charset="0"/>
+                <a:hlinkClick r:id="rId4"/>
+              </a:rPr>
+              <a:t>Data Table</a:t>
+            </a:r>
+            <a:r>
+              <a:rPr lang="en-US" sz="1800" dirty="0">
+                <a:solidFill>
+                  <a:srgbClr val="333333"/>
+                </a:solidFill>
+                <a:effectLst/>
+                <a:latin typeface="Arial" panose="020B0604020202020204" pitchFamily="34" charset="0"/>
+                <a:ea typeface="Times New Roman" panose="02020603050405020304" pitchFamily="18" charset="0"/>
+              </a:rPr>
+              <a:t> </a:t>
+            </a:r>
+            <a:endParaRPr lang="en-US" sz="2800" dirty="0">
+              <a:effectLst/>
+              <a:latin typeface="Times New Roman" panose="02020603050405020304" pitchFamily="18" charset="0"/>
+            </a:endParaRPr>
+          </a:p>
+          <a:p>
+            <a:pPr>
+              <a:spcBef>
+                <a:spcPts val="0"/>
+              </a:spcBef>
+              <a:spcAft>
+                <a:spcPts val="0"/>
+              </a:spcAft>
+            </a:pPr>
+            <a:r>
+              <a:rPr lang="en-US" sz="1800" u="sng" dirty="0">
+                <a:solidFill>
+                  <a:srgbClr val="1155CC"/>
+                </a:solidFill>
+                <a:effectLst/>
+                <a:latin typeface="Arial" panose="020B0604020202020204" pitchFamily="34" charset="0"/>
+                <a:ea typeface="Times New Roman" panose="02020603050405020304" pitchFamily="18" charset="0"/>
+                <a:hlinkClick r:id="rId5"/>
+              </a:rPr>
+              <a:t>Solver Too</a:t>
+            </a:r>
+            <a:r>
+              <a:rPr lang="en-US" sz="1800" dirty="0">
+                <a:solidFill>
+                  <a:srgbClr val="333333"/>
+                </a:solidFill>
+                <a:effectLst/>
+                <a:latin typeface="Arial" panose="020B0604020202020204" pitchFamily="34" charset="0"/>
+                <a:ea typeface="Times New Roman" panose="02020603050405020304" pitchFamily="18" charset="0"/>
+              </a:rPr>
+              <a:t> </a:t>
+            </a:r>
+            <a:endParaRPr lang="en-US" sz="2800" dirty="0">
+              <a:effectLst/>
+              <a:latin typeface="Times New Roman" panose="02020603050405020304" pitchFamily="18" charset="0"/>
+            </a:endParaRPr>
+          </a:p>
+        </p:txBody>
+      </p:sp>
+      <p:sp>
+        <p:nvSpPr>
+          <p:cNvPr id="2" name="Text Box 1"/>
+          <p:cNvSpPr txBox="1"/>
+          <p:nvPr/>
+        </p:nvSpPr>
+        <p:spPr>
+          <a:xfrm>
+            <a:off x="308610" y="5994400"/>
+            <a:ext cx="11595100" cy="368300"/>
+          </a:xfrm>
+          <a:prstGeom prst="rect">
+            <a:avLst/>
+          </a:prstGeom>
+          <a:noFill/>
+        </p:spPr>
+        <p:txBody>
+          <a:bodyPr wrap="square" rtlCol="0" anchor="t">
+            <a:spAutoFit/>
+          </a:bodyPr>
+          <a:p>
+            <a:r>
+              <a:rPr lang="en-US"/>
+              <a:t>https://www.geeksforgeeks.org/what-if-analysis-with-data-tables-in-excel/</a:t>
+            </a:r>
+            <a:endParaRPr lang="en-US"/>
+          </a:p>
+        </p:txBody>
+      </p:sp>
+      <p:pic>
+        <p:nvPicPr>
+          <p:cNvPr id="4" name="Picture 3"/>
+          <p:cNvPicPr/>
+          <p:nvPr/>
+        </p:nvPicPr>
+        <p:blipFill>
+          <a:blip r:embed="rId6"/>
+          <a:stretch>
+            <a:fillRect/>
+          </a:stretch>
+        </p:blipFill>
+        <p:spPr>
+          <a:xfrm>
+            <a:off x="308610" y="1876743"/>
+            <a:ext cx="6286500" cy="1495425"/>
+          </a:xfrm>
+          <a:prstGeom prst="rect">
+            <a:avLst/>
+          </a:prstGeom>
+        </p:spPr>
+      </p:pic>
+      <p:pic>
+        <p:nvPicPr>
+          <p:cNvPr id="5" name="Picture 4"/>
+          <p:cNvPicPr/>
+          <p:nvPr/>
+        </p:nvPicPr>
+        <p:blipFill>
+          <a:blip r:embed="rId7"/>
+          <a:stretch>
+            <a:fillRect/>
+          </a:stretch>
+        </p:blipFill>
+        <p:spPr>
+          <a:xfrm>
+            <a:off x="308610" y="3595053"/>
+            <a:ext cx="6286500" cy="962024"/>
+          </a:xfrm>
+          <a:prstGeom prst="rect">
+            <a:avLst/>
+          </a:prstGeom>
+        </p:spPr>
+      </p:pic>
+      <p:pic>
+        <p:nvPicPr>
+          <p:cNvPr id="6" name="Picture 5"/>
+          <p:cNvPicPr/>
+          <p:nvPr/>
+        </p:nvPicPr>
+        <p:blipFill>
+          <a:blip r:embed="rId8"/>
+          <a:srcRect l="11687" t="6441" r="39030" b="15643"/>
+          <a:stretch>
+            <a:fillRect/>
+          </a:stretch>
+        </p:blipFill>
+        <p:spPr>
+          <a:xfrm>
+            <a:off x="4081780" y="4484370"/>
+            <a:ext cx="2419350" cy="1600200"/>
+          </a:xfrm>
+          <a:prstGeom prst="rect">
+            <a:avLst/>
+          </a:prstGeom>
+        </p:spPr>
+      </p:pic>
+      <p:sp>
+        <p:nvSpPr>
+          <p:cNvPr id="7" name="Text Box 6"/>
+          <p:cNvSpPr txBox="1"/>
+          <p:nvPr/>
+        </p:nvSpPr>
+        <p:spPr>
+          <a:xfrm>
+            <a:off x="6595110" y="5716270"/>
+            <a:ext cx="6096000" cy="368300"/>
+          </a:xfrm>
+          <a:prstGeom prst="rect">
+            <a:avLst/>
+          </a:prstGeom>
+          <a:noFill/>
+        </p:spPr>
+        <p:txBody>
+          <a:bodyPr wrap="square" rtlCol="0" anchor="t">
+            <a:spAutoFit/>
+          </a:bodyPr>
+          <a:p>
+            <a:r>
+              <a:rPr lang="en-US"/>
+              <a:t>https://www.youtube.com/watch?v=sS6AMm3ooEM</a:t>
+            </a:r>
+            <a:endParaRPr lang="en-US"/>
+          </a:p>
+        </p:txBody>
+      </p:sp>
+      <p:sp>
+        <p:nvSpPr>
+          <p:cNvPr id="8" name="Text Box 7"/>
+          <p:cNvSpPr txBox="1"/>
+          <p:nvPr/>
+        </p:nvSpPr>
+        <p:spPr>
+          <a:xfrm>
+            <a:off x="6574790" y="5434330"/>
+            <a:ext cx="6096000" cy="368300"/>
+          </a:xfrm>
+          <a:prstGeom prst="rect">
+            <a:avLst/>
+          </a:prstGeom>
+          <a:noFill/>
+        </p:spPr>
+        <p:txBody>
+          <a:bodyPr wrap="square" rtlCol="0" anchor="t">
+            <a:spAutoFit/>
+          </a:bodyPr>
+          <a:p>
+            <a:r>
+              <a:rPr lang="en-US"/>
+              <a:t>https://www.youtube.com/watch?v=SYvjwK3oP1A </a:t>
+            </a:r>
+            <a:r>
+              <a:rPr lang="en-US" b="1">
+                <a:solidFill>
+                  <a:srgbClr val="FF0000"/>
+                </a:solidFill>
+              </a:rPr>
+              <a:t>solver</a:t>
+            </a:r>
+            <a:endParaRPr lang="en-US" b="1">
+              <a:solidFill>
+                <a:srgbClr val="FF0000"/>
+              </a:solidFill>
+            </a:endParaRPr>
+          </a:p>
+        </p:txBody>
+      </p:sp>
+    </p:spTree>
+  </p:cSld>
+  <p:clrMapOvr>
+    <a:masterClrMapping/>
+  </p:clrMapOvr>
+</p:sld>
+</file>
+
+<file path=ppt/slides/slide32.xml><?xml version="1.0" encoding="utf-8"?>
+<p:sld xmlns:a="http://schemas.openxmlformats.org/drawingml/2006/main" xmlns:r="http://schemas.openxmlformats.org/officeDocument/2006/relationships" xmlns:p="http://schemas.openxmlformats.org/presentationml/2006/main">
+  <p:cSld>
+    <p:spTree>
+      <p:nvGrpSpPr>
+        <p:cNvPr id="1" name=""/>
+        <p:cNvGrpSpPr/>
+        <p:nvPr/>
+      </p:nvGrpSpPr>
+      <p:grpSpPr>
+        <a:xfrm>
+          <a:off x="0" y="0"/>
+          <a:ext cx="0" cy="0"/>
+          <a:chOff x="0" y="0"/>
+          <a:chExt cx="0" cy="0"/>
+        </a:xfrm>
+      </p:grpSpPr>
+      <p:sp>
+        <p:nvSpPr>
+          <p:cNvPr id="3" name="TextBox 2"/>
+          <p:cNvSpPr txBox="1"/>
+          <p:nvPr/>
+        </p:nvSpPr>
+        <p:spPr>
+          <a:xfrm>
+            <a:off x="435168" y="270570"/>
+            <a:ext cx="6097656" cy="1753235"/>
+          </a:xfrm>
+          <a:prstGeom prst="rect">
+            <a:avLst/>
+          </a:prstGeom>
+          <a:noFill/>
+        </p:spPr>
+        <p:txBody>
+          <a:bodyPr wrap="square">
+            <a:spAutoFit/>
+          </a:bodyPr>
+          <a:lstStyle/>
+          <a:p>
+            <a:pPr>
+              <a:spcBef>
+                <a:spcPts val="0"/>
+              </a:spcBef>
+              <a:spcAft>
+                <a:spcPts val="0"/>
+              </a:spcAft>
+            </a:pPr>
+            <a:r>
+              <a:rPr lang="en-US" sz="3600" b="0" u="sng" dirty="0">
+                <a:solidFill>
+                  <a:srgbClr val="1E88E5"/>
+                </a:solidFill>
+                <a:effectLst/>
+                <a:latin typeface="Arial" panose="020B0604020202020204" pitchFamily="34" charset="0"/>
+                <a:ea typeface="Times New Roman" panose="02020603050405020304" pitchFamily="18" charset="0"/>
+                <a:hlinkClick r:id="rId1"/>
+              </a:rPr>
+              <a:t>Macros &amp; VBA</a:t>
+            </a:r>
+            <a:endParaRPr lang="en-US" sz="3200" b="1" dirty="0">
+              <a:effectLst/>
+              <a:latin typeface="Times New Roman" panose="02020603050405020304" pitchFamily="18" charset="0"/>
+            </a:endParaRPr>
+          </a:p>
+          <a:p>
+            <a:pPr>
+              <a:spcBef>
+                <a:spcPts val="0"/>
+              </a:spcBef>
+              <a:spcAft>
+                <a:spcPts val="0"/>
+              </a:spcAft>
+            </a:pPr>
+            <a:r>
+              <a:rPr lang="en-US" sz="1800" u="sng" dirty="0">
+                <a:solidFill>
+                  <a:srgbClr val="1155CC"/>
+                </a:solidFill>
+                <a:effectLst/>
+                <a:latin typeface="Arial" panose="020B0604020202020204" pitchFamily="34" charset="0"/>
+                <a:ea typeface="Times New Roman" panose="02020603050405020304" pitchFamily="18" charset="0"/>
+                <a:hlinkClick r:id="rId2"/>
+              </a:rPr>
+              <a:t>Enabling the Developer Tab</a:t>
+            </a:r>
+            <a:endParaRPr lang="en-US" sz="2800" dirty="0">
+              <a:effectLst/>
+              <a:latin typeface="Times New Roman" panose="02020603050405020304" pitchFamily="18" charset="0"/>
+            </a:endParaRPr>
+          </a:p>
+          <a:p>
+            <a:pPr>
+              <a:spcBef>
+                <a:spcPts val="0"/>
+              </a:spcBef>
+              <a:spcAft>
+                <a:spcPts val="0"/>
+              </a:spcAft>
+            </a:pPr>
+            <a:r>
+              <a:rPr lang="en-US" sz="1800" u="sng" dirty="0">
+                <a:solidFill>
+                  <a:srgbClr val="1155CC"/>
+                </a:solidFill>
+                <a:effectLst/>
+                <a:latin typeface="Arial" panose="020B0604020202020204" pitchFamily="34" charset="0"/>
+                <a:ea typeface="Times New Roman" panose="02020603050405020304" pitchFamily="18" charset="0"/>
+                <a:hlinkClick r:id="rId3"/>
+              </a:rPr>
+              <a:t>Recording a Task</a:t>
+            </a:r>
+            <a:r>
+              <a:rPr lang="en-US" sz="1800" dirty="0">
+                <a:solidFill>
+                  <a:srgbClr val="333333"/>
+                </a:solidFill>
+                <a:effectLst/>
+                <a:latin typeface="Arial" panose="020B0604020202020204" pitchFamily="34" charset="0"/>
+                <a:ea typeface="Times New Roman" panose="02020603050405020304" pitchFamily="18" charset="0"/>
+              </a:rPr>
+              <a:t> </a:t>
+            </a:r>
+            <a:endParaRPr lang="en-US" sz="2800" dirty="0">
+              <a:effectLst/>
+              <a:latin typeface="Times New Roman" panose="02020603050405020304" pitchFamily="18" charset="0"/>
+            </a:endParaRPr>
+          </a:p>
+          <a:p>
+            <a:pPr>
+              <a:spcBef>
+                <a:spcPts val="0"/>
+              </a:spcBef>
+              <a:spcAft>
+                <a:spcPts val="0"/>
+              </a:spcAft>
+            </a:pPr>
+            <a:r>
+              <a:rPr lang="en-US" sz="1800" u="sng" dirty="0">
+                <a:solidFill>
+                  <a:srgbClr val="1155CC"/>
+                </a:solidFill>
+                <a:effectLst/>
+                <a:latin typeface="Arial" panose="020B0604020202020204" pitchFamily="34" charset="0"/>
+                <a:ea typeface="Times New Roman" panose="02020603050405020304" pitchFamily="18" charset="0"/>
+                <a:hlinkClick r:id="rId4"/>
+              </a:rPr>
+              <a:t>Executing and Deleting a Recorded Task</a:t>
+            </a:r>
+            <a:r>
+              <a:rPr lang="en-US" sz="1800" dirty="0">
+                <a:solidFill>
+                  <a:srgbClr val="333333"/>
+                </a:solidFill>
+                <a:effectLst/>
+                <a:latin typeface="Arial" panose="020B0604020202020204" pitchFamily="34" charset="0"/>
+                <a:ea typeface="Times New Roman" panose="02020603050405020304" pitchFamily="18" charset="0"/>
+              </a:rPr>
+              <a:t> </a:t>
+            </a:r>
+            <a:endParaRPr lang="en-US" sz="2800" dirty="0">
+              <a:effectLst/>
+              <a:latin typeface="Times New Roman" panose="02020603050405020304" pitchFamily="18" charset="0"/>
+            </a:endParaRPr>
+          </a:p>
+          <a:p>
+            <a:pPr>
+              <a:spcBef>
+                <a:spcPts val="0"/>
+              </a:spcBef>
+              <a:spcAft>
+                <a:spcPts val="0"/>
+              </a:spcAft>
+            </a:pPr>
+            <a:r>
+              <a:rPr lang="en-US" sz="1800" u="sng" dirty="0">
+                <a:solidFill>
+                  <a:srgbClr val="1155CC"/>
+                </a:solidFill>
+                <a:effectLst/>
+                <a:latin typeface="Arial" panose="020B0604020202020204" pitchFamily="34" charset="0"/>
+                <a:ea typeface="Times New Roman" panose="02020603050405020304" pitchFamily="18" charset="0"/>
+                <a:hlinkClick r:id="rId5"/>
+              </a:rPr>
+              <a:t>Customizing the Automated Tasks</a:t>
+            </a:r>
+            <a:r>
+              <a:rPr lang="en-US" sz="1800" dirty="0">
+                <a:solidFill>
+                  <a:srgbClr val="333333"/>
+                </a:solidFill>
+                <a:effectLst/>
+                <a:latin typeface="Arial" panose="020B0604020202020204" pitchFamily="34" charset="0"/>
+                <a:ea typeface="Times New Roman" panose="02020603050405020304" pitchFamily="18" charset="0"/>
+              </a:rPr>
+              <a:t> </a:t>
+            </a:r>
+            <a:endParaRPr lang="en-US" sz="2800" dirty="0">
+              <a:effectLst/>
+              <a:latin typeface="Times New Roman" panose="02020603050405020304" pitchFamily="18" charset="0"/>
+            </a:endParaRPr>
+          </a:p>
+        </p:txBody>
+      </p:sp>
+      <p:sp>
+        <p:nvSpPr>
+          <p:cNvPr id="2" name="Text Box 1"/>
+          <p:cNvSpPr txBox="1"/>
+          <p:nvPr/>
+        </p:nvSpPr>
+        <p:spPr>
+          <a:xfrm>
+            <a:off x="367030" y="5842635"/>
+            <a:ext cx="10170795" cy="337185"/>
+          </a:xfrm>
+          <a:prstGeom prst="rect">
+            <a:avLst/>
+          </a:prstGeom>
+        </p:spPr>
+        <p:txBody>
+          <a:bodyPr wrap="square">
+            <a:spAutoFit/>
+          </a:bodyPr>
+          <a:p>
+            <a:pPr marL="0" indent="0">
+              <a:spcBef>
+                <a:spcPct val="0"/>
+              </a:spcBef>
+              <a:spcAft>
+                <a:spcPct val="0"/>
+              </a:spcAft>
+            </a:pPr>
+            <a:r>
+              <a:rPr sz="1600" b="1" i="0">
+                <a:solidFill>
+                  <a:srgbClr val="0F0F0F"/>
+                </a:solidFill>
+                <a:latin typeface="Roboto"/>
+                <a:ea typeface="Roboto"/>
+              </a:rPr>
+              <a:t>MIS Report in Excel </a:t>
+            </a:r>
+            <a:r>
+              <a:rPr lang="en-US" sz="1600" b="1" i="0">
+                <a:solidFill>
+                  <a:srgbClr val="0F0F0F"/>
+                </a:solidFill>
+                <a:latin typeface="Roboto"/>
+                <a:ea typeface="Roboto"/>
+              </a:rPr>
+              <a:t> </a:t>
+            </a:r>
+            <a:r>
+              <a:rPr lang="en-US" sz="1600" b="1" i="0">
+                <a:solidFill>
+                  <a:srgbClr val="00B0F0"/>
+                </a:solidFill>
+                <a:latin typeface="Roboto"/>
+                <a:ea typeface="Roboto"/>
+              </a:rPr>
+              <a:t>https://www.youtube.com/watch?v=wwCy1VaaUwk</a:t>
+            </a:r>
+            <a:endParaRPr lang="en-US" sz="1600" b="1" i="0">
+              <a:solidFill>
+                <a:srgbClr val="00B0F0"/>
+              </a:solidFill>
+              <a:latin typeface="Roboto"/>
+              <a:ea typeface="Roboto"/>
+            </a:endParaRPr>
+          </a:p>
+        </p:txBody>
+      </p:sp>
+      <p:sp>
+        <p:nvSpPr>
+          <p:cNvPr id="4" name="Text Box 3"/>
+          <p:cNvSpPr txBox="1"/>
+          <p:nvPr/>
+        </p:nvSpPr>
+        <p:spPr>
+          <a:xfrm>
+            <a:off x="434975" y="5332730"/>
+            <a:ext cx="11309985" cy="337185"/>
+          </a:xfrm>
+          <a:prstGeom prst="rect">
+            <a:avLst/>
+          </a:prstGeom>
+        </p:spPr>
+        <p:txBody>
+          <a:bodyPr wrap="square">
+            <a:spAutoFit/>
+          </a:bodyPr>
+          <a:p>
+            <a:pPr marL="0" indent="0">
+              <a:spcBef>
+                <a:spcPct val="0"/>
+              </a:spcBef>
+              <a:spcAft>
+                <a:spcPct val="0"/>
+              </a:spcAft>
+            </a:pPr>
+            <a:r>
+              <a:rPr sz="1600" b="1" i="0">
+                <a:solidFill>
+                  <a:srgbClr val="0F0F0F"/>
+                </a:solidFill>
+                <a:latin typeface="Roboto"/>
+                <a:ea typeface="Roboto"/>
+              </a:rPr>
+              <a:t>Advanced Excel VBA Macros Training for MIS Report Automation</a:t>
+            </a:r>
+            <a:r>
+              <a:rPr lang="en-US" sz="1600" b="1" i="0">
+                <a:solidFill>
+                  <a:srgbClr val="0F0F0F"/>
+                </a:solidFill>
+                <a:latin typeface="Roboto"/>
+                <a:ea typeface="Roboto"/>
+              </a:rPr>
+              <a:t> </a:t>
+            </a:r>
+            <a:r>
+              <a:rPr lang="en-US" sz="1600" b="1" i="0">
+                <a:solidFill>
+                  <a:srgbClr val="00B0F0"/>
+                </a:solidFill>
+                <a:latin typeface="Roboto"/>
+                <a:ea typeface="Roboto"/>
+              </a:rPr>
+              <a:t>https://youtu.be/pcm-xKAo2_M?feature=shared</a:t>
+            </a:r>
+            <a:endParaRPr lang="en-US" sz="1600" b="1" i="0">
+              <a:solidFill>
+                <a:srgbClr val="00B0F0"/>
+              </a:solidFill>
+              <a:latin typeface="Roboto"/>
+              <a:ea typeface="Roboto"/>
+            </a:endParaRPr>
+          </a:p>
+        </p:txBody>
+      </p:sp>
+      <p:sp>
+        <p:nvSpPr>
+          <p:cNvPr id="5" name="Text Box 4"/>
+          <p:cNvSpPr txBox="1"/>
+          <p:nvPr/>
+        </p:nvSpPr>
+        <p:spPr>
+          <a:xfrm>
+            <a:off x="3048000" y="3244850"/>
+            <a:ext cx="8990965" cy="645160"/>
+          </a:xfrm>
+          <a:prstGeom prst="rect">
+            <a:avLst/>
+          </a:prstGeom>
+          <a:noFill/>
+        </p:spPr>
+        <p:txBody>
+          <a:bodyPr wrap="square" rtlCol="0" anchor="t">
+            <a:spAutoFit/>
+          </a:bodyPr>
+          <a:p>
+            <a:r>
+              <a:rPr lang="en-US">
+                <a:solidFill>
+                  <a:srgbClr val="00B0F0"/>
+                </a:solidFill>
+              </a:rPr>
+              <a:t>https://www.youtube.com/watch?v=AI_Ug-YJvF4</a:t>
+            </a:r>
+            <a:r>
+              <a:rPr lang="en-US"/>
+              <a:t> MIS Reports automate publishing with excel vba</a:t>
+            </a:r>
+            <a:endParaRPr lang="en-US"/>
+          </a:p>
+        </p:txBody>
+      </p:sp>
+    </p:spTree>
+  </p:cSld>
+  <p:clrMapOvr>
+    <a:masterClrMapping/>
+  </p:clrMapOvr>
+</p:sld>
+</file>
+
+<file path=ppt/slides/slide33.xml><?xml version="1.0" encoding="utf-8"?>
+<p:sld xmlns:a="http://schemas.openxmlformats.org/drawingml/2006/main" xmlns:r="http://schemas.openxmlformats.org/officeDocument/2006/relationships" xmlns:p="http://schemas.openxmlformats.org/presentationml/2006/main">
+  <p:cSld>
+    <p:spTree>
+      <p:nvGrpSpPr>
+        <p:cNvPr id="1" name=""/>
+        <p:cNvGrpSpPr/>
+        <p:nvPr/>
+      </p:nvGrpSpPr>
+      <p:grpSpPr>
+        <a:xfrm>
+          <a:off x="0" y="0"/>
+          <a:ext cx="0" cy="0"/>
+          <a:chOff x="0" y="0"/>
+          <a:chExt cx="0" cy="0"/>
+        </a:xfrm>
+      </p:grpSpPr>
+      <p:sp>
+        <p:nvSpPr>
+          <p:cNvPr id="3" name="TextBox 2"/>
+          <p:cNvSpPr txBox="1"/>
+          <p:nvPr/>
+        </p:nvSpPr>
+        <p:spPr>
+          <a:xfrm>
+            <a:off x="341188" y="688320"/>
             <a:ext cx="6097656" cy="923330"/>
           </a:xfrm>
           <a:prstGeom prst="rect">
@@ -8804,6 +13767,74 @@
           </a:p>
         </p:txBody>
       </p:sp>
+      <p:sp>
+        <p:nvSpPr>
+          <p:cNvPr id="2" name="Text Box 1"/>
+          <p:cNvSpPr txBox="1"/>
+          <p:nvPr/>
+        </p:nvSpPr>
+        <p:spPr>
+          <a:xfrm>
+            <a:off x="1358900" y="5947410"/>
+            <a:ext cx="10704195" cy="337185"/>
+          </a:xfrm>
+          <a:prstGeom prst="rect">
+            <a:avLst/>
+          </a:prstGeom>
+        </p:spPr>
+        <p:txBody>
+          <a:bodyPr wrap="square">
+            <a:spAutoFit/>
+          </a:bodyPr>
+          <a:p>
+            <a:pPr marL="0" indent="0">
+              <a:spcBef>
+                <a:spcPct val="0"/>
+              </a:spcBef>
+              <a:spcAft>
+                <a:spcPct val="0"/>
+              </a:spcAft>
+            </a:pPr>
+            <a:r>
+              <a:rPr lang="en-US" sz="1600" b="1" i="0">
+                <a:solidFill>
+                  <a:srgbClr val="0F0F0F"/>
+                </a:solidFill>
+                <a:latin typeface="Roboto"/>
+                <a:ea typeface="Roboto"/>
+              </a:rPr>
+              <a:t> </a:t>
+            </a:r>
+            <a:r>
+              <a:rPr sz="1600" b="1" i="0">
+                <a:solidFill>
+                  <a:srgbClr val="0F0F0F"/>
+                </a:solidFill>
+                <a:latin typeface="Roboto"/>
+                <a:ea typeface="Roboto"/>
+              </a:rPr>
+              <a:t>Data Cleaning in Excel</a:t>
+            </a:r>
+            <a:r>
+              <a:rPr lang="en-US" sz="1600" b="1" i="0">
+                <a:solidFill>
+                  <a:srgbClr val="0F0F0F"/>
+                </a:solidFill>
+                <a:latin typeface="Roboto"/>
+                <a:ea typeface="Roboto"/>
+              </a:rPr>
+              <a:t> https://youtu.be/q7EpoOwBcnM?feature=shared</a:t>
+            </a:r>
+            <a:endParaRPr lang="en-US" sz="1600" b="1" i="0">
+              <a:solidFill>
+                <a:srgbClr val="0F0F0F"/>
+              </a:solidFill>
+              <a:latin typeface="Roboto"/>
+              <a:ea typeface="Roboto"/>
+            </a:endParaRPr>
+          </a:p>
+        </p:txBody>
+      </p:sp>
     </p:spTree>
   </p:cSld>
   <p:clrMapOvr>
@@ -8812,7 +13843,7 @@
 </p:sld>
 </file>
 
-<file path=ppt/slides/slide27.xml><?xml version="1.0" encoding="utf-8"?>
+<file path=ppt/slides/slide34.xml><?xml version="1.0" encoding="utf-8"?>
 <p:sld xmlns:a="http://schemas.openxmlformats.org/drawingml/2006/main" xmlns:r="http://schemas.openxmlformats.org/officeDocument/2006/relationships" xmlns:p="http://schemas.openxmlformats.org/presentationml/2006/main">
   <p:cSld>
     <p:bg>
@@ -8914,7 +13945,7 @@
                   <a:srgbClr val="FFFFFF"/>
                 </a:solidFill>
               </a:rPr>
-              <a:t>Your best quote that reflects your approach… “It’s one small step for man, one giant leap for mankind.”</a:t>
+              <a:t>Thank You !</a:t>
             </a:r>
             <a:endParaRPr lang="en-US" sz="4800" i="1" dirty="0">
               <a:solidFill>
@@ -8963,592 +13994,6 @@
             <a:schemeClr val="lt1"/>
           </a:fontRef>
         </p:style>
-      </p:sp>
-      <p:sp>
-        <p:nvSpPr>
-          <p:cNvPr id="3" name="Subtitle 2"/>
-          <p:cNvSpPr>
-            <a:spLocks noGrp="1"/>
-          </p:cNvSpPr>
-          <p:nvPr>
-            <p:ph type="subTitle" idx="1"/>
-          </p:nvPr>
-        </p:nvSpPr>
-        <p:spPr>
-          <a:xfrm>
-            <a:off x="1100051" y="5225240"/>
-            <a:ext cx="10058400" cy="1143000"/>
-          </a:xfrm>
-        </p:spPr>
-        <p:txBody>
-          <a:bodyPr>
-            <a:normAutofit/>
-          </a:bodyPr>
-          <a:lstStyle/>
-          <a:p>
-            <a:r>
-              <a:rPr lang="en-US">
-                <a:solidFill>
-                  <a:srgbClr val="FFFFFF"/>
-                </a:solidFill>
-              </a:rPr>
-              <a:t>- Neil Armstrong</a:t>
-            </a:r>
-            <a:endParaRPr lang="en-US">
-              <a:solidFill>
-                <a:srgbClr val="FFFFFF"/>
-              </a:solidFill>
-            </a:endParaRPr>
-          </a:p>
-        </p:txBody>
-      </p:sp>
-    </p:spTree>
-  </p:cSld>
-  <p:clrMapOvr>
-    <a:masterClrMapping/>
-  </p:clrMapOvr>
-</p:sld>
-</file>
-
-<file path=ppt/slides/slide3.xml><?xml version="1.0" encoding="utf-8"?>
-<p:sld xmlns:a="http://schemas.openxmlformats.org/drawingml/2006/main" xmlns:r="http://schemas.openxmlformats.org/officeDocument/2006/relationships" xmlns:p="http://schemas.openxmlformats.org/presentationml/2006/main">
-  <p:cSld>
-    <p:spTree>
-      <p:nvGrpSpPr>
-        <p:cNvPr id="1" name=""/>
-        <p:cNvGrpSpPr/>
-        <p:nvPr/>
-      </p:nvGrpSpPr>
-      <p:grpSpPr>
-        <a:xfrm>
-          <a:off x="0" y="0"/>
-          <a:ext cx="0" cy="0"/>
-          <a:chOff x="0" y="0"/>
-          <a:chExt cx="0" cy="0"/>
-        </a:xfrm>
-      </p:grpSpPr>
-      <p:sp>
-        <p:nvSpPr>
-          <p:cNvPr id="3" name="TextBox 2"/>
-          <p:cNvSpPr txBox="1"/>
-          <p:nvPr/>
-        </p:nvSpPr>
-        <p:spPr>
-          <a:xfrm>
-            <a:off x="208722" y="288234"/>
-            <a:ext cx="9750286" cy="5816977"/>
-          </a:xfrm>
-          <a:prstGeom prst="rect">
-            <a:avLst/>
-          </a:prstGeom>
-          <a:noFill/>
-        </p:spPr>
-        <p:txBody>
-          <a:bodyPr wrap="square">
-            <a:spAutoFit/>
-          </a:bodyPr>
-          <a:lstStyle/>
-          <a:p>
-            <a:pPr>
-              <a:spcBef>
-                <a:spcPts val="1500"/>
-              </a:spcBef>
-              <a:spcAft>
-                <a:spcPts val="0"/>
-              </a:spcAft>
-            </a:pPr>
-            <a:r>
-              <a:rPr lang="en-US" sz="2800" dirty="0">
-                <a:solidFill>
-                  <a:srgbClr val="333333"/>
-                </a:solidFill>
-                <a:effectLst/>
-                <a:latin typeface="Arial" panose="020B0604020202020204" pitchFamily="34" charset="0"/>
-                <a:ea typeface="Times New Roman" panose="02020603050405020304" pitchFamily="18" charset="0"/>
-              </a:rPr>
-              <a:t> </a:t>
-            </a:r>
-            <a:r>
-              <a:rPr lang="en-US" sz="2800" u="sng" dirty="0">
-                <a:solidFill>
-                  <a:srgbClr val="1E88E5"/>
-                </a:solidFill>
-                <a:effectLst/>
-                <a:latin typeface="Arial" panose="020B0604020202020204" pitchFamily="34" charset="0"/>
-                <a:ea typeface="Times New Roman" panose="02020603050405020304" pitchFamily="18" charset="0"/>
-                <a:hlinkClick r:id="rId1"/>
-              </a:rPr>
-              <a:t>Introduction To Excel</a:t>
-            </a:r>
-            <a:endParaRPr lang="en-US" sz="2000" dirty="0">
-              <a:effectLst/>
-              <a:latin typeface="Times New Roman" panose="02020603050405020304" pitchFamily="18" charset="0"/>
-            </a:endParaRPr>
-          </a:p>
-          <a:p>
-            <a:pPr marL="342900" lvl="0" indent="-342900" algn="l">
-              <a:spcBef>
-                <a:spcPts val="905"/>
-              </a:spcBef>
-              <a:spcAft>
-                <a:spcPts val="0"/>
-              </a:spcAft>
-              <a:buFont typeface="Wingdings" panose="05000000000000000000" pitchFamily="2" charset="2"/>
-              <a:buChar char=""/>
-            </a:pPr>
-            <a:r>
-              <a:rPr lang="en-US" sz="1400" u="sng" dirty="0">
-                <a:solidFill>
-                  <a:srgbClr val="1155CC"/>
-                </a:solidFill>
-                <a:effectLst/>
-                <a:latin typeface="Arial" panose="020B0604020202020204" pitchFamily="34" charset="0"/>
-                <a:ea typeface="Times New Roman" panose="02020603050405020304" pitchFamily="18" charset="0"/>
-                <a:hlinkClick r:id="rId2"/>
-              </a:rPr>
-              <a:t>Introduction</a:t>
-            </a:r>
-            <a:endParaRPr lang="en-US" sz="2000" dirty="0">
-              <a:effectLst/>
-              <a:latin typeface="Times New Roman" panose="02020603050405020304" pitchFamily="18" charset="0"/>
-            </a:endParaRPr>
-          </a:p>
-          <a:p>
-            <a:pPr marL="342900" lvl="0" indent="-342900" algn="l">
-              <a:spcBef>
-                <a:spcPts val="905"/>
-              </a:spcBef>
-              <a:spcAft>
-                <a:spcPts val="0"/>
-              </a:spcAft>
-              <a:buFont typeface="Wingdings" panose="05000000000000000000" pitchFamily="2" charset="2"/>
-              <a:buChar char=""/>
-            </a:pPr>
-            <a:r>
-              <a:rPr lang="en-US" sz="1400" u="sng" dirty="0">
-                <a:solidFill>
-                  <a:srgbClr val="1155CC"/>
-                </a:solidFill>
-                <a:effectLst/>
-                <a:latin typeface="Arial" panose="020B0604020202020204" pitchFamily="34" charset="0"/>
-                <a:ea typeface="Times New Roman" panose="02020603050405020304" pitchFamily="18" charset="0"/>
-                <a:hlinkClick r:id="rId3"/>
-              </a:rPr>
-              <a:t>Interface</a:t>
-            </a:r>
-            <a:endParaRPr lang="en-US" sz="2000" dirty="0">
-              <a:effectLst/>
-              <a:latin typeface="Times New Roman" panose="02020603050405020304" pitchFamily="18" charset="0"/>
-            </a:endParaRPr>
-          </a:p>
-          <a:p>
-            <a:pPr marL="342900" lvl="0" indent="-342900" algn="l">
-              <a:spcBef>
-                <a:spcPts val="905"/>
-              </a:spcBef>
-              <a:spcAft>
-                <a:spcPts val="0"/>
-              </a:spcAft>
-              <a:buFont typeface="Wingdings" panose="05000000000000000000" pitchFamily="2" charset="2"/>
-              <a:buChar char=""/>
-            </a:pPr>
-            <a:r>
-              <a:rPr lang="en-US" sz="1400" u="sng" dirty="0">
-                <a:solidFill>
-                  <a:srgbClr val="1155CC"/>
-                </a:solidFill>
-                <a:effectLst/>
-                <a:latin typeface="Arial" panose="020B0604020202020204" pitchFamily="34" charset="0"/>
-                <a:ea typeface="Times New Roman" panose="02020603050405020304" pitchFamily="18" charset="0"/>
-                <a:hlinkClick r:id="rId4"/>
-              </a:rPr>
-              <a:t>Tabs and Ribbons</a:t>
-            </a:r>
-            <a:endParaRPr lang="en-US" sz="2000" dirty="0">
-              <a:effectLst/>
-              <a:latin typeface="Times New Roman" panose="02020603050405020304" pitchFamily="18" charset="0"/>
-            </a:endParaRPr>
-          </a:p>
-          <a:p>
-            <a:pPr marL="342900" lvl="0" indent="-342900" algn="l">
-              <a:spcBef>
-                <a:spcPts val="905"/>
-              </a:spcBef>
-              <a:spcAft>
-                <a:spcPts val="0"/>
-              </a:spcAft>
-              <a:buFont typeface="Wingdings" panose="05000000000000000000" pitchFamily="2" charset="2"/>
-              <a:buChar char=""/>
-            </a:pPr>
-            <a:r>
-              <a:rPr lang="en-US" sz="1400" u="sng" dirty="0">
-                <a:solidFill>
-                  <a:srgbClr val="1155CC"/>
-                </a:solidFill>
-                <a:effectLst/>
-                <a:latin typeface="Arial" panose="020B0604020202020204" pitchFamily="34" charset="0"/>
-                <a:ea typeface="Times New Roman" panose="02020603050405020304" pitchFamily="18" charset="0"/>
-                <a:hlinkClick r:id="rId5"/>
-              </a:rPr>
-              <a:t>Document Windows</a:t>
-            </a:r>
-            <a:endParaRPr lang="en-US" sz="2000" dirty="0">
-              <a:effectLst/>
-              <a:latin typeface="Times New Roman" panose="02020603050405020304" pitchFamily="18" charset="0"/>
-            </a:endParaRPr>
-          </a:p>
-          <a:p>
-            <a:pPr marL="342900" lvl="0" indent="-342900" algn="l">
-              <a:spcBef>
-                <a:spcPts val="905"/>
-              </a:spcBef>
-              <a:spcAft>
-                <a:spcPts val="0"/>
-              </a:spcAft>
-              <a:buFont typeface="Wingdings" panose="05000000000000000000" pitchFamily="2" charset="2"/>
-              <a:buChar char=""/>
-            </a:pPr>
-            <a:r>
-              <a:rPr lang="en-US" sz="1400" u="sng" dirty="0">
-                <a:solidFill>
-                  <a:srgbClr val="1155CC"/>
-                </a:solidFill>
-                <a:effectLst/>
-                <a:latin typeface="Arial" panose="020B0604020202020204" pitchFamily="34" charset="0"/>
-                <a:ea typeface="Times New Roman" panose="02020603050405020304" pitchFamily="18" charset="0"/>
-                <a:hlinkClick r:id="rId6"/>
-              </a:rPr>
-              <a:t>Navigation Tips</a:t>
-            </a:r>
-            <a:endParaRPr lang="en-US" sz="2000" dirty="0">
-              <a:effectLst/>
-              <a:latin typeface="Times New Roman" panose="02020603050405020304" pitchFamily="18" charset="0"/>
-            </a:endParaRPr>
-          </a:p>
-          <a:p>
-            <a:pPr marL="342900" lvl="0" indent="-342900" algn="l">
-              <a:spcBef>
-                <a:spcPts val="905"/>
-              </a:spcBef>
-              <a:spcAft>
-                <a:spcPts val="0"/>
-              </a:spcAft>
-              <a:buFont typeface="Wingdings" panose="05000000000000000000" pitchFamily="2" charset="2"/>
-              <a:buChar char=""/>
-            </a:pPr>
-            <a:r>
-              <a:rPr lang="en-US" sz="1400" u="sng" dirty="0">
-                <a:solidFill>
-                  <a:srgbClr val="1155CC"/>
-                </a:solidFill>
-                <a:effectLst/>
-                <a:latin typeface="Arial" panose="020B0604020202020204" pitchFamily="34" charset="0"/>
-                <a:ea typeface="Times New Roman" panose="02020603050405020304" pitchFamily="18" charset="0"/>
-                <a:hlinkClick r:id="rId7"/>
-              </a:rPr>
-              <a:t>File Menu and Save</a:t>
-            </a:r>
-            <a:endParaRPr lang="en-US" sz="2000" dirty="0">
-              <a:effectLst/>
-              <a:latin typeface="Times New Roman" panose="02020603050405020304" pitchFamily="18" charset="0"/>
-            </a:endParaRPr>
-          </a:p>
-          <a:p>
-            <a:pPr marL="342900" lvl="0" indent="-342900" algn="l">
-              <a:spcBef>
-                <a:spcPts val="905"/>
-              </a:spcBef>
-              <a:spcAft>
-                <a:spcPts val="0"/>
-              </a:spcAft>
-              <a:buFont typeface="Wingdings" panose="05000000000000000000" pitchFamily="2" charset="2"/>
-              <a:buChar char=""/>
-            </a:pPr>
-            <a:r>
-              <a:rPr lang="en-US" sz="1400" u="sng" dirty="0">
-                <a:solidFill>
-                  <a:srgbClr val="1155CC"/>
-                </a:solidFill>
-                <a:effectLst/>
-                <a:latin typeface="Arial" panose="020B0604020202020204" pitchFamily="34" charset="0"/>
-                <a:ea typeface="Times New Roman" panose="02020603050405020304" pitchFamily="18" charset="0"/>
-                <a:hlinkClick r:id="rId8"/>
-              </a:rPr>
-              <a:t>Entering Data and Importing Data</a:t>
-            </a:r>
-            <a:endParaRPr lang="en-US" sz="2000" dirty="0">
-              <a:effectLst/>
-              <a:latin typeface="Times New Roman" panose="02020603050405020304" pitchFamily="18" charset="0"/>
-            </a:endParaRPr>
-          </a:p>
-          <a:p>
-            <a:pPr marL="342900" lvl="0" indent="-342900" algn="l">
-              <a:spcBef>
-                <a:spcPts val="905"/>
-              </a:spcBef>
-              <a:spcAft>
-                <a:spcPts val="0"/>
-              </a:spcAft>
-              <a:buFont typeface="Wingdings" panose="05000000000000000000" pitchFamily="2" charset="2"/>
-              <a:buChar char=""/>
-            </a:pPr>
-            <a:r>
-              <a:rPr lang="en-US" sz="1400" u="sng" dirty="0">
-                <a:solidFill>
-                  <a:srgbClr val="1155CC"/>
-                </a:solidFill>
-                <a:effectLst/>
-                <a:latin typeface="Arial" panose="020B0604020202020204" pitchFamily="34" charset="0"/>
-                <a:ea typeface="Times New Roman" panose="02020603050405020304" pitchFamily="18" charset="0"/>
-                <a:hlinkClick r:id="rId9"/>
-              </a:rPr>
-              <a:t>Fonts and Alignment</a:t>
-            </a:r>
-            <a:endParaRPr lang="en-US" sz="2000" dirty="0">
-              <a:effectLst/>
-              <a:latin typeface="Times New Roman" panose="02020603050405020304" pitchFamily="18" charset="0"/>
-            </a:endParaRPr>
-          </a:p>
-          <a:p>
-            <a:pPr marL="342900" lvl="0" indent="-342900" algn="l">
-              <a:spcBef>
-                <a:spcPts val="905"/>
-              </a:spcBef>
-              <a:spcAft>
-                <a:spcPts val="0"/>
-              </a:spcAft>
-              <a:buFont typeface="Wingdings" panose="05000000000000000000" pitchFamily="2" charset="2"/>
-              <a:buChar char=""/>
-            </a:pPr>
-            <a:r>
-              <a:rPr lang="en-US" sz="1400" u="sng" dirty="0">
-                <a:solidFill>
-                  <a:srgbClr val="1155CC"/>
-                </a:solidFill>
-                <a:effectLst/>
-                <a:latin typeface="Arial" panose="020B0604020202020204" pitchFamily="34" charset="0"/>
-                <a:ea typeface="Times New Roman" panose="02020603050405020304" pitchFamily="18" charset="0"/>
-                <a:hlinkClick r:id="rId10"/>
-              </a:rPr>
-              <a:t>Cut, Copy and Paste</a:t>
-            </a:r>
-            <a:endParaRPr lang="en-US" sz="2000" dirty="0">
-              <a:effectLst/>
-              <a:latin typeface="Times New Roman" panose="02020603050405020304" pitchFamily="18" charset="0"/>
-            </a:endParaRPr>
-          </a:p>
-          <a:p>
-            <a:pPr marL="342900" lvl="0" indent="-342900" algn="l">
-              <a:spcBef>
-                <a:spcPts val="905"/>
-              </a:spcBef>
-              <a:spcAft>
-                <a:spcPts val="0"/>
-              </a:spcAft>
-              <a:buFont typeface="Wingdings" panose="05000000000000000000" pitchFamily="2" charset="2"/>
-              <a:buChar char=""/>
-            </a:pPr>
-            <a:r>
-              <a:rPr lang="en-US" sz="1400" u="sng" dirty="0">
-                <a:solidFill>
-                  <a:srgbClr val="1155CC"/>
-                </a:solidFill>
-                <a:effectLst/>
-                <a:latin typeface="Arial" panose="020B0604020202020204" pitchFamily="34" charset="0"/>
-                <a:ea typeface="Times New Roman" panose="02020603050405020304" pitchFamily="18" charset="0"/>
-                <a:hlinkClick r:id="rId11"/>
-              </a:rPr>
-              <a:t>Paste Special</a:t>
-            </a:r>
-            <a:endParaRPr lang="en-US" sz="2000" dirty="0">
-              <a:effectLst/>
-              <a:latin typeface="Times New Roman" panose="02020603050405020304" pitchFamily="18" charset="0"/>
-            </a:endParaRPr>
-          </a:p>
-          <a:p>
-            <a:pPr marL="342900" lvl="0" indent="-342900" algn="l">
-              <a:spcBef>
-                <a:spcPts val="905"/>
-              </a:spcBef>
-              <a:spcAft>
-                <a:spcPts val="0"/>
-              </a:spcAft>
-              <a:buFont typeface="Wingdings" panose="05000000000000000000" pitchFamily="2" charset="2"/>
-              <a:buChar char=""/>
-            </a:pPr>
-            <a:r>
-              <a:rPr lang="en-US" sz="1400" u="sng" dirty="0">
-                <a:solidFill>
-                  <a:srgbClr val="1155CC"/>
-                </a:solidFill>
-                <a:effectLst/>
-                <a:latin typeface="Arial" panose="020B0604020202020204" pitchFamily="34" charset="0"/>
-                <a:ea typeface="Times New Roman" panose="02020603050405020304" pitchFamily="18" charset="0"/>
-                <a:hlinkClick r:id="rId12"/>
-              </a:rPr>
-              <a:t>Undo and Redo</a:t>
-            </a:r>
-            <a:endParaRPr lang="en-US" sz="2000" dirty="0">
-              <a:effectLst/>
-              <a:latin typeface="Times New Roman" panose="02020603050405020304" pitchFamily="18" charset="0"/>
-            </a:endParaRPr>
-          </a:p>
-          <a:p>
-            <a:pPr marL="342900" lvl="0" indent="-342900" algn="l">
-              <a:spcBef>
-                <a:spcPts val="905"/>
-              </a:spcBef>
-              <a:spcAft>
-                <a:spcPts val="0"/>
-              </a:spcAft>
-              <a:buFont typeface="Wingdings" panose="05000000000000000000" pitchFamily="2" charset="2"/>
-              <a:buChar char=""/>
-            </a:pPr>
-            <a:r>
-              <a:rPr lang="en-US" sz="1400" u="sng" dirty="0">
-                <a:solidFill>
-                  <a:srgbClr val="1155CC"/>
-                </a:solidFill>
-                <a:effectLst/>
-                <a:latin typeface="Arial" panose="020B0604020202020204" pitchFamily="34" charset="0"/>
-                <a:ea typeface="Times New Roman" panose="02020603050405020304" pitchFamily="18" charset="0"/>
-                <a:hlinkClick r:id="rId13"/>
-              </a:rPr>
-              <a:t>Finding and Replacing a Value</a:t>
-            </a:r>
-            <a:endParaRPr lang="en-US" sz="2000" dirty="0">
-              <a:effectLst/>
-              <a:latin typeface="Times New Roman" panose="02020603050405020304" pitchFamily="18" charset="0"/>
-            </a:endParaRPr>
-          </a:p>
-          <a:p>
-            <a:pPr marL="342900" lvl="0" indent="-342900" algn="l">
-              <a:spcBef>
-                <a:spcPts val="905"/>
-              </a:spcBef>
-              <a:spcAft>
-                <a:spcPts val="0"/>
-              </a:spcAft>
-              <a:buFont typeface="Wingdings" panose="05000000000000000000" pitchFamily="2" charset="2"/>
-              <a:buChar char=""/>
-            </a:pPr>
-            <a:r>
-              <a:rPr lang="en-US" sz="1400" u="sng" dirty="0">
-                <a:solidFill>
-                  <a:srgbClr val="1155CC"/>
-                </a:solidFill>
-                <a:effectLst/>
-                <a:latin typeface="Arial" panose="020B0604020202020204" pitchFamily="34" charset="0"/>
-                <a:ea typeface="Times New Roman" panose="02020603050405020304" pitchFamily="18" charset="0"/>
-                <a:hlinkClick r:id="rId14"/>
-              </a:rPr>
-              <a:t>Cell Styles</a:t>
-            </a:r>
-            <a:endParaRPr lang="en-US" sz="2000" dirty="0">
-              <a:effectLst/>
-              <a:latin typeface="Times New Roman" panose="02020603050405020304" pitchFamily="18" charset="0"/>
-            </a:endParaRPr>
-          </a:p>
-          <a:p>
-            <a:pPr marL="342900" lvl="0" indent="-342900" algn="l">
-              <a:spcBef>
-                <a:spcPts val="905"/>
-              </a:spcBef>
-              <a:spcAft>
-                <a:spcPts val="0"/>
-              </a:spcAft>
-              <a:buFont typeface="Wingdings" panose="05000000000000000000" pitchFamily="2" charset="2"/>
-              <a:buChar char=""/>
-            </a:pPr>
-            <a:r>
-              <a:rPr lang="en-US" sz="1400" u="sng" dirty="0">
-                <a:solidFill>
-                  <a:srgbClr val="1155CC"/>
-                </a:solidFill>
-                <a:effectLst/>
-                <a:latin typeface="Arial" panose="020B0604020202020204" pitchFamily="34" charset="0"/>
-                <a:ea typeface="Times New Roman" panose="02020603050405020304" pitchFamily="18" charset="0"/>
-                <a:hlinkClick r:id="rId15"/>
-              </a:rPr>
-              <a:t>Formatting Numbers and Dates</a:t>
-            </a:r>
-            <a:endParaRPr lang="en-US" sz="2000" dirty="0">
-              <a:effectLst/>
-              <a:latin typeface="Times New Roman" panose="02020603050405020304" pitchFamily="18" charset="0"/>
-            </a:endParaRPr>
-          </a:p>
-          <a:p>
-            <a:pPr marL="342900" lvl="0" indent="-342900" algn="l">
-              <a:spcBef>
-                <a:spcPts val="905"/>
-              </a:spcBef>
-              <a:spcAft>
-                <a:spcPts val="0"/>
-              </a:spcAft>
-              <a:buFont typeface="Wingdings" panose="05000000000000000000" pitchFamily="2" charset="2"/>
-              <a:buChar char=""/>
-            </a:pPr>
-            <a:r>
-              <a:rPr lang="en-US" sz="1400" u="sng" dirty="0">
-                <a:solidFill>
-                  <a:srgbClr val="1155CC"/>
-                </a:solidFill>
-                <a:effectLst/>
-                <a:latin typeface="Arial" panose="020B0604020202020204" pitchFamily="34" charset="0"/>
-                <a:ea typeface="Times New Roman" panose="02020603050405020304" pitchFamily="18" charset="0"/>
-                <a:hlinkClick r:id="rId16"/>
-              </a:rPr>
-              <a:t>Comments</a:t>
-            </a:r>
-            <a:r>
-              <a:rPr lang="en-US" sz="1400" dirty="0">
-                <a:solidFill>
-                  <a:srgbClr val="333333"/>
-                </a:solidFill>
-                <a:effectLst/>
-                <a:latin typeface="Arial" panose="020B0604020202020204" pitchFamily="34" charset="0"/>
-                <a:ea typeface="Times New Roman" panose="02020603050405020304" pitchFamily="18" charset="0"/>
-              </a:rPr>
-              <a:t>  </a:t>
-            </a:r>
-            <a:endParaRPr lang="en-US" sz="1400" dirty="0">
-              <a:solidFill>
-                <a:srgbClr val="333333"/>
-              </a:solidFill>
-              <a:effectLst/>
-              <a:latin typeface="Arial" panose="020B0604020202020204" pitchFamily="34" charset="0"/>
-              <a:ea typeface="Times New Roman" panose="02020603050405020304" pitchFamily="18" charset="0"/>
-            </a:endParaRPr>
-          </a:p>
-          <a:p>
-            <a:pPr marL="342900" lvl="0" indent="-342900" algn="l">
-              <a:spcBef>
-                <a:spcPts val="905"/>
-              </a:spcBef>
-              <a:spcAft>
-                <a:spcPts val="0"/>
-              </a:spcAft>
-              <a:buFont typeface="Wingdings" panose="05000000000000000000" pitchFamily="2" charset="2"/>
-              <a:buChar char=""/>
-            </a:pPr>
-            <a:r>
-              <a:rPr lang="en-US" sz="1400" u="sng" dirty="0">
-                <a:solidFill>
-                  <a:srgbClr val="1155CC"/>
-                </a:solidFill>
-                <a:effectLst/>
-                <a:latin typeface="Arial" panose="020B0604020202020204" pitchFamily="34" charset="0"/>
-                <a:ea typeface="Times New Roman" panose="02020603050405020304" pitchFamily="18" charset="0"/>
-                <a:hlinkClick r:id="rId17"/>
-              </a:rPr>
-              <a:t>Assignment</a:t>
-            </a:r>
-            <a:endParaRPr lang="en-US" sz="2000" dirty="0">
-              <a:effectLst/>
-              <a:latin typeface="Times New Roman" panose="02020603050405020304" pitchFamily="18" charset="0"/>
-            </a:endParaRPr>
-          </a:p>
-        </p:txBody>
       </p:sp>
     </p:spTree>
   </p:cSld>
